--- a/document/presentation.pptx
+++ b/document/presentation.pptx
@@ -5,7 +5,7 @@
     <p:sldMasterId id="2147483675" r:id="rId1"/>
   </p:sldMasterIdLst>
   <p:notesMasterIdLst>
-    <p:notesMasterId r:id="rId17"/>
+    <p:notesMasterId r:id="rId22"/>
   </p:notesMasterIdLst>
   <p:sldIdLst>
     <p:sldId id="256" r:id="rId2"/>
@@ -21,28 +21,33 @@
     <p:sldId id="272" r:id="rId12"/>
     <p:sldId id="276" r:id="rId13"/>
     <p:sldId id="278" r:id="rId14"/>
-    <p:sldId id="280" r:id="rId15"/>
-    <p:sldId id="281" r:id="rId16"/>
+    <p:sldId id="284" r:id="rId15"/>
+    <p:sldId id="285" r:id="rId16"/>
+    <p:sldId id="286" r:id="rId17"/>
+    <p:sldId id="287" r:id="rId18"/>
+    <p:sldId id="288" r:id="rId19"/>
+    <p:sldId id="280" r:id="rId20"/>
+    <p:sldId id="281" r:id="rId21"/>
   </p:sldIdLst>
   <p:sldSz cx="9144000" cy="5143500" type="screen16x9"/>
   <p:notesSz cx="6858000" cy="9144000"/>
   <p:embeddedFontLst>
     <p:embeddedFont>
       <p:font typeface="Kanit" panose="020B0604020202020204" charset="-34"/>
-      <p:regular r:id="rId18"/>
-      <p:bold r:id="rId19"/>
-      <p:italic r:id="rId20"/>
-      <p:boldItalic r:id="rId21"/>
+      <p:regular r:id="rId23"/>
+      <p:bold r:id="rId24"/>
+      <p:italic r:id="rId25"/>
+      <p:boldItalic r:id="rId26"/>
     </p:embeddedFont>
     <p:embeddedFont>
       <p:font typeface="Palanquin" panose="020B0004020203020204" pitchFamily="34" charset="0"/>
-      <p:regular r:id="rId22"/>
-      <p:bold r:id="rId23"/>
+      <p:regular r:id="rId27"/>
+      <p:bold r:id="rId28"/>
     </p:embeddedFont>
     <p:embeddedFont>
       <p:font typeface="Signika" panose="020B0604020202020204" charset="0"/>
-      <p:regular r:id="rId24"/>
-      <p:bold r:id="rId25"/>
+      <p:regular r:id="rId29"/>
+      <p:bold r:id="rId30"/>
     </p:embeddedFont>
   </p:embeddedFontLst>
   <p:defaultTextStyle>
@@ -1244,6 +1249,551 @@
 </file>
 
 <file path=ppt/notesSlides/notesSlide14.xml><?xml version="1.0" encoding="utf-8"?>
+<p:notes xmlns:a="http://schemas.openxmlformats.org/drawingml/2006/main" xmlns:r="http://schemas.openxmlformats.org/officeDocument/2006/relationships" xmlns:p="http://schemas.openxmlformats.org/presentationml/2006/main" showMasterSp="0" showMasterPhAnim="0">
+  <p:cSld>
+    <p:spTree>
+      <p:nvGrpSpPr>
+        <p:cNvPr id="1" name="Shape 695"/>
+        <p:cNvGrpSpPr/>
+        <p:nvPr/>
+      </p:nvGrpSpPr>
+      <p:grpSpPr>
+        <a:xfrm>
+          <a:off x="0" y="0"/>
+          <a:ext cx="0" cy="0"/>
+          <a:chOff x="0" y="0"/>
+          <a:chExt cx="0" cy="0"/>
+        </a:xfrm>
+      </p:grpSpPr>
+      <p:sp>
+        <p:nvSpPr>
+          <p:cNvPr id="696" name="Google Shape;696;g9700d4d0ec_0_39:notes"/>
+          <p:cNvSpPr>
+            <a:spLocks noGrp="1" noRot="1" noChangeAspect="1"/>
+          </p:cNvSpPr>
+          <p:nvPr>
+            <p:ph type="sldImg" idx="2"/>
+          </p:nvPr>
+        </p:nvSpPr>
+        <p:spPr>
+          <a:xfrm>
+            <a:off x="381000" y="685800"/>
+            <a:ext cx="6096000" cy="3429000"/>
+          </a:xfrm>
+          <a:custGeom>
+            <a:avLst/>
+            <a:gdLst/>
+            <a:ahLst/>
+            <a:cxnLst/>
+            <a:rect l="l" t="t" r="r" b="b"/>
+            <a:pathLst>
+              <a:path w="120000" h="120000" extrusionOk="0">
+                <a:moveTo>
+                  <a:pt x="0" y="0"/>
+                </a:moveTo>
+                <a:lnTo>
+                  <a:pt x="120000" y="0"/>
+                </a:lnTo>
+                <a:lnTo>
+                  <a:pt x="120000" y="120000"/>
+                </a:lnTo>
+                <a:lnTo>
+                  <a:pt x="0" y="120000"/>
+                </a:lnTo>
+                <a:close/>
+              </a:path>
+            </a:pathLst>
+          </a:custGeom>
+        </p:spPr>
+      </p:sp>
+      <p:sp>
+        <p:nvSpPr>
+          <p:cNvPr id="697" name="Google Shape;697;g9700d4d0ec_0_39:notes"/>
+          <p:cNvSpPr txBox="1">
+            <a:spLocks noGrp="1"/>
+          </p:cNvSpPr>
+          <p:nvPr>
+            <p:ph type="body" idx="1"/>
+          </p:nvPr>
+        </p:nvSpPr>
+        <p:spPr>
+          <a:xfrm>
+            <a:off x="685800" y="4343400"/>
+            <a:ext cx="5486400" cy="4114800"/>
+          </a:xfrm>
+          <a:prstGeom prst="rect">
+            <a:avLst/>
+          </a:prstGeom>
+        </p:spPr>
+        <p:txBody>
+          <a:bodyPr spcFirstLastPara="1" wrap="square" lIns="91425" tIns="91425" rIns="91425" bIns="91425" anchor="t" anchorCtr="0">
+            <a:noAutofit/>
+          </a:bodyPr>
+          <a:lstStyle/>
+          <a:p>
+            <a:pPr marL="0" lvl="0" indent="0" algn="l" rtl="0">
+              <a:spcBef>
+                <a:spcPts val="0"/>
+              </a:spcBef>
+              <a:spcAft>
+                <a:spcPts val="0"/>
+              </a:spcAft>
+              <a:buNone/>
+            </a:pPr>
+            <a:endParaRPr/>
+          </a:p>
+        </p:txBody>
+      </p:sp>
+    </p:spTree>
+    <p:extLst>
+      <p:ext uri="{BB962C8B-B14F-4D97-AF65-F5344CB8AC3E}">
+        <p14:creationId xmlns:p14="http://schemas.microsoft.com/office/powerpoint/2010/main" val="3634254091"/>
+      </p:ext>
+    </p:extLst>
+  </p:cSld>
+  <p:clrMapOvr>
+    <a:masterClrMapping/>
+  </p:clrMapOvr>
+</p:notes>
+</file>
+
+<file path=ppt/notesSlides/notesSlide15.xml><?xml version="1.0" encoding="utf-8"?>
+<p:notes xmlns:a="http://schemas.openxmlformats.org/drawingml/2006/main" xmlns:r="http://schemas.openxmlformats.org/officeDocument/2006/relationships" xmlns:p="http://schemas.openxmlformats.org/presentationml/2006/main" showMasterSp="0" showMasterPhAnim="0">
+  <p:cSld>
+    <p:spTree>
+      <p:nvGrpSpPr>
+        <p:cNvPr id="1" name="Shape 695"/>
+        <p:cNvGrpSpPr/>
+        <p:nvPr/>
+      </p:nvGrpSpPr>
+      <p:grpSpPr>
+        <a:xfrm>
+          <a:off x="0" y="0"/>
+          <a:ext cx="0" cy="0"/>
+          <a:chOff x="0" y="0"/>
+          <a:chExt cx="0" cy="0"/>
+        </a:xfrm>
+      </p:grpSpPr>
+      <p:sp>
+        <p:nvSpPr>
+          <p:cNvPr id="696" name="Google Shape;696;g9700d4d0ec_0_39:notes"/>
+          <p:cNvSpPr>
+            <a:spLocks noGrp="1" noRot="1" noChangeAspect="1"/>
+          </p:cNvSpPr>
+          <p:nvPr>
+            <p:ph type="sldImg" idx="2"/>
+          </p:nvPr>
+        </p:nvSpPr>
+        <p:spPr>
+          <a:xfrm>
+            <a:off x="381000" y="685800"/>
+            <a:ext cx="6096000" cy="3429000"/>
+          </a:xfrm>
+          <a:custGeom>
+            <a:avLst/>
+            <a:gdLst/>
+            <a:ahLst/>
+            <a:cxnLst/>
+            <a:rect l="l" t="t" r="r" b="b"/>
+            <a:pathLst>
+              <a:path w="120000" h="120000" extrusionOk="0">
+                <a:moveTo>
+                  <a:pt x="0" y="0"/>
+                </a:moveTo>
+                <a:lnTo>
+                  <a:pt x="120000" y="0"/>
+                </a:lnTo>
+                <a:lnTo>
+                  <a:pt x="120000" y="120000"/>
+                </a:lnTo>
+                <a:lnTo>
+                  <a:pt x="0" y="120000"/>
+                </a:lnTo>
+                <a:close/>
+              </a:path>
+            </a:pathLst>
+          </a:custGeom>
+        </p:spPr>
+      </p:sp>
+      <p:sp>
+        <p:nvSpPr>
+          <p:cNvPr id="697" name="Google Shape;697;g9700d4d0ec_0_39:notes"/>
+          <p:cNvSpPr txBox="1">
+            <a:spLocks noGrp="1"/>
+          </p:cNvSpPr>
+          <p:nvPr>
+            <p:ph type="body" idx="1"/>
+          </p:nvPr>
+        </p:nvSpPr>
+        <p:spPr>
+          <a:xfrm>
+            <a:off x="685800" y="4343400"/>
+            <a:ext cx="5486400" cy="4114800"/>
+          </a:xfrm>
+          <a:prstGeom prst="rect">
+            <a:avLst/>
+          </a:prstGeom>
+        </p:spPr>
+        <p:txBody>
+          <a:bodyPr spcFirstLastPara="1" wrap="square" lIns="91425" tIns="91425" rIns="91425" bIns="91425" anchor="t" anchorCtr="0">
+            <a:noAutofit/>
+          </a:bodyPr>
+          <a:lstStyle/>
+          <a:p>
+            <a:pPr marL="0" lvl="0" indent="0" algn="l" rtl="0">
+              <a:spcBef>
+                <a:spcPts val="0"/>
+              </a:spcBef>
+              <a:spcAft>
+                <a:spcPts val="0"/>
+              </a:spcAft>
+              <a:buNone/>
+            </a:pPr>
+            <a:endParaRPr/>
+          </a:p>
+        </p:txBody>
+      </p:sp>
+    </p:spTree>
+    <p:extLst>
+      <p:ext uri="{BB962C8B-B14F-4D97-AF65-F5344CB8AC3E}">
+        <p14:creationId xmlns:p14="http://schemas.microsoft.com/office/powerpoint/2010/main" val="1218557986"/>
+      </p:ext>
+    </p:extLst>
+  </p:cSld>
+  <p:clrMapOvr>
+    <a:masterClrMapping/>
+  </p:clrMapOvr>
+</p:notes>
+</file>
+
+<file path=ppt/notesSlides/notesSlide16.xml><?xml version="1.0" encoding="utf-8"?>
+<p:notes xmlns:a="http://schemas.openxmlformats.org/drawingml/2006/main" xmlns:r="http://schemas.openxmlformats.org/officeDocument/2006/relationships" xmlns:p="http://schemas.openxmlformats.org/presentationml/2006/main" showMasterSp="0" showMasterPhAnim="0">
+  <p:cSld>
+    <p:spTree>
+      <p:nvGrpSpPr>
+        <p:cNvPr id="1" name="Shape 695"/>
+        <p:cNvGrpSpPr/>
+        <p:nvPr/>
+      </p:nvGrpSpPr>
+      <p:grpSpPr>
+        <a:xfrm>
+          <a:off x="0" y="0"/>
+          <a:ext cx="0" cy="0"/>
+          <a:chOff x="0" y="0"/>
+          <a:chExt cx="0" cy="0"/>
+        </a:xfrm>
+      </p:grpSpPr>
+      <p:sp>
+        <p:nvSpPr>
+          <p:cNvPr id="696" name="Google Shape;696;g9700d4d0ec_0_39:notes"/>
+          <p:cNvSpPr>
+            <a:spLocks noGrp="1" noRot="1" noChangeAspect="1"/>
+          </p:cNvSpPr>
+          <p:nvPr>
+            <p:ph type="sldImg" idx="2"/>
+          </p:nvPr>
+        </p:nvSpPr>
+        <p:spPr>
+          <a:xfrm>
+            <a:off x="381000" y="685800"/>
+            <a:ext cx="6096000" cy="3429000"/>
+          </a:xfrm>
+          <a:custGeom>
+            <a:avLst/>
+            <a:gdLst/>
+            <a:ahLst/>
+            <a:cxnLst/>
+            <a:rect l="l" t="t" r="r" b="b"/>
+            <a:pathLst>
+              <a:path w="120000" h="120000" extrusionOk="0">
+                <a:moveTo>
+                  <a:pt x="0" y="0"/>
+                </a:moveTo>
+                <a:lnTo>
+                  <a:pt x="120000" y="0"/>
+                </a:lnTo>
+                <a:lnTo>
+                  <a:pt x="120000" y="120000"/>
+                </a:lnTo>
+                <a:lnTo>
+                  <a:pt x="0" y="120000"/>
+                </a:lnTo>
+                <a:close/>
+              </a:path>
+            </a:pathLst>
+          </a:custGeom>
+        </p:spPr>
+      </p:sp>
+      <p:sp>
+        <p:nvSpPr>
+          <p:cNvPr id="697" name="Google Shape;697;g9700d4d0ec_0_39:notes"/>
+          <p:cNvSpPr txBox="1">
+            <a:spLocks noGrp="1"/>
+          </p:cNvSpPr>
+          <p:nvPr>
+            <p:ph type="body" idx="1"/>
+          </p:nvPr>
+        </p:nvSpPr>
+        <p:spPr>
+          <a:xfrm>
+            <a:off x="685800" y="4343400"/>
+            <a:ext cx="5486400" cy="4114800"/>
+          </a:xfrm>
+          <a:prstGeom prst="rect">
+            <a:avLst/>
+          </a:prstGeom>
+        </p:spPr>
+        <p:txBody>
+          <a:bodyPr spcFirstLastPara="1" wrap="square" lIns="91425" tIns="91425" rIns="91425" bIns="91425" anchor="t" anchorCtr="0">
+            <a:noAutofit/>
+          </a:bodyPr>
+          <a:lstStyle/>
+          <a:p>
+            <a:pPr marL="0" lvl="0" indent="0" algn="l" rtl="0">
+              <a:spcBef>
+                <a:spcPts val="0"/>
+              </a:spcBef>
+              <a:spcAft>
+                <a:spcPts val="0"/>
+              </a:spcAft>
+              <a:buNone/>
+            </a:pPr>
+            <a:endParaRPr/>
+          </a:p>
+        </p:txBody>
+      </p:sp>
+    </p:spTree>
+    <p:extLst>
+      <p:ext uri="{BB962C8B-B14F-4D97-AF65-F5344CB8AC3E}">
+        <p14:creationId xmlns:p14="http://schemas.microsoft.com/office/powerpoint/2010/main" val="1360570668"/>
+      </p:ext>
+    </p:extLst>
+  </p:cSld>
+  <p:clrMapOvr>
+    <a:masterClrMapping/>
+  </p:clrMapOvr>
+</p:notes>
+</file>
+
+<file path=ppt/notesSlides/notesSlide17.xml><?xml version="1.0" encoding="utf-8"?>
+<p:notes xmlns:a="http://schemas.openxmlformats.org/drawingml/2006/main" xmlns:r="http://schemas.openxmlformats.org/officeDocument/2006/relationships" xmlns:p="http://schemas.openxmlformats.org/presentationml/2006/main" showMasterSp="0" showMasterPhAnim="0">
+  <p:cSld>
+    <p:spTree>
+      <p:nvGrpSpPr>
+        <p:cNvPr id="1" name="Shape 695"/>
+        <p:cNvGrpSpPr/>
+        <p:nvPr/>
+      </p:nvGrpSpPr>
+      <p:grpSpPr>
+        <a:xfrm>
+          <a:off x="0" y="0"/>
+          <a:ext cx="0" cy="0"/>
+          <a:chOff x="0" y="0"/>
+          <a:chExt cx="0" cy="0"/>
+        </a:xfrm>
+      </p:grpSpPr>
+      <p:sp>
+        <p:nvSpPr>
+          <p:cNvPr id="696" name="Google Shape;696;g9700d4d0ec_0_39:notes"/>
+          <p:cNvSpPr>
+            <a:spLocks noGrp="1" noRot="1" noChangeAspect="1"/>
+          </p:cNvSpPr>
+          <p:nvPr>
+            <p:ph type="sldImg" idx="2"/>
+          </p:nvPr>
+        </p:nvSpPr>
+        <p:spPr>
+          <a:xfrm>
+            <a:off x="381000" y="685800"/>
+            <a:ext cx="6096000" cy="3429000"/>
+          </a:xfrm>
+          <a:custGeom>
+            <a:avLst/>
+            <a:gdLst/>
+            <a:ahLst/>
+            <a:cxnLst/>
+            <a:rect l="l" t="t" r="r" b="b"/>
+            <a:pathLst>
+              <a:path w="120000" h="120000" extrusionOk="0">
+                <a:moveTo>
+                  <a:pt x="0" y="0"/>
+                </a:moveTo>
+                <a:lnTo>
+                  <a:pt x="120000" y="0"/>
+                </a:lnTo>
+                <a:lnTo>
+                  <a:pt x="120000" y="120000"/>
+                </a:lnTo>
+                <a:lnTo>
+                  <a:pt x="0" y="120000"/>
+                </a:lnTo>
+                <a:close/>
+              </a:path>
+            </a:pathLst>
+          </a:custGeom>
+        </p:spPr>
+      </p:sp>
+      <p:sp>
+        <p:nvSpPr>
+          <p:cNvPr id="697" name="Google Shape;697;g9700d4d0ec_0_39:notes"/>
+          <p:cNvSpPr txBox="1">
+            <a:spLocks noGrp="1"/>
+          </p:cNvSpPr>
+          <p:nvPr>
+            <p:ph type="body" idx="1"/>
+          </p:nvPr>
+        </p:nvSpPr>
+        <p:spPr>
+          <a:xfrm>
+            <a:off x="685800" y="4343400"/>
+            <a:ext cx="5486400" cy="4114800"/>
+          </a:xfrm>
+          <a:prstGeom prst="rect">
+            <a:avLst/>
+          </a:prstGeom>
+        </p:spPr>
+        <p:txBody>
+          <a:bodyPr spcFirstLastPara="1" wrap="square" lIns="91425" tIns="91425" rIns="91425" bIns="91425" anchor="t" anchorCtr="0">
+            <a:noAutofit/>
+          </a:bodyPr>
+          <a:lstStyle/>
+          <a:p>
+            <a:pPr marL="0" lvl="0" indent="0" algn="l" rtl="0">
+              <a:spcBef>
+                <a:spcPts val="0"/>
+              </a:spcBef>
+              <a:spcAft>
+                <a:spcPts val="0"/>
+              </a:spcAft>
+              <a:buNone/>
+            </a:pPr>
+            <a:endParaRPr/>
+          </a:p>
+        </p:txBody>
+      </p:sp>
+    </p:spTree>
+    <p:extLst>
+      <p:ext uri="{BB962C8B-B14F-4D97-AF65-F5344CB8AC3E}">
+        <p14:creationId xmlns:p14="http://schemas.microsoft.com/office/powerpoint/2010/main" val="1512598674"/>
+      </p:ext>
+    </p:extLst>
+  </p:cSld>
+  <p:clrMapOvr>
+    <a:masterClrMapping/>
+  </p:clrMapOvr>
+</p:notes>
+</file>
+
+<file path=ppt/notesSlides/notesSlide18.xml><?xml version="1.0" encoding="utf-8"?>
+<p:notes xmlns:a="http://schemas.openxmlformats.org/drawingml/2006/main" xmlns:r="http://schemas.openxmlformats.org/officeDocument/2006/relationships" xmlns:p="http://schemas.openxmlformats.org/presentationml/2006/main" showMasterSp="0" showMasterPhAnim="0">
+  <p:cSld>
+    <p:spTree>
+      <p:nvGrpSpPr>
+        <p:cNvPr id="1" name="Shape 695"/>
+        <p:cNvGrpSpPr/>
+        <p:nvPr/>
+      </p:nvGrpSpPr>
+      <p:grpSpPr>
+        <a:xfrm>
+          <a:off x="0" y="0"/>
+          <a:ext cx="0" cy="0"/>
+          <a:chOff x="0" y="0"/>
+          <a:chExt cx="0" cy="0"/>
+        </a:xfrm>
+      </p:grpSpPr>
+      <p:sp>
+        <p:nvSpPr>
+          <p:cNvPr id="696" name="Google Shape;696;g9700d4d0ec_0_39:notes"/>
+          <p:cNvSpPr>
+            <a:spLocks noGrp="1" noRot="1" noChangeAspect="1"/>
+          </p:cNvSpPr>
+          <p:nvPr>
+            <p:ph type="sldImg" idx="2"/>
+          </p:nvPr>
+        </p:nvSpPr>
+        <p:spPr>
+          <a:xfrm>
+            <a:off x="381000" y="685800"/>
+            <a:ext cx="6096000" cy="3429000"/>
+          </a:xfrm>
+          <a:custGeom>
+            <a:avLst/>
+            <a:gdLst/>
+            <a:ahLst/>
+            <a:cxnLst/>
+            <a:rect l="l" t="t" r="r" b="b"/>
+            <a:pathLst>
+              <a:path w="120000" h="120000" extrusionOk="0">
+                <a:moveTo>
+                  <a:pt x="0" y="0"/>
+                </a:moveTo>
+                <a:lnTo>
+                  <a:pt x="120000" y="0"/>
+                </a:lnTo>
+                <a:lnTo>
+                  <a:pt x="120000" y="120000"/>
+                </a:lnTo>
+                <a:lnTo>
+                  <a:pt x="0" y="120000"/>
+                </a:lnTo>
+                <a:close/>
+              </a:path>
+            </a:pathLst>
+          </a:custGeom>
+        </p:spPr>
+      </p:sp>
+      <p:sp>
+        <p:nvSpPr>
+          <p:cNvPr id="697" name="Google Shape;697;g9700d4d0ec_0_39:notes"/>
+          <p:cNvSpPr txBox="1">
+            <a:spLocks noGrp="1"/>
+          </p:cNvSpPr>
+          <p:nvPr>
+            <p:ph type="body" idx="1"/>
+          </p:nvPr>
+        </p:nvSpPr>
+        <p:spPr>
+          <a:xfrm>
+            <a:off x="685800" y="4343400"/>
+            <a:ext cx="5486400" cy="4114800"/>
+          </a:xfrm>
+          <a:prstGeom prst="rect">
+            <a:avLst/>
+          </a:prstGeom>
+        </p:spPr>
+        <p:txBody>
+          <a:bodyPr spcFirstLastPara="1" wrap="square" lIns="91425" tIns="91425" rIns="91425" bIns="91425" anchor="t" anchorCtr="0">
+            <a:noAutofit/>
+          </a:bodyPr>
+          <a:lstStyle/>
+          <a:p>
+            <a:pPr marL="0" lvl="0" indent="0" algn="l" rtl="0">
+              <a:spcBef>
+                <a:spcPts val="0"/>
+              </a:spcBef>
+              <a:spcAft>
+                <a:spcPts val="0"/>
+              </a:spcAft>
+              <a:buNone/>
+            </a:pPr>
+            <a:endParaRPr/>
+          </a:p>
+        </p:txBody>
+      </p:sp>
+    </p:spTree>
+    <p:extLst>
+      <p:ext uri="{BB962C8B-B14F-4D97-AF65-F5344CB8AC3E}">
+        <p14:creationId xmlns:p14="http://schemas.microsoft.com/office/powerpoint/2010/main" val="451803760"/>
+      </p:ext>
+    </p:extLst>
+  </p:cSld>
+  <p:clrMapOvr>
+    <a:masterClrMapping/>
+  </p:clrMapOvr>
+</p:notes>
+</file>
+
+<file path=ppt/notesSlides/notesSlide19.xml><?xml version="1.0" encoding="utf-8"?>
 <p:notes xmlns:a="http://schemas.openxmlformats.org/drawingml/2006/main" xmlns:r="http://schemas.openxmlformats.org/officeDocument/2006/relationships" xmlns:p="http://schemas.openxmlformats.org/presentationml/2006/main" showMasterSp="0" showMasterPhAnim="0">
   <p:cSld>
     <p:spTree>
@@ -14764,55 +15314,6 @@
       </p:sp>
       <p:sp>
         <p:nvSpPr>
-          <p:cNvPr id="428" name="Google Shape;428;p42"/>
-          <p:cNvSpPr txBox="1">
-            <a:spLocks noGrp="1"/>
-          </p:cNvSpPr>
-          <p:nvPr>
-            <p:ph type="subTitle" idx="1"/>
-          </p:nvPr>
-        </p:nvSpPr>
-        <p:spPr>
-          <a:xfrm>
-            <a:off x="2222200" y="2986690"/>
-            <a:ext cx="4699500" cy="808800"/>
-          </a:xfrm>
-          <a:prstGeom prst="rect">
-            <a:avLst/>
-          </a:prstGeom>
-          <a:ln>
-            <a:solidFill>
-              <a:schemeClr val="accent1">
-                <a:lumMod val="10000"/>
-              </a:schemeClr>
-            </a:solidFill>
-          </a:ln>
-        </p:spPr>
-        <p:txBody>
-          <a:bodyPr spcFirstLastPara="1" wrap="square" lIns="91425" tIns="91425" rIns="91425" bIns="91425" anchor="t" anchorCtr="0">
-            <a:noAutofit/>
-          </a:bodyPr>
-          <a:lstStyle/>
-          <a:p>
-            <a:pPr marL="0" lvl="0" indent="0" algn="l" rtl="0">
-              <a:spcBef>
-                <a:spcPts val="0"/>
-              </a:spcBef>
-              <a:spcAft>
-                <a:spcPts val="0"/>
-              </a:spcAft>
-              <a:buNone/>
-            </a:pPr>
-            <a:r>
-              <a:rPr lang="en"/>
-              <a:t>Thuật toán: bảo mật, nhận dạng,  web, …</a:t>
-            </a:r>
-            <a:endParaRPr/>
-          </a:p>
-        </p:txBody>
-      </p:sp>
-      <p:sp>
-        <p:nvSpPr>
           <p:cNvPr id="429" name="Google Shape;429;p42"/>
           <p:cNvSpPr txBox="1">
             <a:spLocks noGrp="1"/>
@@ -14846,10 +15347,26 @@
               <a:buNone/>
             </a:pPr>
             <a:r>
-              <a:rPr lang="en"/>
-              <a:t>Nếu các khái niệm “đặc trưng”</a:t>
+              <a:rPr lang="vi-VN" dirty="0">
+                <a:latin typeface="Signika" panose="020B0604020202020204" charset="0"/>
+              </a:rPr>
+              <a:t>C</a:t>
             </a:r>
-            <a:endParaRPr/>
+            <a:r>
+              <a:rPr lang="en" dirty="0">
+                <a:latin typeface="Signika" panose="020B0604020202020204" charset="0"/>
+              </a:rPr>
+              <a:t>ác khái niệm “đặc trưng”</a:t>
+            </a:r>
+            <a:r>
+              <a:rPr lang="vi-VN" dirty="0">
+                <a:latin typeface="Signika" panose="020B0604020202020204" charset="0"/>
+              </a:rPr>
+              <a:t> của hệ thống</a:t>
+            </a:r>
+            <a:endParaRPr dirty="0">
+              <a:latin typeface="Signika" panose="020B0604020202020204" charset="0"/>
+            </a:endParaRPr>
           </a:p>
         </p:txBody>
       </p:sp>
@@ -16246,51 +16763,6 @@
       </p:sp>
       <p:sp>
         <p:nvSpPr>
-          <p:cNvPr id="502" name="Google Shape;502;p46"/>
-          <p:cNvSpPr txBox="1">
-            <a:spLocks noGrp="1"/>
-          </p:cNvSpPr>
-          <p:nvPr>
-            <p:ph type="subTitle" idx="1"/>
-          </p:nvPr>
-        </p:nvSpPr>
-        <p:spPr>
-          <a:xfrm>
-            <a:off x="3731150" y="1245375"/>
-            <a:ext cx="4699500" cy="808800"/>
-          </a:xfrm>
-          <a:prstGeom prst="rect">
-            <a:avLst/>
-          </a:prstGeom>
-          <a:ln>
-            <a:solidFill>
-              <a:schemeClr val="accent1">
-                <a:lumMod val="10000"/>
-              </a:schemeClr>
-            </a:solidFill>
-          </a:ln>
-        </p:spPr>
-        <p:txBody>
-          <a:bodyPr spcFirstLastPara="1" wrap="square" lIns="91425" tIns="91425" rIns="91425" bIns="91425" anchor="t" anchorCtr="0">
-            <a:noAutofit/>
-          </a:bodyPr>
-          <a:lstStyle/>
-          <a:p>
-            <a:pPr marL="0" lvl="0" indent="0" algn="l" rtl="0">
-              <a:spcBef>
-                <a:spcPts val="0"/>
-              </a:spcBef>
-              <a:spcAft>
-                <a:spcPts val="0"/>
-              </a:spcAft>
-              <a:buNone/>
-            </a:pPr>
-            <a:endParaRPr/>
-          </a:p>
-        </p:txBody>
-      </p:sp>
-      <p:sp>
-        <p:nvSpPr>
           <p:cNvPr id="503" name="Google Shape;503;p46"/>
           <p:cNvSpPr txBox="1">
             <a:spLocks noGrp="1"/>
@@ -16324,10 +16796,14 @@
               <a:buNone/>
             </a:pPr>
             <a:r>
-              <a:rPr lang="en"/>
+              <a:rPr lang="en" dirty="0">
+                <a:latin typeface="Signika" panose="020B0604020202020204" charset="0"/>
+              </a:rPr>
               <a:t>Mời thầy cô theo dõi phần demo của em</a:t>
             </a:r>
-            <a:endParaRPr/>
+            <a:endParaRPr dirty="0">
+              <a:latin typeface="Signika" panose="020B0604020202020204" charset="0"/>
+            </a:endParaRPr>
           </a:p>
         </p:txBody>
       </p:sp>
@@ -18650,55 +19126,6 @@
       </p:sp>
       <p:sp>
         <p:nvSpPr>
-          <p:cNvPr id="584" name="Google Shape;584;p50"/>
-          <p:cNvSpPr txBox="1">
-            <a:spLocks noGrp="1"/>
-          </p:cNvSpPr>
-          <p:nvPr>
-            <p:ph type="subTitle" idx="1"/>
-          </p:nvPr>
-        </p:nvSpPr>
-        <p:spPr>
-          <a:xfrm>
-            <a:off x="713225" y="1245375"/>
-            <a:ext cx="4699500" cy="808800"/>
-          </a:xfrm>
-          <a:prstGeom prst="rect">
-            <a:avLst/>
-          </a:prstGeom>
-          <a:ln>
-            <a:solidFill>
-              <a:schemeClr val="accent1">
-                <a:lumMod val="10000"/>
-              </a:schemeClr>
-            </a:solidFill>
-          </a:ln>
-        </p:spPr>
-        <p:txBody>
-          <a:bodyPr spcFirstLastPara="1" wrap="square" lIns="91425" tIns="91425" rIns="91425" bIns="91425" anchor="t" anchorCtr="0">
-            <a:noAutofit/>
-          </a:bodyPr>
-          <a:lstStyle/>
-          <a:p>
-            <a:pPr marL="0" lvl="0" indent="0" algn="l" rtl="0">
-              <a:spcBef>
-                <a:spcPts val="0"/>
-              </a:spcBef>
-              <a:spcAft>
-                <a:spcPts val="0"/>
-              </a:spcAft>
-              <a:buNone/>
-            </a:pPr>
-            <a:r>
-              <a:rPr lang="en"/>
-              <a:t>Comparison are...</a:t>
-            </a:r>
-            <a:endParaRPr/>
-          </a:p>
-        </p:txBody>
-      </p:sp>
-      <p:sp>
-        <p:nvSpPr>
           <p:cNvPr id="585" name="Google Shape;585;p50"/>
           <p:cNvSpPr txBox="1">
             <a:spLocks noGrp="1"/>
@@ -18722,7 +19149,7 @@
           </a:bodyPr>
           <a:lstStyle/>
           <a:p>
-            <a:pPr marL="0" lvl="0" indent="0" algn="l" rtl="0">
+            <a:pPr marL="0" lvl="0" indent="0" algn="ctr" rtl="0">
               <a:spcBef>
                 <a:spcPts val="0"/>
               </a:spcBef>
@@ -18732,10 +19159,14 @@
               <a:buNone/>
             </a:pPr>
             <a:r>
-              <a:rPr lang="en"/>
-              <a:t>Define the theme in the box below</a:t>
+              <a:rPr lang="vi-VN" dirty="0">
+                <a:latin typeface="Signika" panose="020B0604020202020204" charset="0"/>
+              </a:rPr>
+              <a:t>Định hướng tương lai cho hệ thống</a:t>
             </a:r>
-            <a:endParaRPr/>
+            <a:endParaRPr dirty="0">
+              <a:latin typeface="Signika" panose="020B0604020202020204" charset="0"/>
+            </a:endParaRPr>
           </a:p>
         </p:txBody>
       </p:sp>
@@ -23487,22 +23918,22 @@
               <a:buNone/>
             </a:pPr>
             <a:r>
-              <a:rPr lang="en" sz="1600">
+              <a:rPr lang="vi-VN" sz="1600">
                 <a:solidFill>
                   <a:schemeClr val="dk1"/>
                 </a:solidFill>
-                <a:latin typeface="Palanquin"/>
+                <a:latin typeface="Signika" panose="020B0604020202020204" charset="0"/>
                 <a:ea typeface="Palanquin"/>
                 <a:cs typeface="Palanquin"/>
                 <a:sym typeface="Palanquin"/>
               </a:rPr>
-              <a:t>Write an adjective that can be used as a link to compare the given words</a:t>
+              <a:t>Các cải tiến có thể thực hiện để hệ thống thêm hoàn chỉnh</a:t>
             </a:r>
-            <a:endParaRPr sz="1600">
+            <a:endParaRPr sz="1600" dirty="0">
               <a:solidFill>
                 <a:schemeClr val="dk1"/>
               </a:solidFill>
-              <a:latin typeface="Palanquin"/>
+              <a:latin typeface="Signika" panose="020B0604020202020204" charset="0"/>
               <a:ea typeface="Palanquin"/>
               <a:cs typeface="Palanquin"/>
               <a:sym typeface="Palanquin"/>
@@ -23549,7 +23980,7 @@
               <a:buNone/>
             </a:pPr>
             <a:r>
-              <a:rPr lang="en" sz="1600">
+              <a:rPr lang="en" sz="1600" dirty="0">
                 <a:solidFill>
                   <a:schemeClr val="accent1"/>
                 </a:solidFill>
@@ -23560,7 +23991,7 @@
               </a:rPr>
               <a:t>Back</a:t>
             </a:r>
-            <a:endParaRPr sz="1600">
+            <a:endParaRPr sz="1600" dirty="0">
               <a:solidFill>
                 <a:schemeClr val="accent1"/>
               </a:solidFill>
@@ -24022,8 +24453,8 @@
         </p:nvSpPr>
         <p:spPr>
           <a:xfrm>
-            <a:off x="1190463" y="1924625"/>
-            <a:ext cx="1887000" cy="371700"/>
+            <a:off x="713225" y="1877970"/>
+            <a:ext cx="2010487" cy="2010410"/>
           </a:xfrm>
           <a:prstGeom prst="rect">
             <a:avLst/>
@@ -24057,7 +24488,7 @@
               <a:buNone/>
             </a:pPr>
             <a:r>
-              <a:rPr lang="en" sz="2000" b="1">
+              <a:rPr lang="vi-VN" sz="2000" b="1" dirty="0">
                 <a:solidFill>
                   <a:schemeClr val="dk1"/>
                 </a:solidFill>
@@ -24066,9 +24497,9 @@
                 <a:cs typeface="Signika"/>
                 <a:sym typeface="Signika"/>
               </a:rPr>
-              <a:t>Giao diện</a:t>
+              <a:t>GIAO DIỆN</a:t>
             </a:r>
-            <a:endParaRPr sz="2000" b="1">
+            <a:endParaRPr sz="2000" b="1" dirty="0">
               <a:solidFill>
                 <a:schemeClr val="dk1"/>
               </a:solidFill>
@@ -24082,14 +24513,919 @@
       </p:sp>
       <p:sp>
         <p:nvSpPr>
-          <p:cNvPr id="706" name="Google Shape;706;p52"/>
+          <p:cNvPr id="2" name="TextBox 1">
+            <a:extLst>
+              <a:ext uri="{FF2B5EF4-FFF2-40B4-BE49-F238E27FC236}">
+                <a16:creationId xmlns:a16="http://schemas.microsoft.com/office/drawing/2014/main" id="{1A656C1A-0118-D37A-77D6-D73B1EE52C53}"/>
+              </a:ext>
+            </a:extLst>
+          </p:cNvPr>
           <p:cNvSpPr txBox="1"/>
           <p:nvPr/>
         </p:nvSpPr>
         <p:spPr>
           <a:xfrm>
-            <a:off x="1190338" y="2697319"/>
-            <a:ext cx="1887000" cy="371700"/>
+            <a:off x="3284781" y="2260640"/>
+            <a:ext cx="5133136" cy="584775"/>
+          </a:xfrm>
+          <a:prstGeom prst="rect">
+            <a:avLst/>
+          </a:prstGeom>
+          <a:noFill/>
+        </p:spPr>
+        <p:txBody>
+          <a:bodyPr wrap="none" rtlCol="0">
+            <a:spAutoFit/>
+          </a:bodyPr>
+          <a:lstStyle/>
+          <a:p>
+            <a:pPr marL="285750" indent="-285750">
+              <a:buFont typeface="Arial" panose="020B0604020202020204" pitchFamily="34" charset="0"/>
+              <a:buChar char="•"/>
+            </a:pPr>
+            <a:r>
+              <a:rPr lang="vi-VN" sz="1600" dirty="0">
+                <a:solidFill>
+                  <a:schemeClr val="tx1"/>
+                </a:solidFill>
+                <a:latin typeface="Signika" panose="020B0604020202020204" charset="0"/>
+              </a:rPr>
+              <a:t>Thực hiện rà soát lại lỗi </a:t>
+            </a:r>
+            <a:r>
+              <a:rPr lang="vi-VN" sz="1600" dirty="0" err="1">
+                <a:solidFill>
+                  <a:schemeClr val="tx1"/>
+                </a:solidFill>
+                <a:latin typeface="Signika" panose="020B0604020202020204" charset="0"/>
+              </a:rPr>
+              <a:t>vặt</a:t>
+            </a:r>
+            <a:r>
+              <a:rPr lang="vi-VN" sz="1600" dirty="0">
+                <a:solidFill>
+                  <a:schemeClr val="tx1"/>
+                </a:solidFill>
+                <a:latin typeface="Signika" panose="020B0604020202020204" charset="0"/>
+              </a:rPr>
+              <a:t> trên giao diện </a:t>
+            </a:r>
+            <a:r>
+              <a:rPr lang="vi-VN" sz="1600" dirty="0" err="1">
+                <a:solidFill>
+                  <a:schemeClr val="tx1"/>
+                </a:solidFill>
+                <a:latin typeface="Signika" panose="020B0604020202020204" charset="0"/>
+              </a:rPr>
+              <a:t>Bootstrap</a:t>
+            </a:r>
+            <a:r>
+              <a:rPr lang="vi-VN" sz="1600" dirty="0">
+                <a:solidFill>
+                  <a:schemeClr val="tx1"/>
+                </a:solidFill>
+                <a:latin typeface="Signika" panose="020B0604020202020204" charset="0"/>
+              </a:rPr>
+              <a:t> 3</a:t>
+            </a:r>
+          </a:p>
+          <a:p>
+            <a:pPr marL="285750" indent="-285750">
+              <a:buFont typeface="Arial" panose="020B0604020202020204" pitchFamily="34" charset="0"/>
+              <a:buChar char="•"/>
+            </a:pPr>
+            <a:r>
+              <a:rPr lang="vi-VN" sz="1600" dirty="0">
+                <a:solidFill>
+                  <a:schemeClr val="tx1"/>
+                </a:solidFill>
+                <a:latin typeface="Signika" panose="020B0604020202020204" charset="0"/>
+              </a:rPr>
+              <a:t>Tối ưu hóa hiệu ứng biểu đồ</a:t>
+            </a:r>
+          </a:p>
+        </p:txBody>
+      </p:sp>
+      <p:sp>
+        <p:nvSpPr>
+          <p:cNvPr id="3" name="TextBox 2">
+            <a:extLst>
+              <a:ext uri="{FF2B5EF4-FFF2-40B4-BE49-F238E27FC236}">
+                <a16:creationId xmlns:a16="http://schemas.microsoft.com/office/drawing/2014/main" id="{96B02D8E-F787-F2B4-01E6-7321969DBBCD}"/>
+              </a:ext>
+            </a:extLst>
+          </p:cNvPr>
+          <p:cNvSpPr txBox="1"/>
+          <p:nvPr/>
+        </p:nvSpPr>
+        <p:spPr>
+          <a:xfrm>
+            <a:off x="2924956" y="1922086"/>
+            <a:ext cx="2010487" cy="338554"/>
+          </a:xfrm>
+          <a:prstGeom prst="rect">
+            <a:avLst/>
+          </a:prstGeom>
+          <a:noFill/>
+        </p:spPr>
+        <p:txBody>
+          <a:bodyPr wrap="none" rtlCol="0">
+            <a:spAutoFit/>
+          </a:bodyPr>
+          <a:lstStyle/>
+          <a:p>
+            <a:r>
+              <a:rPr lang="vi-VN" sz="1600" b="1" dirty="0">
+                <a:solidFill>
+                  <a:schemeClr val="tx1"/>
+                </a:solidFill>
+                <a:latin typeface="Signika" panose="020B0604020202020204" charset="0"/>
+              </a:rPr>
+              <a:t>VẤN ĐỀ TIÊN QUYẾT</a:t>
+            </a:r>
+          </a:p>
+        </p:txBody>
+      </p:sp>
+      <p:sp>
+        <p:nvSpPr>
+          <p:cNvPr id="4" name="TextBox 3">
+            <a:extLst>
+              <a:ext uri="{FF2B5EF4-FFF2-40B4-BE49-F238E27FC236}">
+                <a16:creationId xmlns:a16="http://schemas.microsoft.com/office/drawing/2014/main" id="{F530B403-0369-71E1-4E36-EE3A82A04DF9}"/>
+              </a:ext>
+            </a:extLst>
+          </p:cNvPr>
+          <p:cNvSpPr txBox="1"/>
+          <p:nvPr/>
+        </p:nvSpPr>
+        <p:spPr>
+          <a:xfrm>
+            <a:off x="2924956" y="2963718"/>
+            <a:ext cx="2138727" cy="338554"/>
+          </a:xfrm>
+          <a:prstGeom prst="rect">
+            <a:avLst/>
+          </a:prstGeom>
+          <a:noFill/>
+        </p:spPr>
+        <p:txBody>
+          <a:bodyPr wrap="none" rtlCol="0">
+            <a:spAutoFit/>
+          </a:bodyPr>
+          <a:lstStyle/>
+          <a:p>
+            <a:r>
+              <a:rPr lang="vi-VN" sz="1600" b="1" dirty="0">
+                <a:solidFill>
+                  <a:schemeClr val="tx1"/>
+                </a:solidFill>
+                <a:latin typeface="Signika" panose="020B0604020202020204" charset="0"/>
+              </a:rPr>
+              <a:t>PHÁT TRIỂN SAU NÀY</a:t>
+            </a:r>
+          </a:p>
+        </p:txBody>
+      </p:sp>
+      <p:sp>
+        <p:nvSpPr>
+          <p:cNvPr id="5" name="TextBox 4">
+            <a:extLst>
+              <a:ext uri="{FF2B5EF4-FFF2-40B4-BE49-F238E27FC236}">
+                <a16:creationId xmlns:a16="http://schemas.microsoft.com/office/drawing/2014/main" id="{5C50812F-6188-9299-5364-B7AD5067421B}"/>
+              </a:ext>
+            </a:extLst>
+          </p:cNvPr>
+          <p:cNvSpPr txBox="1"/>
+          <p:nvPr/>
+        </p:nvSpPr>
+        <p:spPr>
+          <a:xfrm>
+            <a:off x="3284779" y="3302124"/>
+            <a:ext cx="5133137" cy="584775"/>
+          </a:xfrm>
+          <a:prstGeom prst="rect">
+            <a:avLst/>
+          </a:prstGeom>
+          <a:noFill/>
+        </p:spPr>
+        <p:txBody>
+          <a:bodyPr wrap="square" rtlCol="0">
+            <a:spAutoFit/>
+          </a:bodyPr>
+          <a:lstStyle/>
+          <a:p>
+            <a:pPr marL="285750" indent="-285750">
+              <a:buFont typeface="Arial" panose="020B0604020202020204" pitchFamily="34" charset="0"/>
+              <a:buChar char="•"/>
+            </a:pPr>
+            <a:r>
+              <a:rPr lang="vi-VN" sz="1600" dirty="0">
+                <a:solidFill>
+                  <a:schemeClr val="tx1"/>
+                </a:solidFill>
+                <a:latin typeface="Signika" panose="020B0604020202020204" charset="0"/>
+              </a:rPr>
+              <a:t>Hoàn thiện và đưa vào sử dụng </a:t>
+            </a:r>
+            <a:r>
+              <a:rPr lang="vi-VN" sz="1600" dirty="0" err="1">
+                <a:solidFill>
+                  <a:schemeClr val="tx1"/>
+                </a:solidFill>
+                <a:latin typeface="Signika" panose="020B0604020202020204" charset="0"/>
+              </a:rPr>
+              <a:t>dashboard</a:t>
+            </a:r>
+            <a:r>
+              <a:rPr lang="vi-VN" sz="1600" dirty="0">
+                <a:solidFill>
+                  <a:schemeClr val="tx1"/>
+                </a:solidFill>
+                <a:latin typeface="Signika" panose="020B0604020202020204" charset="0"/>
+              </a:rPr>
+              <a:t> mới dựa trên </a:t>
+            </a:r>
+            <a:r>
+              <a:rPr lang="vi-VN" sz="1600" dirty="0" err="1">
+                <a:solidFill>
+                  <a:schemeClr val="tx1"/>
+                </a:solidFill>
+                <a:latin typeface="Signika" panose="020B0604020202020204" charset="0"/>
+              </a:rPr>
+              <a:t>Bootstrap</a:t>
+            </a:r>
+            <a:r>
+              <a:rPr lang="vi-VN" sz="1600" dirty="0">
+                <a:solidFill>
+                  <a:schemeClr val="tx1"/>
+                </a:solidFill>
+                <a:latin typeface="Signika" panose="020B0604020202020204" charset="0"/>
+              </a:rPr>
+              <a:t> 4 và </a:t>
+            </a:r>
+            <a:r>
+              <a:rPr lang="vi-VN" sz="1600" dirty="0" err="1">
+                <a:solidFill>
+                  <a:schemeClr val="tx1"/>
+                </a:solidFill>
+                <a:latin typeface="Signika" panose="020B0604020202020204" charset="0"/>
+              </a:rPr>
+              <a:t>VueJS</a:t>
+            </a:r>
+            <a:endParaRPr lang="vi-VN" sz="1600" dirty="0">
+              <a:solidFill>
+                <a:schemeClr val="tx1"/>
+              </a:solidFill>
+              <a:latin typeface="Signika" panose="020B0604020202020204" charset="0"/>
+            </a:endParaRPr>
+          </a:p>
+        </p:txBody>
+      </p:sp>
+    </p:spTree>
+  </p:cSld>
+  <p:clrMapOvr>
+    <a:masterClrMapping/>
+  </p:clrMapOvr>
+</p:sld>
+</file>
+
+<file path=ppt/slides/slide14.xml><?xml version="1.0" encoding="utf-8"?>
+<p:sld xmlns:a="http://schemas.openxmlformats.org/drawingml/2006/main" xmlns:r="http://schemas.openxmlformats.org/officeDocument/2006/relationships" xmlns:p="http://schemas.openxmlformats.org/presentationml/2006/main">
+  <p:cSld>
+    <p:spTree>
+      <p:nvGrpSpPr>
+        <p:cNvPr id="1" name="Shape 698"/>
+        <p:cNvGrpSpPr/>
+        <p:nvPr/>
+      </p:nvGrpSpPr>
+      <p:grpSpPr>
+        <a:xfrm>
+          <a:off x="0" y="0"/>
+          <a:ext cx="0" cy="0"/>
+          <a:chOff x="0" y="0"/>
+          <a:chExt cx="0" cy="0"/>
+        </a:xfrm>
+      </p:grpSpPr>
+      <p:sp>
+        <p:nvSpPr>
+          <p:cNvPr id="699" name="Google Shape;699;p52"/>
+          <p:cNvSpPr txBox="1">
+            <a:spLocks noGrp="1"/>
+          </p:cNvSpPr>
+          <p:nvPr>
+            <p:ph type="title"/>
+          </p:nvPr>
+        </p:nvSpPr>
+        <p:spPr>
+          <a:xfrm>
+            <a:off x="713225" y="539500"/>
+            <a:ext cx="7717500" cy="572700"/>
+          </a:xfrm>
+          <a:prstGeom prst="rect">
+            <a:avLst/>
+          </a:prstGeom>
+        </p:spPr>
+        <p:txBody>
+          <a:bodyPr spcFirstLastPara="1" wrap="square" lIns="91425" tIns="91425" rIns="91425" bIns="91425" anchor="t" anchorCtr="0">
+            <a:noAutofit/>
+          </a:bodyPr>
+          <a:lstStyle/>
+          <a:p>
+            <a:pPr marL="0" lvl="0" indent="0" algn="l" rtl="0">
+              <a:spcBef>
+                <a:spcPts val="0"/>
+              </a:spcBef>
+              <a:spcAft>
+                <a:spcPts val="0"/>
+              </a:spcAft>
+              <a:buNone/>
+            </a:pPr>
+            <a:r>
+              <a:rPr lang="en"/>
+              <a:t>Các cải tiến trong sản phẩm</a:t>
+            </a:r>
+            <a:endParaRPr/>
+          </a:p>
+        </p:txBody>
+      </p:sp>
+      <p:sp>
+        <p:nvSpPr>
+          <p:cNvPr id="700" name="Google Shape;700;p52"/>
+          <p:cNvSpPr txBox="1"/>
+          <p:nvPr/>
+        </p:nvSpPr>
+        <p:spPr>
+          <a:xfrm>
+            <a:off x="713225" y="1112200"/>
+            <a:ext cx="7717500" cy="489600"/>
+          </a:xfrm>
+          <a:prstGeom prst="rect">
+            <a:avLst/>
+          </a:prstGeom>
+          <a:noFill/>
+          <a:ln>
+            <a:noFill/>
+          </a:ln>
+        </p:spPr>
+        <p:txBody>
+          <a:bodyPr spcFirstLastPara="1" wrap="square" lIns="114300" tIns="91425" rIns="91425" bIns="91425" anchor="ctr" anchorCtr="0">
+            <a:noAutofit/>
+          </a:bodyPr>
+          <a:lstStyle/>
+          <a:p>
+            <a:pPr marL="0" lvl="0" indent="0" algn="l" rtl="0">
+              <a:spcBef>
+                <a:spcPts val="0"/>
+              </a:spcBef>
+              <a:spcAft>
+                <a:spcPts val="0"/>
+              </a:spcAft>
+              <a:buNone/>
+            </a:pPr>
+            <a:r>
+              <a:rPr lang="vi-VN" sz="1600">
+                <a:solidFill>
+                  <a:schemeClr val="dk1"/>
+                </a:solidFill>
+                <a:latin typeface="Signika" panose="020B0604020202020204" charset="0"/>
+                <a:ea typeface="Palanquin"/>
+                <a:cs typeface="Palanquin"/>
+                <a:sym typeface="Palanquin"/>
+              </a:rPr>
+              <a:t>Các cải tiến có thể thực hiện để hệ thống thêm hoàn chỉnh</a:t>
+            </a:r>
+            <a:endParaRPr sz="1600" dirty="0">
+              <a:solidFill>
+                <a:schemeClr val="dk1"/>
+              </a:solidFill>
+              <a:latin typeface="Signika" panose="020B0604020202020204" charset="0"/>
+              <a:ea typeface="Palanquin"/>
+              <a:cs typeface="Palanquin"/>
+              <a:sym typeface="Palanquin"/>
+            </a:endParaRPr>
+          </a:p>
+        </p:txBody>
+      </p:sp>
+      <p:sp>
+        <p:nvSpPr>
+          <p:cNvPr id="701" name="Google Shape;701;p52">
+            <a:hlinkClick r:id="" action="ppaction://hlinkshowjump?jump=previousslide"/>
+          </p:cNvPr>
+          <p:cNvSpPr txBox="1"/>
+          <p:nvPr/>
+        </p:nvSpPr>
+        <p:spPr>
+          <a:xfrm>
+            <a:off x="713225" y="4164550"/>
+            <a:ext cx="1197900" cy="433500"/>
+          </a:xfrm>
+          <a:prstGeom prst="rect">
+            <a:avLst/>
+          </a:prstGeom>
+          <a:solidFill>
+            <a:schemeClr val="dk1"/>
+          </a:solidFill>
+          <a:ln>
+            <a:noFill/>
+          </a:ln>
+        </p:spPr>
+        <p:txBody>
+          <a:bodyPr spcFirstLastPara="1" wrap="square" lIns="91425" tIns="91425" rIns="91425" bIns="91425" anchor="ctr" anchorCtr="0">
+            <a:noAutofit/>
+          </a:bodyPr>
+          <a:lstStyle/>
+          <a:p>
+            <a:pPr marL="0" lvl="0" indent="0" algn="ctr" rtl="0">
+              <a:spcBef>
+                <a:spcPts val="0"/>
+              </a:spcBef>
+              <a:spcAft>
+                <a:spcPts val="0"/>
+              </a:spcAft>
+              <a:buNone/>
+            </a:pPr>
+            <a:r>
+              <a:rPr lang="en" sz="1600" dirty="0">
+                <a:solidFill>
+                  <a:schemeClr val="accent1"/>
+                </a:solidFill>
+                <a:latin typeface="Signika"/>
+                <a:ea typeface="Signika"/>
+                <a:cs typeface="Signika"/>
+                <a:sym typeface="Signika"/>
+              </a:rPr>
+              <a:t>Back</a:t>
+            </a:r>
+            <a:endParaRPr sz="1600" dirty="0">
+              <a:solidFill>
+                <a:schemeClr val="accent1"/>
+              </a:solidFill>
+              <a:latin typeface="Signika"/>
+              <a:ea typeface="Signika"/>
+              <a:cs typeface="Signika"/>
+              <a:sym typeface="Signika"/>
+            </a:endParaRPr>
+          </a:p>
+        </p:txBody>
+      </p:sp>
+      <p:sp>
+        <p:nvSpPr>
+          <p:cNvPr id="702" name="Google Shape;702;p52">
+            <a:hlinkClick r:id="rId3" action="ppaction://hlinksldjump"/>
+          </p:cNvPr>
+          <p:cNvSpPr/>
+          <p:nvPr/>
+        </p:nvSpPr>
+        <p:spPr>
+          <a:xfrm>
+            <a:off x="4383776" y="4164550"/>
+            <a:ext cx="429900" cy="429900"/>
+          </a:xfrm>
+          <a:prstGeom prst="rect">
+            <a:avLst/>
+          </a:prstGeom>
+          <a:solidFill>
+            <a:schemeClr val="dk1"/>
+          </a:solidFill>
+          <a:ln>
+            <a:noFill/>
+          </a:ln>
+        </p:spPr>
+        <p:txBody>
+          <a:bodyPr spcFirstLastPara="1" wrap="square" lIns="91425" tIns="91425" rIns="91425" bIns="91425" anchor="ctr" anchorCtr="0">
+            <a:noAutofit/>
+          </a:bodyPr>
+          <a:lstStyle/>
+          <a:p>
+            <a:pPr marL="0" lvl="0" indent="0" algn="l" rtl="0">
+              <a:spcBef>
+                <a:spcPts val="0"/>
+              </a:spcBef>
+              <a:spcAft>
+                <a:spcPts val="0"/>
+              </a:spcAft>
+              <a:buNone/>
+            </a:pPr>
+            <a:endParaRPr/>
+          </a:p>
+        </p:txBody>
+      </p:sp>
+      <p:sp>
+        <p:nvSpPr>
+          <p:cNvPr id="703" name="Google Shape;703;p52"/>
+          <p:cNvSpPr/>
+          <p:nvPr/>
+        </p:nvSpPr>
+        <p:spPr>
+          <a:xfrm>
+            <a:off x="4420628" y="4215295"/>
+            <a:ext cx="356196" cy="328410"/>
+          </a:xfrm>
+          <a:custGeom>
+            <a:avLst/>
+            <a:gdLst/>
+            <a:ahLst/>
+            <a:cxnLst/>
+            <a:rect l="l" t="t" r="r" b="b"/>
+            <a:pathLst>
+              <a:path w="11217" h="10342" extrusionOk="0">
+                <a:moveTo>
+                  <a:pt x="3394" y="1186"/>
+                </a:moveTo>
+                <a:lnTo>
+                  <a:pt x="3394" y="1507"/>
+                </a:lnTo>
+                <a:lnTo>
+                  <a:pt x="1668" y="1507"/>
+                </a:lnTo>
+                <a:lnTo>
+                  <a:pt x="1668" y="1186"/>
+                </a:lnTo>
+                <a:close/>
+                <a:moveTo>
+                  <a:pt x="3096" y="1829"/>
+                </a:moveTo>
+                <a:lnTo>
+                  <a:pt x="3096" y="2090"/>
+                </a:lnTo>
+                <a:lnTo>
+                  <a:pt x="2013" y="3043"/>
+                </a:lnTo>
+                <a:lnTo>
+                  <a:pt x="2013" y="1829"/>
+                </a:lnTo>
+                <a:close/>
+                <a:moveTo>
+                  <a:pt x="6740" y="5948"/>
+                </a:moveTo>
+                <a:cubicBezTo>
+                  <a:pt x="6775" y="5948"/>
+                  <a:pt x="6799" y="5972"/>
+                  <a:pt x="6799" y="6008"/>
+                </a:cubicBezTo>
+                <a:lnTo>
+                  <a:pt x="6799" y="10020"/>
+                </a:lnTo>
+                <a:lnTo>
+                  <a:pt x="4644" y="10020"/>
+                </a:lnTo>
+                <a:lnTo>
+                  <a:pt x="4644" y="6008"/>
+                </a:lnTo>
+                <a:cubicBezTo>
+                  <a:pt x="4644" y="5972"/>
+                  <a:pt x="4668" y="5948"/>
+                  <a:pt x="4704" y="5948"/>
+                </a:cubicBezTo>
+                <a:close/>
+                <a:moveTo>
+                  <a:pt x="5601" y="1"/>
+                </a:moveTo>
+                <a:cubicBezTo>
+                  <a:pt x="5543" y="1"/>
+                  <a:pt x="5484" y="19"/>
+                  <a:pt x="5430" y="55"/>
+                </a:cubicBezTo>
+                <a:lnTo>
+                  <a:pt x="3692" y="1567"/>
+                </a:lnTo>
+                <a:lnTo>
+                  <a:pt x="3692" y="1126"/>
+                </a:lnTo>
+                <a:cubicBezTo>
+                  <a:pt x="3692" y="995"/>
+                  <a:pt x="3573" y="876"/>
+                  <a:pt x="3442" y="876"/>
+                </a:cubicBezTo>
+                <a:lnTo>
+                  <a:pt x="1596" y="876"/>
+                </a:lnTo>
+                <a:cubicBezTo>
+                  <a:pt x="1453" y="876"/>
+                  <a:pt x="1334" y="995"/>
+                  <a:pt x="1334" y="1126"/>
+                </a:cubicBezTo>
+                <a:lnTo>
+                  <a:pt x="1334" y="1590"/>
+                </a:lnTo>
+                <a:cubicBezTo>
+                  <a:pt x="1334" y="1721"/>
+                  <a:pt x="1453" y="1840"/>
+                  <a:pt x="1596" y="1840"/>
+                </a:cubicBezTo>
+                <a:lnTo>
+                  <a:pt x="1691" y="1840"/>
+                </a:lnTo>
+                <a:lnTo>
+                  <a:pt x="1691" y="3329"/>
+                </a:lnTo>
+                <a:lnTo>
+                  <a:pt x="108" y="4710"/>
+                </a:lnTo>
+                <a:cubicBezTo>
+                  <a:pt x="25" y="4781"/>
+                  <a:pt x="1" y="4888"/>
+                  <a:pt x="25" y="4984"/>
+                </a:cubicBezTo>
+                <a:cubicBezTo>
+                  <a:pt x="60" y="5079"/>
+                  <a:pt x="167" y="5138"/>
+                  <a:pt x="251" y="5138"/>
+                </a:cubicBezTo>
+                <a:lnTo>
+                  <a:pt x="1322" y="5138"/>
+                </a:lnTo>
+                <a:lnTo>
+                  <a:pt x="1322" y="7972"/>
+                </a:lnTo>
+                <a:cubicBezTo>
+                  <a:pt x="1322" y="8056"/>
+                  <a:pt x="1394" y="8139"/>
+                  <a:pt x="1489" y="8139"/>
+                </a:cubicBezTo>
+                <a:cubicBezTo>
+                  <a:pt x="1572" y="8139"/>
+                  <a:pt x="1656" y="8056"/>
+                  <a:pt x="1656" y="7972"/>
+                </a:cubicBezTo>
+                <a:lnTo>
+                  <a:pt x="1656" y="5055"/>
+                </a:lnTo>
+                <a:lnTo>
+                  <a:pt x="5609" y="1614"/>
+                </a:lnTo>
+                <a:lnTo>
+                  <a:pt x="9561" y="5055"/>
+                </a:lnTo>
+                <a:lnTo>
+                  <a:pt x="9561" y="9937"/>
+                </a:lnTo>
+                <a:cubicBezTo>
+                  <a:pt x="9561" y="9984"/>
+                  <a:pt x="9526" y="10020"/>
+                  <a:pt x="9478" y="10020"/>
+                </a:cubicBezTo>
+                <a:lnTo>
+                  <a:pt x="7109" y="10020"/>
+                </a:lnTo>
+                <a:lnTo>
+                  <a:pt x="7109" y="6008"/>
+                </a:lnTo>
+                <a:cubicBezTo>
+                  <a:pt x="7109" y="5793"/>
+                  <a:pt x="6930" y="5615"/>
+                  <a:pt x="6728" y="5615"/>
+                </a:cubicBezTo>
+                <a:lnTo>
+                  <a:pt x="4680" y="5615"/>
+                </a:lnTo>
+                <a:cubicBezTo>
+                  <a:pt x="4478" y="5615"/>
+                  <a:pt x="4299" y="5793"/>
+                  <a:pt x="4299" y="6008"/>
+                </a:cubicBezTo>
+                <a:lnTo>
+                  <a:pt x="4299" y="10020"/>
+                </a:lnTo>
+                <a:lnTo>
+                  <a:pt x="1739" y="10020"/>
+                </a:lnTo>
+                <a:cubicBezTo>
+                  <a:pt x="1691" y="10020"/>
+                  <a:pt x="1656" y="9984"/>
+                  <a:pt x="1656" y="9937"/>
+                </a:cubicBezTo>
+                <a:lnTo>
+                  <a:pt x="1656" y="8734"/>
+                </a:lnTo>
+                <a:cubicBezTo>
+                  <a:pt x="1656" y="8639"/>
+                  <a:pt x="1572" y="8567"/>
+                  <a:pt x="1489" y="8567"/>
+                </a:cubicBezTo>
+                <a:cubicBezTo>
+                  <a:pt x="1394" y="8567"/>
+                  <a:pt x="1322" y="8639"/>
+                  <a:pt x="1322" y="8734"/>
+                </a:cubicBezTo>
+                <a:lnTo>
+                  <a:pt x="1322" y="9937"/>
+                </a:lnTo>
+                <a:cubicBezTo>
+                  <a:pt x="1322" y="10163"/>
+                  <a:pt x="1501" y="10342"/>
+                  <a:pt x="1727" y="10342"/>
+                </a:cubicBezTo>
+                <a:lnTo>
+                  <a:pt x="9466" y="10342"/>
+                </a:lnTo>
+                <a:cubicBezTo>
+                  <a:pt x="9692" y="10342"/>
+                  <a:pt x="9871" y="10163"/>
+                  <a:pt x="9871" y="9937"/>
+                </a:cubicBezTo>
+                <a:lnTo>
+                  <a:pt x="9871" y="5127"/>
+                </a:lnTo>
+                <a:lnTo>
+                  <a:pt x="10943" y="5127"/>
+                </a:lnTo>
+                <a:cubicBezTo>
+                  <a:pt x="11038" y="5127"/>
+                  <a:pt x="11133" y="5067"/>
+                  <a:pt x="11157" y="4960"/>
+                </a:cubicBezTo>
+                <a:cubicBezTo>
+                  <a:pt x="11216" y="4877"/>
+                  <a:pt x="11205" y="4769"/>
+                  <a:pt x="11121" y="4698"/>
+                </a:cubicBezTo>
+                <a:lnTo>
+                  <a:pt x="8811" y="2686"/>
+                </a:lnTo>
+                <a:cubicBezTo>
+                  <a:pt x="8785" y="2659"/>
+                  <a:pt x="8748" y="2647"/>
+                  <a:pt x="8711" y="2647"/>
+                </a:cubicBezTo>
+                <a:cubicBezTo>
+                  <a:pt x="8665" y="2647"/>
+                  <a:pt x="8618" y="2665"/>
+                  <a:pt x="8585" y="2698"/>
+                </a:cubicBezTo>
+                <a:cubicBezTo>
+                  <a:pt x="8526" y="2757"/>
+                  <a:pt x="8538" y="2864"/>
+                  <a:pt x="8597" y="2924"/>
+                </a:cubicBezTo>
+                <a:lnTo>
+                  <a:pt x="10764" y="4805"/>
+                </a:lnTo>
+                <a:lnTo>
+                  <a:pt x="9776" y="4805"/>
+                </a:lnTo>
+                <a:lnTo>
+                  <a:pt x="5763" y="1305"/>
+                </a:lnTo>
+                <a:cubicBezTo>
+                  <a:pt x="5716" y="1269"/>
+                  <a:pt x="5659" y="1251"/>
+                  <a:pt x="5601" y="1251"/>
+                </a:cubicBezTo>
+                <a:cubicBezTo>
+                  <a:pt x="5543" y="1251"/>
+                  <a:pt x="5484" y="1269"/>
+                  <a:pt x="5430" y="1305"/>
+                </a:cubicBezTo>
+                <a:lnTo>
+                  <a:pt x="1418" y="4805"/>
+                </a:lnTo>
+                <a:lnTo>
+                  <a:pt x="429" y="4805"/>
+                </a:lnTo>
+                <a:lnTo>
+                  <a:pt x="1918" y="3507"/>
+                </a:lnTo>
+                <a:lnTo>
+                  <a:pt x="3335" y="2281"/>
+                </a:lnTo>
+                <a:lnTo>
+                  <a:pt x="5609" y="340"/>
+                </a:lnTo>
+                <a:lnTo>
+                  <a:pt x="8026" y="2436"/>
+                </a:lnTo>
+                <a:cubicBezTo>
+                  <a:pt x="8052" y="2463"/>
+                  <a:pt x="8086" y="2475"/>
+                  <a:pt x="8121" y="2475"/>
+                </a:cubicBezTo>
+                <a:cubicBezTo>
+                  <a:pt x="8164" y="2475"/>
+                  <a:pt x="8207" y="2457"/>
+                  <a:pt x="8240" y="2424"/>
+                </a:cubicBezTo>
+                <a:cubicBezTo>
+                  <a:pt x="8299" y="2364"/>
+                  <a:pt x="8288" y="2257"/>
+                  <a:pt x="8228" y="2198"/>
+                </a:cubicBezTo>
+                <a:lnTo>
+                  <a:pt x="5763" y="55"/>
+                </a:lnTo>
+                <a:cubicBezTo>
+                  <a:pt x="5716" y="19"/>
+                  <a:pt x="5659" y="1"/>
+                  <a:pt x="5601" y="1"/>
+                </a:cubicBezTo>
+                <a:close/>
+              </a:path>
+            </a:pathLst>
+          </a:custGeom>
+          <a:solidFill>
+            <a:schemeClr val="accent1"/>
+          </a:solidFill>
+          <a:ln>
+            <a:noFill/>
+          </a:ln>
+        </p:spPr>
+        <p:txBody>
+          <a:bodyPr spcFirstLastPara="1" wrap="square" lIns="91425" tIns="91425" rIns="91425" bIns="91425" anchor="ctr" anchorCtr="0">
+            <a:noAutofit/>
+          </a:bodyPr>
+          <a:lstStyle/>
+          <a:p>
+            <a:pPr marL="0" lvl="0" indent="0" algn="l" rtl="0">
+              <a:spcBef>
+                <a:spcPts val="0"/>
+              </a:spcBef>
+              <a:spcAft>
+                <a:spcPts val="0"/>
+              </a:spcAft>
+              <a:buNone/>
+            </a:pPr>
+            <a:endParaRPr/>
+          </a:p>
+        </p:txBody>
+      </p:sp>
+      <p:sp>
+        <p:nvSpPr>
+          <p:cNvPr id="704" name="Google Shape;704;p52">
+            <a:hlinkClick r:id="" action="ppaction://hlinkshowjump?jump=nextslide"/>
+          </p:cNvPr>
+          <p:cNvSpPr txBox="1"/>
+          <p:nvPr/>
+        </p:nvSpPr>
+        <p:spPr>
+          <a:xfrm>
+            <a:off x="7232750" y="4164550"/>
+            <a:ext cx="1197900" cy="433500"/>
+          </a:xfrm>
+          <a:prstGeom prst="rect">
+            <a:avLst/>
+          </a:prstGeom>
+          <a:solidFill>
+            <a:schemeClr val="dk1"/>
+          </a:solidFill>
+          <a:ln>
+            <a:noFill/>
+          </a:ln>
+        </p:spPr>
+        <p:txBody>
+          <a:bodyPr spcFirstLastPara="1" wrap="square" lIns="91425" tIns="91425" rIns="91425" bIns="91425" anchor="ctr" anchorCtr="0">
+            <a:noAutofit/>
+          </a:bodyPr>
+          <a:lstStyle/>
+          <a:p>
+            <a:pPr marL="0" lvl="0" indent="0" algn="ctr" rtl="0">
+              <a:spcBef>
+                <a:spcPts val="0"/>
+              </a:spcBef>
+              <a:spcAft>
+                <a:spcPts val="0"/>
+              </a:spcAft>
+              <a:buNone/>
+            </a:pPr>
+            <a:r>
+              <a:rPr lang="en" sz="1600">
+                <a:solidFill>
+                  <a:schemeClr val="accent1"/>
+                </a:solidFill>
+                <a:latin typeface="Signika"/>
+                <a:ea typeface="Signika"/>
+                <a:cs typeface="Signika"/>
+                <a:sym typeface="Signika"/>
+              </a:rPr>
+              <a:t>Next</a:t>
+            </a:r>
+            <a:endParaRPr sz="1600">
+              <a:solidFill>
+                <a:schemeClr val="accent1"/>
+              </a:solidFill>
+              <a:latin typeface="Signika"/>
+              <a:ea typeface="Signika"/>
+              <a:cs typeface="Signika"/>
+              <a:sym typeface="Signika"/>
+            </a:endParaRPr>
+          </a:p>
+        </p:txBody>
+      </p:sp>
+      <p:sp>
+        <p:nvSpPr>
+          <p:cNvPr id="2" name="Google Shape;705;p52">
+            <a:extLst>
+              <a:ext uri="{FF2B5EF4-FFF2-40B4-BE49-F238E27FC236}">
+                <a16:creationId xmlns:a16="http://schemas.microsoft.com/office/drawing/2014/main" id="{F89D4FC3-86A2-B46A-4311-8B85F625E0B5}"/>
+              </a:ext>
+            </a:extLst>
+          </p:cNvPr>
+          <p:cNvSpPr txBox="1"/>
+          <p:nvPr/>
+        </p:nvSpPr>
+        <p:spPr>
+          <a:xfrm>
+            <a:off x="713225" y="1877970"/>
+            <a:ext cx="2010487" cy="2010410"/>
           </a:xfrm>
           <a:prstGeom prst="rect">
             <a:avLst/>
@@ -24111,32 +25447,444 @@
           <a:bodyPr spcFirstLastPara="1" wrap="square" lIns="91425" tIns="91425" rIns="91425" bIns="91425" anchor="ctr" anchorCtr="0">
             <a:noAutofit/>
           </a:bodyPr>
-          <a:lstStyle/>
-          <a:p>
-            <a:pPr marL="0" lvl="0" indent="0" algn="ctr" rtl="0">
-              <a:spcBef>
-                <a:spcPts val="0"/>
-              </a:spcBef>
-              <a:spcAft>
-                <a:spcPts val="0"/>
-              </a:spcAft>
-              <a:buNone/>
-            </a:pPr>
-            <a:r>
-              <a:rPr lang="en" sz="2000" b="1">
+          <a:lstStyle>
+            <a:defPPr marR="0" lvl="0" algn="l" rtl="0">
+              <a:lnSpc>
+                <a:spcPct val="100000"/>
+              </a:lnSpc>
+              <a:spcBef>
+                <a:spcPts val="0"/>
+              </a:spcBef>
+              <a:spcAft>
+                <a:spcPts val="0"/>
+              </a:spcAft>
+            </a:defPPr>
+            <a:lvl1pPr marL="0" indent="0" algn="ctr">
+              <a:buNone/>
+              <a:defRPr sz="2000" b="1">
                 <a:solidFill>
                   <a:schemeClr val="dk1"/>
                 </a:solidFill>
                 <a:latin typeface="Signika"/>
                 <a:ea typeface="Signika"/>
                 <a:cs typeface="Signika"/>
+              </a:defRPr>
+            </a:lvl1pPr>
+          </a:lstStyle>
+          <a:p>
+            <a:r>
+              <a:rPr lang="vi-VN" dirty="0">
                 <a:sym typeface="Signika"/>
               </a:rPr>
-              <a:t>Ngôn ngữ</a:t>
+              <a:t>BẢO MẬT</a:t>
             </a:r>
-            <a:endParaRPr sz="2000" b="1">
+            <a:endParaRPr dirty="0">
+              <a:sym typeface="Signika"/>
+            </a:endParaRPr>
+          </a:p>
+        </p:txBody>
+      </p:sp>
+      <p:sp>
+        <p:nvSpPr>
+          <p:cNvPr id="3" name="TextBox 2">
+            <a:extLst>
+              <a:ext uri="{FF2B5EF4-FFF2-40B4-BE49-F238E27FC236}">
+                <a16:creationId xmlns:a16="http://schemas.microsoft.com/office/drawing/2014/main" id="{79DEBBD5-944F-A1F0-C3FD-C97839EEBEA3}"/>
+              </a:ext>
+            </a:extLst>
+          </p:cNvPr>
+          <p:cNvSpPr txBox="1"/>
+          <p:nvPr/>
+        </p:nvSpPr>
+        <p:spPr>
+          <a:xfrm>
+            <a:off x="3284781" y="2260640"/>
+            <a:ext cx="4708340" cy="584775"/>
+          </a:xfrm>
+          <a:prstGeom prst="rect">
+            <a:avLst/>
+          </a:prstGeom>
+          <a:noFill/>
+        </p:spPr>
+        <p:txBody>
+          <a:bodyPr wrap="none" rtlCol="0">
+            <a:spAutoFit/>
+          </a:bodyPr>
+          <a:lstStyle/>
+          <a:p>
+            <a:pPr marL="285750" indent="-285750">
+              <a:buFont typeface="Arial" panose="020B0604020202020204" pitchFamily="34" charset="0"/>
+              <a:buChar char="•"/>
+            </a:pPr>
+            <a:r>
+              <a:rPr lang="vi-VN" sz="1600" dirty="0">
+                <a:solidFill>
+                  <a:schemeClr val="tx1"/>
+                </a:solidFill>
+                <a:latin typeface="Signika" panose="020B0604020202020204" charset="0"/>
+              </a:rPr>
+              <a:t>Xây dựng </a:t>
+            </a:r>
+            <a:r>
+              <a:rPr lang="vi-VN" sz="1600" dirty="0" err="1">
+                <a:solidFill>
+                  <a:schemeClr val="tx1"/>
+                </a:solidFill>
+                <a:latin typeface="Signika" panose="020B0604020202020204" charset="0"/>
+              </a:rPr>
+              <a:t>module</a:t>
+            </a:r>
+            <a:r>
+              <a:rPr lang="vi-VN" sz="1600" dirty="0">
+                <a:solidFill>
+                  <a:schemeClr val="tx1"/>
+                </a:solidFill>
+                <a:latin typeface="Signika" panose="020B0604020202020204" charset="0"/>
+              </a:rPr>
+              <a:t> đăng nhập hệ thống kết nối với</a:t>
+            </a:r>
+            <a:br>
+              <a:rPr lang="vi-VN" sz="1600" dirty="0">
+                <a:solidFill>
+                  <a:schemeClr val="tx1"/>
+                </a:solidFill>
+                <a:latin typeface="Signika" panose="020B0604020202020204" charset="0"/>
+              </a:rPr>
+            </a:br>
+            <a:r>
+              <a:rPr lang="vi-VN" sz="1600" dirty="0">
+                <a:solidFill>
+                  <a:schemeClr val="tx1"/>
+                </a:solidFill>
+                <a:latin typeface="Signika" panose="020B0604020202020204" charset="0"/>
+              </a:rPr>
+              <a:t>hệ thống phân quyền của </a:t>
+            </a:r>
+            <a:r>
+              <a:rPr lang="vi-VN" sz="1600" dirty="0" err="1">
+                <a:solidFill>
+                  <a:schemeClr val="tx1"/>
+                </a:solidFill>
+                <a:latin typeface="Signika" panose="020B0604020202020204" charset="0"/>
+              </a:rPr>
+              <a:t>Realm</a:t>
+            </a:r>
+            <a:endParaRPr lang="vi-VN" sz="1600" dirty="0">
+              <a:solidFill>
+                <a:schemeClr val="tx1"/>
+              </a:solidFill>
+              <a:latin typeface="Signika" panose="020B0604020202020204" charset="0"/>
+            </a:endParaRPr>
+          </a:p>
+        </p:txBody>
+      </p:sp>
+      <p:sp>
+        <p:nvSpPr>
+          <p:cNvPr id="4" name="TextBox 3">
+            <a:extLst>
+              <a:ext uri="{FF2B5EF4-FFF2-40B4-BE49-F238E27FC236}">
+                <a16:creationId xmlns:a16="http://schemas.microsoft.com/office/drawing/2014/main" id="{91F21135-C771-9EA6-6FB6-5355353CB5F2}"/>
+              </a:ext>
+            </a:extLst>
+          </p:cNvPr>
+          <p:cNvSpPr txBox="1"/>
+          <p:nvPr/>
+        </p:nvSpPr>
+        <p:spPr>
+          <a:xfrm>
+            <a:off x="2924956" y="1922086"/>
+            <a:ext cx="2010487" cy="338554"/>
+          </a:xfrm>
+          <a:prstGeom prst="rect">
+            <a:avLst/>
+          </a:prstGeom>
+          <a:noFill/>
+        </p:spPr>
+        <p:txBody>
+          <a:bodyPr wrap="none" rtlCol="0">
+            <a:spAutoFit/>
+          </a:bodyPr>
+          <a:lstStyle/>
+          <a:p>
+            <a:r>
+              <a:rPr lang="vi-VN" sz="1600" b="1" dirty="0">
+                <a:solidFill>
+                  <a:schemeClr val="tx1"/>
+                </a:solidFill>
+                <a:latin typeface="Signika" panose="020B0604020202020204" charset="0"/>
+              </a:rPr>
+              <a:t>VẤN ĐỀ TIÊN QUYẾT</a:t>
+            </a:r>
+          </a:p>
+        </p:txBody>
+      </p:sp>
+      <p:sp>
+        <p:nvSpPr>
+          <p:cNvPr id="5" name="TextBox 4">
+            <a:extLst>
+              <a:ext uri="{FF2B5EF4-FFF2-40B4-BE49-F238E27FC236}">
+                <a16:creationId xmlns:a16="http://schemas.microsoft.com/office/drawing/2014/main" id="{4B30BC63-4948-CDD6-6BE2-5719EE6ED163}"/>
+              </a:ext>
+            </a:extLst>
+          </p:cNvPr>
+          <p:cNvSpPr txBox="1"/>
+          <p:nvPr/>
+        </p:nvSpPr>
+        <p:spPr>
+          <a:xfrm>
+            <a:off x="2924956" y="2963718"/>
+            <a:ext cx="2138727" cy="338554"/>
+          </a:xfrm>
+          <a:prstGeom prst="rect">
+            <a:avLst/>
+          </a:prstGeom>
+          <a:noFill/>
+        </p:spPr>
+        <p:txBody>
+          <a:bodyPr wrap="none" rtlCol="0">
+            <a:spAutoFit/>
+          </a:bodyPr>
+          <a:lstStyle/>
+          <a:p>
+            <a:r>
+              <a:rPr lang="vi-VN" sz="1600" b="1" dirty="0">
+                <a:solidFill>
+                  <a:schemeClr val="tx1"/>
+                </a:solidFill>
+                <a:latin typeface="Signika" panose="020B0604020202020204" charset="0"/>
+              </a:rPr>
+              <a:t>PHÁT TRIỂN SAU NÀY</a:t>
+            </a:r>
+          </a:p>
+        </p:txBody>
+      </p:sp>
+      <p:sp>
+        <p:nvSpPr>
+          <p:cNvPr id="6" name="TextBox 5">
+            <a:extLst>
+              <a:ext uri="{FF2B5EF4-FFF2-40B4-BE49-F238E27FC236}">
+                <a16:creationId xmlns:a16="http://schemas.microsoft.com/office/drawing/2014/main" id="{0434F2F0-2B6C-30C1-B284-5017372F3CDD}"/>
+              </a:ext>
+            </a:extLst>
+          </p:cNvPr>
+          <p:cNvSpPr txBox="1"/>
+          <p:nvPr/>
+        </p:nvSpPr>
+        <p:spPr>
+          <a:xfrm>
+            <a:off x="3284779" y="3302124"/>
+            <a:ext cx="5133137" cy="584775"/>
+          </a:xfrm>
+          <a:prstGeom prst="rect">
+            <a:avLst/>
+          </a:prstGeom>
+          <a:noFill/>
+        </p:spPr>
+        <p:txBody>
+          <a:bodyPr wrap="square" rtlCol="0">
+            <a:spAutoFit/>
+          </a:bodyPr>
+          <a:lstStyle/>
+          <a:p>
+            <a:pPr marL="285750" indent="-285750">
+              <a:buFont typeface="Arial" panose="020B0604020202020204" pitchFamily="34" charset="0"/>
+              <a:buChar char="•"/>
+            </a:pPr>
+            <a:r>
+              <a:rPr lang="vi-VN" sz="1600" dirty="0">
+                <a:solidFill>
+                  <a:schemeClr val="tx1"/>
+                </a:solidFill>
+                <a:latin typeface="Signika" panose="020B0604020202020204" charset="0"/>
+              </a:rPr>
+              <a:t>Thường xuyên rà soát và cập nhật các thư viện, cập nhật và vá các lỗ hổng bảo mật</a:t>
+            </a:r>
+          </a:p>
+        </p:txBody>
+      </p:sp>
+    </p:spTree>
+    <p:extLst>
+      <p:ext uri="{BB962C8B-B14F-4D97-AF65-F5344CB8AC3E}">
+        <p14:creationId xmlns:p14="http://schemas.microsoft.com/office/powerpoint/2010/main" val="3182189674"/>
+      </p:ext>
+    </p:extLst>
+  </p:cSld>
+  <p:clrMapOvr>
+    <a:masterClrMapping/>
+  </p:clrMapOvr>
+</p:sld>
+</file>
+
+<file path=ppt/slides/slide15.xml><?xml version="1.0" encoding="utf-8"?>
+<p:sld xmlns:a="http://schemas.openxmlformats.org/drawingml/2006/main" xmlns:r="http://schemas.openxmlformats.org/officeDocument/2006/relationships" xmlns:p="http://schemas.openxmlformats.org/presentationml/2006/main">
+  <p:cSld>
+    <p:spTree>
+      <p:nvGrpSpPr>
+        <p:cNvPr id="1" name="Shape 698"/>
+        <p:cNvGrpSpPr/>
+        <p:nvPr/>
+      </p:nvGrpSpPr>
+      <p:grpSpPr>
+        <a:xfrm>
+          <a:off x="0" y="0"/>
+          <a:ext cx="0" cy="0"/>
+          <a:chOff x="0" y="0"/>
+          <a:chExt cx="0" cy="0"/>
+        </a:xfrm>
+      </p:grpSpPr>
+      <p:sp>
+        <p:nvSpPr>
+          <p:cNvPr id="699" name="Google Shape;699;p52"/>
+          <p:cNvSpPr txBox="1">
+            <a:spLocks noGrp="1"/>
+          </p:cNvSpPr>
+          <p:nvPr>
+            <p:ph type="title"/>
+          </p:nvPr>
+        </p:nvSpPr>
+        <p:spPr>
+          <a:xfrm>
+            <a:off x="713225" y="539500"/>
+            <a:ext cx="7717500" cy="572700"/>
+          </a:xfrm>
+          <a:prstGeom prst="rect">
+            <a:avLst/>
+          </a:prstGeom>
+        </p:spPr>
+        <p:txBody>
+          <a:bodyPr spcFirstLastPara="1" wrap="square" lIns="91425" tIns="91425" rIns="91425" bIns="91425" anchor="t" anchorCtr="0">
+            <a:noAutofit/>
+          </a:bodyPr>
+          <a:lstStyle/>
+          <a:p>
+            <a:pPr marL="0" lvl="0" indent="0" algn="l" rtl="0">
+              <a:spcBef>
+                <a:spcPts val="0"/>
+              </a:spcBef>
+              <a:spcAft>
+                <a:spcPts val="0"/>
+              </a:spcAft>
+              <a:buNone/>
+            </a:pPr>
+            <a:r>
+              <a:rPr lang="en"/>
+              <a:t>Các cải tiến trong sản phẩm</a:t>
+            </a:r>
+            <a:endParaRPr/>
+          </a:p>
+        </p:txBody>
+      </p:sp>
+      <p:sp>
+        <p:nvSpPr>
+          <p:cNvPr id="700" name="Google Shape;700;p52"/>
+          <p:cNvSpPr txBox="1"/>
+          <p:nvPr/>
+        </p:nvSpPr>
+        <p:spPr>
+          <a:xfrm>
+            <a:off x="713225" y="1112200"/>
+            <a:ext cx="7717500" cy="489600"/>
+          </a:xfrm>
+          <a:prstGeom prst="rect">
+            <a:avLst/>
+          </a:prstGeom>
+          <a:noFill/>
+          <a:ln>
+            <a:noFill/>
+          </a:ln>
+        </p:spPr>
+        <p:txBody>
+          <a:bodyPr spcFirstLastPara="1" wrap="square" lIns="114300" tIns="91425" rIns="91425" bIns="91425" anchor="ctr" anchorCtr="0">
+            <a:noAutofit/>
+          </a:bodyPr>
+          <a:lstStyle/>
+          <a:p>
+            <a:pPr marL="0" lvl="0" indent="0" algn="l" rtl="0">
+              <a:spcBef>
+                <a:spcPts val="0"/>
+              </a:spcBef>
+              <a:spcAft>
+                <a:spcPts val="0"/>
+              </a:spcAft>
+              <a:buNone/>
+            </a:pPr>
+            <a:r>
+              <a:rPr lang="vi-VN" sz="1600">
+                <a:solidFill>
+                  <a:schemeClr val="dk1"/>
+                </a:solidFill>
+                <a:latin typeface="Signika" panose="020B0604020202020204" charset="0"/>
+                <a:ea typeface="Palanquin"/>
+                <a:cs typeface="Palanquin"/>
+                <a:sym typeface="Palanquin"/>
+              </a:rPr>
+              <a:t>Các cải tiến có thể thực hiện để hệ thống thêm hoàn chỉnh</a:t>
+            </a:r>
+            <a:endParaRPr sz="1600" dirty="0">
               <a:solidFill>
                 <a:schemeClr val="dk1"/>
+              </a:solidFill>
+              <a:latin typeface="Signika" panose="020B0604020202020204" charset="0"/>
+              <a:ea typeface="Palanquin"/>
+              <a:cs typeface="Palanquin"/>
+              <a:sym typeface="Palanquin"/>
+            </a:endParaRPr>
+          </a:p>
+        </p:txBody>
+      </p:sp>
+      <p:sp>
+        <p:nvSpPr>
+          <p:cNvPr id="701" name="Google Shape;701;p52">
+            <a:hlinkClick r:id="" action="ppaction://hlinkshowjump?jump=previousslide"/>
+          </p:cNvPr>
+          <p:cNvSpPr txBox="1"/>
+          <p:nvPr/>
+        </p:nvSpPr>
+        <p:spPr>
+          <a:xfrm>
+            <a:off x="713225" y="4164550"/>
+            <a:ext cx="1197900" cy="433500"/>
+          </a:xfrm>
+          <a:prstGeom prst="rect">
+            <a:avLst/>
+          </a:prstGeom>
+          <a:solidFill>
+            <a:schemeClr val="dk1"/>
+          </a:solidFill>
+          <a:ln>
+            <a:noFill/>
+          </a:ln>
+        </p:spPr>
+        <p:txBody>
+          <a:bodyPr spcFirstLastPara="1" wrap="square" lIns="91425" tIns="91425" rIns="91425" bIns="91425" anchor="ctr" anchorCtr="0">
+            <a:noAutofit/>
+          </a:bodyPr>
+          <a:lstStyle/>
+          <a:p>
+            <a:pPr marL="0" lvl="0" indent="0" algn="ctr" rtl="0">
+              <a:spcBef>
+                <a:spcPts val="0"/>
+              </a:spcBef>
+              <a:spcAft>
+                <a:spcPts val="0"/>
+              </a:spcAft>
+              <a:buNone/>
+            </a:pPr>
+            <a:r>
+              <a:rPr lang="en" sz="1600" dirty="0">
+                <a:solidFill>
+                  <a:schemeClr val="accent1"/>
+                </a:solidFill>
+                <a:latin typeface="Signika"/>
+                <a:ea typeface="Signika"/>
+                <a:cs typeface="Signika"/>
+                <a:sym typeface="Signika"/>
+              </a:rPr>
+              <a:t>Back</a:t>
+            </a:r>
+            <a:endParaRPr sz="1600" dirty="0">
+              <a:solidFill>
+                <a:schemeClr val="accent1"/>
               </a:solidFill>
               <a:latin typeface="Signika"/>
               <a:ea typeface="Signika"/>
@@ -24148,14 +25896,462 @@
       </p:sp>
       <p:sp>
         <p:nvSpPr>
-          <p:cNvPr id="707" name="Google Shape;707;p52"/>
+          <p:cNvPr id="702" name="Google Shape;702;p52">
+            <a:hlinkClick r:id="rId3" action="ppaction://hlinksldjump"/>
+          </p:cNvPr>
+          <p:cNvSpPr/>
+          <p:nvPr/>
+        </p:nvSpPr>
+        <p:spPr>
+          <a:xfrm>
+            <a:off x="4383776" y="4164550"/>
+            <a:ext cx="429900" cy="429900"/>
+          </a:xfrm>
+          <a:prstGeom prst="rect">
+            <a:avLst/>
+          </a:prstGeom>
+          <a:solidFill>
+            <a:schemeClr val="dk1"/>
+          </a:solidFill>
+          <a:ln>
+            <a:noFill/>
+          </a:ln>
+        </p:spPr>
+        <p:txBody>
+          <a:bodyPr spcFirstLastPara="1" wrap="square" lIns="91425" tIns="91425" rIns="91425" bIns="91425" anchor="ctr" anchorCtr="0">
+            <a:noAutofit/>
+          </a:bodyPr>
+          <a:lstStyle/>
+          <a:p>
+            <a:pPr marL="0" lvl="0" indent="0" algn="l" rtl="0">
+              <a:spcBef>
+                <a:spcPts val="0"/>
+              </a:spcBef>
+              <a:spcAft>
+                <a:spcPts val="0"/>
+              </a:spcAft>
+              <a:buNone/>
+            </a:pPr>
+            <a:endParaRPr/>
+          </a:p>
+        </p:txBody>
+      </p:sp>
+      <p:sp>
+        <p:nvSpPr>
+          <p:cNvPr id="703" name="Google Shape;703;p52"/>
+          <p:cNvSpPr/>
+          <p:nvPr/>
+        </p:nvSpPr>
+        <p:spPr>
+          <a:xfrm>
+            <a:off x="4420628" y="4215295"/>
+            <a:ext cx="356196" cy="328410"/>
+          </a:xfrm>
+          <a:custGeom>
+            <a:avLst/>
+            <a:gdLst/>
+            <a:ahLst/>
+            <a:cxnLst/>
+            <a:rect l="l" t="t" r="r" b="b"/>
+            <a:pathLst>
+              <a:path w="11217" h="10342" extrusionOk="0">
+                <a:moveTo>
+                  <a:pt x="3394" y="1186"/>
+                </a:moveTo>
+                <a:lnTo>
+                  <a:pt x="3394" y="1507"/>
+                </a:lnTo>
+                <a:lnTo>
+                  <a:pt x="1668" y="1507"/>
+                </a:lnTo>
+                <a:lnTo>
+                  <a:pt x="1668" y="1186"/>
+                </a:lnTo>
+                <a:close/>
+                <a:moveTo>
+                  <a:pt x="3096" y="1829"/>
+                </a:moveTo>
+                <a:lnTo>
+                  <a:pt x="3096" y="2090"/>
+                </a:lnTo>
+                <a:lnTo>
+                  <a:pt x="2013" y="3043"/>
+                </a:lnTo>
+                <a:lnTo>
+                  <a:pt x="2013" y="1829"/>
+                </a:lnTo>
+                <a:close/>
+                <a:moveTo>
+                  <a:pt x="6740" y="5948"/>
+                </a:moveTo>
+                <a:cubicBezTo>
+                  <a:pt x="6775" y="5948"/>
+                  <a:pt x="6799" y="5972"/>
+                  <a:pt x="6799" y="6008"/>
+                </a:cubicBezTo>
+                <a:lnTo>
+                  <a:pt x="6799" y="10020"/>
+                </a:lnTo>
+                <a:lnTo>
+                  <a:pt x="4644" y="10020"/>
+                </a:lnTo>
+                <a:lnTo>
+                  <a:pt x="4644" y="6008"/>
+                </a:lnTo>
+                <a:cubicBezTo>
+                  <a:pt x="4644" y="5972"/>
+                  <a:pt x="4668" y="5948"/>
+                  <a:pt x="4704" y="5948"/>
+                </a:cubicBezTo>
+                <a:close/>
+                <a:moveTo>
+                  <a:pt x="5601" y="1"/>
+                </a:moveTo>
+                <a:cubicBezTo>
+                  <a:pt x="5543" y="1"/>
+                  <a:pt x="5484" y="19"/>
+                  <a:pt x="5430" y="55"/>
+                </a:cubicBezTo>
+                <a:lnTo>
+                  <a:pt x="3692" y="1567"/>
+                </a:lnTo>
+                <a:lnTo>
+                  <a:pt x="3692" y="1126"/>
+                </a:lnTo>
+                <a:cubicBezTo>
+                  <a:pt x="3692" y="995"/>
+                  <a:pt x="3573" y="876"/>
+                  <a:pt x="3442" y="876"/>
+                </a:cubicBezTo>
+                <a:lnTo>
+                  <a:pt x="1596" y="876"/>
+                </a:lnTo>
+                <a:cubicBezTo>
+                  <a:pt x="1453" y="876"/>
+                  <a:pt x="1334" y="995"/>
+                  <a:pt x="1334" y="1126"/>
+                </a:cubicBezTo>
+                <a:lnTo>
+                  <a:pt x="1334" y="1590"/>
+                </a:lnTo>
+                <a:cubicBezTo>
+                  <a:pt x="1334" y="1721"/>
+                  <a:pt x="1453" y="1840"/>
+                  <a:pt x="1596" y="1840"/>
+                </a:cubicBezTo>
+                <a:lnTo>
+                  <a:pt x="1691" y="1840"/>
+                </a:lnTo>
+                <a:lnTo>
+                  <a:pt x="1691" y="3329"/>
+                </a:lnTo>
+                <a:lnTo>
+                  <a:pt x="108" y="4710"/>
+                </a:lnTo>
+                <a:cubicBezTo>
+                  <a:pt x="25" y="4781"/>
+                  <a:pt x="1" y="4888"/>
+                  <a:pt x="25" y="4984"/>
+                </a:cubicBezTo>
+                <a:cubicBezTo>
+                  <a:pt x="60" y="5079"/>
+                  <a:pt x="167" y="5138"/>
+                  <a:pt x="251" y="5138"/>
+                </a:cubicBezTo>
+                <a:lnTo>
+                  <a:pt x="1322" y="5138"/>
+                </a:lnTo>
+                <a:lnTo>
+                  <a:pt x="1322" y="7972"/>
+                </a:lnTo>
+                <a:cubicBezTo>
+                  <a:pt x="1322" y="8056"/>
+                  <a:pt x="1394" y="8139"/>
+                  <a:pt x="1489" y="8139"/>
+                </a:cubicBezTo>
+                <a:cubicBezTo>
+                  <a:pt x="1572" y="8139"/>
+                  <a:pt x="1656" y="8056"/>
+                  <a:pt x="1656" y="7972"/>
+                </a:cubicBezTo>
+                <a:lnTo>
+                  <a:pt x="1656" y="5055"/>
+                </a:lnTo>
+                <a:lnTo>
+                  <a:pt x="5609" y="1614"/>
+                </a:lnTo>
+                <a:lnTo>
+                  <a:pt x="9561" y="5055"/>
+                </a:lnTo>
+                <a:lnTo>
+                  <a:pt x="9561" y="9937"/>
+                </a:lnTo>
+                <a:cubicBezTo>
+                  <a:pt x="9561" y="9984"/>
+                  <a:pt x="9526" y="10020"/>
+                  <a:pt x="9478" y="10020"/>
+                </a:cubicBezTo>
+                <a:lnTo>
+                  <a:pt x="7109" y="10020"/>
+                </a:lnTo>
+                <a:lnTo>
+                  <a:pt x="7109" y="6008"/>
+                </a:lnTo>
+                <a:cubicBezTo>
+                  <a:pt x="7109" y="5793"/>
+                  <a:pt x="6930" y="5615"/>
+                  <a:pt x="6728" y="5615"/>
+                </a:cubicBezTo>
+                <a:lnTo>
+                  <a:pt x="4680" y="5615"/>
+                </a:lnTo>
+                <a:cubicBezTo>
+                  <a:pt x="4478" y="5615"/>
+                  <a:pt x="4299" y="5793"/>
+                  <a:pt x="4299" y="6008"/>
+                </a:cubicBezTo>
+                <a:lnTo>
+                  <a:pt x="4299" y="10020"/>
+                </a:lnTo>
+                <a:lnTo>
+                  <a:pt x="1739" y="10020"/>
+                </a:lnTo>
+                <a:cubicBezTo>
+                  <a:pt x="1691" y="10020"/>
+                  <a:pt x="1656" y="9984"/>
+                  <a:pt x="1656" y="9937"/>
+                </a:cubicBezTo>
+                <a:lnTo>
+                  <a:pt x="1656" y="8734"/>
+                </a:lnTo>
+                <a:cubicBezTo>
+                  <a:pt x="1656" y="8639"/>
+                  <a:pt x="1572" y="8567"/>
+                  <a:pt x="1489" y="8567"/>
+                </a:cubicBezTo>
+                <a:cubicBezTo>
+                  <a:pt x="1394" y="8567"/>
+                  <a:pt x="1322" y="8639"/>
+                  <a:pt x="1322" y="8734"/>
+                </a:cubicBezTo>
+                <a:lnTo>
+                  <a:pt x="1322" y="9937"/>
+                </a:lnTo>
+                <a:cubicBezTo>
+                  <a:pt x="1322" y="10163"/>
+                  <a:pt x="1501" y="10342"/>
+                  <a:pt x="1727" y="10342"/>
+                </a:cubicBezTo>
+                <a:lnTo>
+                  <a:pt x="9466" y="10342"/>
+                </a:lnTo>
+                <a:cubicBezTo>
+                  <a:pt x="9692" y="10342"/>
+                  <a:pt x="9871" y="10163"/>
+                  <a:pt x="9871" y="9937"/>
+                </a:cubicBezTo>
+                <a:lnTo>
+                  <a:pt x="9871" y="5127"/>
+                </a:lnTo>
+                <a:lnTo>
+                  <a:pt x="10943" y="5127"/>
+                </a:lnTo>
+                <a:cubicBezTo>
+                  <a:pt x="11038" y="5127"/>
+                  <a:pt x="11133" y="5067"/>
+                  <a:pt x="11157" y="4960"/>
+                </a:cubicBezTo>
+                <a:cubicBezTo>
+                  <a:pt x="11216" y="4877"/>
+                  <a:pt x="11205" y="4769"/>
+                  <a:pt x="11121" y="4698"/>
+                </a:cubicBezTo>
+                <a:lnTo>
+                  <a:pt x="8811" y="2686"/>
+                </a:lnTo>
+                <a:cubicBezTo>
+                  <a:pt x="8785" y="2659"/>
+                  <a:pt x="8748" y="2647"/>
+                  <a:pt x="8711" y="2647"/>
+                </a:cubicBezTo>
+                <a:cubicBezTo>
+                  <a:pt x="8665" y="2647"/>
+                  <a:pt x="8618" y="2665"/>
+                  <a:pt x="8585" y="2698"/>
+                </a:cubicBezTo>
+                <a:cubicBezTo>
+                  <a:pt x="8526" y="2757"/>
+                  <a:pt x="8538" y="2864"/>
+                  <a:pt x="8597" y="2924"/>
+                </a:cubicBezTo>
+                <a:lnTo>
+                  <a:pt x="10764" y="4805"/>
+                </a:lnTo>
+                <a:lnTo>
+                  <a:pt x="9776" y="4805"/>
+                </a:lnTo>
+                <a:lnTo>
+                  <a:pt x="5763" y="1305"/>
+                </a:lnTo>
+                <a:cubicBezTo>
+                  <a:pt x="5716" y="1269"/>
+                  <a:pt x="5659" y="1251"/>
+                  <a:pt x="5601" y="1251"/>
+                </a:cubicBezTo>
+                <a:cubicBezTo>
+                  <a:pt x="5543" y="1251"/>
+                  <a:pt x="5484" y="1269"/>
+                  <a:pt x="5430" y="1305"/>
+                </a:cubicBezTo>
+                <a:lnTo>
+                  <a:pt x="1418" y="4805"/>
+                </a:lnTo>
+                <a:lnTo>
+                  <a:pt x="429" y="4805"/>
+                </a:lnTo>
+                <a:lnTo>
+                  <a:pt x="1918" y="3507"/>
+                </a:lnTo>
+                <a:lnTo>
+                  <a:pt x="3335" y="2281"/>
+                </a:lnTo>
+                <a:lnTo>
+                  <a:pt x="5609" y="340"/>
+                </a:lnTo>
+                <a:lnTo>
+                  <a:pt x="8026" y="2436"/>
+                </a:lnTo>
+                <a:cubicBezTo>
+                  <a:pt x="8052" y="2463"/>
+                  <a:pt x="8086" y="2475"/>
+                  <a:pt x="8121" y="2475"/>
+                </a:cubicBezTo>
+                <a:cubicBezTo>
+                  <a:pt x="8164" y="2475"/>
+                  <a:pt x="8207" y="2457"/>
+                  <a:pt x="8240" y="2424"/>
+                </a:cubicBezTo>
+                <a:cubicBezTo>
+                  <a:pt x="8299" y="2364"/>
+                  <a:pt x="8288" y="2257"/>
+                  <a:pt x="8228" y="2198"/>
+                </a:cubicBezTo>
+                <a:lnTo>
+                  <a:pt x="5763" y="55"/>
+                </a:lnTo>
+                <a:cubicBezTo>
+                  <a:pt x="5716" y="19"/>
+                  <a:pt x="5659" y="1"/>
+                  <a:pt x="5601" y="1"/>
+                </a:cubicBezTo>
+                <a:close/>
+              </a:path>
+            </a:pathLst>
+          </a:custGeom>
+          <a:solidFill>
+            <a:schemeClr val="accent1"/>
+          </a:solidFill>
+          <a:ln>
+            <a:noFill/>
+          </a:ln>
+        </p:spPr>
+        <p:txBody>
+          <a:bodyPr spcFirstLastPara="1" wrap="square" lIns="91425" tIns="91425" rIns="91425" bIns="91425" anchor="ctr" anchorCtr="0">
+            <a:noAutofit/>
+          </a:bodyPr>
+          <a:lstStyle/>
+          <a:p>
+            <a:pPr marL="0" lvl="0" indent="0" algn="l" rtl="0">
+              <a:spcBef>
+                <a:spcPts val="0"/>
+              </a:spcBef>
+              <a:spcAft>
+                <a:spcPts val="0"/>
+              </a:spcAft>
+              <a:buNone/>
+            </a:pPr>
+            <a:endParaRPr/>
+          </a:p>
+        </p:txBody>
+      </p:sp>
+      <p:sp>
+        <p:nvSpPr>
+          <p:cNvPr id="704" name="Google Shape;704;p52">
+            <a:hlinkClick r:id="" action="ppaction://hlinkshowjump?jump=nextslide"/>
+          </p:cNvPr>
           <p:cNvSpPr txBox="1"/>
           <p:nvPr/>
         </p:nvSpPr>
         <p:spPr>
           <a:xfrm>
-            <a:off x="1190338" y="3470013"/>
-            <a:ext cx="1887000" cy="371700"/>
+            <a:off x="7232750" y="4164550"/>
+            <a:ext cx="1197900" cy="433500"/>
+          </a:xfrm>
+          <a:prstGeom prst="rect">
+            <a:avLst/>
+          </a:prstGeom>
+          <a:solidFill>
+            <a:schemeClr val="dk1"/>
+          </a:solidFill>
+          <a:ln>
+            <a:noFill/>
+          </a:ln>
+        </p:spPr>
+        <p:txBody>
+          <a:bodyPr spcFirstLastPara="1" wrap="square" lIns="91425" tIns="91425" rIns="91425" bIns="91425" anchor="ctr" anchorCtr="0">
+            <a:noAutofit/>
+          </a:bodyPr>
+          <a:lstStyle/>
+          <a:p>
+            <a:pPr marL="0" lvl="0" indent="0" algn="ctr" rtl="0">
+              <a:spcBef>
+                <a:spcPts val="0"/>
+              </a:spcBef>
+              <a:spcAft>
+                <a:spcPts val="0"/>
+              </a:spcAft>
+              <a:buNone/>
+            </a:pPr>
+            <a:r>
+              <a:rPr lang="en" sz="1600">
+                <a:solidFill>
+                  <a:schemeClr val="accent1"/>
+                </a:solidFill>
+                <a:latin typeface="Signika"/>
+                <a:ea typeface="Signika"/>
+                <a:cs typeface="Signika"/>
+                <a:sym typeface="Signika"/>
+              </a:rPr>
+              <a:t>Next</a:t>
+            </a:r>
+            <a:endParaRPr sz="1600">
+              <a:solidFill>
+                <a:schemeClr val="accent1"/>
+              </a:solidFill>
+              <a:latin typeface="Signika"/>
+              <a:ea typeface="Signika"/>
+              <a:cs typeface="Signika"/>
+              <a:sym typeface="Signika"/>
+            </a:endParaRPr>
+          </a:p>
+        </p:txBody>
+      </p:sp>
+      <p:sp>
+        <p:nvSpPr>
+          <p:cNvPr id="2" name="Google Shape;705;p52">
+            <a:extLst>
+              <a:ext uri="{FF2B5EF4-FFF2-40B4-BE49-F238E27FC236}">
+                <a16:creationId xmlns:a16="http://schemas.microsoft.com/office/drawing/2014/main" id="{F89D4FC3-86A2-B46A-4311-8B85F625E0B5}"/>
+              </a:ext>
+            </a:extLst>
+          </p:cNvPr>
+          <p:cNvSpPr txBox="1"/>
+          <p:nvPr/>
+        </p:nvSpPr>
+        <p:spPr>
+          <a:xfrm>
+            <a:off x="713225" y="1877970"/>
+            <a:ext cx="2010487" cy="2010410"/>
           </a:xfrm>
           <a:prstGeom prst="rect">
             <a:avLst/>
@@ -24177,32 +26373,412 @@
           <a:bodyPr spcFirstLastPara="1" wrap="square" lIns="91425" tIns="91425" rIns="91425" bIns="91425" anchor="ctr" anchorCtr="0">
             <a:noAutofit/>
           </a:bodyPr>
-          <a:lstStyle/>
-          <a:p>
-            <a:pPr marL="0" lvl="0" indent="0" algn="ctr" rtl="0">
-              <a:spcBef>
-                <a:spcPts val="0"/>
-              </a:spcBef>
-              <a:spcAft>
-                <a:spcPts val="0"/>
-              </a:spcAft>
-              <a:buNone/>
-            </a:pPr>
-            <a:r>
-              <a:rPr lang="en" sz="2000" b="1">
+          <a:lstStyle>
+            <a:defPPr marR="0" lvl="0" algn="l" rtl="0">
+              <a:lnSpc>
+                <a:spcPct val="100000"/>
+              </a:lnSpc>
+              <a:spcBef>
+                <a:spcPts val="0"/>
+              </a:spcBef>
+              <a:spcAft>
+                <a:spcPts val="0"/>
+              </a:spcAft>
+            </a:defPPr>
+            <a:lvl1pPr marL="0" indent="0" algn="ctr">
+              <a:buNone/>
+              <a:defRPr sz="2000" b="1">
                 <a:solidFill>
                   <a:schemeClr val="dk1"/>
                 </a:solidFill>
                 <a:latin typeface="Signika"/>
                 <a:ea typeface="Signika"/>
                 <a:cs typeface="Signika"/>
+              </a:defRPr>
+            </a:lvl1pPr>
+          </a:lstStyle>
+          <a:p>
+            <a:r>
+              <a:rPr lang="vi-VN" dirty="0">
                 <a:sym typeface="Signika"/>
               </a:rPr>
-              <a:t>…</a:t>
+              <a:t>THUẬT TOÁN</a:t>
             </a:r>
-            <a:endParaRPr sz="2000" b="1">
+            <a:endParaRPr dirty="0">
+              <a:sym typeface="Signika"/>
+            </a:endParaRPr>
+          </a:p>
+        </p:txBody>
+      </p:sp>
+      <p:sp>
+        <p:nvSpPr>
+          <p:cNvPr id="3" name="TextBox 2">
+            <a:extLst>
+              <a:ext uri="{FF2B5EF4-FFF2-40B4-BE49-F238E27FC236}">
+                <a16:creationId xmlns:a16="http://schemas.microsoft.com/office/drawing/2014/main" id="{79DEBBD5-944F-A1F0-C3FD-C97839EEBEA3}"/>
+              </a:ext>
+            </a:extLst>
+          </p:cNvPr>
+          <p:cNvSpPr txBox="1"/>
+          <p:nvPr/>
+        </p:nvSpPr>
+        <p:spPr>
+          <a:xfrm>
+            <a:off x="3284781" y="2260640"/>
+            <a:ext cx="5237331" cy="338554"/>
+          </a:xfrm>
+          <a:prstGeom prst="rect">
+            <a:avLst/>
+          </a:prstGeom>
+          <a:noFill/>
+        </p:spPr>
+        <p:txBody>
+          <a:bodyPr wrap="none" rtlCol="0">
+            <a:spAutoFit/>
+          </a:bodyPr>
+          <a:lstStyle/>
+          <a:p>
+            <a:pPr marL="285750" indent="-285750">
+              <a:buFont typeface="Arial" panose="020B0604020202020204" pitchFamily="34" charset="0"/>
+              <a:buChar char="•"/>
+            </a:pPr>
+            <a:r>
+              <a:rPr lang="vi-VN" sz="1600" dirty="0">
+                <a:solidFill>
+                  <a:schemeClr val="tx1"/>
+                </a:solidFill>
+                <a:latin typeface="Signika" panose="020B0604020202020204" charset="0"/>
+              </a:rPr>
+              <a:t>Hoàn thiện các thuật toán xử lý dữ liệu hiển thị biểu đồ</a:t>
+            </a:r>
+          </a:p>
+        </p:txBody>
+      </p:sp>
+      <p:sp>
+        <p:nvSpPr>
+          <p:cNvPr id="4" name="TextBox 3">
+            <a:extLst>
+              <a:ext uri="{FF2B5EF4-FFF2-40B4-BE49-F238E27FC236}">
+                <a16:creationId xmlns:a16="http://schemas.microsoft.com/office/drawing/2014/main" id="{91F21135-C771-9EA6-6FB6-5355353CB5F2}"/>
+              </a:ext>
+            </a:extLst>
+          </p:cNvPr>
+          <p:cNvSpPr txBox="1"/>
+          <p:nvPr/>
+        </p:nvSpPr>
+        <p:spPr>
+          <a:xfrm>
+            <a:off x="2924956" y="1922086"/>
+            <a:ext cx="2010487" cy="338554"/>
+          </a:xfrm>
+          <a:prstGeom prst="rect">
+            <a:avLst/>
+          </a:prstGeom>
+          <a:noFill/>
+        </p:spPr>
+        <p:txBody>
+          <a:bodyPr wrap="none" rtlCol="0">
+            <a:spAutoFit/>
+          </a:bodyPr>
+          <a:lstStyle/>
+          <a:p>
+            <a:r>
+              <a:rPr lang="vi-VN" sz="1600" b="1" dirty="0">
+                <a:solidFill>
+                  <a:schemeClr val="tx1"/>
+                </a:solidFill>
+                <a:latin typeface="Signika" panose="020B0604020202020204" charset="0"/>
+              </a:rPr>
+              <a:t>VẤN ĐỀ TIÊN QUYẾT</a:t>
+            </a:r>
+          </a:p>
+        </p:txBody>
+      </p:sp>
+      <p:sp>
+        <p:nvSpPr>
+          <p:cNvPr id="5" name="TextBox 4">
+            <a:extLst>
+              <a:ext uri="{FF2B5EF4-FFF2-40B4-BE49-F238E27FC236}">
+                <a16:creationId xmlns:a16="http://schemas.microsoft.com/office/drawing/2014/main" id="{4B30BC63-4948-CDD6-6BE2-5719EE6ED163}"/>
+              </a:ext>
+            </a:extLst>
+          </p:cNvPr>
+          <p:cNvSpPr txBox="1"/>
+          <p:nvPr/>
+        </p:nvSpPr>
+        <p:spPr>
+          <a:xfrm>
+            <a:off x="2924956" y="2963718"/>
+            <a:ext cx="2138727" cy="338554"/>
+          </a:xfrm>
+          <a:prstGeom prst="rect">
+            <a:avLst/>
+          </a:prstGeom>
+          <a:noFill/>
+        </p:spPr>
+        <p:txBody>
+          <a:bodyPr wrap="none" rtlCol="0">
+            <a:spAutoFit/>
+          </a:bodyPr>
+          <a:lstStyle/>
+          <a:p>
+            <a:r>
+              <a:rPr lang="vi-VN" sz="1600" b="1" dirty="0">
+                <a:solidFill>
+                  <a:schemeClr val="tx1"/>
+                </a:solidFill>
+                <a:latin typeface="Signika" panose="020B0604020202020204" charset="0"/>
+              </a:rPr>
+              <a:t>PHÁT TRIỂN SAU NÀY</a:t>
+            </a:r>
+          </a:p>
+        </p:txBody>
+      </p:sp>
+      <p:sp>
+        <p:nvSpPr>
+          <p:cNvPr id="6" name="TextBox 5">
+            <a:extLst>
+              <a:ext uri="{FF2B5EF4-FFF2-40B4-BE49-F238E27FC236}">
+                <a16:creationId xmlns:a16="http://schemas.microsoft.com/office/drawing/2014/main" id="{0434F2F0-2B6C-30C1-B284-5017372F3CDD}"/>
+              </a:ext>
+            </a:extLst>
+          </p:cNvPr>
+          <p:cNvSpPr txBox="1"/>
+          <p:nvPr/>
+        </p:nvSpPr>
+        <p:spPr>
+          <a:xfrm>
+            <a:off x="3284779" y="3302124"/>
+            <a:ext cx="5133137" cy="584775"/>
+          </a:xfrm>
+          <a:prstGeom prst="rect">
+            <a:avLst/>
+          </a:prstGeom>
+          <a:noFill/>
+        </p:spPr>
+        <p:txBody>
+          <a:bodyPr wrap="square" rtlCol="0">
+            <a:spAutoFit/>
+          </a:bodyPr>
+          <a:lstStyle/>
+          <a:p>
+            <a:pPr marL="285750" indent="-285750">
+              <a:buFont typeface="Arial" panose="020B0604020202020204" pitchFamily="34" charset="0"/>
+              <a:buChar char="•"/>
+            </a:pPr>
+            <a:r>
+              <a:rPr lang="vi-VN" sz="1600" dirty="0">
+                <a:solidFill>
+                  <a:schemeClr val="tx1"/>
+                </a:solidFill>
+                <a:latin typeface="Signika" panose="020B0604020202020204" charset="0"/>
+              </a:rPr>
+              <a:t>Áp dụng các công nghệ như trí </a:t>
+            </a:r>
+            <a:r>
+              <a:rPr lang="vi-VN" sz="1600" dirty="0" err="1">
+                <a:solidFill>
+                  <a:schemeClr val="tx1"/>
+                </a:solidFill>
+                <a:latin typeface="Signika" panose="020B0604020202020204" charset="0"/>
+              </a:rPr>
+              <a:t>tuệ</a:t>
+            </a:r>
+            <a:r>
+              <a:rPr lang="vi-VN" sz="1600" dirty="0">
+                <a:solidFill>
+                  <a:schemeClr val="tx1"/>
+                </a:solidFill>
+                <a:latin typeface="Signika" panose="020B0604020202020204" charset="0"/>
+              </a:rPr>
+              <a:t> nhân tạo vào xử lý dữ liệu</a:t>
+            </a:r>
+          </a:p>
+        </p:txBody>
+      </p:sp>
+    </p:spTree>
+    <p:extLst>
+      <p:ext uri="{BB962C8B-B14F-4D97-AF65-F5344CB8AC3E}">
+        <p14:creationId xmlns:p14="http://schemas.microsoft.com/office/powerpoint/2010/main" val="3051077"/>
+      </p:ext>
+    </p:extLst>
+  </p:cSld>
+  <p:clrMapOvr>
+    <a:masterClrMapping/>
+  </p:clrMapOvr>
+</p:sld>
+</file>
+
+<file path=ppt/slides/slide16.xml><?xml version="1.0" encoding="utf-8"?>
+<p:sld xmlns:a="http://schemas.openxmlformats.org/drawingml/2006/main" xmlns:r="http://schemas.openxmlformats.org/officeDocument/2006/relationships" xmlns:p="http://schemas.openxmlformats.org/presentationml/2006/main">
+  <p:cSld>
+    <p:spTree>
+      <p:nvGrpSpPr>
+        <p:cNvPr id="1" name="Shape 698"/>
+        <p:cNvGrpSpPr/>
+        <p:nvPr/>
+      </p:nvGrpSpPr>
+      <p:grpSpPr>
+        <a:xfrm>
+          <a:off x="0" y="0"/>
+          <a:ext cx="0" cy="0"/>
+          <a:chOff x="0" y="0"/>
+          <a:chExt cx="0" cy="0"/>
+        </a:xfrm>
+      </p:grpSpPr>
+      <p:sp>
+        <p:nvSpPr>
+          <p:cNvPr id="699" name="Google Shape;699;p52"/>
+          <p:cNvSpPr txBox="1">
+            <a:spLocks noGrp="1"/>
+          </p:cNvSpPr>
+          <p:nvPr>
+            <p:ph type="title"/>
+          </p:nvPr>
+        </p:nvSpPr>
+        <p:spPr>
+          <a:xfrm>
+            <a:off x="713225" y="539500"/>
+            <a:ext cx="7717500" cy="572700"/>
+          </a:xfrm>
+          <a:prstGeom prst="rect">
+            <a:avLst/>
+          </a:prstGeom>
+        </p:spPr>
+        <p:txBody>
+          <a:bodyPr spcFirstLastPara="1" wrap="square" lIns="91425" tIns="91425" rIns="91425" bIns="91425" anchor="t" anchorCtr="0">
+            <a:noAutofit/>
+          </a:bodyPr>
+          <a:lstStyle/>
+          <a:p>
+            <a:pPr marL="0" lvl="0" indent="0" algn="l" rtl="0">
+              <a:spcBef>
+                <a:spcPts val="0"/>
+              </a:spcBef>
+              <a:spcAft>
+                <a:spcPts val="0"/>
+              </a:spcAft>
+              <a:buNone/>
+            </a:pPr>
+            <a:r>
+              <a:rPr lang="en"/>
+              <a:t>Các cải tiến trong sản phẩm</a:t>
+            </a:r>
+            <a:endParaRPr/>
+          </a:p>
+        </p:txBody>
+      </p:sp>
+      <p:sp>
+        <p:nvSpPr>
+          <p:cNvPr id="700" name="Google Shape;700;p52"/>
+          <p:cNvSpPr txBox="1"/>
+          <p:nvPr/>
+        </p:nvSpPr>
+        <p:spPr>
+          <a:xfrm>
+            <a:off x="713225" y="1112200"/>
+            <a:ext cx="7717500" cy="489600"/>
+          </a:xfrm>
+          <a:prstGeom prst="rect">
+            <a:avLst/>
+          </a:prstGeom>
+          <a:noFill/>
+          <a:ln>
+            <a:noFill/>
+          </a:ln>
+        </p:spPr>
+        <p:txBody>
+          <a:bodyPr spcFirstLastPara="1" wrap="square" lIns="114300" tIns="91425" rIns="91425" bIns="91425" anchor="ctr" anchorCtr="0">
+            <a:noAutofit/>
+          </a:bodyPr>
+          <a:lstStyle/>
+          <a:p>
+            <a:pPr marL="0" lvl="0" indent="0" algn="l" rtl="0">
+              <a:spcBef>
+                <a:spcPts val="0"/>
+              </a:spcBef>
+              <a:spcAft>
+                <a:spcPts val="0"/>
+              </a:spcAft>
+              <a:buNone/>
+            </a:pPr>
+            <a:r>
+              <a:rPr lang="vi-VN" sz="1600">
+                <a:solidFill>
+                  <a:schemeClr val="dk1"/>
+                </a:solidFill>
+                <a:latin typeface="Signika" panose="020B0604020202020204" charset="0"/>
+                <a:ea typeface="Palanquin"/>
+                <a:cs typeface="Palanquin"/>
+                <a:sym typeface="Palanquin"/>
+              </a:rPr>
+              <a:t>Các cải tiến có thể thực hiện để hệ thống thêm hoàn chỉnh</a:t>
+            </a:r>
+            <a:endParaRPr sz="1600" dirty="0">
               <a:solidFill>
                 <a:schemeClr val="dk1"/>
+              </a:solidFill>
+              <a:latin typeface="Signika" panose="020B0604020202020204" charset="0"/>
+              <a:ea typeface="Palanquin"/>
+              <a:cs typeface="Palanquin"/>
+              <a:sym typeface="Palanquin"/>
+            </a:endParaRPr>
+          </a:p>
+        </p:txBody>
+      </p:sp>
+      <p:sp>
+        <p:nvSpPr>
+          <p:cNvPr id="701" name="Google Shape;701;p52">
+            <a:hlinkClick r:id="" action="ppaction://hlinkshowjump?jump=previousslide"/>
+          </p:cNvPr>
+          <p:cNvSpPr txBox="1"/>
+          <p:nvPr/>
+        </p:nvSpPr>
+        <p:spPr>
+          <a:xfrm>
+            <a:off x="713225" y="4164550"/>
+            <a:ext cx="1197900" cy="433500"/>
+          </a:xfrm>
+          <a:prstGeom prst="rect">
+            <a:avLst/>
+          </a:prstGeom>
+          <a:solidFill>
+            <a:schemeClr val="dk1"/>
+          </a:solidFill>
+          <a:ln>
+            <a:noFill/>
+          </a:ln>
+        </p:spPr>
+        <p:txBody>
+          <a:bodyPr spcFirstLastPara="1" wrap="square" lIns="91425" tIns="91425" rIns="91425" bIns="91425" anchor="ctr" anchorCtr="0">
+            <a:noAutofit/>
+          </a:bodyPr>
+          <a:lstStyle/>
+          <a:p>
+            <a:pPr marL="0" lvl="0" indent="0" algn="ctr" rtl="0">
+              <a:spcBef>
+                <a:spcPts val="0"/>
+              </a:spcBef>
+              <a:spcAft>
+                <a:spcPts val="0"/>
+              </a:spcAft>
+              <a:buNone/>
+            </a:pPr>
+            <a:r>
+              <a:rPr lang="en" sz="1600" dirty="0">
+                <a:solidFill>
+                  <a:schemeClr val="accent1"/>
+                </a:solidFill>
+                <a:latin typeface="Signika"/>
+                <a:ea typeface="Signika"/>
+                <a:cs typeface="Signika"/>
+                <a:sym typeface="Signika"/>
+              </a:rPr>
+              <a:t>Back</a:t>
+            </a:r>
+            <a:endParaRPr sz="1600" dirty="0">
+              <a:solidFill>
+                <a:schemeClr val="accent1"/>
               </a:solidFill>
               <a:latin typeface="Signika"/>
               <a:ea typeface="Signika"/>
@@ -24214,14 +26790,462 @@
       </p:sp>
       <p:sp>
         <p:nvSpPr>
-          <p:cNvPr id="708" name="Google Shape;708;p52"/>
+          <p:cNvPr id="702" name="Google Shape;702;p52">
+            <a:hlinkClick r:id="rId3" action="ppaction://hlinksldjump"/>
+          </p:cNvPr>
+          <p:cNvSpPr/>
+          <p:nvPr/>
+        </p:nvSpPr>
+        <p:spPr>
+          <a:xfrm>
+            <a:off x="4383776" y="4164550"/>
+            <a:ext cx="429900" cy="429900"/>
+          </a:xfrm>
+          <a:prstGeom prst="rect">
+            <a:avLst/>
+          </a:prstGeom>
+          <a:solidFill>
+            <a:schemeClr val="dk1"/>
+          </a:solidFill>
+          <a:ln>
+            <a:noFill/>
+          </a:ln>
+        </p:spPr>
+        <p:txBody>
+          <a:bodyPr spcFirstLastPara="1" wrap="square" lIns="91425" tIns="91425" rIns="91425" bIns="91425" anchor="ctr" anchorCtr="0">
+            <a:noAutofit/>
+          </a:bodyPr>
+          <a:lstStyle/>
+          <a:p>
+            <a:pPr marL="0" lvl="0" indent="0" algn="l" rtl="0">
+              <a:spcBef>
+                <a:spcPts val="0"/>
+              </a:spcBef>
+              <a:spcAft>
+                <a:spcPts val="0"/>
+              </a:spcAft>
+              <a:buNone/>
+            </a:pPr>
+            <a:endParaRPr/>
+          </a:p>
+        </p:txBody>
+      </p:sp>
+      <p:sp>
+        <p:nvSpPr>
+          <p:cNvPr id="703" name="Google Shape;703;p52"/>
+          <p:cNvSpPr/>
+          <p:nvPr/>
+        </p:nvSpPr>
+        <p:spPr>
+          <a:xfrm>
+            <a:off x="4420628" y="4215295"/>
+            <a:ext cx="356196" cy="328410"/>
+          </a:xfrm>
+          <a:custGeom>
+            <a:avLst/>
+            <a:gdLst/>
+            <a:ahLst/>
+            <a:cxnLst/>
+            <a:rect l="l" t="t" r="r" b="b"/>
+            <a:pathLst>
+              <a:path w="11217" h="10342" extrusionOk="0">
+                <a:moveTo>
+                  <a:pt x="3394" y="1186"/>
+                </a:moveTo>
+                <a:lnTo>
+                  <a:pt x="3394" y="1507"/>
+                </a:lnTo>
+                <a:lnTo>
+                  <a:pt x="1668" y="1507"/>
+                </a:lnTo>
+                <a:lnTo>
+                  <a:pt x="1668" y="1186"/>
+                </a:lnTo>
+                <a:close/>
+                <a:moveTo>
+                  <a:pt x="3096" y="1829"/>
+                </a:moveTo>
+                <a:lnTo>
+                  <a:pt x="3096" y="2090"/>
+                </a:lnTo>
+                <a:lnTo>
+                  <a:pt x="2013" y="3043"/>
+                </a:lnTo>
+                <a:lnTo>
+                  <a:pt x="2013" y="1829"/>
+                </a:lnTo>
+                <a:close/>
+                <a:moveTo>
+                  <a:pt x="6740" y="5948"/>
+                </a:moveTo>
+                <a:cubicBezTo>
+                  <a:pt x="6775" y="5948"/>
+                  <a:pt x="6799" y="5972"/>
+                  <a:pt x="6799" y="6008"/>
+                </a:cubicBezTo>
+                <a:lnTo>
+                  <a:pt x="6799" y="10020"/>
+                </a:lnTo>
+                <a:lnTo>
+                  <a:pt x="4644" y="10020"/>
+                </a:lnTo>
+                <a:lnTo>
+                  <a:pt x="4644" y="6008"/>
+                </a:lnTo>
+                <a:cubicBezTo>
+                  <a:pt x="4644" y="5972"/>
+                  <a:pt x="4668" y="5948"/>
+                  <a:pt x="4704" y="5948"/>
+                </a:cubicBezTo>
+                <a:close/>
+                <a:moveTo>
+                  <a:pt x="5601" y="1"/>
+                </a:moveTo>
+                <a:cubicBezTo>
+                  <a:pt x="5543" y="1"/>
+                  <a:pt x="5484" y="19"/>
+                  <a:pt x="5430" y="55"/>
+                </a:cubicBezTo>
+                <a:lnTo>
+                  <a:pt x="3692" y="1567"/>
+                </a:lnTo>
+                <a:lnTo>
+                  <a:pt x="3692" y="1126"/>
+                </a:lnTo>
+                <a:cubicBezTo>
+                  <a:pt x="3692" y="995"/>
+                  <a:pt x="3573" y="876"/>
+                  <a:pt x="3442" y="876"/>
+                </a:cubicBezTo>
+                <a:lnTo>
+                  <a:pt x="1596" y="876"/>
+                </a:lnTo>
+                <a:cubicBezTo>
+                  <a:pt x="1453" y="876"/>
+                  <a:pt x="1334" y="995"/>
+                  <a:pt x="1334" y="1126"/>
+                </a:cubicBezTo>
+                <a:lnTo>
+                  <a:pt x="1334" y="1590"/>
+                </a:lnTo>
+                <a:cubicBezTo>
+                  <a:pt x="1334" y="1721"/>
+                  <a:pt x="1453" y="1840"/>
+                  <a:pt x="1596" y="1840"/>
+                </a:cubicBezTo>
+                <a:lnTo>
+                  <a:pt x="1691" y="1840"/>
+                </a:lnTo>
+                <a:lnTo>
+                  <a:pt x="1691" y="3329"/>
+                </a:lnTo>
+                <a:lnTo>
+                  <a:pt x="108" y="4710"/>
+                </a:lnTo>
+                <a:cubicBezTo>
+                  <a:pt x="25" y="4781"/>
+                  <a:pt x="1" y="4888"/>
+                  <a:pt x="25" y="4984"/>
+                </a:cubicBezTo>
+                <a:cubicBezTo>
+                  <a:pt x="60" y="5079"/>
+                  <a:pt x="167" y="5138"/>
+                  <a:pt x="251" y="5138"/>
+                </a:cubicBezTo>
+                <a:lnTo>
+                  <a:pt x="1322" y="5138"/>
+                </a:lnTo>
+                <a:lnTo>
+                  <a:pt x="1322" y="7972"/>
+                </a:lnTo>
+                <a:cubicBezTo>
+                  <a:pt x="1322" y="8056"/>
+                  <a:pt x="1394" y="8139"/>
+                  <a:pt x="1489" y="8139"/>
+                </a:cubicBezTo>
+                <a:cubicBezTo>
+                  <a:pt x="1572" y="8139"/>
+                  <a:pt x="1656" y="8056"/>
+                  <a:pt x="1656" y="7972"/>
+                </a:cubicBezTo>
+                <a:lnTo>
+                  <a:pt x="1656" y="5055"/>
+                </a:lnTo>
+                <a:lnTo>
+                  <a:pt x="5609" y="1614"/>
+                </a:lnTo>
+                <a:lnTo>
+                  <a:pt x="9561" y="5055"/>
+                </a:lnTo>
+                <a:lnTo>
+                  <a:pt x="9561" y="9937"/>
+                </a:lnTo>
+                <a:cubicBezTo>
+                  <a:pt x="9561" y="9984"/>
+                  <a:pt x="9526" y="10020"/>
+                  <a:pt x="9478" y="10020"/>
+                </a:cubicBezTo>
+                <a:lnTo>
+                  <a:pt x="7109" y="10020"/>
+                </a:lnTo>
+                <a:lnTo>
+                  <a:pt x="7109" y="6008"/>
+                </a:lnTo>
+                <a:cubicBezTo>
+                  <a:pt x="7109" y="5793"/>
+                  <a:pt x="6930" y="5615"/>
+                  <a:pt x="6728" y="5615"/>
+                </a:cubicBezTo>
+                <a:lnTo>
+                  <a:pt x="4680" y="5615"/>
+                </a:lnTo>
+                <a:cubicBezTo>
+                  <a:pt x="4478" y="5615"/>
+                  <a:pt x="4299" y="5793"/>
+                  <a:pt x="4299" y="6008"/>
+                </a:cubicBezTo>
+                <a:lnTo>
+                  <a:pt x="4299" y="10020"/>
+                </a:lnTo>
+                <a:lnTo>
+                  <a:pt x="1739" y="10020"/>
+                </a:lnTo>
+                <a:cubicBezTo>
+                  <a:pt x="1691" y="10020"/>
+                  <a:pt x="1656" y="9984"/>
+                  <a:pt x="1656" y="9937"/>
+                </a:cubicBezTo>
+                <a:lnTo>
+                  <a:pt x="1656" y="8734"/>
+                </a:lnTo>
+                <a:cubicBezTo>
+                  <a:pt x="1656" y="8639"/>
+                  <a:pt x="1572" y="8567"/>
+                  <a:pt x="1489" y="8567"/>
+                </a:cubicBezTo>
+                <a:cubicBezTo>
+                  <a:pt x="1394" y="8567"/>
+                  <a:pt x="1322" y="8639"/>
+                  <a:pt x="1322" y="8734"/>
+                </a:cubicBezTo>
+                <a:lnTo>
+                  <a:pt x="1322" y="9937"/>
+                </a:lnTo>
+                <a:cubicBezTo>
+                  <a:pt x="1322" y="10163"/>
+                  <a:pt x="1501" y="10342"/>
+                  <a:pt x="1727" y="10342"/>
+                </a:cubicBezTo>
+                <a:lnTo>
+                  <a:pt x="9466" y="10342"/>
+                </a:lnTo>
+                <a:cubicBezTo>
+                  <a:pt x="9692" y="10342"/>
+                  <a:pt x="9871" y="10163"/>
+                  <a:pt x="9871" y="9937"/>
+                </a:cubicBezTo>
+                <a:lnTo>
+                  <a:pt x="9871" y="5127"/>
+                </a:lnTo>
+                <a:lnTo>
+                  <a:pt x="10943" y="5127"/>
+                </a:lnTo>
+                <a:cubicBezTo>
+                  <a:pt x="11038" y="5127"/>
+                  <a:pt x="11133" y="5067"/>
+                  <a:pt x="11157" y="4960"/>
+                </a:cubicBezTo>
+                <a:cubicBezTo>
+                  <a:pt x="11216" y="4877"/>
+                  <a:pt x="11205" y="4769"/>
+                  <a:pt x="11121" y="4698"/>
+                </a:cubicBezTo>
+                <a:lnTo>
+                  <a:pt x="8811" y="2686"/>
+                </a:lnTo>
+                <a:cubicBezTo>
+                  <a:pt x="8785" y="2659"/>
+                  <a:pt x="8748" y="2647"/>
+                  <a:pt x="8711" y="2647"/>
+                </a:cubicBezTo>
+                <a:cubicBezTo>
+                  <a:pt x="8665" y="2647"/>
+                  <a:pt x="8618" y="2665"/>
+                  <a:pt x="8585" y="2698"/>
+                </a:cubicBezTo>
+                <a:cubicBezTo>
+                  <a:pt x="8526" y="2757"/>
+                  <a:pt x="8538" y="2864"/>
+                  <a:pt x="8597" y="2924"/>
+                </a:cubicBezTo>
+                <a:lnTo>
+                  <a:pt x="10764" y="4805"/>
+                </a:lnTo>
+                <a:lnTo>
+                  <a:pt x="9776" y="4805"/>
+                </a:lnTo>
+                <a:lnTo>
+                  <a:pt x="5763" y="1305"/>
+                </a:lnTo>
+                <a:cubicBezTo>
+                  <a:pt x="5716" y="1269"/>
+                  <a:pt x="5659" y="1251"/>
+                  <a:pt x="5601" y="1251"/>
+                </a:cubicBezTo>
+                <a:cubicBezTo>
+                  <a:pt x="5543" y="1251"/>
+                  <a:pt x="5484" y="1269"/>
+                  <a:pt x="5430" y="1305"/>
+                </a:cubicBezTo>
+                <a:lnTo>
+                  <a:pt x="1418" y="4805"/>
+                </a:lnTo>
+                <a:lnTo>
+                  <a:pt x="429" y="4805"/>
+                </a:lnTo>
+                <a:lnTo>
+                  <a:pt x="1918" y="3507"/>
+                </a:lnTo>
+                <a:lnTo>
+                  <a:pt x="3335" y="2281"/>
+                </a:lnTo>
+                <a:lnTo>
+                  <a:pt x="5609" y="340"/>
+                </a:lnTo>
+                <a:lnTo>
+                  <a:pt x="8026" y="2436"/>
+                </a:lnTo>
+                <a:cubicBezTo>
+                  <a:pt x="8052" y="2463"/>
+                  <a:pt x="8086" y="2475"/>
+                  <a:pt x="8121" y="2475"/>
+                </a:cubicBezTo>
+                <a:cubicBezTo>
+                  <a:pt x="8164" y="2475"/>
+                  <a:pt x="8207" y="2457"/>
+                  <a:pt x="8240" y="2424"/>
+                </a:cubicBezTo>
+                <a:cubicBezTo>
+                  <a:pt x="8299" y="2364"/>
+                  <a:pt x="8288" y="2257"/>
+                  <a:pt x="8228" y="2198"/>
+                </a:cubicBezTo>
+                <a:lnTo>
+                  <a:pt x="5763" y="55"/>
+                </a:lnTo>
+                <a:cubicBezTo>
+                  <a:pt x="5716" y="19"/>
+                  <a:pt x="5659" y="1"/>
+                  <a:pt x="5601" y="1"/>
+                </a:cubicBezTo>
+                <a:close/>
+              </a:path>
+            </a:pathLst>
+          </a:custGeom>
+          <a:solidFill>
+            <a:schemeClr val="accent1"/>
+          </a:solidFill>
+          <a:ln>
+            <a:noFill/>
+          </a:ln>
+        </p:spPr>
+        <p:txBody>
+          <a:bodyPr spcFirstLastPara="1" wrap="square" lIns="91425" tIns="91425" rIns="91425" bIns="91425" anchor="ctr" anchorCtr="0">
+            <a:noAutofit/>
+          </a:bodyPr>
+          <a:lstStyle/>
+          <a:p>
+            <a:pPr marL="0" lvl="0" indent="0" algn="l" rtl="0">
+              <a:spcBef>
+                <a:spcPts val="0"/>
+              </a:spcBef>
+              <a:spcAft>
+                <a:spcPts val="0"/>
+              </a:spcAft>
+              <a:buNone/>
+            </a:pPr>
+            <a:endParaRPr/>
+          </a:p>
+        </p:txBody>
+      </p:sp>
+      <p:sp>
+        <p:nvSpPr>
+          <p:cNvPr id="704" name="Google Shape;704;p52">
+            <a:hlinkClick r:id="" action="ppaction://hlinkshowjump?jump=nextslide"/>
+          </p:cNvPr>
           <p:cNvSpPr txBox="1"/>
           <p:nvPr/>
         </p:nvSpPr>
         <p:spPr>
           <a:xfrm>
-            <a:off x="6066663" y="1924625"/>
-            <a:ext cx="1887000" cy="371700"/>
+            <a:off x="7232750" y="4164550"/>
+            <a:ext cx="1197900" cy="433500"/>
+          </a:xfrm>
+          <a:prstGeom prst="rect">
+            <a:avLst/>
+          </a:prstGeom>
+          <a:solidFill>
+            <a:schemeClr val="dk1"/>
+          </a:solidFill>
+          <a:ln>
+            <a:noFill/>
+          </a:ln>
+        </p:spPr>
+        <p:txBody>
+          <a:bodyPr spcFirstLastPara="1" wrap="square" lIns="91425" tIns="91425" rIns="91425" bIns="91425" anchor="ctr" anchorCtr="0">
+            <a:noAutofit/>
+          </a:bodyPr>
+          <a:lstStyle/>
+          <a:p>
+            <a:pPr marL="0" lvl="0" indent="0" algn="ctr" rtl="0">
+              <a:spcBef>
+                <a:spcPts val="0"/>
+              </a:spcBef>
+              <a:spcAft>
+                <a:spcPts val="0"/>
+              </a:spcAft>
+              <a:buNone/>
+            </a:pPr>
+            <a:r>
+              <a:rPr lang="en" sz="1600">
+                <a:solidFill>
+                  <a:schemeClr val="accent1"/>
+                </a:solidFill>
+                <a:latin typeface="Signika"/>
+                <a:ea typeface="Signika"/>
+                <a:cs typeface="Signika"/>
+                <a:sym typeface="Signika"/>
+              </a:rPr>
+              <a:t>Next</a:t>
+            </a:r>
+            <a:endParaRPr sz="1600">
+              <a:solidFill>
+                <a:schemeClr val="accent1"/>
+              </a:solidFill>
+              <a:latin typeface="Signika"/>
+              <a:ea typeface="Signika"/>
+              <a:cs typeface="Signika"/>
+              <a:sym typeface="Signika"/>
+            </a:endParaRPr>
+          </a:p>
+        </p:txBody>
+      </p:sp>
+      <p:sp>
+        <p:nvSpPr>
+          <p:cNvPr id="2" name="Google Shape;705;p52">
+            <a:extLst>
+              <a:ext uri="{FF2B5EF4-FFF2-40B4-BE49-F238E27FC236}">
+                <a16:creationId xmlns:a16="http://schemas.microsoft.com/office/drawing/2014/main" id="{F89D4FC3-86A2-B46A-4311-8B85F625E0B5}"/>
+              </a:ext>
+            </a:extLst>
+          </p:cNvPr>
+          <p:cNvSpPr txBox="1"/>
+          <p:nvPr/>
+        </p:nvSpPr>
+        <p:spPr>
+          <a:xfrm>
+            <a:off x="713225" y="1877970"/>
+            <a:ext cx="2010487" cy="2010410"/>
           </a:xfrm>
           <a:prstGeom prst="rect">
             <a:avLst/>
@@ -24243,44 +27267,472 @@
           <a:bodyPr spcFirstLastPara="1" wrap="square" lIns="91425" tIns="91425" rIns="91425" bIns="91425" anchor="ctr" anchorCtr="0">
             <a:noAutofit/>
           </a:bodyPr>
-          <a:lstStyle/>
-          <a:p>
-            <a:pPr marL="0" lvl="0" indent="0" algn="ctr" rtl="0">
-              <a:spcBef>
-                <a:spcPts val="0"/>
-              </a:spcBef>
-              <a:spcAft>
-                <a:spcPts val="0"/>
-              </a:spcAft>
-              <a:buNone/>
-            </a:pPr>
-            <a:r>
-              <a:rPr lang="en-US" sz="2000" b="1">
+          <a:lstStyle>
+            <a:defPPr marR="0" lvl="0" algn="l" rtl="0">
+              <a:lnSpc>
+                <a:spcPct val="100000"/>
+              </a:lnSpc>
+              <a:spcBef>
+                <a:spcPts val="0"/>
+              </a:spcBef>
+              <a:spcAft>
+                <a:spcPts val="0"/>
+              </a:spcAft>
+            </a:defPPr>
+            <a:lvl1pPr marL="0" indent="0" algn="ctr">
+              <a:buNone/>
+              <a:defRPr sz="2000" b="1">
                 <a:solidFill>
                   <a:schemeClr val="dk1"/>
                 </a:solidFill>
                 <a:latin typeface="Signika"/>
                 <a:ea typeface="Signika"/>
                 <a:cs typeface="Signika"/>
+              </a:defRPr>
+            </a:lvl1pPr>
+          </a:lstStyle>
+          <a:p>
+            <a:r>
+              <a:rPr lang="vi-VN" dirty="0">
                 <a:sym typeface="Signika"/>
               </a:rPr>
-              <a:t>T</a:t>
+              <a:t>MODULE</a:t>
+            </a:r>
+            <a:endParaRPr dirty="0">
+              <a:sym typeface="Signika"/>
+            </a:endParaRPr>
+          </a:p>
+        </p:txBody>
+      </p:sp>
+      <p:sp>
+        <p:nvSpPr>
+          <p:cNvPr id="3" name="TextBox 2">
+            <a:extLst>
+              <a:ext uri="{FF2B5EF4-FFF2-40B4-BE49-F238E27FC236}">
+                <a16:creationId xmlns:a16="http://schemas.microsoft.com/office/drawing/2014/main" id="{79DEBBD5-944F-A1F0-C3FD-C97839EEBEA3}"/>
+              </a:ext>
+            </a:extLst>
+          </p:cNvPr>
+          <p:cNvSpPr txBox="1"/>
+          <p:nvPr/>
+        </p:nvSpPr>
+        <p:spPr>
+          <a:xfrm>
+            <a:off x="3284781" y="2260640"/>
+            <a:ext cx="5145961" cy="584775"/>
+          </a:xfrm>
+          <a:prstGeom prst="rect">
+            <a:avLst/>
+          </a:prstGeom>
+          <a:noFill/>
+        </p:spPr>
+        <p:txBody>
+          <a:bodyPr wrap="none" rtlCol="0">
+            <a:spAutoFit/>
+          </a:bodyPr>
+          <a:lstStyle/>
+          <a:p>
+            <a:pPr marL="285750" indent="-285750">
+              <a:buFont typeface="Arial" panose="020B0604020202020204" pitchFamily="34" charset="0"/>
+              <a:buChar char="•"/>
+            </a:pPr>
+            <a:r>
+              <a:rPr lang="vi-VN" sz="1600" dirty="0">
+                <a:solidFill>
+                  <a:schemeClr val="tx1"/>
+                </a:solidFill>
+                <a:latin typeface="Signika" panose="020B0604020202020204" charset="0"/>
+              </a:rPr>
+              <a:t>Hoàn thiện các </a:t>
             </a:r>
             <a:r>
-              <a:rPr lang="en" sz="2000" b="1">
+              <a:rPr lang="vi-VN" sz="1600" dirty="0" err="1">
+                <a:solidFill>
+                  <a:schemeClr val="tx1"/>
+                </a:solidFill>
+                <a:latin typeface="Signika" panose="020B0604020202020204" charset="0"/>
+              </a:rPr>
+              <a:t>module</a:t>
+            </a:r>
+            <a:r>
+              <a:rPr lang="vi-VN" sz="1600" dirty="0">
+                <a:solidFill>
+                  <a:schemeClr val="tx1"/>
+                </a:solidFill>
+                <a:latin typeface="Signika" panose="020B0604020202020204" charset="0"/>
+              </a:rPr>
+              <a:t> hiển thị dữ liệu lên giao diện</a:t>
+            </a:r>
+          </a:p>
+          <a:p>
+            <a:pPr marL="285750" indent="-285750">
+              <a:buFont typeface="Arial" panose="020B0604020202020204" pitchFamily="34" charset="0"/>
+              <a:buChar char="•"/>
+            </a:pPr>
+            <a:r>
+              <a:rPr lang="vi-VN" sz="1600" dirty="0">
+                <a:solidFill>
+                  <a:schemeClr val="tx1"/>
+                </a:solidFill>
+                <a:latin typeface="Signika" panose="020B0604020202020204" charset="0"/>
+              </a:rPr>
+              <a:t>Hoàn thiện </a:t>
+            </a:r>
+            <a:r>
+              <a:rPr lang="vi-VN" sz="1600" dirty="0" err="1">
+                <a:solidFill>
+                  <a:schemeClr val="tx1"/>
+                </a:solidFill>
+                <a:latin typeface="Signika" panose="020B0604020202020204" charset="0"/>
+              </a:rPr>
+              <a:t>module</a:t>
+            </a:r>
+            <a:r>
+              <a:rPr lang="vi-VN" sz="1600" dirty="0">
+                <a:solidFill>
+                  <a:schemeClr val="tx1"/>
+                </a:solidFill>
+                <a:latin typeface="Signika" panose="020B0604020202020204" charset="0"/>
+              </a:rPr>
+              <a:t> cảnh báo điện năng vượt quá mức</a:t>
+            </a:r>
+          </a:p>
+        </p:txBody>
+      </p:sp>
+      <p:sp>
+        <p:nvSpPr>
+          <p:cNvPr id="4" name="TextBox 3">
+            <a:extLst>
+              <a:ext uri="{FF2B5EF4-FFF2-40B4-BE49-F238E27FC236}">
+                <a16:creationId xmlns:a16="http://schemas.microsoft.com/office/drawing/2014/main" id="{91F21135-C771-9EA6-6FB6-5355353CB5F2}"/>
+              </a:ext>
+            </a:extLst>
+          </p:cNvPr>
+          <p:cNvSpPr txBox="1"/>
+          <p:nvPr/>
+        </p:nvSpPr>
+        <p:spPr>
+          <a:xfrm>
+            <a:off x="2924956" y="1922086"/>
+            <a:ext cx="2010487" cy="338554"/>
+          </a:xfrm>
+          <a:prstGeom prst="rect">
+            <a:avLst/>
+          </a:prstGeom>
+          <a:noFill/>
+        </p:spPr>
+        <p:txBody>
+          <a:bodyPr wrap="none" rtlCol="0">
+            <a:spAutoFit/>
+          </a:bodyPr>
+          <a:lstStyle/>
+          <a:p>
+            <a:r>
+              <a:rPr lang="vi-VN" sz="1600" b="1" dirty="0">
+                <a:solidFill>
+                  <a:schemeClr val="tx1"/>
+                </a:solidFill>
+                <a:latin typeface="Signika" panose="020B0604020202020204" charset="0"/>
+              </a:rPr>
+              <a:t>VẤN ĐỀ TIÊN QUYẾT</a:t>
+            </a:r>
+          </a:p>
+        </p:txBody>
+      </p:sp>
+      <p:sp>
+        <p:nvSpPr>
+          <p:cNvPr id="5" name="TextBox 4">
+            <a:extLst>
+              <a:ext uri="{FF2B5EF4-FFF2-40B4-BE49-F238E27FC236}">
+                <a16:creationId xmlns:a16="http://schemas.microsoft.com/office/drawing/2014/main" id="{4B30BC63-4948-CDD6-6BE2-5719EE6ED163}"/>
+              </a:ext>
+            </a:extLst>
+          </p:cNvPr>
+          <p:cNvSpPr txBox="1"/>
+          <p:nvPr/>
+        </p:nvSpPr>
+        <p:spPr>
+          <a:xfrm>
+            <a:off x="2924956" y="2963718"/>
+            <a:ext cx="2138727" cy="338554"/>
+          </a:xfrm>
+          <a:prstGeom prst="rect">
+            <a:avLst/>
+          </a:prstGeom>
+          <a:noFill/>
+        </p:spPr>
+        <p:txBody>
+          <a:bodyPr wrap="none" rtlCol="0">
+            <a:spAutoFit/>
+          </a:bodyPr>
+          <a:lstStyle/>
+          <a:p>
+            <a:r>
+              <a:rPr lang="vi-VN" sz="1600" b="1" dirty="0">
+                <a:solidFill>
+                  <a:schemeClr val="tx1"/>
+                </a:solidFill>
+                <a:latin typeface="Signika" panose="020B0604020202020204" charset="0"/>
+              </a:rPr>
+              <a:t>PHÁT TRIỂN SAU NÀY</a:t>
+            </a:r>
+          </a:p>
+        </p:txBody>
+      </p:sp>
+      <p:sp>
+        <p:nvSpPr>
+          <p:cNvPr id="6" name="TextBox 5">
+            <a:extLst>
+              <a:ext uri="{FF2B5EF4-FFF2-40B4-BE49-F238E27FC236}">
+                <a16:creationId xmlns:a16="http://schemas.microsoft.com/office/drawing/2014/main" id="{0434F2F0-2B6C-30C1-B284-5017372F3CDD}"/>
+              </a:ext>
+            </a:extLst>
+          </p:cNvPr>
+          <p:cNvSpPr txBox="1"/>
+          <p:nvPr/>
+        </p:nvSpPr>
+        <p:spPr>
+          <a:xfrm>
+            <a:off x="3284779" y="3302124"/>
+            <a:ext cx="5133137" cy="584775"/>
+          </a:xfrm>
+          <a:prstGeom prst="rect">
+            <a:avLst/>
+          </a:prstGeom>
+          <a:noFill/>
+        </p:spPr>
+        <p:txBody>
+          <a:bodyPr wrap="square" rtlCol="0">
+            <a:spAutoFit/>
+          </a:bodyPr>
+          <a:lstStyle/>
+          <a:p>
+            <a:pPr marL="285750" indent="-285750">
+              <a:buFont typeface="Arial" panose="020B0604020202020204" pitchFamily="34" charset="0"/>
+              <a:buChar char="•"/>
+            </a:pPr>
+            <a:r>
+              <a:rPr lang="vi-VN" sz="1600" dirty="0" err="1">
+                <a:solidFill>
+                  <a:schemeClr val="tx1"/>
+                </a:solidFill>
+                <a:latin typeface="Signika" panose="020B0604020202020204" charset="0"/>
+              </a:rPr>
+              <a:t>Bổ</a:t>
+            </a:r>
+            <a:r>
+              <a:rPr lang="vi-VN" sz="1600" dirty="0">
+                <a:solidFill>
+                  <a:schemeClr val="tx1"/>
+                </a:solidFill>
+                <a:latin typeface="Signika" panose="020B0604020202020204" charset="0"/>
+              </a:rPr>
+              <a:t> sung thêm </a:t>
+            </a:r>
+            <a:r>
+              <a:rPr lang="vi-VN" sz="1600" dirty="0" err="1">
+                <a:solidFill>
+                  <a:schemeClr val="tx1"/>
+                </a:solidFill>
+                <a:latin typeface="Signika" panose="020B0604020202020204" charset="0"/>
+              </a:rPr>
+              <a:t>module</a:t>
+            </a:r>
+            <a:r>
+              <a:rPr lang="vi-VN" sz="1600" dirty="0">
+                <a:solidFill>
+                  <a:schemeClr val="tx1"/>
+                </a:solidFill>
+                <a:latin typeface="Signika" panose="020B0604020202020204" charset="0"/>
+              </a:rPr>
+              <a:t> tính tiền điện dựa trên dữ liệu thiết bị, ước tính lượng điện năng tiêu thụ,…</a:t>
+            </a:r>
+          </a:p>
+        </p:txBody>
+      </p:sp>
+    </p:spTree>
+    <p:extLst>
+      <p:ext uri="{BB962C8B-B14F-4D97-AF65-F5344CB8AC3E}">
+        <p14:creationId xmlns:p14="http://schemas.microsoft.com/office/powerpoint/2010/main" val="1894487572"/>
+      </p:ext>
+    </p:extLst>
+  </p:cSld>
+  <p:clrMapOvr>
+    <a:masterClrMapping/>
+  </p:clrMapOvr>
+</p:sld>
+</file>
+
+<file path=ppt/slides/slide17.xml><?xml version="1.0" encoding="utf-8"?>
+<p:sld xmlns:a="http://schemas.openxmlformats.org/drawingml/2006/main" xmlns:r="http://schemas.openxmlformats.org/officeDocument/2006/relationships" xmlns:p="http://schemas.openxmlformats.org/presentationml/2006/main">
+  <p:cSld>
+    <p:spTree>
+      <p:nvGrpSpPr>
+        <p:cNvPr id="1" name="Shape 698"/>
+        <p:cNvGrpSpPr/>
+        <p:nvPr/>
+      </p:nvGrpSpPr>
+      <p:grpSpPr>
+        <a:xfrm>
+          <a:off x="0" y="0"/>
+          <a:ext cx="0" cy="0"/>
+          <a:chOff x="0" y="0"/>
+          <a:chExt cx="0" cy="0"/>
+        </a:xfrm>
+      </p:grpSpPr>
+      <p:sp>
+        <p:nvSpPr>
+          <p:cNvPr id="699" name="Google Shape;699;p52"/>
+          <p:cNvSpPr txBox="1">
+            <a:spLocks noGrp="1"/>
+          </p:cNvSpPr>
+          <p:nvPr>
+            <p:ph type="title"/>
+          </p:nvPr>
+        </p:nvSpPr>
+        <p:spPr>
+          <a:xfrm>
+            <a:off x="713225" y="539500"/>
+            <a:ext cx="7717500" cy="572700"/>
+          </a:xfrm>
+          <a:prstGeom prst="rect">
+            <a:avLst/>
+          </a:prstGeom>
+        </p:spPr>
+        <p:txBody>
+          <a:bodyPr spcFirstLastPara="1" wrap="square" lIns="91425" tIns="91425" rIns="91425" bIns="91425" anchor="t" anchorCtr="0">
+            <a:noAutofit/>
+          </a:bodyPr>
+          <a:lstStyle/>
+          <a:p>
+            <a:pPr marL="0" lvl="0" indent="0" algn="l" rtl="0">
+              <a:spcBef>
+                <a:spcPts val="0"/>
+              </a:spcBef>
+              <a:spcAft>
+                <a:spcPts val="0"/>
+              </a:spcAft>
+              <a:buNone/>
+            </a:pPr>
+            <a:r>
+              <a:rPr lang="en"/>
+              <a:t>Các cải tiến trong sản phẩm</a:t>
+            </a:r>
+            <a:endParaRPr/>
+          </a:p>
+        </p:txBody>
+      </p:sp>
+      <p:sp>
+        <p:nvSpPr>
+          <p:cNvPr id="700" name="Google Shape;700;p52"/>
+          <p:cNvSpPr txBox="1"/>
+          <p:nvPr/>
+        </p:nvSpPr>
+        <p:spPr>
+          <a:xfrm>
+            <a:off x="713225" y="1112200"/>
+            <a:ext cx="7717500" cy="489600"/>
+          </a:xfrm>
+          <a:prstGeom prst="rect">
+            <a:avLst/>
+          </a:prstGeom>
+          <a:noFill/>
+          <a:ln>
+            <a:noFill/>
+          </a:ln>
+        </p:spPr>
+        <p:txBody>
+          <a:bodyPr spcFirstLastPara="1" wrap="square" lIns="114300" tIns="91425" rIns="91425" bIns="91425" anchor="ctr" anchorCtr="0">
+            <a:noAutofit/>
+          </a:bodyPr>
+          <a:lstStyle/>
+          <a:p>
+            <a:pPr marL="0" lvl="0" indent="0" algn="l" rtl="0">
+              <a:spcBef>
+                <a:spcPts val="0"/>
+              </a:spcBef>
+              <a:spcAft>
+                <a:spcPts val="0"/>
+              </a:spcAft>
+              <a:buNone/>
+            </a:pPr>
+            <a:r>
+              <a:rPr lang="vi-VN" sz="1600">
                 <a:solidFill>
                   <a:schemeClr val="dk1"/>
+                </a:solidFill>
+                <a:latin typeface="Signika" panose="020B0604020202020204" charset="0"/>
+                <a:ea typeface="Palanquin"/>
+                <a:cs typeface="Palanquin"/>
+                <a:sym typeface="Palanquin"/>
+              </a:rPr>
+              <a:t>Các cải tiến có thể thực hiện để hệ thống thêm hoàn chỉnh</a:t>
+            </a:r>
+            <a:endParaRPr sz="1600" dirty="0">
+              <a:solidFill>
+                <a:schemeClr val="dk1"/>
+              </a:solidFill>
+              <a:latin typeface="Signika" panose="020B0604020202020204" charset="0"/>
+              <a:ea typeface="Palanquin"/>
+              <a:cs typeface="Palanquin"/>
+              <a:sym typeface="Palanquin"/>
+            </a:endParaRPr>
+          </a:p>
+        </p:txBody>
+      </p:sp>
+      <p:sp>
+        <p:nvSpPr>
+          <p:cNvPr id="701" name="Google Shape;701;p52">
+            <a:hlinkClick r:id="" action="ppaction://hlinkshowjump?jump=previousslide"/>
+          </p:cNvPr>
+          <p:cNvSpPr txBox="1"/>
+          <p:nvPr/>
+        </p:nvSpPr>
+        <p:spPr>
+          <a:xfrm>
+            <a:off x="713225" y="4164550"/>
+            <a:ext cx="1197900" cy="433500"/>
+          </a:xfrm>
+          <a:prstGeom prst="rect">
+            <a:avLst/>
+          </a:prstGeom>
+          <a:solidFill>
+            <a:schemeClr val="dk1"/>
+          </a:solidFill>
+          <a:ln>
+            <a:noFill/>
+          </a:ln>
+        </p:spPr>
+        <p:txBody>
+          <a:bodyPr spcFirstLastPara="1" wrap="square" lIns="91425" tIns="91425" rIns="91425" bIns="91425" anchor="ctr" anchorCtr="0">
+            <a:noAutofit/>
+          </a:bodyPr>
+          <a:lstStyle/>
+          <a:p>
+            <a:pPr marL="0" lvl="0" indent="0" algn="ctr" rtl="0">
+              <a:spcBef>
+                <a:spcPts val="0"/>
+              </a:spcBef>
+              <a:spcAft>
+                <a:spcPts val="0"/>
+              </a:spcAft>
+              <a:buNone/>
+            </a:pPr>
+            <a:r>
+              <a:rPr lang="en" sz="1600" dirty="0">
+                <a:solidFill>
+                  <a:schemeClr val="accent1"/>
                 </a:solidFill>
                 <a:latin typeface="Signika"/>
                 <a:ea typeface="Signika"/>
                 <a:cs typeface="Signika"/>
                 <a:sym typeface="Signika"/>
               </a:rPr>
-              <a:t>huật toán</a:t>
+              <a:t>Back</a:t>
             </a:r>
-            <a:endParaRPr sz="2000" b="1">
+            <a:endParaRPr sz="1600" dirty="0">
               <a:solidFill>
-                <a:schemeClr val="dk1"/>
+                <a:schemeClr val="accent1"/>
               </a:solidFill>
               <a:latin typeface="Signika"/>
               <a:ea typeface="Signika"/>
@@ -24292,14 +27744,462 @@
       </p:sp>
       <p:sp>
         <p:nvSpPr>
-          <p:cNvPr id="709" name="Google Shape;709;p52"/>
+          <p:cNvPr id="702" name="Google Shape;702;p52">
+            <a:hlinkClick r:id="rId3" action="ppaction://hlinksldjump"/>
+          </p:cNvPr>
+          <p:cNvSpPr/>
+          <p:nvPr/>
+        </p:nvSpPr>
+        <p:spPr>
+          <a:xfrm>
+            <a:off x="4383776" y="4164550"/>
+            <a:ext cx="429900" cy="429900"/>
+          </a:xfrm>
+          <a:prstGeom prst="rect">
+            <a:avLst/>
+          </a:prstGeom>
+          <a:solidFill>
+            <a:schemeClr val="dk1"/>
+          </a:solidFill>
+          <a:ln>
+            <a:noFill/>
+          </a:ln>
+        </p:spPr>
+        <p:txBody>
+          <a:bodyPr spcFirstLastPara="1" wrap="square" lIns="91425" tIns="91425" rIns="91425" bIns="91425" anchor="ctr" anchorCtr="0">
+            <a:noAutofit/>
+          </a:bodyPr>
+          <a:lstStyle/>
+          <a:p>
+            <a:pPr marL="0" lvl="0" indent="0" algn="l" rtl="0">
+              <a:spcBef>
+                <a:spcPts val="0"/>
+              </a:spcBef>
+              <a:spcAft>
+                <a:spcPts val="0"/>
+              </a:spcAft>
+              <a:buNone/>
+            </a:pPr>
+            <a:endParaRPr/>
+          </a:p>
+        </p:txBody>
+      </p:sp>
+      <p:sp>
+        <p:nvSpPr>
+          <p:cNvPr id="703" name="Google Shape;703;p52"/>
+          <p:cNvSpPr/>
+          <p:nvPr/>
+        </p:nvSpPr>
+        <p:spPr>
+          <a:xfrm>
+            <a:off x="4420628" y="4215295"/>
+            <a:ext cx="356196" cy="328410"/>
+          </a:xfrm>
+          <a:custGeom>
+            <a:avLst/>
+            <a:gdLst/>
+            <a:ahLst/>
+            <a:cxnLst/>
+            <a:rect l="l" t="t" r="r" b="b"/>
+            <a:pathLst>
+              <a:path w="11217" h="10342" extrusionOk="0">
+                <a:moveTo>
+                  <a:pt x="3394" y="1186"/>
+                </a:moveTo>
+                <a:lnTo>
+                  <a:pt x="3394" y="1507"/>
+                </a:lnTo>
+                <a:lnTo>
+                  <a:pt x="1668" y="1507"/>
+                </a:lnTo>
+                <a:lnTo>
+                  <a:pt x="1668" y="1186"/>
+                </a:lnTo>
+                <a:close/>
+                <a:moveTo>
+                  <a:pt x="3096" y="1829"/>
+                </a:moveTo>
+                <a:lnTo>
+                  <a:pt x="3096" y="2090"/>
+                </a:lnTo>
+                <a:lnTo>
+                  <a:pt x="2013" y="3043"/>
+                </a:lnTo>
+                <a:lnTo>
+                  <a:pt x="2013" y="1829"/>
+                </a:lnTo>
+                <a:close/>
+                <a:moveTo>
+                  <a:pt x="6740" y="5948"/>
+                </a:moveTo>
+                <a:cubicBezTo>
+                  <a:pt x="6775" y="5948"/>
+                  <a:pt x="6799" y="5972"/>
+                  <a:pt x="6799" y="6008"/>
+                </a:cubicBezTo>
+                <a:lnTo>
+                  <a:pt x="6799" y="10020"/>
+                </a:lnTo>
+                <a:lnTo>
+                  <a:pt x="4644" y="10020"/>
+                </a:lnTo>
+                <a:lnTo>
+                  <a:pt x="4644" y="6008"/>
+                </a:lnTo>
+                <a:cubicBezTo>
+                  <a:pt x="4644" y="5972"/>
+                  <a:pt x="4668" y="5948"/>
+                  <a:pt x="4704" y="5948"/>
+                </a:cubicBezTo>
+                <a:close/>
+                <a:moveTo>
+                  <a:pt x="5601" y="1"/>
+                </a:moveTo>
+                <a:cubicBezTo>
+                  <a:pt x="5543" y="1"/>
+                  <a:pt x="5484" y="19"/>
+                  <a:pt x="5430" y="55"/>
+                </a:cubicBezTo>
+                <a:lnTo>
+                  <a:pt x="3692" y="1567"/>
+                </a:lnTo>
+                <a:lnTo>
+                  <a:pt x="3692" y="1126"/>
+                </a:lnTo>
+                <a:cubicBezTo>
+                  <a:pt x="3692" y="995"/>
+                  <a:pt x="3573" y="876"/>
+                  <a:pt x="3442" y="876"/>
+                </a:cubicBezTo>
+                <a:lnTo>
+                  <a:pt x="1596" y="876"/>
+                </a:lnTo>
+                <a:cubicBezTo>
+                  <a:pt x="1453" y="876"/>
+                  <a:pt x="1334" y="995"/>
+                  <a:pt x="1334" y="1126"/>
+                </a:cubicBezTo>
+                <a:lnTo>
+                  <a:pt x="1334" y="1590"/>
+                </a:lnTo>
+                <a:cubicBezTo>
+                  <a:pt x="1334" y="1721"/>
+                  <a:pt x="1453" y="1840"/>
+                  <a:pt x="1596" y="1840"/>
+                </a:cubicBezTo>
+                <a:lnTo>
+                  <a:pt x="1691" y="1840"/>
+                </a:lnTo>
+                <a:lnTo>
+                  <a:pt x="1691" y="3329"/>
+                </a:lnTo>
+                <a:lnTo>
+                  <a:pt x="108" y="4710"/>
+                </a:lnTo>
+                <a:cubicBezTo>
+                  <a:pt x="25" y="4781"/>
+                  <a:pt x="1" y="4888"/>
+                  <a:pt x="25" y="4984"/>
+                </a:cubicBezTo>
+                <a:cubicBezTo>
+                  <a:pt x="60" y="5079"/>
+                  <a:pt x="167" y="5138"/>
+                  <a:pt x="251" y="5138"/>
+                </a:cubicBezTo>
+                <a:lnTo>
+                  <a:pt x="1322" y="5138"/>
+                </a:lnTo>
+                <a:lnTo>
+                  <a:pt x="1322" y="7972"/>
+                </a:lnTo>
+                <a:cubicBezTo>
+                  <a:pt x="1322" y="8056"/>
+                  <a:pt x="1394" y="8139"/>
+                  <a:pt x="1489" y="8139"/>
+                </a:cubicBezTo>
+                <a:cubicBezTo>
+                  <a:pt x="1572" y="8139"/>
+                  <a:pt x="1656" y="8056"/>
+                  <a:pt x="1656" y="7972"/>
+                </a:cubicBezTo>
+                <a:lnTo>
+                  <a:pt x="1656" y="5055"/>
+                </a:lnTo>
+                <a:lnTo>
+                  <a:pt x="5609" y="1614"/>
+                </a:lnTo>
+                <a:lnTo>
+                  <a:pt x="9561" y="5055"/>
+                </a:lnTo>
+                <a:lnTo>
+                  <a:pt x="9561" y="9937"/>
+                </a:lnTo>
+                <a:cubicBezTo>
+                  <a:pt x="9561" y="9984"/>
+                  <a:pt x="9526" y="10020"/>
+                  <a:pt x="9478" y="10020"/>
+                </a:cubicBezTo>
+                <a:lnTo>
+                  <a:pt x="7109" y="10020"/>
+                </a:lnTo>
+                <a:lnTo>
+                  <a:pt x="7109" y="6008"/>
+                </a:lnTo>
+                <a:cubicBezTo>
+                  <a:pt x="7109" y="5793"/>
+                  <a:pt x="6930" y="5615"/>
+                  <a:pt x="6728" y="5615"/>
+                </a:cubicBezTo>
+                <a:lnTo>
+                  <a:pt x="4680" y="5615"/>
+                </a:lnTo>
+                <a:cubicBezTo>
+                  <a:pt x="4478" y="5615"/>
+                  <a:pt x="4299" y="5793"/>
+                  <a:pt x="4299" y="6008"/>
+                </a:cubicBezTo>
+                <a:lnTo>
+                  <a:pt x="4299" y="10020"/>
+                </a:lnTo>
+                <a:lnTo>
+                  <a:pt x="1739" y="10020"/>
+                </a:lnTo>
+                <a:cubicBezTo>
+                  <a:pt x="1691" y="10020"/>
+                  <a:pt x="1656" y="9984"/>
+                  <a:pt x="1656" y="9937"/>
+                </a:cubicBezTo>
+                <a:lnTo>
+                  <a:pt x="1656" y="8734"/>
+                </a:lnTo>
+                <a:cubicBezTo>
+                  <a:pt x="1656" y="8639"/>
+                  <a:pt x="1572" y="8567"/>
+                  <a:pt x="1489" y="8567"/>
+                </a:cubicBezTo>
+                <a:cubicBezTo>
+                  <a:pt x="1394" y="8567"/>
+                  <a:pt x="1322" y="8639"/>
+                  <a:pt x="1322" y="8734"/>
+                </a:cubicBezTo>
+                <a:lnTo>
+                  <a:pt x="1322" y="9937"/>
+                </a:lnTo>
+                <a:cubicBezTo>
+                  <a:pt x="1322" y="10163"/>
+                  <a:pt x="1501" y="10342"/>
+                  <a:pt x="1727" y="10342"/>
+                </a:cubicBezTo>
+                <a:lnTo>
+                  <a:pt x="9466" y="10342"/>
+                </a:lnTo>
+                <a:cubicBezTo>
+                  <a:pt x="9692" y="10342"/>
+                  <a:pt x="9871" y="10163"/>
+                  <a:pt x="9871" y="9937"/>
+                </a:cubicBezTo>
+                <a:lnTo>
+                  <a:pt x="9871" y="5127"/>
+                </a:lnTo>
+                <a:lnTo>
+                  <a:pt x="10943" y="5127"/>
+                </a:lnTo>
+                <a:cubicBezTo>
+                  <a:pt x="11038" y="5127"/>
+                  <a:pt x="11133" y="5067"/>
+                  <a:pt x="11157" y="4960"/>
+                </a:cubicBezTo>
+                <a:cubicBezTo>
+                  <a:pt x="11216" y="4877"/>
+                  <a:pt x="11205" y="4769"/>
+                  <a:pt x="11121" y="4698"/>
+                </a:cubicBezTo>
+                <a:lnTo>
+                  <a:pt x="8811" y="2686"/>
+                </a:lnTo>
+                <a:cubicBezTo>
+                  <a:pt x="8785" y="2659"/>
+                  <a:pt x="8748" y="2647"/>
+                  <a:pt x="8711" y="2647"/>
+                </a:cubicBezTo>
+                <a:cubicBezTo>
+                  <a:pt x="8665" y="2647"/>
+                  <a:pt x="8618" y="2665"/>
+                  <a:pt x="8585" y="2698"/>
+                </a:cubicBezTo>
+                <a:cubicBezTo>
+                  <a:pt x="8526" y="2757"/>
+                  <a:pt x="8538" y="2864"/>
+                  <a:pt x="8597" y="2924"/>
+                </a:cubicBezTo>
+                <a:lnTo>
+                  <a:pt x="10764" y="4805"/>
+                </a:lnTo>
+                <a:lnTo>
+                  <a:pt x="9776" y="4805"/>
+                </a:lnTo>
+                <a:lnTo>
+                  <a:pt x="5763" y="1305"/>
+                </a:lnTo>
+                <a:cubicBezTo>
+                  <a:pt x="5716" y="1269"/>
+                  <a:pt x="5659" y="1251"/>
+                  <a:pt x="5601" y="1251"/>
+                </a:cubicBezTo>
+                <a:cubicBezTo>
+                  <a:pt x="5543" y="1251"/>
+                  <a:pt x="5484" y="1269"/>
+                  <a:pt x="5430" y="1305"/>
+                </a:cubicBezTo>
+                <a:lnTo>
+                  <a:pt x="1418" y="4805"/>
+                </a:lnTo>
+                <a:lnTo>
+                  <a:pt x="429" y="4805"/>
+                </a:lnTo>
+                <a:lnTo>
+                  <a:pt x="1918" y="3507"/>
+                </a:lnTo>
+                <a:lnTo>
+                  <a:pt x="3335" y="2281"/>
+                </a:lnTo>
+                <a:lnTo>
+                  <a:pt x="5609" y="340"/>
+                </a:lnTo>
+                <a:lnTo>
+                  <a:pt x="8026" y="2436"/>
+                </a:lnTo>
+                <a:cubicBezTo>
+                  <a:pt x="8052" y="2463"/>
+                  <a:pt x="8086" y="2475"/>
+                  <a:pt x="8121" y="2475"/>
+                </a:cubicBezTo>
+                <a:cubicBezTo>
+                  <a:pt x="8164" y="2475"/>
+                  <a:pt x="8207" y="2457"/>
+                  <a:pt x="8240" y="2424"/>
+                </a:cubicBezTo>
+                <a:cubicBezTo>
+                  <a:pt x="8299" y="2364"/>
+                  <a:pt x="8288" y="2257"/>
+                  <a:pt x="8228" y="2198"/>
+                </a:cubicBezTo>
+                <a:lnTo>
+                  <a:pt x="5763" y="55"/>
+                </a:lnTo>
+                <a:cubicBezTo>
+                  <a:pt x="5716" y="19"/>
+                  <a:pt x="5659" y="1"/>
+                  <a:pt x="5601" y="1"/>
+                </a:cubicBezTo>
+                <a:close/>
+              </a:path>
+            </a:pathLst>
+          </a:custGeom>
+          <a:solidFill>
+            <a:schemeClr val="accent1"/>
+          </a:solidFill>
+          <a:ln>
+            <a:noFill/>
+          </a:ln>
+        </p:spPr>
+        <p:txBody>
+          <a:bodyPr spcFirstLastPara="1" wrap="square" lIns="91425" tIns="91425" rIns="91425" bIns="91425" anchor="ctr" anchorCtr="0">
+            <a:noAutofit/>
+          </a:bodyPr>
+          <a:lstStyle/>
+          <a:p>
+            <a:pPr marL="0" lvl="0" indent="0" algn="l" rtl="0">
+              <a:spcBef>
+                <a:spcPts val="0"/>
+              </a:spcBef>
+              <a:spcAft>
+                <a:spcPts val="0"/>
+              </a:spcAft>
+              <a:buNone/>
+            </a:pPr>
+            <a:endParaRPr/>
+          </a:p>
+        </p:txBody>
+      </p:sp>
+      <p:sp>
+        <p:nvSpPr>
+          <p:cNvPr id="704" name="Google Shape;704;p52">
+            <a:hlinkClick r:id="" action="ppaction://hlinkshowjump?jump=nextslide"/>
+          </p:cNvPr>
           <p:cNvSpPr txBox="1"/>
           <p:nvPr/>
         </p:nvSpPr>
         <p:spPr>
           <a:xfrm>
-            <a:off x="6066538" y="2697319"/>
-            <a:ext cx="1887000" cy="371700"/>
+            <a:off x="7232750" y="4164550"/>
+            <a:ext cx="1197900" cy="433500"/>
+          </a:xfrm>
+          <a:prstGeom prst="rect">
+            <a:avLst/>
+          </a:prstGeom>
+          <a:solidFill>
+            <a:schemeClr val="dk1"/>
+          </a:solidFill>
+          <a:ln>
+            <a:noFill/>
+          </a:ln>
+        </p:spPr>
+        <p:txBody>
+          <a:bodyPr spcFirstLastPara="1" wrap="square" lIns="91425" tIns="91425" rIns="91425" bIns="91425" anchor="ctr" anchorCtr="0">
+            <a:noAutofit/>
+          </a:bodyPr>
+          <a:lstStyle/>
+          <a:p>
+            <a:pPr marL="0" lvl="0" indent="0" algn="ctr" rtl="0">
+              <a:spcBef>
+                <a:spcPts val="0"/>
+              </a:spcBef>
+              <a:spcAft>
+                <a:spcPts val="0"/>
+              </a:spcAft>
+              <a:buNone/>
+            </a:pPr>
+            <a:r>
+              <a:rPr lang="en" sz="1600">
+                <a:solidFill>
+                  <a:schemeClr val="accent1"/>
+                </a:solidFill>
+                <a:latin typeface="Signika"/>
+                <a:ea typeface="Signika"/>
+                <a:cs typeface="Signika"/>
+                <a:sym typeface="Signika"/>
+              </a:rPr>
+              <a:t>Next</a:t>
+            </a:r>
+            <a:endParaRPr sz="1600">
+              <a:solidFill>
+                <a:schemeClr val="accent1"/>
+              </a:solidFill>
+              <a:latin typeface="Signika"/>
+              <a:ea typeface="Signika"/>
+              <a:cs typeface="Signika"/>
+              <a:sym typeface="Signika"/>
+            </a:endParaRPr>
+          </a:p>
+        </p:txBody>
+      </p:sp>
+      <p:sp>
+        <p:nvSpPr>
+          <p:cNvPr id="2" name="Google Shape;705;p52">
+            <a:extLst>
+              <a:ext uri="{FF2B5EF4-FFF2-40B4-BE49-F238E27FC236}">
+                <a16:creationId xmlns:a16="http://schemas.microsoft.com/office/drawing/2014/main" id="{F89D4FC3-86A2-B46A-4311-8B85F625E0B5}"/>
+              </a:ext>
+            </a:extLst>
+          </p:cNvPr>
+          <p:cNvSpPr txBox="1"/>
+          <p:nvPr/>
+        </p:nvSpPr>
+        <p:spPr>
+          <a:xfrm>
+            <a:off x="713225" y="1877970"/>
+            <a:ext cx="2010487" cy="2010410"/>
           </a:xfrm>
           <a:prstGeom prst="rect">
             <a:avLst/>
@@ -24321,32 +28221,412 @@
           <a:bodyPr spcFirstLastPara="1" wrap="square" lIns="91425" tIns="91425" rIns="91425" bIns="91425" anchor="ctr" anchorCtr="0">
             <a:noAutofit/>
           </a:bodyPr>
-          <a:lstStyle/>
-          <a:p>
-            <a:pPr marL="0" lvl="0" indent="0" algn="ctr" rtl="0">
-              <a:spcBef>
-                <a:spcPts val="0"/>
-              </a:spcBef>
-              <a:spcAft>
-                <a:spcPts val="0"/>
-              </a:spcAft>
-              <a:buNone/>
-            </a:pPr>
-            <a:r>
-              <a:rPr lang="en" sz="2000" b="1">
+          <a:lstStyle>
+            <a:defPPr marR="0" lvl="0" algn="l" rtl="0">
+              <a:lnSpc>
+                <a:spcPct val="100000"/>
+              </a:lnSpc>
+              <a:spcBef>
+                <a:spcPts val="0"/>
+              </a:spcBef>
+              <a:spcAft>
+                <a:spcPts val="0"/>
+              </a:spcAft>
+            </a:defPPr>
+            <a:lvl1pPr marL="0" indent="0" algn="ctr">
+              <a:buNone/>
+              <a:defRPr sz="2000" b="1">
                 <a:solidFill>
                   <a:schemeClr val="dk1"/>
                 </a:solidFill>
                 <a:latin typeface="Signika"/>
                 <a:ea typeface="Signika"/>
                 <a:cs typeface="Signika"/>
+              </a:defRPr>
+            </a:lvl1pPr>
+          </a:lstStyle>
+          <a:p>
+            <a:r>
+              <a:rPr lang="vi-VN" dirty="0">
                 <a:sym typeface="Signika"/>
               </a:rPr>
-              <a:t>…</a:t>
+              <a:t>NGÔN NGỮ VÀ MÔI TRƯỜNG</a:t>
             </a:r>
-            <a:endParaRPr sz="2000" b="1">
+            <a:endParaRPr dirty="0">
+              <a:sym typeface="Signika"/>
+            </a:endParaRPr>
+          </a:p>
+        </p:txBody>
+      </p:sp>
+      <p:sp>
+        <p:nvSpPr>
+          <p:cNvPr id="3" name="TextBox 2">
+            <a:extLst>
+              <a:ext uri="{FF2B5EF4-FFF2-40B4-BE49-F238E27FC236}">
+                <a16:creationId xmlns:a16="http://schemas.microsoft.com/office/drawing/2014/main" id="{79DEBBD5-944F-A1F0-C3FD-C97839EEBEA3}"/>
+              </a:ext>
+            </a:extLst>
+          </p:cNvPr>
+          <p:cNvSpPr txBox="1"/>
+          <p:nvPr/>
+        </p:nvSpPr>
+        <p:spPr>
+          <a:xfrm>
+            <a:off x="3284781" y="2260640"/>
+            <a:ext cx="5145869" cy="584775"/>
+          </a:xfrm>
+          <a:prstGeom prst="rect">
+            <a:avLst/>
+          </a:prstGeom>
+          <a:noFill/>
+        </p:spPr>
+        <p:txBody>
+          <a:bodyPr wrap="square" rtlCol="0">
+            <a:spAutoFit/>
+          </a:bodyPr>
+          <a:lstStyle/>
+          <a:p>
+            <a:pPr marL="285750" indent="-285750">
+              <a:buFont typeface="Arial" panose="020B0604020202020204" pitchFamily="34" charset="0"/>
+              <a:buChar char="•"/>
+            </a:pPr>
+            <a:r>
+              <a:rPr lang="vi-VN" sz="1600" dirty="0">
+                <a:solidFill>
+                  <a:schemeClr val="tx1"/>
+                </a:solidFill>
+                <a:latin typeface="Signika" panose="020B0604020202020204" charset="0"/>
+              </a:rPr>
+              <a:t>Hoàn thiện phiên bản đầu tiên của hệ thống và vận hành bình thường</a:t>
+            </a:r>
+          </a:p>
+        </p:txBody>
+      </p:sp>
+      <p:sp>
+        <p:nvSpPr>
+          <p:cNvPr id="4" name="TextBox 3">
+            <a:extLst>
+              <a:ext uri="{FF2B5EF4-FFF2-40B4-BE49-F238E27FC236}">
+                <a16:creationId xmlns:a16="http://schemas.microsoft.com/office/drawing/2014/main" id="{91F21135-C771-9EA6-6FB6-5355353CB5F2}"/>
+              </a:ext>
+            </a:extLst>
+          </p:cNvPr>
+          <p:cNvSpPr txBox="1"/>
+          <p:nvPr/>
+        </p:nvSpPr>
+        <p:spPr>
+          <a:xfrm>
+            <a:off x="2924956" y="1922086"/>
+            <a:ext cx="2010487" cy="338554"/>
+          </a:xfrm>
+          <a:prstGeom prst="rect">
+            <a:avLst/>
+          </a:prstGeom>
+          <a:noFill/>
+        </p:spPr>
+        <p:txBody>
+          <a:bodyPr wrap="none" rtlCol="0">
+            <a:spAutoFit/>
+          </a:bodyPr>
+          <a:lstStyle/>
+          <a:p>
+            <a:r>
+              <a:rPr lang="vi-VN" sz="1600" b="1" dirty="0">
+                <a:solidFill>
+                  <a:schemeClr val="tx1"/>
+                </a:solidFill>
+                <a:latin typeface="Signika" panose="020B0604020202020204" charset="0"/>
+              </a:rPr>
+              <a:t>VẤN ĐỀ TIÊN QUYẾT</a:t>
+            </a:r>
+          </a:p>
+        </p:txBody>
+      </p:sp>
+      <p:sp>
+        <p:nvSpPr>
+          <p:cNvPr id="5" name="TextBox 4">
+            <a:extLst>
+              <a:ext uri="{FF2B5EF4-FFF2-40B4-BE49-F238E27FC236}">
+                <a16:creationId xmlns:a16="http://schemas.microsoft.com/office/drawing/2014/main" id="{4B30BC63-4948-CDD6-6BE2-5719EE6ED163}"/>
+              </a:ext>
+            </a:extLst>
+          </p:cNvPr>
+          <p:cNvSpPr txBox="1"/>
+          <p:nvPr/>
+        </p:nvSpPr>
+        <p:spPr>
+          <a:xfrm>
+            <a:off x="2924956" y="2963718"/>
+            <a:ext cx="2138727" cy="338554"/>
+          </a:xfrm>
+          <a:prstGeom prst="rect">
+            <a:avLst/>
+          </a:prstGeom>
+          <a:noFill/>
+        </p:spPr>
+        <p:txBody>
+          <a:bodyPr wrap="none" rtlCol="0">
+            <a:spAutoFit/>
+          </a:bodyPr>
+          <a:lstStyle/>
+          <a:p>
+            <a:r>
+              <a:rPr lang="vi-VN" sz="1600" b="1" dirty="0">
+                <a:solidFill>
+                  <a:schemeClr val="tx1"/>
+                </a:solidFill>
+                <a:latin typeface="Signika" panose="020B0604020202020204" charset="0"/>
+              </a:rPr>
+              <a:t>PHÁT TRIỂN SAU NÀY</a:t>
+            </a:r>
+          </a:p>
+        </p:txBody>
+      </p:sp>
+      <p:sp>
+        <p:nvSpPr>
+          <p:cNvPr id="6" name="TextBox 5">
+            <a:extLst>
+              <a:ext uri="{FF2B5EF4-FFF2-40B4-BE49-F238E27FC236}">
+                <a16:creationId xmlns:a16="http://schemas.microsoft.com/office/drawing/2014/main" id="{0434F2F0-2B6C-30C1-B284-5017372F3CDD}"/>
+              </a:ext>
+            </a:extLst>
+          </p:cNvPr>
+          <p:cNvSpPr txBox="1"/>
+          <p:nvPr/>
+        </p:nvSpPr>
+        <p:spPr>
+          <a:xfrm>
+            <a:off x="3284779" y="3302124"/>
+            <a:ext cx="5133137" cy="584775"/>
+          </a:xfrm>
+          <a:prstGeom prst="rect">
+            <a:avLst/>
+          </a:prstGeom>
+          <a:noFill/>
+        </p:spPr>
+        <p:txBody>
+          <a:bodyPr wrap="square" rtlCol="0">
+            <a:spAutoFit/>
+          </a:bodyPr>
+          <a:lstStyle/>
+          <a:p>
+            <a:pPr marL="285750" indent="-285750">
+              <a:buFont typeface="Arial" panose="020B0604020202020204" pitchFamily="34" charset="0"/>
+              <a:buChar char="•"/>
+            </a:pPr>
+            <a:r>
+              <a:rPr lang="vi-VN" sz="1600" dirty="0">
+                <a:solidFill>
+                  <a:schemeClr val="tx1"/>
+                </a:solidFill>
+                <a:latin typeface="Signika" panose="020B0604020202020204" charset="0"/>
+              </a:rPr>
+              <a:t>Tiếp tục nghiên cứu và </a:t>
+            </a:r>
+            <a:r>
+              <a:rPr lang="vi-VN" sz="1600" dirty="0" err="1">
+                <a:solidFill>
+                  <a:schemeClr val="tx1"/>
+                </a:solidFill>
+                <a:latin typeface="Signika" panose="020B0604020202020204" charset="0"/>
+              </a:rPr>
+              <a:t>bổ</a:t>
+            </a:r>
+            <a:r>
+              <a:rPr lang="vi-VN" sz="1600" dirty="0">
+                <a:solidFill>
+                  <a:schemeClr val="tx1"/>
+                </a:solidFill>
+                <a:latin typeface="Signika" panose="020B0604020202020204" charset="0"/>
+              </a:rPr>
+              <a:t> sung công nghệ mới giúp hệ thống hoạt động ngày càng hiệu quả</a:t>
+            </a:r>
+          </a:p>
+        </p:txBody>
+      </p:sp>
+    </p:spTree>
+    <p:extLst>
+      <p:ext uri="{BB962C8B-B14F-4D97-AF65-F5344CB8AC3E}">
+        <p14:creationId xmlns:p14="http://schemas.microsoft.com/office/powerpoint/2010/main" val="558742142"/>
+      </p:ext>
+    </p:extLst>
+  </p:cSld>
+  <p:clrMapOvr>
+    <a:masterClrMapping/>
+  </p:clrMapOvr>
+</p:sld>
+</file>
+
+<file path=ppt/slides/slide18.xml><?xml version="1.0" encoding="utf-8"?>
+<p:sld xmlns:a="http://schemas.openxmlformats.org/drawingml/2006/main" xmlns:r="http://schemas.openxmlformats.org/officeDocument/2006/relationships" xmlns:p="http://schemas.openxmlformats.org/presentationml/2006/main">
+  <p:cSld>
+    <p:spTree>
+      <p:nvGrpSpPr>
+        <p:cNvPr id="1" name="Shape 698"/>
+        <p:cNvGrpSpPr/>
+        <p:nvPr/>
+      </p:nvGrpSpPr>
+      <p:grpSpPr>
+        <a:xfrm>
+          <a:off x="0" y="0"/>
+          <a:ext cx="0" cy="0"/>
+          <a:chOff x="0" y="0"/>
+          <a:chExt cx="0" cy="0"/>
+        </a:xfrm>
+      </p:grpSpPr>
+      <p:sp>
+        <p:nvSpPr>
+          <p:cNvPr id="699" name="Google Shape;699;p52"/>
+          <p:cNvSpPr txBox="1">
+            <a:spLocks noGrp="1"/>
+          </p:cNvSpPr>
+          <p:nvPr>
+            <p:ph type="title"/>
+          </p:nvPr>
+        </p:nvSpPr>
+        <p:spPr>
+          <a:xfrm>
+            <a:off x="713225" y="539500"/>
+            <a:ext cx="7717500" cy="572700"/>
+          </a:xfrm>
+          <a:prstGeom prst="rect">
+            <a:avLst/>
+          </a:prstGeom>
+        </p:spPr>
+        <p:txBody>
+          <a:bodyPr spcFirstLastPara="1" wrap="square" lIns="91425" tIns="91425" rIns="91425" bIns="91425" anchor="t" anchorCtr="0">
+            <a:noAutofit/>
+          </a:bodyPr>
+          <a:lstStyle/>
+          <a:p>
+            <a:pPr marL="0" lvl="0" indent="0" algn="l" rtl="0">
+              <a:spcBef>
+                <a:spcPts val="0"/>
+              </a:spcBef>
+              <a:spcAft>
+                <a:spcPts val="0"/>
+              </a:spcAft>
+              <a:buNone/>
+            </a:pPr>
+            <a:r>
+              <a:rPr lang="en"/>
+              <a:t>Các cải tiến trong sản phẩm</a:t>
+            </a:r>
+            <a:endParaRPr/>
+          </a:p>
+        </p:txBody>
+      </p:sp>
+      <p:sp>
+        <p:nvSpPr>
+          <p:cNvPr id="700" name="Google Shape;700;p52"/>
+          <p:cNvSpPr txBox="1"/>
+          <p:nvPr/>
+        </p:nvSpPr>
+        <p:spPr>
+          <a:xfrm>
+            <a:off x="713225" y="1112200"/>
+            <a:ext cx="7717500" cy="489600"/>
+          </a:xfrm>
+          <a:prstGeom prst="rect">
+            <a:avLst/>
+          </a:prstGeom>
+          <a:noFill/>
+          <a:ln>
+            <a:noFill/>
+          </a:ln>
+        </p:spPr>
+        <p:txBody>
+          <a:bodyPr spcFirstLastPara="1" wrap="square" lIns="114300" tIns="91425" rIns="91425" bIns="91425" anchor="ctr" anchorCtr="0">
+            <a:noAutofit/>
+          </a:bodyPr>
+          <a:lstStyle/>
+          <a:p>
+            <a:pPr marL="0" lvl="0" indent="0" algn="l" rtl="0">
+              <a:spcBef>
+                <a:spcPts val="0"/>
+              </a:spcBef>
+              <a:spcAft>
+                <a:spcPts val="0"/>
+              </a:spcAft>
+              <a:buNone/>
+            </a:pPr>
+            <a:r>
+              <a:rPr lang="vi-VN" sz="1600">
+                <a:solidFill>
+                  <a:schemeClr val="dk1"/>
+                </a:solidFill>
+                <a:latin typeface="Signika" panose="020B0604020202020204" charset="0"/>
+                <a:ea typeface="Palanquin"/>
+                <a:cs typeface="Palanquin"/>
+                <a:sym typeface="Palanquin"/>
+              </a:rPr>
+              <a:t>Các cải tiến có thể thực hiện để hệ thống thêm hoàn chỉnh</a:t>
+            </a:r>
+            <a:endParaRPr sz="1600" dirty="0">
               <a:solidFill>
                 <a:schemeClr val="dk1"/>
+              </a:solidFill>
+              <a:latin typeface="Signika" panose="020B0604020202020204" charset="0"/>
+              <a:ea typeface="Palanquin"/>
+              <a:cs typeface="Palanquin"/>
+              <a:sym typeface="Palanquin"/>
+            </a:endParaRPr>
+          </a:p>
+        </p:txBody>
+      </p:sp>
+      <p:sp>
+        <p:nvSpPr>
+          <p:cNvPr id="701" name="Google Shape;701;p52">
+            <a:hlinkClick r:id="" action="ppaction://hlinkshowjump?jump=previousslide"/>
+          </p:cNvPr>
+          <p:cNvSpPr txBox="1"/>
+          <p:nvPr/>
+        </p:nvSpPr>
+        <p:spPr>
+          <a:xfrm>
+            <a:off x="713225" y="4164550"/>
+            <a:ext cx="1197900" cy="433500"/>
+          </a:xfrm>
+          <a:prstGeom prst="rect">
+            <a:avLst/>
+          </a:prstGeom>
+          <a:solidFill>
+            <a:schemeClr val="dk1"/>
+          </a:solidFill>
+          <a:ln>
+            <a:noFill/>
+          </a:ln>
+        </p:spPr>
+        <p:txBody>
+          <a:bodyPr spcFirstLastPara="1" wrap="square" lIns="91425" tIns="91425" rIns="91425" bIns="91425" anchor="ctr" anchorCtr="0">
+            <a:noAutofit/>
+          </a:bodyPr>
+          <a:lstStyle/>
+          <a:p>
+            <a:pPr marL="0" lvl="0" indent="0" algn="ctr" rtl="0">
+              <a:spcBef>
+                <a:spcPts val="0"/>
+              </a:spcBef>
+              <a:spcAft>
+                <a:spcPts val="0"/>
+              </a:spcAft>
+              <a:buNone/>
+            </a:pPr>
+            <a:r>
+              <a:rPr lang="en" sz="1600" dirty="0">
+                <a:solidFill>
+                  <a:schemeClr val="accent1"/>
+                </a:solidFill>
+                <a:latin typeface="Signika"/>
+                <a:ea typeface="Signika"/>
+                <a:cs typeface="Signika"/>
+                <a:sym typeface="Signika"/>
+              </a:rPr>
+              <a:t>Back</a:t>
+            </a:r>
+            <a:endParaRPr sz="1600" dirty="0">
+              <a:solidFill>
+                <a:schemeClr val="accent1"/>
               </a:solidFill>
               <a:latin typeface="Signika"/>
               <a:ea typeface="Signika"/>
@@ -24358,14 +28638,462 @@
       </p:sp>
       <p:sp>
         <p:nvSpPr>
-          <p:cNvPr id="710" name="Google Shape;710;p52"/>
+          <p:cNvPr id="702" name="Google Shape;702;p52">
+            <a:hlinkClick r:id="rId3" action="ppaction://hlinksldjump"/>
+          </p:cNvPr>
+          <p:cNvSpPr/>
+          <p:nvPr/>
+        </p:nvSpPr>
+        <p:spPr>
+          <a:xfrm>
+            <a:off x="4383776" y="4164550"/>
+            <a:ext cx="429900" cy="429900"/>
+          </a:xfrm>
+          <a:prstGeom prst="rect">
+            <a:avLst/>
+          </a:prstGeom>
+          <a:solidFill>
+            <a:schemeClr val="dk1"/>
+          </a:solidFill>
+          <a:ln>
+            <a:noFill/>
+          </a:ln>
+        </p:spPr>
+        <p:txBody>
+          <a:bodyPr spcFirstLastPara="1" wrap="square" lIns="91425" tIns="91425" rIns="91425" bIns="91425" anchor="ctr" anchorCtr="0">
+            <a:noAutofit/>
+          </a:bodyPr>
+          <a:lstStyle/>
+          <a:p>
+            <a:pPr marL="0" lvl="0" indent="0" algn="l" rtl="0">
+              <a:spcBef>
+                <a:spcPts val="0"/>
+              </a:spcBef>
+              <a:spcAft>
+                <a:spcPts val="0"/>
+              </a:spcAft>
+              <a:buNone/>
+            </a:pPr>
+            <a:endParaRPr/>
+          </a:p>
+        </p:txBody>
+      </p:sp>
+      <p:sp>
+        <p:nvSpPr>
+          <p:cNvPr id="703" name="Google Shape;703;p52"/>
+          <p:cNvSpPr/>
+          <p:nvPr/>
+        </p:nvSpPr>
+        <p:spPr>
+          <a:xfrm>
+            <a:off x="4420628" y="4215295"/>
+            <a:ext cx="356196" cy="328410"/>
+          </a:xfrm>
+          <a:custGeom>
+            <a:avLst/>
+            <a:gdLst/>
+            <a:ahLst/>
+            <a:cxnLst/>
+            <a:rect l="l" t="t" r="r" b="b"/>
+            <a:pathLst>
+              <a:path w="11217" h="10342" extrusionOk="0">
+                <a:moveTo>
+                  <a:pt x="3394" y="1186"/>
+                </a:moveTo>
+                <a:lnTo>
+                  <a:pt x="3394" y="1507"/>
+                </a:lnTo>
+                <a:lnTo>
+                  <a:pt x="1668" y="1507"/>
+                </a:lnTo>
+                <a:lnTo>
+                  <a:pt x="1668" y="1186"/>
+                </a:lnTo>
+                <a:close/>
+                <a:moveTo>
+                  <a:pt x="3096" y="1829"/>
+                </a:moveTo>
+                <a:lnTo>
+                  <a:pt x="3096" y="2090"/>
+                </a:lnTo>
+                <a:lnTo>
+                  <a:pt x="2013" y="3043"/>
+                </a:lnTo>
+                <a:lnTo>
+                  <a:pt x="2013" y="1829"/>
+                </a:lnTo>
+                <a:close/>
+                <a:moveTo>
+                  <a:pt x="6740" y="5948"/>
+                </a:moveTo>
+                <a:cubicBezTo>
+                  <a:pt x="6775" y="5948"/>
+                  <a:pt x="6799" y="5972"/>
+                  <a:pt x="6799" y="6008"/>
+                </a:cubicBezTo>
+                <a:lnTo>
+                  <a:pt x="6799" y="10020"/>
+                </a:lnTo>
+                <a:lnTo>
+                  <a:pt x="4644" y="10020"/>
+                </a:lnTo>
+                <a:lnTo>
+                  <a:pt x="4644" y="6008"/>
+                </a:lnTo>
+                <a:cubicBezTo>
+                  <a:pt x="4644" y="5972"/>
+                  <a:pt x="4668" y="5948"/>
+                  <a:pt x="4704" y="5948"/>
+                </a:cubicBezTo>
+                <a:close/>
+                <a:moveTo>
+                  <a:pt x="5601" y="1"/>
+                </a:moveTo>
+                <a:cubicBezTo>
+                  <a:pt x="5543" y="1"/>
+                  <a:pt x="5484" y="19"/>
+                  <a:pt x="5430" y="55"/>
+                </a:cubicBezTo>
+                <a:lnTo>
+                  <a:pt x="3692" y="1567"/>
+                </a:lnTo>
+                <a:lnTo>
+                  <a:pt x="3692" y="1126"/>
+                </a:lnTo>
+                <a:cubicBezTo>
+                  <a:pt x="3692" y="995"/>
+                  <a:pt x="3573" y="876"/>
+                  <a:pt x="3442" y="876"/>
+                </a:cubicBezTo>
+                <a:lnTo>
+                  <a:pt x="1596" y="876"/>
+                </a:lnTo>
+                <a:cubicBezTo>
+                  <a:pt x="1453" y="876"/>
+                  <a:pt x="1334" y="995"/>
+                  <a:pt x="1334" y="1126"/>
+                </a:cubicBezTo>
+                <a:lnTo>
+                  <a:pt x="1334" y="1590"/>
+                </a:lnTo>
+                <a:cubicBezTo>
+                  <a:pt x="1334" y="1721"/>
+                  <a:pt x="1453" y="1840"/>
+                  <a:pt x="1596" y="1840"/>
+                </a:cubicBezTo>
+                <a:lnTo>
+                  <a:pt x="1691" y="1840"/>
+                </a:lnTo>
+                <a:lnTo>
+                  <a:pt x="1691" y="3329"/>
+                </a:lnTo>
+                <a:lnTo>
+                  <a:pt x="108" y="4710"/>
+                </a:lnTo>
+                <a:cubicBezTo>
+                  <a:pt x="25" y="4781"/>
+                  <a:pt x="1" y="4888"/>
+                  <a:pt x="25" y="4984"/>
+                </a:cubicBezTo>
+                <a:cubicBezTo>
+                  <a:pt x="60" y="5079"/>
+                  <a:pt x="167" y="5138"/>
+                  <a:pt x="251" y="5138"/>
+                </a:cubicBezTo>
+                <a:lnTo>
+                  <a:pt x="1322" y="5138"/>
+                </a:lnTo>
+                <a:lnTo>
+                  <a:pt x="1322" y="7972"/>
+                </a:lnTo>
+                <a:cubicBezTo>
+                  <a:pt x="1322" y="8056"/>
+                  <a:pt x="1394" y="8139"/>
+                  <a:pt x="1489" y="8139"/>
+                </a:cubicBezTo>
+                <a:cubicBezTo>
+                  <a:pt x="1572" y="8139"/>
+                  <a:pt x="1656" y="8056"/>
+                  <a:pt x="1656" y="7972"/>
+                </a:cubicBezTo>
+                <a:lnTo>
+                  <a:pt x="1656" y="5055"/>
+                </a:lnTo>
+                <a:lnTo>
+                  <a:pt x="5609" y="1614"/>
+                </a:lnTo>
+                <a:lnTo>
+                  <a:pt x="9561" y="5055"/>
+                </a:lnTo>
+                <a:lnTo>
+                  <a:pt x="9561" y="9937"/>
+                </a:lnTo>
+                <a:cubicBezTo>
+                  <a:pt x="9561" y="9984"/>
+                  <a:pt x="9526" y="10020"/>
+                  <a:pt x="9478" y="10020"/>
+                </a:cubicBezTo>
+                <a:lnTo>
+                  <a:pt x="7109" y="10020"/>
+                </a:lnTo>
+                <a:lnTo>
+                  <a:pt x="7109" y="6008"/>
+                </a:lnTo>
+                <a:cubicBezTo>
+                  <a:pt x="7109" y="5793"/>
+                  <a:pt x="6930" y="5615"/>
+                  <a:pt x="6728" y="5615"/>
+                </a:cubicBezTo>
+                <a:lnTo>
+                  <a:pt x="4680" y="5615"/>
+                </a:lnTo>
+                <a:cubicBezTo>
+                  <a:pt x="4478" y="5615"/>
+                  <a:pt x="4299" y="5793"/>
+                  <a:pt x="4299" y="6008"/>
+                </a:cubicBezTo>
+                <a:lnTo>
+                  <a:pt x="4299" y="10020"/>
+                </a:lnTo>
+                <a:lnTo>
+                  <a:pt x="1739" y="10020"/>
+                </a:lnTo>
+                <a:cubicBezTo>
+                  <a:pt x="1691" y="10020"/>
+                  <a:pt x="1656" y="9984"/>
+                  <a:pt x="1656" y="9937"/>
+                </a:cubicBezTo>
+                <a:lnTo>
+                  <a:pt x="1656" y="8734"/>
+                </a:lnTo>
+                <a:cubicBezTo>
+                  <a:pt x="1656" y="8639"/>
+                  <a:pt x="1572" y="8567"/>
+                  <a:pt x="1489" y="8567"/>
+                </a:cubicBezTo>
+                <a:cubicBezTo>
+                  <a:pt x="1394" y="8567"/>
+                  <a:pt x="1322" y="8639"/>
+                  <a:pt x="1322" y="8734"/>
+                </a:cubicBezTo>
+                <a:lnTo>
+                  <a:pt x="1322" y="9937"/>
+                </a:lnTo>
+                <a:cubicBezTo>
+                  <a:pt x="1322" y="10163"/>
+                  <a:pt x="1501" y="10342"/>
+                  <a:pt x="1727" y="10342"/>
+                </a:cubicBezTo>
+                <a:lnTo>
+                  <a:pt x="9466" y="10342"/>
+                </a:lnTo>
+                <a:cubicBezTo>
+                  <a:pt x="9692" y="10342"/>
+                  <a:pt x="9871" y="10163"/>
+                  <a:pt x="9871" y="9937"/>
+                </a:cubicBezTo>
+                <a:lnTo>
+                  <a:pt x="9871" y="5127"/>
+                </a:lnTo>
+                <a:lnTo>
+                  <a:pt x="10943" y="5127"/>
+                </a:lnTo>
+                <a:cubicBezTo>
+                  <a:pt x="11038" y="5127"/>
+                  <a:pt x="11133" y="5067"/>
+                  <a:pt x="11157" y="4960"/>
+                </a:cubicBezTo>
+                <a:cubicBezTo>
+                  <a:pt x="11216" y="4877"/>
+                  <a:pt x="11205" y="4769"/>
+                  <a:pt x="11121" y="4698"/>
+                </a:cubicBezTo>
+                <a:lnTo>
+                  <a:pt x="8811" y="2686"/>
+                </a:lnTo>
+                <a:cubicBezTo>
+                  <a:pt x="8785" y="2659"/>
+                  <a:pt x="8748" y="2647"/>
+                  <a:pt x="8711" y="2647"/>
+                </a:cubicBezTo>
+                <a:cubicBezTo>
+                  <a:pt x="8665" y="2647"/>
+                  <a:pt x="8618" y="2665"/>
+                  <a:pt x="8585" y="2698"/>
+                </a:cubicBezTo>
+                <a:cubicBezTo>
+                  <a:pt x="8526" y="2757"/>
+                  <a:pt x="8538" y="2864"/>
+                  <a:pt x="8597" y="2924"/>
+                </a:cubicBezTo>
+                <a:lnTo>
+                  <a:pt x="10764" y="4805"/>
+                </a:lnTo>
+                <a:lnTo>
+                  <a:pt x="9776" y="4805"/>
+                </a:lnTo>
+                <a:lnTo>
+                  <a:pt x="5763" y="1305"/>
+                </a:lnTo>
+                <a:cubicBezTo>
+                  <a:pt x="5716" y="1269"/>
+                  <a:pt x="5659" y="1251"/>
+                  <a:pt x="5601" y="1251"/>
+                </a:cubicBezTo>
+                <a:cubicBezTo>
+                  <a:pt x="5543" y="1251"/>
+                  <a:pt x="5484" y="1269"/>
+                  <a:pt x="5430" y="1305"/>
+                </a:cubicBezTo>
+                <a:lnTo>
+                  <a:pt x="1418" y="4805"/>
+                </a:lnTo>
+                <a:lnTo>
+                  <a:pt x="429" y="4805"/>
+                </a:lnTo>
+                <a:lnTo>
+                  <a:pt x="1918" y="3507"/>
+                </a:lnTo>
+                <a:lnTo>
+                  <a:pt x="3335" y="2281"/>
+                </a:lnTo>
+                <a:lnTo>
+                  <a:pt x="5609" y="340"/>
+                </a:lnTo>
+                <a:lnTo>
+                  <a:pt x="8026" y="2436"/>
+                </a:lnTo>
+                <a:cubicBezTo>
+                  <a:pt x="8052" y="2463"/>
+                  <a:pt x="8086" y="2475"/>
+                  <a:pt x="8121" y="2475"/>
+                </a:cubicBezTo>
+                <a:cubicBezTo>
+                  <a:pt x="8164" y="2475"/>
+                  <a:pt x="8207" y="2457"/>
+                  <a:pt x="8240" y="2424"/>
+                </a:cubicBezTo>
+                <a:cubicBezTo>
+                  <a:pt x="8299" y="2364"/>
+                  <a:pt x="8288" y="2257"/>
+                  <a:pt x="8228" y="2198"/>
+                </a:cubicBezTo>
+                <a:lnTo>
+                  <a:pt x="5763" y="55"/>
+                </a:lnTo>
+                <a:cubicBezTo>
+                  <a:pt x="5716" y="19"/>
+                  <a:pt x="5659" y="1"/>
+                  <a:pt x="5601" y="1"/>
+                </a:cubicBezTo>
+                <a:close/>
+              </a:path>
+            </a:pathLst>
+          </a:custGeom>
+          <a:solidFill>
+            <a:schemeClr val="accent1"/>
+          </a:solidFill>
+          <a:ln>
+            <a:noFill/>
+          </a:ln>
+        </p:spPr>
+        <p:txBody>
+          <a:bodyPr spcFirstLastPara="1" wrap="square" lIns="91425" tIns="91425" rIns="91425" bIns="91425" anchor="ctr" anchorCtr="0">
+            <a:noAutofit/>
+          </a:bodyPr>
+          <a:lstStyle/>
+          <a:p>
+            <a:pPr marL="0" lvl="0" indent="0" algn="l" rtl="0">
+              <a:spcBef>
+                <a:spcPts val="0"/>
+              </a:spcBef>
+              <a:spcAft>
+                <a:spcPts val="0"/>
+              </a:spcAft>
+              <a:buNone/>
+            </a:pPr>
+            <a:endParaRPr/>
+          </a:p>
+        </p:txBody>
+      </p:sp>
+      <p:sp>
+        <p:nvSpPr>
+          <p:cNvPr id="704" name="Google Shape;704;p52">
+            <a:hlinkClick r:id="" action="ppaction://hlinkshowjump?jump=nextslide"/>
+          </p:cNvPr>
           <p:cNvSpPr txBox="1"/>
           <p:nvPr/>
         </p:nvSpPr>
         <p:spPr>
           <a:xfrm>
-            <a:off x="6066538" y="3470013"/>
-            <a:ext cx="1887000" cy="371700"/>
+            <a:off x="7232750" y="4164550"/>
+            <a:ext cx="1197900" cy="433500"/>
+          </a:xfrm>
+          <a:prstGeom prst="rect">
+            <a:avLst/>
+          </a:prstGeom>
+          <a:solidFill>
+            <a:schemeClr val="dk1"/>
+          </a:solidFill>
+          <a:ln>
+            <a:noFill/>
+          </a:ln>
+        </p:spPr>
+        <p:txBody>
+          <a:bodyPr spcFirstLastPara="1" wrap="square" lIns="91425" tIns="91425" rIns="91425" bIns="91425" anchor="ctr" anchorCtr="0">
+            <a:noAutofit/>
+          </a:bodyPr>
+          <a:lstStyle/>
+          <a:p>
+            <a:pPr marL="0" lvl="0" indent="0" algn="ctr" rtl="0">
+              <a:spcBef>
+                <a:spcPts val="0"/>
+              </a:spcBef>
+              <a:spcAft>
+                <a:spcPts val="0"/>
+              </a:spcAft>
+              <a:buNone/>
+            </a:pPr>
+            <a:r>
+              <a:rPr lang="en" sz="1600">
+                <a:solidFill>
+                  <a:schemeClr val="accent1"/>
+                </a:solidFill>
+                <a:latin typeface="Signika"/>
+                <a:ea typeface="Signika"/>
+                <a:cs typeface="Signika"/>
+                <a:sym typeface="Signika"/>
+              </a:rPr>
+              <a:t>Next</a:t>
+            </a:r>
+            <a:endParaRPr sz="1600">
+              <a:solidFill>
+                <a:schemeClr val="accent1"/>
+              </a:solidFill>
+              <a:latin typeface="Signika"/>
+              <a:ea typeface="Signika"/>
+              <a:cs typeface="Signika"/>
+              <a:sym typeface="Signika"/>
+            </a:endParaRPr>
+          </a:p>
+        </p:txBody>
+      </p:sp>
+      <p:sp>
+        <p:nvSpPr>
+          <p:cNvPr id="2" name="Google Shape;705;p52">
+            <a:extLst>
+              <a:ext uri="{FF2B5EF4-FFF2-40B4-BE49-F238E27FC236}">
+                <a16:creationId xmlns:a16="http://schemas.microsoft.com/office/drawing/2014/main" id="{F89D4FC3-86A2-B46A-4311-8B85F625E0B5}"/>
+              </a:ext>
+            </a:extLst>
+          </p:cNvPr>
+          <p:cNvSpPr txBox="1"/>
+          <p:nvPr/>
+        </p:nvSpPr>
+        <p:spPr>
+          <a:xfrm>
+            <a:off x="713225" y="1877970"/>
+            <a:ext cx="2010487" cy="2010410"/>
           </a:xfrm>
           <a:prstGeom prst="rect">
             <a:avLst/>
@@ -24387,36 +29115,38 @@
           <a:bodyPr spcFirstLastPara="1" wrap="square" lIns="91425" tIns="91425" rIns="91425" bIns="91425" anchor="ctr" anchorCtr="0">
             <a:noAutofit/>
           </a:bodyPr>
-          <a:lstStyle/>
-          <a:p>
-            <a:pPr marL="0" lvl="0" indent="0" algn="ctr" rtl="0">
-              <a:spcBef>
-                <a:spcPts val="0"/>
-              </a:spcBef>
-              <a:spcAft>
-                <a:spcPts val="0"/>
-              </a:spcAft>
-              <a:buNone/>
-            </a:pPr>
-            <a:r>
-              <a:rPr lang="en" sz="2000" b="1">
+          <a:lstStyle>
+            <a:defPPr marR="0" lvl="0" algn="l" rtl="0">
+              <a:lnSpc>
+                <a:spcPct val="100000"/>
+              </a:lnSpc>
+              <a:spcBef>
+                <a:spcPts val="0"/>
+              </a:spcBef>
+              <a:spcAft>
+                <a:spcPts val="0"/>
+              </a:spcAft>
+            </a:defPPr>
+            <a:lvl1pPr marL="0" indent="0" algn="ctr">
+              <a:buNone/>
+              <a:defRPr sz="2000" b="1">
                 <a:solidFill>
                   <a:schemeClr val="dk1"/>
                 </a:solidFill>
                 <a:latin typeface="Signika"/>
                 <a:ea typeface="Signika"/>
                 <a:cs typeface="Signika"/>
+              </a:defRPr>
+            </a:lvl1pPr>
+          </a:lstStyle>
+          <a:p>
+            <a:r>
+              <a:rPr lang="vi-VN" dirty="0">
                 <a:sym typeface="Signika"/>
               </a:rPr>
-              <a:t>…</a:t>
+              <a:t>TÍNH NĂNG</a:t>
             </a:r>
-            <a:endParaRPr sz="2000" b="1">
-              <a:solidFill>
-                <a:schemeClr val="dk1"/>
-              </a:solidFill>
-              <a:latin typeface="Signika"/>
-              <a:ea typeface="Signika"/>
-              <a:cs typeface="Signika"/>
+            <a:endParaRPr dirty="0">
               <a:sym typeface="Signika"/>
             </a:endParaRPr>
           </a:p>
@@ -24424,203 +29154,241 @@
       </p:sp>
       <p:sp>
         <p:nvSpPr>
-          <p:cNvPr id="711" name="Google Shape;711;p52"/>
+          <p:cNvPr id="5" name="TextBox 4">
+            <a:extLst>
+              <a:ext uri="{FF2B5EF4-FFF2-40B4-BE49-F238E27FC236}">
+                <a16:creationId xmlns:a16="http://schemas.microsoft.com/office/drawing/2014/main" id="{4B30BC63-4948-CDD6-6BE2-5719EE6ED163}"/>
+              </a:ext>
+            </a:extLst>
+          </p:cNvPr>
           <p:cNvSpPr txBox="1"/>
           <p:nvPr/>
         </p:nvSpPr>
         <p:spPr>
           <a:xfrm>
-            <a:off x="3628563" y="1924625"/>
-            <a:ext cx="1887000" cy="371700"/>
+            <a:off x="2937690" y="1877970"/>
+            <a:ext cx="2138727" cy="338554"/>
           </a:xfrm>
           <a:prstGeom prst="rect">
             <a:avLst/>
           </a:prstGeom>
           <a:noFill/>
-          <a:ln w="28575" cap="flat" cmpd="sng">
-            <a:solidFill>
-              <a:schemeClr val="accent1">
-                <a:lumMod val="10000"/>
-              </a:schemeClr>
-            </a:solidFill>
-            <a:prstDash val="solid"/>
-            <a:round/>
-            <a:headEnd type="none" w="sm" len="sm"/>
-            <a:tailEnd type="none" w="sm" len="sm"/>
-          </a:ln>
         </p:spPr>
         <p:txBody>
-          <a:bodyPr spcFirstLastPara="1" wrap="square" lIns="91425" tIns="91425" rIns="91425" bIns="91425" anchor="ctr" anchorCtr="0">
-            <a:noAutofit/>
+          <a:bodyPr wrap="none" rtlCol="0">
+            <a:spAutoFit/>
           </a:bodyPr>
           <a:lstStyle/>
           <a:p>
-            <a:pPr marL="0" lvl="0" indent="0" algn="ctr" rtl="0">
-              <a:spcBef>
-                <a:spcPts val="0"/>
-              </a:spcBef>
-              <a:spcAft>
-                <a:spcPts val="0"/>
-              </a:spcAft>
-              <a:buNone/>
-            </a:pPr>
             <a:r>
-              <a:rPr lang="en-US" sz="2000" b="1">
+              <a:rPr lang="vi-VN" sz="1600" b="1" dirty="0">
                 <a:solidFill>
-                  <a:schemeClr val="dk1"/>
+                  <a:schemeClr val="tx1"/>
                 </a:solidFill>
-                <a:latin typeface="Signika"/>
-                <a:ea typeface="Signika"/>
-                <a:cs typeface="Signika"/>
-                <a:sym typeface="Signika"/>
+                <a:latin typeface="Signika" panose="020B0604020202020204" charset="0"/>
               </a:rPr>
-              <a:t>Bảo mật</a:t>
+              <a:t>PHÁT TRIỂN SAU NÀY</a:t>
             </a:r>
-            <a:endParaRPr sz="2000" b="1">
-              <a:solidFill>
-                <a:schemeClr val="dk1"/>
-              </a:solidFill>
-              <a:latin typeface="Signika"/>
-              <a:ea typeface="Signika"/>
-              <a:cs typeface="Signika"/>
-              <a:sym typeface="Signika"/>
-            </a:endParaRPr>
           </a:p>
         </p:txBody>
       </p:sp>
       <p:sp>
         <p:nvSpPr>
-          <p:cNvPr id="712" name="Google Shape;712;p52"/>
+          <p:cNvPr id="6" name="TextBox 5">
+            <a:extLst>
+              <a:ext uri="{FF2B5EF4-FFF2-40B4-BE49-F238E27FC236}">
+                <a16:creationId xmlns:a16="http://schemas.microsoft.com/office/drawing/2014/main" id="{0434F2F0-2B6C-30C1-B284-5017372F3CDD}"/>
+              </a:ext>
+            </a:extLst>
+          </p:cNvPr>
           <p:cNvSpPr txBox="1"/>
           <p:nvPr/>
         </p:nvSpPr>
         <p:spPr>
           <a:xfrm>
-            <a:off x="3628438" y="2697319"/>
-            <a:ext cx="1887000" cy="371700"/>
+            <a:off x="3297513" y="2216376"/>
+            <a:ext cx="5133137" cy="1569660"/>
           </a:xfrm>
           <a:prstGeom prst="rect">
             <a:avLst/>
           </a:prstGeom>
           <a:noFill/>
-          <a:ln w="28575" cap="flat" cmpd="sng">
-            <a:solidFill>
-              <a:schemeClr val="accent1">
-                <a:lumMod val="10000"/>
-              </a:schemeClr>
-            </a:solidFill>
-            <a:prstDash val="solid"/>
-            <a:round/>
-            <a:headEnd type="none" w="sm" len="sm"/>
-            <a:tailEnd type="none" w="sm" len="sm"/>
-          </a:ln>
         </p:spPr>
         <p:txBody>
-          <a:bodyPr spcFirstLastPara="1" wrap="square" lIns="91425" tIns="91425" rIns="91425" bIns="91425" anchor="ctr" anchorCtr="0">
-            <a:noAutofit/>
+          <a:bodyPr wrap="square" rtlCol="0">
+            <a:spAutoFit/>
           </a:bodyPr>
           <a:lstStyle/>
           <a:p>
-            <a:pPr marL="0" lvl="0" indent="0" algn="ctr" rtl="0">
-              <a:spcBef>
-                <a:spcPts val="0"/>
-              </a:spcBef>
-              <a:spcAft>
-                <a:spcPts val="0"/>
-              </a:spcAft>
-              <a:buNone/>
+            <a:pPr marL="285750" indent="-285750">
+              <a:buFont typeface="Arial" panose="020B0604020202020204" pitchFamily="34" charset="0"/>
+              <a:buChar char="•"/>
             </a:pPr>
             <a:r>
-              <a:rPr lang="en-US" sz="2000" b="1">
+              <a:rPr lang="vi-VN" sz="1600" dirty="0">
                 <a:solidFill>
-                  <a:schemeClr val="dk1"/>
+                  <a:schemeClr val="tx1"/>
                 </a:solidFill>
-                <a:latin typeface="Signika"/>
-                <a:ea typeface="Signika"/>
-                <a:cs typeface="Signika"/>
-                <a:sym typeface="Signika"/>
+                <a:latin typeface="Signika" panose="020B0604020202020204" charset="0"/>
               </a:rPr>
-              <a:t>Module</a:t>
+              <a:t>Kết nối thiết bị mới vào hệ thống</a:t>
             </a:r>
-            <a:endParaRPr sz="2000" b="1">
-              <a:solidFill>
-                <a:schemeClr val="dk1"/>
-              </a:solidFill>
-              <a:latin typeface="Signika"/>
-              <a:ea typeface="Signika"/>
-              <a:cs typeface="Signika"/>
-              <a:sym typeface="Signika"/>
-            </a:endParaRPr>
           </a:p>
-        </p:txBody>
-      </p:sp>
-      <p:sp>
-        <p:nvSpPr>
-          <p:cNvPr id="713" name="Google Shape;713;p52"/>
-          <p:cNvSpPr txBox="1"/>
-          <p:nvPr/>
-        </p:nvSpPr>
-        <p:spPr>
-          <a:xfrm>
-            <a:off x="3628438" y="3470013"/>
-            <a:ext cx="1887000" cy="371700"/>
-          </a:xfrm>
-          <a:prstGeom prst="rect">
-            <a:avLst/>
-          </a:prstGeom>
-          <a:noFill/>
-          <a:ln w="28575" cap="flat" cmpd="sng">
-            <a:solidFill>
-              <a:schemeClr val="accent1">
-                <a:lumMod val="10000"/>
-              </a:schemeClr>
-            </a:solidFill>
-            <a:prstDash val="solid"/>
-            <a:round/>
-            <a:headEnd type="none" w="sm" len="sm"/>
-            <a:tailEnd type="none" w="sm" len="sm"/>
-          </a:ln>
-        </p:spPr>
-        <p:txBody>
-          <a:bodyPr spcFirstLastPara="1" wrap="square" lIns="91425" tIns="91425" rIns="91425" bIns="91425" anchor="ctr" anchorCtr="0">
-            <a:noAutofit/>
-          </a:bodyPr>
-          <a:lstStyle/>
           <a:p>
-            <a:pPr marL="0" lvl="0" indent="0" algn="ctr" rtl="0">
-              <a:spcBef>
-                <a:spcPts val="0"/>
-              </a:spcBef>
-              <a:spcAft>
-                <a:spcPts val="0"/>
-              </a:spcAft>
-              <a:buNone/>
+            <a:pPr marL="285750" indent="-285750">
+              <a:buFont typeface="Arial" panose="020B0604020202020204" pitchFamily="34" charset="0"/>
+              <a:buChar char="•"/>
             </a:pPr>
             <a:r>
-              <a:rPr lang="en-US" sz="2000" b="1">
+              <a:rPr lang="vi-VN" sz="1600" dirty="0">
                 <a:solidFill>
-                  <a:schemeClr val="dk1"/>
+                  <a:schemeClr val="tx1"/>
                 </a:solidFill>
-                <a:latin typeface="Signika"/>
-                <a:ea typeface="Signika"/>
-                <a:cs typeface="Signika"/>
-                <a:sym typeface="Signika"/>
+                <a:latin typeface="Signika" panose="020B0604020202020204" charset="0"/>
               </a:rPr>
-              <a:t>…</a:t>
+              <a:t>Thêm và phân quyền thành viên trong gia đình</a:t>
             </a:r>
-            <a:endParaRPr sz="2000" b="1">
-              <a:solidFill>
-                <a:schemeClr val="dk1"/>
-              </a:solidFill>
-              <a:latin typeface="Signika"/>
-              <a:ea typeface="Signika"/>
-              <a:cs typeface="Signika"/>
-              <a:sym typeface="Signika"/>
-            </a:endParaRPr>
+          </a:p>
+          <a:p>
+            <a:pPr marL="285750" indent="-285750">
+              <a:buFont typeface="Arial" panose="020B0604020202020204" pitchFamily="34" charset="0"/>
+              <a:buChar char="•"/>
+            </a:pPr>
+            <a:r>
+              <a:rPr lang="vi-VN" sz="1600" dirty="0">
+                <a:solidFill>
+                  <a:schemeClr val="tx1"/>
+                </a:solidFill>
+                <a:latin typeface="Signika" panose="020B0604020202020204" charset="0"/>
+              </a:rPr>
+              <a:t>Quản lý các thiết bị, thao tác điều </a:t>
+            </a:r>
+            <a:r>
+              <a:rPr lang="vi-VN" sz="1600" dirty="0" err="1">
+                <a:solidFill>
+                  <a:schemeClr val="tx1"/>
+                </a:solidFill>
+                <a:latin typeface="Signika" panose="020B0604020202020204" charset="0"/>
+              </a:rPr>
+              <a:t>khiển</a:t>
+            </a:r>
+            <a:r>
+              <a:rPr lang="vi-VN" sz="1600" dirty="0">
+                <a:solidFill>
+                  <a:schemeClr val="tx1"/>
+                </a:solidFill>
+                <a:latin typeface="Signika" panose="020B0604020202020204" charset="0"/>
+              </a:rPr>
+              <a:t> bật tắt</a:t>
+            </a:r>
+          </a:p>
+          <a:p>
+            <a:pPr marL="285750" indent="-285750">
+              <a:buFont typeface="Arial" panose="020B0604020202020204" pitchFamily="34" charset="0"/>
+              <a:buChar char="•"/>
+            </a:pPr>
+            <a:r>
+              <a:rPr lang="vi-VN" sz="1600" dirty="0">
+                <a:solidFill>
+                  <a:schemeClr val="tx1"/>
+                </a:solidFill>
+                <a:latin typeface="Signika" panose="020B0604020202020204" charset="0"/>
+              </a:rPr>
+              <a:t>Định giờ thao tác, cảnh báo nguy hiểm, người té ngã</a:t>
+            </a:r>
+          </a:p>
+          <a:p>
+            <a:pPr marL="285750" indent="-285750">
+              <a:buFont typeface="Arial" panose="020B0604020202020204" pitchFamily="34" charset="0"/>
+              <a:buChar char="•"/>
+            </a:pPr>
+            <a:r>
+              <a:rPr lang="vi-VN" sz="1600" dirty="0">
+                <a:solidFill>
+                  <a:schemeClr val="tx1"/>
+                </a:solidFill>
+                <a:latin typeface="Signika" panose="020B0604020202020204" charset="0"/>
+              </a:rPr>
+              <a:t>Hỗ trợ </a:t>
+            </a:r>
+            <a:r>
+              <a:rPr lang="vi-VN" sz="1600" dirty="0" err="1">
+                <a:solidFill>
+                  <a:schemeClr val="tx1"/>
+                </a:solidFill>
+                <a:latin typeface="Signika" panose="020B0604020202020204" charset="0"/>
+              </a:rPr>
+              <a:t>Mini</a:t>
+            </a:r>
+            <a:r>
+              <a:rPr lang="vi-VN" sz="1600" dirty="0">
+                <a:solidFill>
+                  <a:schemeClr val="tx1"/>
+                </a:solidFill>
+                <a:latin typeface="Signika" panose="020B0604020202020204" charset="0"/>
+              </a:rPr>
+              <a:t> </a:t>
+            </a:r>
+            <a:r>
+              <a:rPr lang="vi-VN" sz="1600" dirty="0" err="1">
+                <a:solidFill>
+                  <a:schemeClr val="tx1"/>
+                </a:solidFill>
+                <a:latin typeface="Signika" panose="020B0604020202020204" charset="0"/>
+              </a:rPr>
+              <a:t>App</a:t>
+            </a:r>
+            <a:r>
+              <a:rPr lang="vi-VN" sz="1600" dirty="0">
+                <a:solidFill>
+                  <a:schemeClr val="tx1"/>
+                </a:solidFill>
+                <a:latin typeface="Signika" panose="020B0604020202020204" charset="0"/>
+              </a:rPr>
+              <a:t>, tích hợp các thiết bị của bên thứ ba</a:t>
+            </a:r>
+          </a:p>
+          <a:p>
+            <a:pPr marL="285750" indent="-285750">
+              <a:buFont typeface="Arial" panose="020B0604020202020204" pitchFamily="34" charset="0"/>
+              <a:buChar char="•"/>
+            </a:pPr>
+            <a:r>
+              <a:rPr lang="vi-VN" sz="1600" dirty="0">
+                <a:solidFill>
+                  <a:schemeClr val="tx1"/>
+                </a:solidFill>
+                <a:latin typeface="Signika" panose="020B0604020202020204" charset="0"/>
+              </a:rPr>
+              <a:t>Thanh toán tiền điện, nước, hóa đơn </a:t>
+            </a:r>
+            <a:r>
+              <a:rPr lang="vi-VN" sz="1600" dirty="0" err="1">
+                <a:solidFill>
+                  <a:schemeClr val="tx1"/>
+                </a:solidFill>
+                <a:latin typeface="Signika" panose="020B0604020202020204" charset="0"/>
+              </a:rPr>
+              <a:t>internet</a:t>
+            </a:r>
+            <a:r>
+              <a:rPr lang="vi-VN" sz="1600" dirty="0">
+                <a:solidFill>
+                  <a:schemeClr val="tx1"/>
+                </a:solidFill>
+                <a:latin typeface="Signika" panose="020B0604020202020204" charset="0"/>
+              </a:rPr>
+              <a:t>,…</a:t>
+            </a:r>
           </a:p>
         </p:txBody>
       </p:sp>
     </p:spTree>
+    <p:extLst>
+      <p:ext uri="{BB962C8B-B14F-4D97-AF65-F5344CB8AC3E}">
+        <p14:creationId xmlns:p14="http://schemas.microsoft.com/office/powerpoint/2010/main" val="1628224296"/>
+      </p:ext>
+    </p:extLst>
   </p:cSld>
   <p:clrMapOvr>
     <a:masterClrMapping/>
@@ -24628,7 +29396,7 @@
 </p:sld>
 </file>
 
-<file path=ppt/slides/slide14.xml><?xml version="1.0" encoding="utf-8"?>
+<file path=ppt/slides/slide19.xml><?xml version="1.0" encoding="utf-8"?>
 <p:sld xmlns:a="http://schemas.openxmlformats.org/drawingml/2006/main" xmlns:r="http://schemas.openxmlformats.org/officeDocument/2006/relationships" xmlns:p="http://schemas.openxmlformats.org/presentationml/2006/main">
   <p:cSld>
     <p:spTree>
@@ -24731,55 +29499,6 @@
       </p:sp>
       <p:sp>
         <p:nvSpPr>
-          <p:cNvPr id="737" name="Google Shape;737;p54"/>
-          <p:cNvSpPr txBox="1">
-            <a:spLocks noGrp="1"/>
-          </p:cNvSpPr>
-          <p:nvPr>
-            <p:ph type="subTitle" idx="1"/>
-          </p:nvPr>
-        </p:nvSpPr>
-        <p:spPr>
-          <a:xfrm>
-            <a:off x="2222250" y="1245375"/>
-            <a:ext cx="4699500" cy="808800"/>
-          </a:xfrm>
-          <a:prstGeom prst="rect">
-            <a:avLst/>
-          </a:prstGeom>
-          <a:ln>
-            <a:solidFill>
-              <a:schemeClr val="accent1">
-                <a:lumMod val="10000"/>
-              </a:schemeClr>
-            </a:solidFill>
-          </a:ln>
-        </p:spPr>
-        <p:txBody>
-          <a:bodyPr spcFirstLastPara="1" wrap="square" lIns="91425" tIns="91425" rIns="91425" bIns="91425" anchor="t" anchorCtr="0">
-            <a:noAutofit/>
-          </a:bodyPr>
-          <a:lstStyle/>
-          <a:p>
-            <a:pPr marL="0" lvl="0" indent="0" algn="l" rtl="0">
-              <a:spcBef>
-                <a:spcPts val="0"/>
-              </a:spcBef>
-              <a:spcAft>
-                <a:spcPts val="0"/>
-              </a:spcAft>
-              <a:buNone/>
-            </a:pPr>
-            <a:r>
-              <a:rPr lang="en"/>
-              <a:t>Consequences are...</a:t>
-            </a:r>
-            <a:endParaRPr/>
-          </a:p>
-        </p:txBody>
-      </p:sp>
-      <p:sp>
-        <p:nvSpPr>
           <p:cNvPr id="738" name="Google Shape;738;p54"/>
           <p:cNvSpPr txBox="1">
             <a:spLocks noGrp="1"/>
@@ -24803,7 +29522,7 @@
           </a:bodyPr>
           <a:lstStyle/>
           <a:p>
-            <a:pPr marL="0" lvl="0" indent="0" algn="l" rtl="0">
+            <a:pPr marL="0" lvl="0" indent="0" algn="ctr" rtl="0">
               <a:spcBef>
                 <a:spcPts val="0"/>
               </a:spcBef>
@@ -24813,22 +29532,11 @@
               <a:buNone/>
             </a:pPr>
             <a:r>
-              <a:rPr lang="en"/>
-              <a:t>Define the theme in the box below</a:t>
+              <a:rPr lang="vi-VN" dirty="0">
+                <a:latin typeface="Signika" panose="020B0604020202020204" charset="0"/>
+              </a:rPr>
+              <a:t>Tổng kết đề tài và kinh nghiệm đúc kết</a:t>
             </a:r>
-            <a:endParaRPr/>
-          </a:p>
-          <a:p>
-            <a:pPr marL="0" lvl="0" indent="0" algn="ctr" rtl="0">
-              <a:spcBef>
-                <a:spcPts val="0"/>
-              </a:spcBef>
-              <a:spcAft>
-                <a:spcPts val="0"/>
-              </a:spcAft>
-              <a:buNone/>
-            </a:pPr>
-            <a:endParaRPr/>
           </a:p>
         </p:txBody>
       </p:sp>
@@ -26222,90 +30930,6 @@
 </p:sld>
 </file>
 
-<file path=ppt/slides/slide15.xml><?xml version="1.0" encoding="utf-8"?>
-<p:sld xmlns:a="http://schemas.openxmlformats.org/drawingml/2006/main" xmlns:r="http://schemas.openxmlformats.org/officeDocument/2006/relationships" xmlns:p="http://schemas.openxmlformats.org/presentationml/2006/main">
-  <p:cSld>
-    <p:spTree>
-      <p:nvGrpSpPr>
-        <p:cNvPr id="1" name=""/>
-        <p:cNvGrpSpPr/>
-        <p:nvPr/>
-      </p:nvGrpSpPr>
-      <p:grpSpPr>
-        <a:xfrm>
-          <a:off x="0" y="0"/>
-          <a:ext cx="0" cy="0"/>
-          <a:chOff x="0" y="0"/>
-          <a:chExt cx="0" cy="0"/>
-        </a:xfrm>
-      </p:grpSpPr>
-      <p:sp>
-        <p:nvSpPr>
-          <p:cNvPr id="6" name="Rectangle 5">
-            <a:extLst>
-              <a:ext uri="{FF2B5EF4-FFF2-40B4-BE49-F238E27FC236}">
-                <a16:creationId xmlns:a16="http://schemas.microsoft.com/office/drawing/2014/main" id="{9061FB07-1B68-4C5A-95DE-3A731C6A8A97}"/>
-              </a:ext>
-            </a:extLst>
-          </p:cNvPr>
-          <p:cNvSpPr/>
-          <p:nvPr/>
-        </p:nvSpPr>
-        <p:spPr>
-          <a:xfrm>
-            <a:off x="3355161" y="2110085"/>
-            <a:ext cx="2433679" cy="830997"/>
-          </a:xfrm>
-          <a:prstGeom prst="rect">
-            <a:avLst/>
-          </a:prstGeom>
-          <a:noFill/>
-        </p:spPr>
-        <p:txBody>
-          <a:bodyPr wrap="none" lIns="91440" tIns="45720" rIns="91440" bIns="45720">
-            <a:spAutoFit/>
-            <a:scene3d>
-              <a:camera prst="orthographicFront"/>
-              <a:lightRig rig="harsh" dir="t"/>
-            </a:scene3d>
-            <a:sp3d extrusionH="57150" prstMaterial="matte">
-              <a:bevelT w="63500" h="12700" prst="angle"/>
-              <a:contourClr>
-                <a:schemeClr val="bg1">
-                  <a:lumMod val="65000"/>
-                </a:schemeClr>
-              </a:contourClr>
-            </a:sp3d>
-          </a:bodyPr>
-          <a:lstStyle/>
-          <a:p>
-            <a:pPr algn="ctr"/>
-            <a:r>
-              <a:rPr lang="en-US" sz="4800" b="1" dirty="0">
-                <a:solidFill>
-                  <a:schemeClr val="dk1"/>
-                </a:solidFill>
-                <a:latin typeface="Signika"/>
-                <a:sym typeface="Signika"/>
-              </a:rPr>
-              <a:t>Kết thúc</a:t>
-            </a:r>
-          </a:p>
-        </p:txBody>
-      </p:sp>
-    </p:spTree>
-    <p:extLst>
-      <p:ext uri="{BB962C8B-B14F-4D97-AF65-F5344CB8AC3E}">
-        <p14:creationId xmlns:p14="http://schemas.microsoft.com/office/powerpoint/2010/main" val="882740909"/>
-      </p:ext>
-    </p:extLst>
-  </p:cSld>
-  <p:clrMapOvr>
-    <a:masterClrMapping/>
-  </p:clrMapOvr>
-</p:sld>
-</file>
-
 <file path=ppt/slides/slide2.xml><?xml version="1.0" encoding="utf-8"?>
 <p:sld xmlns:a="http://schemas.openxmlformats.org/drawingml/2006/main" xmlns:r="http://schemas.openxmlformats.org/officeDocument/2006/relationships" xmlns:p="http://schemas.openxmlformats.org/presentationml/2006/main">
   <p:cSld>
@@ -26438,7 +31062,21 @@
                 <a:latin typeface="Signika"/>
                 <a:sym typeface="Signika"/>
               </a:rPr>
-              <a:t> thầy Trần Lê Hữu Phúc cũng </a:t>
+              <a:t> thầy </a:t>
+            </a:r>
+            <a:r>
+              <a:rPr lang="en-US" sz="2000" b="1" dirty="0">
+                <a:latin typeface="Signika"/>
+                <a:sym typeface="Signika"/>
+              </a:rPr>
+              <a:t>Trần Lê Hữu Phúc </a:t>
+            </a:r>
+            <a:r>
+              <a:rPr lang="en-US" sz="2000" dirty="0">
+                <a:latin typeface="Signika"/>
+                <a:sym typeface="Signika"/>
+              </a:rPr>
+              <a:t>cũng </a:t>
             </a:r>
             <a:r>
               <a:rPr lang="en-US" sz="2000" dirty="0" err="1">
@@ -26466,7 +31104,21 @@
                 <a:latin typeface="Signika"/>
                 <a:sym typeface="Signika"/>
               </a:rPr>
-              <a:t> Lê Đức Tài đã định hướng </a:t>
+              <a:t> </a:t>
+            </a:r>
+            <a:r>
+              <a:rPr lang="en-US" sz="2000" b="1" dirty="0">
+                <a:latin typeface="Signika"/>
+                <a:sym typeface="Signika"/>
+              </a:rPr>
+              <a:t>Lê Đức Tài</a:t>
+            </a:r>
+            <a:r>
+              <a:rPr lang="en-US" sz="2000" dirty="0">
+                <a:latin typeface="Signika"/>
+                <a:sym typeface="Signika"/>
+              </a:rPr>
+              <a:t> đã định hướng </a:t>
             </a:r>
             <a:r>
               <a:rPr lang="en-US" sz="2000" dirty="0" err="1">
@@ -26517,6 +31169,59 @@
               </a:rPr>
               <a:t>lần này.</a:t>
             </a:r>
+          </a:p>
+          <a:p>
+            <a:pPr marL="342900" indent="-342900" algn="just">
+              <a:buSzPts val="5200"/>
+              <a:buFont typeface="Wingdings" panose="05000000000000000000" pitchFamily="2" charset="2"/>
+              <a:buChar char="§"/>
+            </a:pPr>
+            <a:endParaRPr lang="vi-VN" sz="2000" dirty="0">
+              <a:latin typeface="Signika"/>
+              <a:sym typeface="Signika"/>
+            </a:endParaRPr>
+          </a:p>
+          <a:p>
+            <a:pPr marL="342900" indent="-342900" algn="just">
+              <a:buSzPts val="5200"/>
+              <a:buFont typeface="Wingdings" panose="05000000000000000000" pitchFamily="2" charset="2"/>
+              <a:buChar char="§"/>
+            </a:pPr>
+            <a:r>
+              <a:rPr lang="vi-VN" sz="2000" dirty="0">
+                <a:latin typeface="Signika"/>
+                <a:sym typeface="Signika"/>
+              </a:rPr>
+              <a:t>Bên cạnh đó, cũng xin gửi lời xin lỗi đến thầy và anh vì đã phụ lòng kỳ vọng của thầy và anh khi nhóm chưa hoàn thiện được một cách hoàn chỉnh đề tài lần này. Đây là sẽ là bài học kinh nghiệm </a:t>
+            </a:r>
+            <a:r>
+              <a:rPr lang="vi-VN" sz="2000" dirty="0" err="1">
+                <a:latin typeface="Signika"/>
+                <a:sym typeface="Signika"/>
+              </a:rPr>
+              <a:t>quý</a:t>
+            </a:r>
+            <a:r>
+              <a:rPr lang="vi-VN" sz="2000" dirty="0">
+                <a:latin typeface="Signika"/>
+                <a:sym typeface="Signika"/>
+              </a:rPr>
+              <a:t> </a:t>
+            </a:r>
+            <a:r>
+              <a:rPr lang="vi-VN" sz="2000" dirty="0" err="1">
+                <a:latin typeface="Signika"/>
+                <a:sym typeface="Signika"/>
+              </a:rPr>
+              <a:t>báu</a:t>
+            </a:r>
+            <a:r>
+              <a:rPr lang="vi-VN" sz="2000" dirty="0">
+                <a:latin typeface="Signika"/>
+                <a:sym typeface="Signika"/>
+              </a:rPr>
+              <a:t> cho nhóm khi thực hiện các dự án khác trong tương lai.</a:t>
+            </a:r>
             <a:endParaRPr lang="en-US" sz="2000" dirty="0">
               <a:latin typeface="Signika"/>
               <a:sym typeface="Signika"/>
@@ -26525,6 +31230,90 @@
         </p:txBody>
       </p:sp>
     </p:spTree>
+  </p:cSld>
+  <p:clrMapOvr>
+    <a:masterClrMapping/>
+  </p:clrMapOvr>
+</p:sld>
+</file>
+
+<file path=ppt/slides/slide20.xml><?xml version="1.0" encoding="utf-8"?>
+<p:sld xmlns:a="http://schemas.openxmlformats.org/drawingml/2006/main" xmlns:r="http://schemas.openxmlformats.org/officeDocument/2006/relationships" xmlns:p="http://schemas.openxmlformats.org/presentationml/2006/main">
+  <p:cSld>
+    <p:spTree>
+      <p:nvGrpSpPr>
+        <p:cNvPr id="1" name=""/>
+        <p:cNvGrpSpPr/>
+        <p:nvPr/>
+      </p:nvGrpSpPr>
+      <p:grpSpPr>
+        <a:xfrm>
+          <a:off x="0" y="0"/>
+          <a:ext cx="0" cy="0"/>
+          <a:chOff x="0" y="0"/>
+          <a:chExt cx="0" cy="0"/>
+        </a:xfrm>
+      </p:grpSpPr>
+      <p:sp>
+        <p:nvSpPr>
+          <p:cNvPr id="6" name="Rectangle 5">
+            <a:extLst>
+              <a:ext uri="{FF2B5EF4-FFF2-40B4-BE49-F238E27FC236}">
+                <a16:creationId xmlns:a16="http://schemas.microsoft.com/office/drawing/2014/main" id="{9061FB07-1B68-4C5A-95DE-3A731C6A8A97}"/>
+              </a:ext>
+            </a:extLst>
+          </p:cNvPr>
+          <p:cNvSpPr/>
+          <p:nvPr/>
+        </p:nvSpPr>
+        <p:spPr>
+          <a:xfrm>
+            <a:off x="3124329" y="2110085"/>
+            <a:ext cx="2895344" cy="830997"/>
+          </a:xfrm>
+          <a:prstGeom prst="rect">
+            <a:avLst/>
+          </a:prstGeom>
+          <a:noFill/>
+        </p:spPr>
+        <p:txBody>
+          <a:bodyPr wrap="none" lIns="91440" tIns="45720" rIns="91440" bIns="45720">
+            <a:spAutoFit/>
+            <a:scene3d>
+              <a:camera prst="orthographicFront"/>
+              <a:lightRig rig="harsh" dir="t"/>
+            </a:scene3d>
+            <a:sp3d extrusionH="57150" prstMaterial="matte">
+              <a:bevelT w="63500" h="12700" prst="angle"/>
+              <a:contourClr>
+                <a:schemeClr val="bg1">
+                  <a:lumMod val="65000"/>
+                </a:schemeClr>
+              </a:contourClr>
+            </a:sp3d>
+          </a:bodyPr>
+          <a:lstStyle/>
+          <a:p>
+            <a:pPr algn="ctr"/>
+            <a:r>
+              <a:rPr lang="en-US" sz="4800" b="1" dirty="0">
+                <a:solidFill>
+                  <a:schemeClr val="dk1"/>
+                </a:solidFill>
+                <a:latin typeface="Signika"/>
+                <a:sym typeface="Signika"/>
+              </a:rPr>
+              <a:t>KẾT THÚC</a:t>
+            </a:r>
+          </a:p>
+        </p:txBody>
+      </p:sp>
+    </p:spTree>
+    <p:extLst>
+      <p:ext uri="{BB962C8B-B14F-4D97-AF65-F5344CB8AC3E}">
+        <p14:creationId xmlns:p14="http://schemas.microsoft.com/office/powerpoint/2010/main" val="882740909"/>
+      </p:ext>
+    </p:extLst>
   </p:cSld>
   <p:clrMapOvr>
     <a:masterClrMapping/>
@@ -27508,7 +32297,7 @@
               <a:buNone/>
             </a:pPr>
             <a:r>
-              <a:rPr lang="en" sz="2000">
+              <a:rPr lang="en" sz="2000" dirty="0">
                 <a:solidFill>
                   <a:schemeClr val="accent1"/>
                 </a:solidFill>
@@ -27519,7 +32308,7 @@
               </a:rPr>
               <a:t>Activities</a:t>
             </a:r>
-            <a:endParaRPr sz="2000">
+            <a:endParaRPr sz="2000" dirty="0">
               <a:solidFill>
                 <a:schemeClr val="accent1"/>
               </a:solidFill>
@@ -29234,6 +34023,14 @@
 <file path=ppt/slides/slide5.xml><?xml version="1.0" encoding="utf-8"?>
 <p:sld xmlns:a="http://schemas.openxmlformats.org/drawingml/2006/main" xmlns:r="http://schemas.openxmlformats.org/officeDocument/2006/relationships" xmlns:p="http://schemas.openxmlformats.org/presentationml/2006/main">
   <p:cSld>
+    <p:bg>
+      <p:bgPr>
+        <a:solidFill>
+          <a:srgbClr val="FFFFFF"/>
+        </a:solidFill>
+        <a:effectLst/>
+      </p:bgPr>
+    </p:bg>
     <p:spTree>
       <p:nvGrpSpPr>
         <p:cNvPr id="1" name="Shape 250"/>
@@ -29410,7 +34207,7 @@
               <a:buNone/>
             </a:pPr>
             <a:r>
-              <a:rPr lang="vi-VN" sz="1400" dirty="0">
+              <a:rPr lang="vi-VN" sz="1800" dirty="0">
                 <a:latin typeface="Signika" panose="020B0604020202020204" charset="0"/>
                 <a:ea typeface="Tahoma" panose="020B0604030504040204" pitchFamily="34" charset="0"/>
                 <a:cs typeface="Tahoma" panose="020B0604030504040204" pitchFamily="34" charset="0"/>
@@ -29418,7 +34215,7 @@
               <a:t>Có </a:t>
             </a:r>
             <a:r>
-              <a:rPr lang="vi-VN" sz="1400" b="1" dirty="0">
+              <a:rPr lang="vi-VN" sz="1800" b="1" dirty="0">
                 <a:latin typeface="Signika" panose="020B0604020202020204" charset="0"/>
                 <a:ea typeface="Tahoma" panose="020B0604030504040204" pitchFamily="34" charset="0"/>
                 <a:cs typeface="Tahoma" panose="020B0604030504040204" pitchFamily="34" charset="0"/>
@@ -29426,7 +34223,7 @@
               <a:t>3</a:t>
             </a:r>
             <a:r>
-              <a:rPr lang="vi-VN" sz="1400" dirty="0">
+              <a:rPr lang="vi-VN" sz="1800" dirty="0">
                 <a:latin typeface="Signika" panose="020B0604020202020204" charset="0"/>
                 <a:ea typeface="Tahoma" panose="020B0604030504040204" pitchFamily="34" charset="0"/>
                 <a:cs typeface="Tahoma" panose="020B0604030504040204" pitchFamily="34" charset="0"/>
@@ -29445,14 +34242,14 @@
               <a:buNone/>
             </a:pPr>
             <a:r>
-              <a:rPr lang="vi-VN" sz="1400" dirty="0">
+              <a:rPr lang="vi-VN" sz="1800" dirty="0">
                 <a:latin typeface="Signika" panose="020B0604020202020204" charset="0"/>
                 <a:ea typeface="Tahoma" panose="020B0604030504040204" pitchFamily="34" charset="0"/>
                 <a:cs typeface="Tahoma" panose="020B0604030504040204" pitchFamily="34" charset="0"/>
               </a:rPr>
               <a:t>để chúng em lựa chọn đề tài này</a:t>
             </a:r>
-            <a:endParaRPr sz="1400" dirty="0">
+            <a:endParaRPr sz="1800" dirty="0">
               <a:latin typeface="Signika" panose="020B0604020202020204" charset="0"/>
               <a:ea typeface="Tahoma" panose="020B0604030504040204" pitchFamily="34" charset="0"/>
               <a:cs typeface="Tahoma" panose="020B0604030504040204" pitchFamily="34" charset="0"/>
@@ -29473,6 +34270,7 @@
             <a:chOff x="6807950" y="3072775"/>
             <a:chExt cx="2165350" cy="2165350"/>
           </a:xfrm>
+          <a:noFill/>
         </p:grpSpPr>
         <p:sp>
           <p:nvSpPr>
@@ -29520,8 +34318,8 @@
                 </a:path>
               </a:pathLst>
             </a:custGeom>
-            <a:noFill/>
-            <a:ln w="28575" cap="rnd" cmpd="sng">
+            <a:grpFill/>
+            <a:ln w="63500" cap="rnd" cmpd="sng">
               <a:solidFill>
                 <a:schemeClr val="accent1">
                   <a:lumMod val="10000"/>
@@ -29598,8 +34396,8 @@
                 </a:path>
               </a:pathLst>
             </a:custGeom>
-            <a:noFill/>
-            <a:ln w="28575" cap="rnd" cmpd="sng">
+            <a:grpFill/>
+            <a:ln w="63500" cap="rnd" cmpd="sng">
               <a:solidFill>
                 <a:schemeClr val="accent1">
                   <a:lumMod val="10000"/>
@@ -29678,8 +34476,8 @@
                 </a:path>
               </a:pathLst>
             </a:custGeom>
-            <a:noFill/>
-            <a:ln w="28575" cap="rnd" cmpd="sng">
+            <a:grpFill/>
+            <a:ln w="63500" cap="rnd" cmpd="sng">
               <a:solidFill>
                 <a:schemeClr val="accent1">
                   <a:lumMod val="10000"/>
@@ -31282,7 +36080,7 @@
               <a:buNone/>
             </a:pPr>
             <a:r>
-              <a:rPr lang="en" sz="1600">
+              <a:rPr lang="en" sz="1600" dirty="0">
                 <a:solidFill>
                   <a:schemeClr val="accent1"/>
                 </a:solidFill>
@@ -31293,7 +36091,7 @@
               </a:rPr>
               <a:t>Next</a:t>
             </a:r>
-            <a:endParaRPr sz="1600">
+            <a:endParaRPr sz="1600" dirty="0">
               <a:solidFill>
                 <a:schemeClr val="accent1"/>
               </a:solidFill>
@@ -31493,7 +36291,7 @@
           <a:p>
             <a:pPr algn="ctr"/>
             <a:r>
-              <a:rPr lang="vi-VN" dirty="0" err="1">
+              <a:rPr lang="vi-VN" sz="1600" dirty="0" err="1">
                 <a:solidFill>
                   <a:schemeClr val="dk1"/>
                 </a:solidFill>
@@ -31502,7 +36300,7 @@
               <a:t>IoT</a:t>
             </a:r>
             <a:r>
-              <a:rPr lang="vi-VN" dirty="0">
+              <a:rPr lang="vi-VN" sz="1600" dirty="0">
                 <a:solidFill>
                   <a:schemeClr val="dk1"/>
                 </a:solidFill>
@@ -31625,7 +36423,7 @@
           <a:p>
             <a:pPr algn="ctr"/>
             <a:r>
-              <a:rPr lang="vi-VN" dirty="0">
+              <a:rPr lang="vi-VN" sz="1600" dirty="0">
                 <a:solidFill>
                   <a:schemeClr val="dk1"/>
                 </a:solidFill>
@@ -31634,7 +36432,7 @@
               <a:t>Nhóm chưa từng thử sức với việc làm web-</a:t>
             </a:r>
             <a:r>
-              <a:rPr lang="vi-VN" dirty="0" err="1">
+              <a:rPr lang="vi-VN" sz="1600" dirty="0" err="1">
                 <a:solidFill>
                   <a:schemeClr val="dk1"/>
                 </a:solidFill>
@@ -31643,7 +36441,7 @@
               <a:t>app</a:t>
             </a:r>
             <a:r>
-              <a:rPr lang="vi-VN" dirty="0">
+              <a:rPr lang="vi-VN" sz="1600" dirty="0">
                 <a:solidFill>
                   <a:schemeClr val="dk1"/>
                 </a:solidFill>
@@ -31652,7 +36450,7 @@
               <a:t>, các công nghệ mới như MQTT, </a:t>
             </a:r>
             <a:r>
-              <a:rPr lang="vi-VN" dirty="0" err="1">
+              <a:rPr lang="vi-VN" sz="1600" dirty="0" err="1">
                 <a:solidFill>
                   <a:schemeClr val="dk1"/>
                 </a:solidFill>
@@ -31661,7 +36459,7 @@
               <a:t>NodeJS</a:t>
             </a:r>
             <a:r>
-              <a:rPr lang="vi-VN" dirty="0">
+              <a:rPr lang="vi-VN" sz="1600" dirty="0">
                 <a:solidFill>
                   <a:schemeClr val="dk1"/>
                 </a:solidFill>
@@ -31670,7 +36468,7 @@
               <a:t>, </a:t>
             </a:r>
             <a:r>
-              <a:rPr lang="vi-VN" dirty="0" err="1">
+              <a:rPr lang="vi-VN" sz="1600" dirty="0" err="1">
                 <a:solidFill>
                   <a:schemeClr val="dk1"/>
                 </a:solidFill>
@@ -31678,7 +36476,7 @@
               </a:rPr>
               <a:t>MongoDB</a:t>
             </a:r>
-            <a:endParaRPr lang="vi-VN" dirty="0">
+            <a:endParaRPr lang="vi-VN" sz="1600" dirty="0">
               <a:solidFill>
                 <a:schemeClr val="dk1"/>
               </a:solidFill>
@@ -31793,65 +36591,32 @@
           <a:p>
             <a:pPr algn="ctr"/>
             <a:r>
-              <a:rPr lang="vi-VN" dirty="0">
+              <a:rPr lang="vi-VN" sz="1600" dirty="0">
                 <a:solidFill>
                   <a:schemeClr val="dk1"/>
                 </a:solidFill>
                 <a:latin typeface="Signika"/>
               </a:rPr>
-              <a:t>Nhóm chưa từng thử sức với việc làm web-</a:t>
+              <a:t>Đề tài có nhiều phần kiến thức có khả năng ứng dụng thực tiễn mà nhóm có thể trao </a:t>
             </a:r>
             <a:r>
-              <a:rPr lang="vi-VN" dirty="0" err="1">
+              <a:rPr lang="vi-VN" sz="1600" dirty="0" err="1">
                 <a:solidFill>
                   <a:schemeClr val="dk1"/>
                 </a:solidFill>
                 <a:latin typeface="Signika"/>
               </a:rPr>
-              <a:t>app</a:t>
+              <a:t>dồi</a:t>
             </a:r>
             <a:r>
-              <a:rPr lang="vi-VN" dirty="0">
+              <a:rPr lang="vi-VN" sz="1600" dirty="0">
                 <a:solidFill>
                   <a:schemeClr val="dk1"/>
                 </a:solidFill>
                 <a:latin typeface="Signika"/>
               </a:rPr>
-              <a:t>, các công nghệ mới như MQTT, </a:t>
+              <a:t>, học hỏi và sử dụng sau này</a:t>
             </a:r>
-            <a:r>
-              <a:rPr lang="vi-VN" dirty="0" err="1">
-                <a:solidFill>
-                  <a:schemeClr val="dk1"/>
-                </a:solidFill>
-                <a:latin typeface="Signika"/>
-              </a:rPr>
-              <a:t>NodeJS</a:t>
-            </a:r>
-            <a:r>
-              <a:rPr lang="vi-VN" dirty="0">
-                <a:solidFill>
-                  <a:schemeClr val="dk1"/>
-                </a:solidFill>
-                <a:latin typeface="Signika"/>
-              </a:rPr>
-              <a:t>, </a:t>
-            </a:r>
-            <a:r>
-              <a:rPr lang="vi-VN" dirty="0" err="1">
-                <a:solidFill>
-                  <a:schemeClr val="dk1"/>
-                </a:solidFill>
-                <a:latin typeface="Signika"/>
-              </a:rPr>
-              <a:t>MongoDB</a:t>
-            </a:r>
-            <a:endParaRPr lang="vi-VN" dirty="0">
-              <a:solidFill>
-                <a:schemeClr val="dk1"/>
-              </a:solidFill>
-              <a:latin typeface="Signika"/>
-            </a:endParaRPr>
           </a:p>
         </p:txBody>
       </p:sp>
@@ -34234,7 +38999,7 @@
         </p:blipFill>
         <p:spPr bwMode="auto">
           <a:xfrm>
-            <a:off x="1911125" y="2581688"/>
+            <a:off x="1911125" y="2539921"/>
             <a:ext cx="616962" cy="611684"/>
           </a:xfrm>
           <a:prstGeom prst="rect">
@@ -34279,7 +39044,7 @@
         </p:blipFill>
         <p:spPr bwMode="auto">
           <a:xfrm>
-            <a:off x="3389532" y="2617524"/>
+            <a:off x="3389532" y="2575757"/>
             <a:ext cx="529600" cy="540011"/>
           </a:xfrm>
           <a:prstGeom prst="rect">
@@ -34319,7 +39084,7 @@
         </p:blipFill>
         <p:spPr>
           <a:xfrm>
-            <a:off x="4813676" y="2571750"/>
+            <a:off x="4813676" y="2529983"/>
             <a:ext cx="652388" cy="615634"/>
           </a:xfrm>
           <a:prstGeom prst="rect">
@@ -34572,7 +39337,7 @@
         </p:blipFill>
         <p:spPr bwMode="auto">
           <a:xfrm>
-            <a:off x="6361943" y="2571750"/>
+            <a:off x="6361943" y="2529983"/>
             <a:ext cx="507943" cy="658000"/>
           </a:xfrm>
           <a:prstGeom prst="rect">
@@ -34952,7 +39717,30 @@
                 <a:cs typeface="Palanquin"/>
                 <a:sym typeface="Palanquin"/>
               </a:rPr>
-              <a:t>Giá thành thấp</a:t>
+              <a:t>Giá thành phát triển</a:t>
+            </a:r>
+            <a:br>
+              <a:rPr lang="vi-VN" sz="1600" dirty="0">
+                <a:solidFill>
+                  <a:schemeClr val="dk1"/>
+                </a:solidFill>
+                <a:latin typeface="Signika" panose="020B0604020202020204" charset="0"/>
+                <a:ea typeface="Palanquin"/>
+                <a:cs typeface="Palanquin"/>
+                <a:sym typeface="Palanquin"/>
+              </a:rPr>
+            </a:br>
+            <a:r>
+              <a:rPr lang="vi-VN" sz="1600" dirty="0">
+                <a:solidFill>
+                  <a:schemeClr val="dk1"/>
+                </a:solidFill>
+                <a:latin typeface="Signika" panose="020B0604020202020204" charset="0"/>
+                <a:ea typeface="Palanquin"/>
+                <a:cs typeface="Palanquin"/>
+                <a:sym typeface="Palanquin"/>
+              </a:rPr>
+              <a:t>khá thấp</a:t>
             </a:r>
           </a:p>
           <a:p>
@@ -35118,7 +39906,7 @@
                 <a:cs typeface="Palanquin"/>
                 <a:sym typeface="Palanquin"/>
               </a:rPr>
-              <a:t>Quy mô triển khai nhỏ</a:t>
+              <a:t>Phù hợp cho hệ thống quy mô nhỏ</a:t>
             </a:r>
           </a:p>
         </p:txBody>

--- a/document/presentation.pptx
+++ b/document/presentation.pptx
@@ -24724,7 +24724,7 @@
         <p:spPr>
           <a:xfrm>
             <a:off x="3284781" y="2260640"/>
-            <a:ext cx="5145869" cy="1077218"/>
+            <a:ext cx="5145869" cy="1323439"/>
           </a:xfrm>
           <a:prstGeom prst="rect">
             <a:avLst/>
@@ -24750,6 +24750,14 @@
               </a:rPr>
               <a:t>Là giao diện người dùng dạng trực quan hiển thị các dữ liệu trên cơ sở dữ liệu lưu trữ các số liệu điện năng của máy chủ MQTT có thể truy cập được thông qua địa chỉ web khi thực hiện khởi chạy.</a:t>
             </a:r>
+          </a:p>
+          <a:p>
+            <a:endParaRPr lang="vi-VN" sz="1600" dirty="0">
+              <a:solidFill>
+                <a:schemeClr val="tx1"/>
+              </a:solidFill>
+              <a:latin typeface="Signika" panose="020B0604020202020204" charset="0"/>
+            </a:endParaRPr>
           </a:p>
         </p:txBody>
       </p:sp>
@@ -26943,10 +26951,10 @@
               <a:buNone/>
             </a:pPr>
             <a:r>
-              <a:rPr lang="en" sz="9600"/>
+              <a:rPr lang="en" sz="9600" dirty="0"/>
               <a:t>04</a:t>
             </a:r>
-            <a:endParaRPr sz="9600"/>
+            <a:endParaRPr sz="9600" dirty="0"/>
           </a:p>
         </p:txBody>
       </p:sp>
@@ -29264,10 +29272,10 @@
               <a:buNone/>
             </a:pPr>
             <a:r>
-              <a:rPr lang="en" sz="2800"/>
+              <a:rPr lang="en" sz="2800" dirty="0"/>
               <a:t>Phương hướng phát triển</a:t>
             </a:r>
-            <a:endParaRPr sz="2800"/>
+            <a:endParaRPr sz="2800" dirty="0"/>
           </a:p>
         </p:txBody>
       </p:sp>
@@ -43121,7 +43129,7 @@
         </p:nvSpPr>
         <p:spPr>
           <a:xfrm>
-            <a:off x="1636585" y="1787250"/>
+            <a:off x="1530275" y="2000387"/>
             <a:ext cx="1684500" cy="436500"/>
           </a:xfrm>
           <a:prstGeom prst="rect">
@@ -43157,54 +43165,6 @@
             <a:r>
               <a:rPr lang="en" dirty="0"/>
               <a:t>chọn đề tài</a:t>
-            </a:r>
-            <a:endParaRPr dirty="0"/>
-          </a:p>
-        </p:txBody>
-      </p:sp>
-      <p:sp>
-        <p:nvSpPr>
-          <p:cNvPr id="231" name="Google Shape;231;p33">
-            <a:hlinkClick r:id="rId3" action="ppaction://hlinksldjump"/>
-          </p:cNvPr>
-          <p:cNvSpPr txBox="1">
-            <a:spLocks noGrp="1"/>
-          </p:cNvSpPr>
-          <p:nvPr>
-            <p:ph type="subTitle" idx="1"/>
-          </p:nvPr>
-        </p:nvSpPr>
-        <p:spPr>
-          <a:xfrm>
-            <a:off x="1636576" y="2062667"/>
-            <a:ext cx="1684500" cy="689400"/>
-          </a:xfrm>
-          <a:prstGeom prst="rect">
-            <a:avLst/>
-          </a:prstGeom>
-        </p:spPr>
-        <p:txBody>
-          <a:bodyPr spcFirstLastPara="1" wrap="square" lIns="91425" tIns="91425" rIns="91425" bIns="91425" anchor="t" anchorCtr="0">
-            <a:noAutofit/>
-          </a:bodyPr>
-          <a:lstStyle/>
-          <a:p>
-            <a:pPr marL="0" lvl="0" indent="0" algn="l" rtl="0">
-              <a:spcBef>
-                <a:spcPts val="0"/>
-              </a:spcBef>
-              <a:spcAft>
-                <a:spcPts val="0"/>
-              </a:spcAft>
-              <a:buNone/>
-            </a:pPr>
-            <a:r>
-              <a:rPr lang="en-US" dirty="0"/>
-              <a:t>N</a:t>
-            </a:r>
-            <a:r>
-              <a:rPr lang="en" dirty="0"/>
-              <a:t>êu bật lý do tại sao lại chọn đề tài này</a:t>
             </a:r>
             <a:endParaRPr dirty="0"/>
           </a:p>
@@ -43268,7 +43228,7 @@
         </p:nvSpPr>
         <p:spPr>
           <a:xfrm>
-            <a:off x="1636585" y="3629627"/>
+            <a:off x="1625572" y="3629627"/>
             <a:ext cx="1684500" cy="436500"/>
           </a:xfrm>
           <a:prstGeom prst="rect">
@@ -43295,66 +43255,6 @@
               <a:t>Demo</a:t>
             </a:r>
             <a:endParaRPr sz="1600" dirty="0"/>
-          </a:p>
-        </p:txBody>
-      </p:sp>
-      <p:sp>
-        <p:nvSpPr>
-          <p:cNvPr id="234" name="Google Shape;234;p33">
-            <a:hlinkClick r:id="rId6" action="ppaction://hlinksldjump"/>
-          </p:cNvPr>
-          <p:cNvSpPr txBox="1">
-            <a:spLocks noGrp="1"/>
-          </p:cNvSpPr>
-          <p:nvPr>
-            <p:ph type="subTitle" idx="6"/>
-          </p:nvPr>
-        </p:nvSpPr>
-        <p:spPr>
-          <a:xfrm>
-            <a:off x="1636576" y="3905175"/>
-            <a:ext cx="1684500" cy="689400"/>
-          </a:xfrm>
-          <a:prstGeom prst="rect">
-            <a:avLst/>
-          </a:prstGeom>
-        </p:spPr>
-        <p:txBody>
-          <a:bodyPr spcFirstLastPara="1" wrap="square" lIns="91425" tIns="91425" rIns="91425" bIns="91425" anchor="t" anchorCtr="0">
-            <a:noAutofit/>
-          </a:bodyPr>
-          <a:lstStyle/>
-          <a:p>
-            <a:pPr marL="0" lvl="0" indent="0" algn="l" rtl="0">
-              <a:spcBef>
-                <a:spcPts val="0"/>
-              </a:spcBef>
-              <a:spcAft>
-                <a:spcPts val="0"/>
-              </a:spcAft>
-              <a:buNone/>
-            </a:pPr>
-            <a:r>
-              <a:rPr lang="en" dirty="0"/>
-              <a:t>H</a:t>
-            </a:r>
-            <a:r>
-              <a:rPr lang="en-US" dirty="0" err="1"/>
-              <a:t>ướng</a:t>
-            </a:r>
-            <a:r>
-              <a:rPr lang="en-US" dirty="0"/>
-              <a:t> dẫn </a:t>
-            </a:r>
-            <a:r>
-              <a:rPr lang="en-US" dirty="0" err="1"/>
-              <a:t>theo</a:t>
-            </a:r>
-            <a:r>
-              <a:rPr lang="en-US" dirty="0"/>
-              <a:t> use case</a:t>
-            </a:r>
-            <a:endParaRPr dirty="0"/>
           </a:p>
         </p:txBody>
       </p:sp>
@@ -43416,7 +43316,7 @@
         </p:nvSpPr>
         <p:spPr>
           <a:xfrm>
-            <a:off x="4244527" y="1787250"/>
+            <a:off x="4244526" y="2000184"/>
             <a:ext cx="1684500" cy="436500"/>
           </a:xfrm>
           <a:prstGeom prst="rect">
@@ -43439,56 +43339,8 @@
               <a:buNone/>
             </a:pPr>
             <a:r>
-              <a:rPr lang="en" sz="1600" dirty="0"/>
-              <a:t>So sánh đề tài</a:t>
-            </a:r>
-            <a:endParaRPr sz="1600" dirty="0"/>
-          </a:p>
-        </p:txBody>
-      </p:sp>
-      <p:sp>
-        <p:nvSpPr>
-          <p:cNvPr id="237" name="Google Shape;237;p33">
-            <a:hlinkClick r:id="rId8" action="ppaction://hlinksldjump"/>
-          </p:cNvPr>
-          <p:cNvSpPr txBox="1">
-            <a:spLocks noGrp="1"/>
-          </p:cNvSpPr>
-          <p:nvPr>
-            <p:ph type="subTitle" idx="9"/>
-          </p:nvPr>
-        </p:nvSpPr>
-        <p:spPr>
-          <a:xfrm>
-            <a:off x="4244526" y="2062667"/>
-            <a:ext cx="1684500" cy="689400"/>
-          </a:xfrm>
-          <a:prstGeom prst="rect">
-            <a:avLst/>
-          </a:prstGeom>
-        </p:spPr>
-        <p:txBody>
-          <a:bodyPr spcFirstLastPara="1" wrap="square" lIns="91425" tIns="91425" rIns="91425" bIns="91425" anchor="t" anchorCtr="0">
-            <a:noAutofit/>
-          </a:bodyPr>
-          <a:lstStyle/>
-          <a:p>
-            <a:pPr marL="0" lvl="0" indent="0" algn="l" rtl="0">
-              <a:spcBef>
-                <a:spcPts val="0"/>
-              </a:spcBef>
-              <a:spcAft>
-                <a:spcPts val="0"/>
-              </a:spcAft>
-              <a:buNone/>
-            </a:pPr>
-            <a:r>
-              <a:rPr lang="en-US" dirty="0"/>
-              <a:t>N</a:t>
-            </a:r>
-            <a:r>
-              <a:rPr lang="en" dirty="0"/>
-              <a:t>êu bật được điểm mạnh và yếu của đề tài</a:t>
+              <a:rPr lang="vi-VN" dirty="0"/>
+              <a:t>Điểm mạnh yếu của đề tài</a:t>
             </a:r>
             <a:endParaRPr dirty="0"/>
           </a:p>
@@ -43552,7 +43404,7 @@
         </p:nvSpPr>
         <p:spPr>
           <a:xfrm>
-            <a:off x="4244527" y="3629627"/>
+            <a:off x="4272594" y="3885813"/>
             <a:ext cx="1684500" cy="436500"/>
           </a:xfrm>
           <a:prstGeom prst="rect">
@@ -43577,54 +43429,6 @@
             <a:r>
               <a:rPr lang="en" dirty="0"/>
               <a:t>Phương hướng phát triển</a:t>
-            </a:r>
-            <a:endParaRPr dirty="0"/>
-          </a:p>
-        </p:txBody>
-      </p:sp>
-      <p:sp>
-        <p:nvSpPr>
-          <p:cNvPr id="240" name="Google Shape;240;p33">
-            <a:hlinkClick r:id="rId5" action="ppaction://hlinksldjump"/>
-          </p:cNvPr>
-          <p:cNvSpPr txBox="1">
-            <a:spLocks noGrp="1"/>
-          </p:cNvSpPr>
-          <p:nvPr>
-            <p:ph type="subTitle" idx="15"/>
-          </p:nvPr>
-        </p:nvSpPr>
-        <p:spPr>
-          <a:xfrm>
-            <a:off x="4244526" y="3905175"/>
-            <a:ext cx="1684500" cy="689400"/>
-          </a:xfrm>
-          <a:prstGeom prst="rect">
-            <a:avLst/>
-          </a:prstGeom>
-        </p:spPr>
-        <p:txBody>
-          <a:bodyPr spcFirstLastPara="1" wrap="square" lIns="91425" tIns="91425" rIns="91425" bIns="91425" anchor="t" anchorCtr="0">
-            <a:noAutofit/>
-          </a:bodyPr>
-          <a:lstStyle/>
-          <a:p>
-            <a:pPr marL="0" lvl="0" indent="0" algn="l" rtl="0">
-              <a:spcBef>
-                <a:spcPts val="0"/>
-              </a:spcBef>
-              <a:spcAft>
-                <a:spcPts val="0"/>
-              </a:spcAft>
-              <a:buNone/>
-            </a:pPr>
-            <a:r>
-              <a:rPr lang="en-US" dirty="0"/>
-              <a:t>N</a:t>
-            </a:r>
-            <a:r>
-              <a:rPr lang="en" dirty="0"/>
-              <a:t>ghiên cứu cải thiện đề tài</a:t>
             </a:r>
             <a:endParaRPr dirty="0"/>
           </a:p>
@@ -43688,7 +43492,7 @@
         </p:nvSpPr>
         <p:spPr>
           <a:xfrm>
-            <a:off x="6852450" y="1787250"/>
+            <a:off x="6877513" y="2000184"/>
             <a:ext cx="1684500" cy="436500"/>
           </a:xfrm>
           <a:prstGeom prst="rect">
@@ -43711,52 +43515,12 @@
               <a:buNone/>
             </a:pPr>
             <a:r>
+              <a:rPr lang="vi-VN" dirty="0"/>
+              <a:t>Thuật ngữ và </a:t>
+            </a:r>
+            <a:r>
               <a:rPr lang="en-US" dirty="0"/>
-              <a:t>Các khái niệm</a:t>
-            </a:r>
-            <a:endParaRPr dirty="0"/>
-          </a:p>
-        </p:txBody>
-      </p:sp>
-      <p:sp>
-        <p:nvSpPr>
-          <p:cNvPr id="243" name="Google Shape;243;p33">
-            <a:hlinkClick r:id="rId7" action="ppaction://hlinksldjump"/>
-          </p:cNvPr>
-          <p:cNvSpPr txBox="1">
-            <a:spLocks noGrp="1"/>
-          </p:cNvSpPr>
-          <p:nvPr>
-            <p:ph type="subTitle" idx="18"/>
-          </p:nvPr>
-        </p:nvSpPr>
-        <p:spPr>
-          <a:xfrm>
-            <a:off x="6852456" y="2062667"/>
-            <a:ext cx="1684500" cy="689400"/>
-          </a:xfrm>
-          <a:prstGeom prst="rect">
-            <a:avLst/>
-          </a:prstGeom>
-        </p:spPr>
-        <p:txBody>
-          <a:bodyPr spcFirstLastPara="1" wrap="square" lIns="91425" tIns="91425" rIns="91425" bIns="91425" anchor="t" anchorCtr="0">
-            <a:noAutofit/>
-          </a:bodyPr>
-          <a:lstStyle/>
-          <a:p>
-            <a:pPr marL="0" lvl="0" indent="0" algn="l" rtl="0">
-              <a:spcBef>
-                <a:spcPts val="0"/>
-              </a:spcBef>
-              <a:spcAft>
-                <a:spcPts val="0"/>
-              </a:spcAft>
-              <a:buNone/>
-            </a:pPr>
-            <a:r>
-              <a:rPr lang="en" dirty="0"/>
-              <a:t>Thuật ngữ - Khái niệm</a:t>
+              <a:t>khái niệm</a:t>
             </a:r>
             <a:endParaRPr dirty="0"/>
           </a:p>
@@ -43820,7 +43584,7 @@
         </p:nvSpPr>
         <p:spPr>
           <a:xfrm>
-            <a:off x="6852450" y="3629627"/>
+            <a:off x="6852525" y="3629627"/>
             <a:ext cx="1684500" cy="436500"/>
           </a:xfrm>
           <a:prstGeom prst="rect">
@@ -43845,50 +43609,6 @@
             <a:r>
               <a:rPr lang="en" dirty="0"/>
               <a:t>Kết luận</a:t>
-            </a:r>
-            <a:endParaRPr dirty="0"/>
-          </a:p>
-        </p:txBody>
-      </p:sp>
-      <p:sp>
-        <p:nvSpPr>
-          <p:cNvPr id="246" name="Google Shape;246;p33">
-            <a:hlinkClick r:id="rId4" action="ppaction://hlinksldjump"/>
-          </p:cNvPr>
-          <p:cNvSpPr txBox="1">
-            <a:spLocks noGrp="1"/>
-          </p:cNvSpPr>
-          <p:nvPr>
-            <p:ph type="subTitle" idx="21"/>
-          </p:nvPr>
-        </p:nvSpPr>
-        <p:spPr>
-          <a:xfrm>
-            <a:off x="6852456" y="3905175"/>
-            <a:ext cx="1684500" cy="689400"/>
-          </a:xfrm>
-          <a:prstGeom prst="rect">
-            <a:avLst/>
-          </a:prstGeom>
-        </p:spPr>
-        <p:txBody>
-          <a:bodyPr spcFirstLastPara="1" wrap="square" lIns="91425" tIns="91425" rIns="91425" bIns="91425" anchor="t" anchorCtr="0">
-            <a:noAutofit/>
-          </a:bodyPr>
-          <a:lstStyle/>
-          <a:p>
-            <a:pPr marL="0" lvl="0" indent="0" algn="l" rtl="0">
-              <a:spcBef>
-                <a:spcPts val="0"/>
-              </a:spcBef>
-              <a:spcAft>
-                <a:spcPts val="0"/>
-              </a:spcAft>
-              <a:buNone/>
-            </a:pPr>
-            <a:r>
-              <a:rPr lang="en" dirty="0"/>
-              <a:t>Tóm tắt thế mạnh,  điểm yếu, kết luận</a:t>
             </a:r>
             <a:endParaRPr dirty="0"/>
           </a:p>

--- a/document/presentation.pptx
+++ b/document/presentation.pptx
@@ -5,7 +5,7 @@
     <p:sldMasterId id="2147483675" r:id="rId1"/>
   </p:sldMasterIdLst>
   <p:notesMasterIdLst>
-    <p:notesMasterId r:id="rId32"/>
+    <p:notesMasterId r:id="rId36"/>
   </p:notesMasterIdLst>
   <p:sldIdLst>
     <p:sldId id="256" r:id="rId2"/>
@@ -37,27 +37,31 @@
     <p:sldId id="287" r:id="rId28"/>
     <p:sldId id="288" r:id="rId29"/>
     <p:sldId id="280" r:id="rId30"/>
-    <p:sldId id="281" r:id="rId31"/>
+    <p:sldId id="299" r:id="rId31"/>
+    <p:sldId id="300" r:id="rId32"/>
+    <p:sldId id="301" r:id="rId33"/>
+    <p:sldId id="302" r:id="rId34"/>
+    <p:sldId id="281" r:id="rId35"/>
   </p:sldIdLst>
   <p:sldSz cx="9144000" cy="5143500" type="screen16x9"/>
   <p:notesSz cx="6858000" cy="9144000"/>
   <p:embeddedFontLst>
     <p:embeddedFont>
       <p:font typeface="Kanit" panose="020B0604020202020204" charset="-34"/>
-      <p:regular r:id="rId33"/>
-      <p:bold r:id="rId34"/>
-      <p:italic r:id="rId35"/>
-      <p:boldItalic r:id="rId36"/>
+      <p:regular r:id="rId37"/>
+      <p:bold r:id="rId38"/>
+      <p:italic r:id="rId39"/>
+      <p:boldItalic r:id="rId40"/>
     </p:embeddedFont>
     <p:embeddedFont>
       <p:font typeface="Palanquin" panose="020B0004020203020204" pitchFamily="34" charset="0"/>
-      <p:regular r:id="rId37"/>
-      <p:bold r:id="rId38"/>
+      <p:regular r:id="rId41"/>
+      <p:bold r:id="rId42"/>
     </p:embeddedFont>
     <p:embeddedFont>
       <p:font typeface="Signika" panose="020B0604020202020204" charset="0"/>
-      <p:regular r:id="rId39"/>
-      <p:bold r:id="rId40"/>
+      <p:regular r:id="rId43"/>
+      <p:bold r:id="rId44"/>
     </p:embeddedFont>
   </p:embeddedFontLst>
   <p:defaultTextStyle>
@@ -3198,6 +3202,442 @@
         </p:txBody>
       </p:sp>
     </p:spTree>
+  </p:cSld>
+  <p:clrMapOvr>
+    <a:masterClrMapping/>
+  </p:clrMapOvr>
+</p:notes>
+</file>
+
+<file path=ppt/notesSlides/notesSlide30.xml><?xml version="1.0" encoding="utf-8"?>
+<p:notes xmlns:a="http://schemas.openxmlformats.org/drawingml/2006/main" xmlns:r="http://schemas.openxmlformats.org/officeDocument/2006/relationships" xmlns:p="http://schemas.openxmlformats.org/presentationml/2006/main" showMasterSp="0" showMasterPhAnim="0">
+  <p:cSld>
+    <p:spTree>
+      <p:nvGrpSpPr>
+        <p:cNvPr id="1" name="Shape 695"/>
+        <p:cNvGrpSpPr/>
+        <p:nvPr/>
+      </p:nvGrpSpPr>
+      <p:grpSpPr>
+        <a:xfrm>
+          <a:off x="0" y="0"/>
+          <a:ext cx="0" cy="0"/>
+          <a:chOff x="0" y="0"/>
+          <a:chExt cx="0" cy="0"/>
+        </a:xfrm>
+      </p:grpSpPr>
+      <p:sp>
+        <p:nvSpPr>
+          <p:cNvPr id="696" name="Google Shape;696;g9700d4d0ec_0_39:notes"/>
+          <p:cNvSpPr>
+            <a:spLocks noGrp="1" noRot="1" noChangeAspect="1"/>
+          </p:cNvSpPr>
+          <p:nvPr>
+            <p:ph type="sldImg" idx="2"/>
+          </p:nvPr>
+        </p:nvSpPr>
+        <p:spPr>
+          <a:xfrm>
+            <a:off x="381000" y="685800"/>
+            <a:ext cx="6096000" cy="3429000"/>
+          </a:xfrm>
+          <a:custGeom>
+            <a:avLst/>
+            <a:gdLst/>
+            <a:ahLst/>
+            <a:cxnLst/>
+            <a:rect l="l" t="t" r="r" b="b"/>
+            <a:pathLst>
+              <a:path w="120000" h="120000" extrusionOk="0">
+                <a:moveTo>
+                  <a:pt x="0" y="0"/>
+                </a:moveTo>
+                <a:lnTo>
+                  <a:pt x="120000" y="0"/>
+                </a:lnTo>
+                <a:lnTo>
+                  <a:pt x="120000" y="120000"/>
+                </a:lnTo>
+                <a:lnTo>
+                  <a:pt x="0" y="120000"/>
+                </a:lnTo>
+                <a:close/>
+              </a:path>
+            </a:pathLst>
+          </a:custGeom>
+        </p:spPr>
+      </p:sp>
+      <p:sp>
+        <p:nvSpPr>
+          <p:cNvPr id="697" name="Google Shape;697;g9700d4d0ec_0_39:notes"/>
+          <p:cNvSpPr txBox="1">
+            <a:spLocks noGrp="1"/>
+          </p:cNvSpPr>
+          <p:nvPr>
+            <p:ph type="body" idx="1"/>
+          </p:nvPr>
+        </p:nvSpPr>
+        <p:spPr>
+          <a:xfrm>
+            <a:off x="685800" y="4343400"/>
+            <a:ext cx="5486400" cy="4114800"/>
+          </a:xfrm>
+          <a:prstGeom prst="rect">
+            <a:avLst/>
+          </a:prstGeom>
+        </p:spPr>
+        <p:txBody>
+          <a:bodyPr spcFirstLastPara="1" wrap="square" lIns="91425" tIns="91425" rIns="91425" bIns="91425" anchor="t" anchorCtr="0">
+            <a:noAutofit/>
+          </a:bodyPr>
+          <a:lstStyle/>
+          <a:p>
+            <a:pPr marL="0" lvl="0" indent="0" algn="l" rtl="0">
+              <a:spcBef>
+                <a:spcPts val="0"/>
+              </a:spcBef>
+              <a:spcAft>
+                <a:spcPts val="0"/>
+              </a:spcAft>
+              <a:buNone/>
+            </a:pPr>
+            <a:endParaRPr/>
+          </a:p>
+        </p:txBody>
+      </p:sp>
+    </p:spTree>
+    <p:extLst>
+      <p:ext uri="{BB962C8B-B14F-4D97-AF65-F5344CB8AC3E}">
+        <p14:creationId xmlns:p14="http://schemas.microsoft.com/office/powerpoint/2010/main" val="22021433"/>
+      </p:ext>
+    </p:extLst>
+  </p:cSld>
+  <p:clrMapOvr>
+    <a:masterClrMapping/>
+  </p:clrMapOvr>
+</p:notes>
+</file>
+
+<file path=ppt/notesSlides/notesSlide31.xml><?xml version="1.0" encoding="utf-8"?>
+<p:notes xmlns:a="http://schemas.openxmlformats.org/drawingml/2006/main" xmlns:r="http://schemas.openxmlformats.org/officeDocument/2006/relationships" xmlns:p="http://schemas.openxmlformats.org/presentationml/2006/main" showMasterSp="0" showMasterPhAnim="0">
+  <p:cSld>
+    <p:spTree>
+      <p:nvGrpSpPr>
+        <p:cNvPr id="1" name="Shape 695"/>
+        <p:cNvGrpSpPr/>
+        <p:nvPr/>
+      </p:nvGrpSpPr>
+      <p:grpSpPr>
+        <a:xfrm>
+          <a:off x="0" y="0"/>
+          <a:ext cx="0" cy="0"/>
+          <a:chOff x="0" y="0"/>
+          <a:chExt cx="0" cy="0"/>
+        </a:xfrm>
+      </p:grpSpPr>
+      <p:sp>
+        <p:nvSpPr>
+          <p:cNvPr id="696" name="Google Shape;696;g9700d4d0ec_0_39:notes"/>
+          <p:cNvSpPr>
+            <a:spLocks noGrp="1" noRot="1" noChangeAspect="1"/>
+          </p:cNvSpPr>
+          <p:nvPr>
+            <p:ph type="sldImg" idx="2"/>
+          </p:nvPr>
+        </p:nvSpPr>
+        <p:spPr>
+          <a:xfrm>
+            <a:off x="381000" y="685800"/>
+            <a:ext cx="6096000" cy="3429000"/>
+          </a:xfrm>
+          <a:custGeom>
+            <a:avLst/>
+            <a:gdLst/>
+            <a:ahLst/>
+            <a:cxnLst/>
+            <a:rect l="l" t="t" r="r" b="b"/>
+            <a:pathLst>
+              <a:path w="120000" h="120000" extrusionOk="0">
+                <a:moveTo>
+                  <a:pt x="0" y="0"/>
+                </a:moveTo>
+                <a:lnTo>
+                  <a:pt x="120000" y="0"/>
+                </a:lnTo>
+                <a:lnTo>
+                  <a:pt x="120000" y="120000"/>
+                </a:lnTo>
+                <a:lnTo>
+                  <a:pt x="0" y="120000"/>
+                </a:lnTo>
+                <a:close/>
+              </a:path>
+            </a:pathLst>
+          </a:custGeom>
+        </p:spPr>
+      </p:sp>
+      <p:sp>
+        <p:nvSpPr>
+          <p:cNvPr id="697" name="Google Shape;697;g9700d4d0ec_0_39:notes"/>
+          <p:cNvSpPr txBox="1">
+            <a:spLocks noGrp="1"/>
+          </p:cNvSpPr>
+          <p:nvPr>
+            <p:ph type="body" idx="1"/>
+          </p:nvPr>
+        </p:nvSpPr>
+        <p:spPr>
+          <a:xfrm>
+            <a:off x="685800" y="4343400"/>
+            <a:ext cx="5486400" cy="4114800"/>
+          </a:xfrm>
+          <a:prstGeom prst="rect">
+            <a:avLst/>
+          </a:prstGeom>
+        </p:spPr>
+        <p:txBody>
+          <a:bodyPr spcFirstLastPara="1" wrap="square" lIns="91425" tIns="91425" rIns="91425" bIns="91425" anchor="t" anchorCtr="0">
+            <a:noAutofit/>
+          </a:bodyPr>
+          <a:lstStyle/>
+          <a:p>
+            <a:pPr marL="0" lvl="0" indent="0" algn="l" rtl="0">
+              <a:spcBef>
+                <a:spcPts val="0"/>
+              </a:spcBef>
+              <a:spcAft>
+                <a:spcPts val="0"/>
+              </a:spcAft>
+              <a:buNone/>
+            </a:pPr>
+            <a:endParaRPr/>
+          </a:p>
+        </p:txBody>
+      </p:sp>
+    </p:spTree>
+    <p:extLst>
+      <p:ext uri="{BB962C8B-B14F-4D97-AF65-F5344CB8AC3E}">
+        <p14:creationId xmlns:p14="http://schemas.microsoft.com/office/powerpoint/2010/main" val="314270787"/>
+      </p:ext>
+    </p:extLst>
+  </p:cSld>
+  <p:clrMapOvr>
+    <a:masterClrMapping/>
+  </p:clrMapOvr>
+</p:notes>
+</file>
+
+<file path=ppt/notesSlides/notesSlide32.xml><?xml version="1.0" encoding="utf-8"?>
+<p:notes xmlns:a="http://schemas.openxmlformats.org/drawingml/2006/main" xmlns:r="http://schemas.openxmlformats.org/officeDocument/2006/relationships" xmlns:p="http://schemas.openxmlformats.org/presentationml/2006/main" showMasterSp="0" showMasterPhAnim="0">
+  <p:cSld>
+    <p:spTree>
+      <p:nvGrpSpPr>
+        <p:cNvPr id="1" name="Shape 695"/>
+        <p:cNvGrpSpPr/>
+        <p:nvPr/>
+      </p:nvGrpSpPr>
+      <p:grpSpPr>
+        <a:xfrm>
+          <a:off x="0" y="0"/>
+          <a:ext cx="0" cy="0"/>
+          <a:chOff x="0" y="0"/>
+          <a:chExt cx="0" cy="0"/>
+        </a:xfrm>
+      </p:grpSpPr>
+      <p:sp>
+        <p:nvSpPr>
+          <p:cNvPr id="696" name="Google Shape;696;g9700d4d0ec_0_39:notes"/>
+          <p:cNvSpPr>
+            <a:spLocks noGrp="1" noRot="1" noChangeAspect="1"/>
+          </p:cNvSpPr>
+          <p:nvPr>
+            <p:ph type="sldImg" idx="2"/>
+          </p:nvPr>
+        </p:nvSpPr>
+        <p:spPr>
+          <a:xfrm>
+            <a:off x="381000" y="685800"/>
+            <a:ext cx="6096000" cy="3429000"/>
+          </a:xfrm>
+          <a:custGeom>
+            <a:avLst/>
+            <a:gdLst/>
+            <a:ahLst/>
+            <a:cxnLst/>
+            <a:rect l="l" t="t" r="r" b="b"/>
+            <a:pathLst>
+              <a:path w="120000" h="120000" extrusionOk="0">
+                <a:moveTo>
+                  <a:pt x="0" y="0"/>
+                </a:moveTo>
+                <a:lnTo>
+                  <a:pt x="120000" y="0"/>
+                </a:lnTo>
+                <a:lnTo>
+                  <a:pt x="120000" y="120000"/>
+                </a:lnTo>
+                <a:lnTo>
+                  <a:pt x="0" y="120000"/>
+                </a:lnTo>
+                <a:close/>
+              </a:path>
+            </a:pathLst>
+          </a:custGeom>
+        </p:spPr>
+      </p:sp>
+      <p:sp>
+        <p:nvSpPr>
+          <p:cNvPr id="697" name="Google Shape;697;g9700d4d0ec_0_39:notes"/>
+          <p:cNvSpPr txBox="1">
+            <a:spLocks noGrp="1"/>
+          </p:cNvSpPr>
+          <p:nvPr>
+            <p:ph type="body" idx="1"/>
+          </p:nvPr>
+        </p:nvSpPr>
+        <p:spPr>
+          <a:xfrm>
+            <a:off x="685800" y="4343400"/>
+            <a:ext cx="5486400" cy="4114800"/>
+          </a:xfrm>
+          <a:prstGeom prst="rect">
+            <a:avLst/>
+          </a:prstGeom>
+        </p:spPr>
+        <p:txBody>
+          <a:bodyPr spcFirstLastPara="1" wrap="square" lIns="91425" tIns="91425" rIns="91425" bIns="91425" anchor="t" anchorCtr="0">
+            <a:noAutofit/>
+          </a:bodyPr>
+          <a:lstStyle/>
+          <a:p>
+            <a:pPr marL="0" lvl="0" indent="0" algn="l" rtl="0">
+              <a:spcBef>
+                <a:spcPts val="0"/>
+              </a:spcBef>
+              <a:spcAft>
+                <a:spcPts val="0"/>
+              </a:spcAft>
+              <a:buNone/>
+            </a:pPr>
+            <a:endParaRPr/>
+          </a:p>
+        </p:txBody>
+      </p:sp>
+    </p:spTree>
+    <p:extLst>
+      <p:ext uri="{BB962C8B-B14F-4D97-AF65-F5344CB8AC3E}">
+        <p14:creationId xmlns:p14="http://schemas.microsoft.com/office/powerpoint/2010/main" val="40426631"/>
+      </p:ext>
+    </p:extLst>
+  </p:cSld>
+  <p:clrMapOvr>
+    <a:masterClrMapping/>
+  </p:clrMapOvr>
+</p:notes>
+</file>
+
+<file path=ppt/notesSlides/notesSlide33.xml><?xml version="1.0" encoding="utf-8"?>
+<p:notes xmlns:a="http://schemas.openxmlformats.org/drawingml/2006/main" xmlns:r="http://schemas.openxmlformats.org/officeDocument/2006/relationships" xmlns:p="http://schemas.openxmlformats.org/presentationml/2006/main" showMasterSp="0" showMasterPhAnim="0">
+  <p:cSld>
+    <p:spTree>
+      <p:nvGrpSpPr>
+        <p:cNvPr id="1" name="Shape 695"/>
+        <p:cNvGrpSpPr/>
+        <p:nvPr/>
+      </p:nvGrpSpPr>
+      <p:grpSpPr>
+        <a:xfrm>
+          <a:off x="0" y="0"/>
+          <a:ext cx="0" cy="0"/>
+          <a:chOff x="0" y="0"/>
+          <a:chExt cx="0" cy="0"/>
+        </a:xfrm>
+      </p:grpSpPr>
+      <p:sp>
+        <p:nvSpPr>
+          <p:cNvPr id="696" name="Google Shape;696;g9700d4d0ec_0_39:notes"/>
+          <p:cNvSpPr>
+            <a:spLocks noGrp="1" noRot="1" noChangeAspect="1"/>
+          </p:cNvSpPr>
+          <p:nvPr>
+            <p:ph type="sldImg" idx="2"/>
+          </p:nvPr>
+        </p:nvSpPr>
+        <p:spPr>
+          <a:xfrm>
+            <a:off x="381000" y="685800"/>
+            <a:ext cx="6096000" cy="3429000"/>
+          </a:xfrm>
+          <a:custGeom>
+            <a:avLst/>
+            <a:gdLst/>
+            <a:ahLst/>
+            <a:cxnLst/>
+            <a:rect l="l" t="t" r="r" b="b"/>
+            <a:pathLst>
+              <a:path w="120000" h="120000" extrusionOk="0">
+                <a:moveTo>
+                  <a:pt x="0" y="0"/>
+                </a:moveTo>
+                <a:lnTo>
+                  <a:pt x="120000" y="0"/>
+                </a:lnTo>
+                <a:lnTo>
+                  <a:pt x="120000" y="120000"/>
+                </a:lnTo>
+                <a:lnTo>
+                  <a:pt x="0" y="120000"/>
+                </a:lnTo>
+                <a:close/>
+              </a:path>
+            </a:pathLst>
+          </a:custGeom>
+        </p:spPr>
+      </p:sp>
+      <p:sp>
+        <p:nvSpPr>
+          <p:cNvPr id="697" name="Google Shape;697;g9700d4d0ec_0_39:notes"/>
+          <p:cNvSpPr txBox="1">
+            <a:spLocks noGrp="1"/>
+          </p:cNvSpPr>
+          <p:nvPr>
+            <p:ph type="body" idx="1"/>
+          </p:nvPr>
+        </p:nvSpPr>
+        <p:spPr>
+          <a:xfrm>
+            <a:off x="685800" y="4343400"/>
+            <a:ext cx="5486400" cy="4114800"/>
+          </a:xfrm>
+          <a:prstGeom prst="rect">
+            <a:avLst/>
+          </a:prstGeom>
+        </p:spPr>
+        <p:txBody>
+          <a:bodyPr spcFirstLastPara="1" wrap="square" lIns="91425" tIns="91425" rIns="91425" bIns="91425" anchor="t" anchorCtr="0">
+            <a:noAutofit/>
+          </a:bodyPr>
+          <a:lstStyle/>
+          <a:p>
+            <a:pPr marL="0" lvl="0" indent="0" algn="l" rtl="0">
+              <a:spcBef>
+                <a:spcPts val="0"/>
+              </a:spcBef>
+              <a:spcAft>
+                <a:spcPts val="0"/>
+              </a:spcAft>
+              <a:buNone/>
+            </a:pPr>
+            <a:endParaRPr/>
+          </a:p>
+        </p:txBody>
+      </p:sp>
+    </p:spTree>
+    <p:extLst>
+      <p:ext uri="{BB962C8B-B14F-4D97-AF65-F5344CB8AC3E}">
+        <p14:creationId xmlns:p14="http://schemas.microsoft.com/office/powerpoint/2010/main" val="893267266"/>
+      </p:ext>
+    </p:extLst>
   </p:cSld>
   <p:clrMapOvr>
     <a:masterClrMapping/>
@@ -16303,6 +16743,111 @@
           </p:txBody>
         </p:sp>
       </p:grpSp>
+      <p:sp>
+        <p:nvSpPr>
+          <p:cNvPr id="2" name="TextBox 1">
+            <a:extLst>
+              <a:ext uri="{FF2B5EF4-FFF2-40B4-BE49-F238E27FC236}">
+                <a16:creationId xmlns:a16="http://schemas.microsoft.com/office/drawing/2014/main" id="{C7DB1C24-8DEB-9359-209F-68AE4DFA72A8}"/>
+              </a:ext>
+            </a:extLst>
+          </p:cNvPr>
+          <p:cNvSpPr txBox="1"/>
+          <p:nvPr/>
+        </p:nvSpPr>
+        <p:spPr>
+          <a:xfrm>
+            <a:off x="4314000" y="245324"/>
+            <a:ext cx="3743332" cy="1169551"/>
+          </a:xfrm>
+          <a:prstGeom prst="rect">
+            <a:avLst/>
+          </a:prstGeom>
+          <a:noFill/>
+        </p:spPr>
+        <p:txBody>
+          <a:bodyPr wrap="none" rtlCol="0">
+            <a:spAutoFit/>
+          </a:bodyPr>
+          <a:lstStyle/>
+          <a:p>
+            <a:r>
+              <a:rPr lang="vi-VN" b="1" dirty="0">
+                <a:solidFill>
+                  <a:schemeClr val="dk1"/>
+                </a:solidFill>
+                <a:latin typeface="Signika"/>
+                <a:sym typeface="Signika"/>
+              </a:rPr>
+              <a:t>Danh sách thành viên:</a:t>
+            </a:r>
+          </a:p>
+          <a:p>
+            <a:pPr marL="285750" indent="-285750">
+              <a:buFont typeface="Arial" panose="020B0604020202020204" pitchFamily="34" charset="0"/>
+              <a:buChar char="•"/>
+            </a:pPr>
+            <a:r>
+              <a:rPr lang="vi-VN" dirty="0">
+                <a:solidFill>
+                  <a:schemeClr val="dk1"/>
+                </a:solidFill>
+                <a:latin typeface="Signika"/>
+                <a:sym typeface="Signika"/>
+              </a:rPr>
+              <a:t>Nguyễn Anh Kiệt.          MSSV: 1851062658</a:t>
+            </a:r>
+          </a:p>
+          <a:p>
+            <a:pPr marL="285750" indent="-285750">
+              <a:buFont typeface="Arial" panose="020B0604020202020204" pitchFamily="34" charset="0"/>
+              <a:buChar char="•"/>
+            </a:pPr>
+            <a:r>
+              <a:rPr lang="vi-VN" dirty="0">
+                <a:solidFill>
+                  <a:schemeClr val="dk1"/>
+                </a:solidFill>
+                <a:latin typeface="Signika"/>
+                <a:sym typeface="Signika"/>
+              </a:rPr>
+              <a:t>Nguyễn Thị Giao Linh. MSSV: 1851062928</a:t>
+            </a:r>
+          </a:p>
+          <a:p>
+            <a:pPr marL="285750" indent="-285750">
+              <a:buFont typeface="Arial" panose="020B0604020202020204" pitchFamily="34" charset="0"/>
+              <a:buChar char="•"/>
+            </a:pPr>
+            <a:r>
+              <a:rPr lang="vi-VN" dirty="0">
+                <a:solidFill>
+                  <a:schemeClr val="dk1"/>
+                </a:solidFill>
+                <a:latin typeface="Signika"/>
+                <a:sym typeface="Signika"/>
+              </a:rPr>
+              <a:t>Trần Thị Bích Ngọc.      MSSV: 1851062787</a:t>
+            </a:r>
+          </a:p>
+          <a:p>
+            <a:pPr marL="285750" indent="-285750">
+              <a:buFont typeface="Arial" panose="020B0604020202020204" pitchFamily="34" charset="0"/>
+              <a:buChar char="•"/>
+            </a:pPr>
+            <a:r>
+              <a:rPr lang="vi-VN" dirty="0">
+                <a:solidFill>
+                  <a:schemeClr val="dk1"/>
+                </a:solidFill>
+                <a:latin typeface="Signika"/>
+                <a:sym typeface="Signika"/>
+              </a:rPr>
+              <a:t>Nguyễn Yến Linh.          MSSV: 1851062815</a:t>
+            </a:r>
+          </a:p>
+        </p:txBody>
+      </p:sp>
     </p:spTree>
   </p:cSld>
   <p:clrMapOvr>
@@ -42689,6 +43234,3424 @@
   <p:cSld>
     <p:spTree>
       <p:nvGrpSpPr>
+        <p:cNvPr id="1" name="Shape 698"/>
+        <p:cNvGrpSpPr/>
+        <p:nvPr/>
+      </p:nvGrpSpPr>
+      <p:grpSpPr>
+        <a:xfrm>
+          <a:off x="0" y="0"/>
+          <a:ext cx="0" cy="0"/>
+          <a:chOff x="0" y="0"/>
+          <a:chExt cx="0" cy="0"/>
+        </a:xfrm>
+      </p:grpSpPr>
+      <p:sp>
+        <p:nvSpPr>
+          <p:cNvPr id="699" name="Google Shape;699;p52"/>
+          <p:cNvSpPr txBox="1">
+            <a:spLocks noGrp="1"/>
+          </p:cNvSpPr>
+          <p:nvPr>
+            <p:ph type="title"/>
+          </p:nvPr>
+        </p:nvSpPr>
+        <p:spPr>
+          <a:xfrm>
+            <a:off x="713225" y="539500"/>
+            <a:ext cx="7717500" cy="572700"/>
+          </a:xfrm>
+          <a:prstGeom prst="rect">
+            <a:avLst/>
+          </a:prstGeom>
+        </p:spPr>
+        <p:txBody>
+          <a:bodyPr spcFirstLastPara="1" wrap="square" lIns="91425" tIns="91425" rIns="91425" bIns="91425" anchor="t" anchorCtr="0">
+            <a:noAutofit/>
+          </a:bodyPr>
+          <a:lstStyle/>
+          <a:p>
+            <a:pPr marL="0" lvl="0" indent="0" algn="l" rtl="0">
+              <a:spcBef>
+                <a:spcPts val="0"/>
+              </a:spcBef>
+              <a:spcAft>
+                <a:spcPts val="0"/>
+              </a:spcAft>
+              <a:buNone/>
+            </a:pPr>
+            <a:r>
+              <a:rPr lang="vi-VN" dirty="0"/>
+              <a:t>Kết luận</a:t>
+            </a:r>
+            <a:endParaRPr dirty="0"/>
+          </a:p>
+        </p:txBody>
+      </p:sp>
+      <p:sp>
+        <p:nvSpPr>
+          <p:cNvPr id="700" name="Google Shape;700;p52"/>
+          <p:cNvSpPr txBox="1"/>
+          <p:nvPr/>
+        </p:nvSpPr>
+        <p:spPr>
+          <a:xfrm>
+            <a:off x="713225" y="1112200"/>
+            <a:ext cx="7717500" cy="489600"/>
+          </a:xfrm>
+          <a:prstGeom prst="rect">
+            <a:avLst/>
+          </a:prstGeom>
+          <a:noFill/>
+          <a:ln>
+            <a:noFill/>
+          </a:ln>
+        </p:spPr>
+        <p:txBody>
+          <a:bodyPr spcFirstLastPara="1" wrap="square" lIns="114300" tIns="91425" rIns="91425" bIns="91425" anchor="ctr" anchorCtr="0">
+            <a:noAutofit/>
+          </a:bodyPr>
+          <a:lstStyle/>
+          <a:p>
+            <a:pPr marL="0" lvl="0" indent="0" algn="l" rtl="0">
+              <a:spcBef>
+                <a:spcPts val="0"/>
+              </a:spcBef>
+              <a:spcAft>
+                <a:spcPts val="0"/>
+              </a:spcAft>
+              <a:buNone/>
+            </a:pPr>
+            <a:r>
+              <a:rPr lang="vi-VN" sz="1600" dirty="0">
+                <a:solidFill>
+                  <a:schemeClr val="dk1"/>
+                </a:solidFill>
+                <a:latin typeface="Signika" panose="020B0604020202020204" charset="0"/>
+                <a:ea typeface="Palanquin"/>
+                <a:cs typeface="Palanquin"/>
+                <a:sym typeface="Palanquin"/>
+              </a:rPr>
+              <a:t>Tổng kết đề tài và kinh nghiệm đúc kết</a:t>
+            </a:r>
+            <a:endParaRPr sz="1600" dirty="0">
+              <a:solidFill>
+                <a:schemeClr val="dk1"/>
+              </a:solidFill>
+              <a:latin typeface="Signika" panose="020B0604020202020204" charset="0"/>
+              <a:ea typeface="Palanquin"/>
+              <a:cs typeface="Palanquin"/>
+              <a:sym typeface="Palanquin"/>
+            </a:endParaRPr>
+          </a:p>
+        </p:txBody>
+      </p:sp>
+      <p:sp>
+        <p:nvSpPr>
+          <p:cNvPr id="701" name="Google Shape;701;p52">
+            <a:hlinkClick r:id="" action="ppaction://hlinkshowjump?jump=previousslide"/>
+          </p:cNvPr>
+          <p:cNvSpPr txBox="1"/>
+          <p:nvPr/>
+        </p:nvSpPr>
+        <p:spPr>
+          <a:xfrm>
+            <a:off x="713225" y="4164550"/>
+            <a:ext cx="1197900" cy="433500"/>
+          </a:xfrm>
+          <a:prstGeom prst="rect">
+            <a:avLst/>
+          </a:prstGeom>
+          <a:solidFill>
+            <a:schemeClr val="dk1"/>
+          </a:solidFill>
+          <a:ln>
+            <a:noFill/>
+          </a:ln>
+        </p:spPr>
+        <p:txBody>
+          <a:bodyPr spcFirstLastPara="1" wrap="square" lIns="91425" tIns="91425" rIns="91425" bIns="91425" anchor="ctr" anchorCtr="0">
+            <a:noAutofit/>
+          </a:bodyPr>
+          <a:lstStyle/>
+          <a:p>
+            <a:pPr marL="0" lvl="0" indent="0" algn="ctr" rtl="0">
+              <a:spcBef>
+                <a:spcPts val="0"/>
+              </a:spcBef>
+              <a:spcAft>
+                <a:spcPts val="0"/>
+              </a:spcAft>
+              <a:buNone/>
+            </a:pPr>
+            <a:r>
+              <a:rPr lang="en" sz="1600" dirty="0">
+                <a:solidFill>
+                  <a:schemeClr val="accent1"/>
+                </a:solidFill>
+                <a:latin typeface="Signika"/>
+                <a:ea typeface="Signika"/>
+                <a:cs typeface="Signika"/>
+                <a:sym typeface="Signika"/>
+              </a:rPr>
+              <a:t>Back</a:t>
+            </a:r>
+            <a:endParaRPr sz="1600" dirty="0">
+              <a:solidFill>
+                <a:schemeClr val="accent1"/>
+              </a:solidFill>
+              <a:latin typeface="Signika"/>
+              <a:ea typeface="Signika"/>
+              <a:cs typeface="Signika"/>
+              <a:sym typeface="Signika"/>
+            </a:endParaRPr>
+          </a:p>
+        </p:txBody>
+      </p:sp>
+      <p:sp>
+        <p:nvSpPr>
+          <p:cNvPr id="702" name="Google Shape;702;p52">
+            <a:hlinkClick r:id="rId3" action="ppaction://hlinksldjump"/>
+          </p:cNvPr>
+          <p:cNvSpPr/>
+          <p:nvPr/>
+        </p:nvSpPr>
+        <p:spPr>
+          <a:xfrm>
+            <a:off x="4383776" y="4164550"/>
+            <a:ext cx="429900" cy="429900"/>
+          </a:xfrm>
+          <a:prstGeom prst="rect">
+            <a:avLst/>
+          </a:prstGeom>
+          <a:solidFill>
+            <a:schemeClr val="dk1"/>
+          </a:solidFill>
+          <a:ln>
+            <a:noFill/>
+          </a:ln>
+        </p:spPr>
+        <p:txBody>
+          <a:bodyPr spcFirstLastPara="1" wrap="square" lIns="91425" tIns="91425" rIns="91425" bIns="91425" anchor="ctr" anchorCtr="0">
+            <a:noAutofit/>
+          </a:bodyPr>
+          <a:lstStyle/>
+          <a:p>
+            <a:pPr marL="0" lvl="0" indent="0" algn="l" rtl="0">
+              <a:spcBef>
+                <a:spcPts val="0"/>
+              </a:spcBef>
+              <a:spcAft>
+                <a:spcPts val="0"/>
+              </a:spcAft>
+              <a:buNone/>
+            </a:pPr>
+            <a:endParaRPr/>
+          </a:p>
+        </p:txBody>
+      </p:sp>
+      <p:sp>
+        <p:nvSpPr>
+          <p:cNvPr id="703" name="Google Shape;703;p52"/>
+          <p:cNvSpPr/>
+          <p:nvPr/>
+        </p:nvSpPr>
+        <p:spPr>
+          <a:xfrm>
+            <a:off x="4420628" y="4215295"/>
+            <a:ext cx="356196" cy="328410"/>
+          </a:xfrm>
+          <a:custGeom>
+            <a:avLst/>
+            <a:gdLst/>
+            <a:ahLst/>
+            <a:cxnLst/>
+            <a:rect l="l" t="t" r="r" b="b"/>
+            <a:pathLst>
+              <a:path w="11217" h="10342" extrusionOk="0">
+                <a:moveTo>
+                  <a:pt x="3394" y="1186"/>
+                </a:moveTo>
+                <a:lnTo>
+                  <a:pt x="3394" y="1507"/>
+                </a:lnTo>
+                <a:lnTo>
+                  <a:pt x="1668" y="1507"/>
+                </a:lnTo>
+                <a:lnTo>
+                  <a:pt x="1668" y="1186"/>
+                </a:lnTo>
+                <a:close/>
+                <a:moveTo>
+                  <a:pt x="3096" y="1829"/>
+                </a:moveTo>
+                <a:lnTo>
+                  <a:pt x="3096" y="2090"/>
+                </a:lnTo>
+                <a:lnTo>
+                  <a:pt x="2013" y="3043"/>
+                </a:lnTo>
+                <a:lnTo>
+                  <a:pt x="2013" y="1829"/>
+                </a:lnTo>
+                <a:close/>
+                <a:moveTo>
+                  <a:pt x="6740" y="5948"/>
+                </a:moveTo>
+                <a:cubicBezTo>
+                  <a:pt x="6775" y="5948"/>
+                  <a:pt x="6799" y="5972"/>
+                  <a:pt x="6799" y="6008"/>
+                </a:cubicBezTo>
+                <a:lnTo>
+                  <a:pt x="6799" y="10020"/>
+                </a:lnTo>
+                <a:lnTo>
+                  <a:pt x="4644" y="10020"/>
+                </a:lnTo>
+                <a:lnTo>
+                  <a:pt x="4644" y="6008"/>
+                </a:lnTo>
+                <a:cubicBezTo>
+                  <a:pt x="4644" y="5972"/>
+                  <a:pt x="4668" y="5948"/>
+                  <a:pt x="4704" y="5948"/>
+                </a:cubicBezTo>
+                <a:close/>
+                <a:moveTo>
+                  <a:pt x="5601" y="1"/>
+                </a:moveTo>
+                <a:cubicBezTo>
+                  <a:pt x="5543" y="1"/>
+                  <a:pt x="5484" y="19"/>
+                  <a:pt x="5430" y="55"/>
+                </a:cubicBezTo>
+                <a:lnTo>
+                  <a:pt x="3692" y="1567"/>
+                </a:lnTo>
+                <a:lnTo>
+                  <a:pt x="3692" y="1126"/>
+                </a:lnTo>
+                <a:cubicBezTo>
+                  <a:pt x="3692" y="995"/>
+                  <a:pt x="3573" y="876"/>
+                  <a:pt x="3442" y="876"/>
+                </a:cubicBezTo>
+                <a:lnTo>
+                  <a:pt x="1596" y="876"/>
+                </a:lnTo>
+                <a:cubicBezTo>
+                  <a:pt x="1453" y="876"/>
+                  <a:pt x="1334" y="995"/>
+                  <a:pt x="1334" y="1126"/>
+                </a:cubicBezTo>
+                <a:lnTo>
+                  <a:pt x="1334" y="1590"/>
+                </a:lnTo>
+                <a:cubicBezTo>
+                  <a:pt x="1334" y="1721"/>
+                  <a:pt x="1453" y="1840"/>
+                  <a:pt x="1596" y="1840"/>
+                </a:cubicBezTo>
+                <a:lnTo>
+                  <a:pt x="1691" y="1840"/>
+                </a:lnTo>
+                <a:lnTo>
+                  <a:pt x="1691" y="3329"/>
+                </a:lnTo>
+                <a:lnTo>
+                  <a:pt x="108" y="4710"/>
+                </a:lnTo>
+                <a:cubicBezTo>
+                  <a:pt x="25" y="4781"/>
+                  <a:pt x="1" y="4888"/>
+                  <a:pt x="25" y="4984"/>
+                </a:cubicBezTo>
+                <a:cubicBezTo>
+                  <a:pt x="60" y="5079"/>
+                  <a:pt x="167" y="5138"/>
+                  <a:pt x="251" y="5138"/>
+                </a:cubicBezTo>
+                <a:lnTo>
+                  <a:pt x="1322" y="5138"/>
+                </a:lnTo>
+                <a:lnTo>
+                  <a:pt x="1322" y="7972"/>
+                </a:lnTo>
+                <a:cubicBezTo>
+                  <a:pt x="1322" y="8056"/>
+                  <a:pt x="1394" y="8139"/>
+                  <a:pt x="1489" y="8139"/>
+                </a:cubicBezTo>
+                <a:cubicBezTo>
+                  <a:pt x="1572" y="8139"/>
+                  <a:pt x="1656" y="8056"/>
+                  <a:pt x="1656" y="7972"/>
+                </a:cubicBezTo>
+                <a:lnTo>
+                  <a:pt x="1656" y="5055"/>
+                </a:lnTo>
+                <a:lnTo>
+                  <a:pt x="5609" y="1614"/>
+                </a:lnTo>
+                <a:lnTo>
+                  <a:pt x="9561" y="5055"/>
+                </a:lnTo>
+                <a:lnTo>
+                  <a:pt x="9561" y="9937"/>
+                </a:lnTo>
+                <a:cubicBezTo>
+                  <a:pt x="9561" y="9984"/>
+                  <a:pt x="9526" y="10020"/>
+                  <a:pt x="9478" y="10020"/>
+                </a:cubicBezTo>
+                <a:lnTo>
+                  <a:pt x="7109" y="10020"/>
+                </a:lnTo>
+                <a:lnTo>
+                  <a:pt x="7109" y="6008"/>
+                </a:lnTo>
+                <a:cubicBezTo>
+                  <a:pt x="7109" y="5793"/>
+                  <a:pt x="6930" y="5615"/>
+                  <a:pt x="6728" y="5615"/>
+                </a:cubicBezTo>
+                <a:lnTo>
+                  <a:pt x="4680" y="5615"/>
+                </a:lnTo>
+                <a:cubicBezTo>
+                  <a:pt x="4478" y="5615"/>
+                  <a:pt x="4299" y="5793"/>
+                  <a:pt x="4299" y="6008"/>
+                </a:cubicBezTo>
+                <a:lnTo>
+                  <a:pt x="4299" y="10020"/>
+                </a:lnTo>
+                <a:lnTo>
+                  <a:pt x="1739" y="10020"/>
+                </a:lnTo>
+                <a:cubicBezTo>
+                  <a:pt x="1691" y="10020"/>
+                  <a:pt x="1656" y="9984"/>
+                  <a:pt x="1656" y="9937"/>
+                </a:cubicBezTo>
+                <a:lnTo>
+                  <a:pt x="1656" y="8734"/>
+                </a:lnTo>
+                <a:cubicBezTo>
+                  <a:pt x="1656" y="8639"/>
+                  <a:pt x="1572" y="8567"/>
+                  <a:pt x="1489" y="8567"/>
+                </a:cubicBezTo>
+                <a:cubicBezTo>
+                  <a:pt x="1394" y="8567"/>
+                  <a:pt x="1322" y="8639"/>
+                  <a:pt x="1322" y="8734"/>
+                </a:cubicBezTo>
+                <a:lnTo>
+                  <a:pt x="1322" y="9937"/>
+                </a:lnTo>
+                <a:cubicBezTo>
+                  <a:pt x="1322" y="10163"/>
+                  <a:pt x="1501" y="10342"/>
+                  <a:pt x="1727" y="10342"/>
+                </a:cubicBezTo>
+                <a:lnTo>
+                  <a:pt x="9466" y="10342"/>
+                </a:lnTo>
+                <a:cubicBezTo>
+                  <a:pt x="9692" y="10342"/>
+                  <a:pt x="9871" y="10163"/>
+                  <a:pt x="9871" y="9937"/>
+                </a:cubicBezTo>
+                <a:lnTo>
+                  <a:pt x="9871" y="5127"/>
+                </a:lnTo>
+                <a:lnTo>
+                  <a:pt x="10943" y="5127"/>
+                </a:lnTo>
+                <a:cubicBezTo>
+                  <a:pt x="11038" y="5127"/>
+                  <a:pt x="11133" y="5067"/>
+                  <a:pt x="11157" y="4960"/>
+                </a:cubicBezTo>
+                <a:cubicBezTo>
+                  <a:pt x="11216" y="4877"/>
+                  <a:pt x="11205" y="4769"/>
+                  <a:pt x="11121" y="4698"/>
+                </a:cubicBezTo>
+                <a:lnTo>
+                  <a:pt x="8811" y="2686"/>
+                </a:lnTo>
+                <a:cubicBezTo>
+                  <a:pt x="8785" y="2659"/>
+                  <a:pt x="8748" y="2647"/>
+                  <a:pt x="8711" y="2647"/>
+                </a:cubicBezTo>
+                <a:cubicBezTo>
+                  <a:pt x="8665" y="2647"/>
+                  <a:pt x="8618" y="2665"/>
+                  <a:pt x="8585" y="2698"/>
+                </a:cubicBezTo>
+                <a:cubicBezTo>
+                  <a:pt x="8526" y="2757"/>
+                  <a:pt x="8538" y="2864"/>
+                  <a:pt x="8597" y="2924"/>
+                </a:cubicBezTo>
+                <a:lnTo>
+                  <a:pt x="10764" y="4805"/>
+                </a:lnTo>
+                <a:lnTo>
+                  <a:pt x="9776" y="4805"/>
+                </a:lnTo>
+                <a:lnTo>
+                  <a:pt x="5763" y="1305"/>
+                </a:lnTo>
+                <a:cubicBezTo>
+                  <a:pt x="5716" y="1269"/>
+                  <a:pt x="5659" y="1251"/>
+                  <a:pt x="5601" y="1251"/>
+                </a:cubicBezTo>
+                <a:cubicBezTo>
+                  <a:pt x="5543" y="1251"/>
+                  <a:pt x="5484" y="1269"/>
+                  <a:pt x="5430" y="1305"/>
+                </a:cubicBezTo>
+                <a:lnTo>
+                  <a:pt x="1418" y="4805"/>
+                </a:lnTo>
+                <a:lnTo>
+                  <a:pt x="429" y="4805"/>
+                </a:lnTo>
+                <a:lnTo>
+                  <a:pt x="1918" y="3507"/>
+                </a:lnTo>
+                <a:lnTo>
+                  <a:pt x="3335" y="2281"/>
+                </a:lnTo>
+                <a:lnTo>
+                  <a:pt x="5609" y="340"/>
+                </a:lnTo>
+                <a:lnTo>
+                  <a:pt x="8026" y="2436"/>
+                </a:lnTo>
+                <a:cubicBezTo>
+                  <a:pt x="8052" y="2463"/>
+                  <a:pt x="8086" y="2475"/>
+                  <a:pt x="8121" y="2475"/>
+                </a:cubicBezTo>
+                <a:cubicBezTo>
+                  <a:pt x="8164" y="2475"/>
+                  <a:pt x="8207" y="2457"/>
+                  <a:pt x="8240" y="2424"/>
+                </a:cubicBezTo>
+                <a:cubicBezTo>
+                  <a:pt x="8299" y="2364"/>
+                  <a:pt x="8288" y="2257"/>
+                  <a:pt x="8228" y="2198"/>
+                </a:cubicBezTo>
+                <a:lnTo>
+                  <a:pt x="5763" y="55"/>
+                </a:lnTo>
+                <a:cubicBezTo>
+                  <a:pt x="5716" y="19"/>
+                  <a:pt x="5659" y="1"/>
+                  <a:pt x="5601" y="1"/>
+                </a:cubicBezTo>
+                <a:close/>
+              </a:path>
+            </a:pathLst>
+          </a:custGeom>
+          <a:solidFill>
+            <a:schemeClr val="accent1"/>
+          </a:solidFill>
+          <a:ln>
+            <a:noFill/>
+          </a:ln>
+        </p:spPr>
+        <p:txBody>
+          <a:bodyPr spcFirstLastPara="1" wrap="square" lIns="91425" tIns="91425" rIns="91425" bIns="91425" anchor="ctr" anchorCtr="0">
+            <a:noAutofit/>
+          </a:bodyPr>
+          <a:lstStyle/>
+          <a:p>
+            <a:pPr marL="0" lvl="0" indent="0" algn="l" rtl="0">
+              <a:spcBef>
+                <a:spcPts val="0"/>
+              </a:spcBef>
+              <a:spcAft>
+                <a:spcPts val="0"/>
+              </a:spcAft>
+              <a:buNone/>
+            </a:pPr>
+            <a:endParaRPr/>
+          </a:p>
+        </p:txBody>
+      </p:sp>
+      <p:sp>
+        <p:nvSpPr>
+          <p:cNvPr id="704" name="Google Shape;704;p52">
+            <a:hlinkClick r:id="" action="ppaction://hlinkshowjump?jump=nextslide"/>
+          </p:cNvPr>
+          <p:cNvSpPr txBox="1"/>
+          <p:nvPr/>
+        </p:nvSpPr>
+        <p:spPr>
+          <a:xfrm>
+            <a:off x="7232750" y="4164550"/>
+            <a:ext cx="1197900" cy="433500"/>
+          </a:xfrm>
+          <a:prstGeom prst="rect">
+            <a:avLst/>
+          </a:prstGeom>
+          <a:solidFill>
+            <a:schemeClr val="dk1"/>
+          </a:solidFill>
+          <a:ln>
+            <a:noFill/>
+          </a:ln>
+        </p:spPr>
+        <p:txBody>
+          <a:bodyPr spcFirstLastPara="1" wrap="square" lIns="91425" tIns="91425" rIns="91425" bIns="91425" anchor="ctr" anchorCtr="0">
+            <a:noAutofit/>
+          </a:bodyPr>
+          <a:lstStyle/>
+          <a:p>
+            <a:pPr marL="0" lvl="0" indent="0" algn="ctr" rtl="0">
+              <a:spcBef>
+                <a:spcPts val="0"/>
+              </a:spcBef>
+              <a:spcAft>
+                <a:spcPts val="0"/>
+              </a:spcAft>
+              <a:buNone/>
+            </a:pPr>
+            <a:r>
+              <a:rPr lang="en" sz="1600">
+                <a:solidFill>
+                  <a:schemeClr val="accent1"/>
+                </a:solidFill>
+                <a:latin typeface="Signika"/>
+                <a:ea typeface="Signika"/>
+                <a:cs typeface="Signika"/>
+                <a:sym typeface="Signika"/>
+              </a:rPr>
+              <a:t>Next</a:t>
+            </a:r>
+            <a:endParaRPr sz="1600">
+              <a:solidFill>
+                <a:schemeClr val="accent1"/>
+              </a:solidFill>
+              <a:latin typeface="Signika"/>
+              <a:ea typeface="Signika"/>
+              <a:cs typeface="Signika"/>
+              <a:sym typeface="Signika"/>
+            </a:endParaRPr>
+          </a:p>
+        </p:txBody>
+      </p:sp>
+      <p:sp>
+        <p:nvSpPr>
+          <p:cNvPr id="2" name="Google Shape;705;p52">
+            <a:extLst>
+              <a:ext uri="{FF2B5EF4-FFF2-40B4-BE49-F238E27FC236}">
+                <a16:creationId xmlns:a16="http://schemas.microsoft.com/office/drawing/2014/main" id="{F89D4FC3-86A2-B46A-4311-8B85F625E0B5}"/>
+              </a:ext>
+            </a:extLst>
+          </p:cNvPr>
+          <p:cNvSpPr txBox="1"/>
+          <p:nvPr/>
+        </p:nvSpPr>
+        <p:spPr>
+          <a:xfrm>
+            <a:off x="713225" y="1877970"/>
+            <a:ext cx="2010487" cy="2010410"/>
+          </a:xfrm>
+          <a:prstGeom prst="rect">
+            <a:avLst/>
+          </a:prstGeom>
+          <a:noFill/>
+          <a:ln w="28575" cap="flat" cmpd="sng">
+            <a:solidFill>
+              <a:schemeClr val="accent1">
+                <a:lumMod val="10000"/>
+              </a:schemeClr>
+            </a:solidFill>
+            <a:prstDash val="solid"/>
+            <a:round/>
+            <a:headEnd type="none" w="sm" len="sm"/>
+            <a:tailEnd type="none" w="sm" len="sm"/>
+          </a:ln>
+        </p:spPr>
+        <p:txBody>
+          <a:bodyPr spcFirstLastPara="1" wrap="square" lIns="91425" tIns="91425" rIns="91425" bIns="91425" anchor="ctr" anchorCtr="0">
+            <a:noAutofit/>
+          </a:bodyPr>
+          <a:lstStyle>
+            <a:defPPr marR="0" lvl="0" algn="l" rtl="0">
+              <a:lnSpc>
+                <a:spcPct val="100000"/>
+              </a:lnSpc>
+              <a:spcBef>
+                <a:spcPts val="0"/>
+              </a:spcBef>
+              <a:spcAft>
+                <a:spcPts val="0"/>
+              </a:spcAft>
+            </a:defPPr>
+            <a:lvl1pPr marL="0" indent="0" algn="ctr">
+              <a:buNone/>
+              <a:defRPr sz="2000" b="1">
+                <a:solidFill>
+                  <a:schemeClr val="dk1"/>
+                </a:solidFill>
+                <a:latin typeface="Signika"/>
+                <a:ea typeface="Signika"/>
+                <a:cs typeface="Signika"/>
+              </a:defRPr>
+            </a:lvl1pPr>
+          </a:lstStyle>
+          <a:p>
+            <a:r>
+              <a:rPr lang="vi-VN" dirty="0">
+                <a:sym typeface="Signika"/>
+              </a:rPr>
+              <a:t>TỔNG KẾT</a:t>
+            </a:r>
+          </a:p>
+          <a:p>
+            <a:r>
+              <a:rPr lang="vi-VN" dirty="0">
+                <a:sym typeface="Signika"/>
+              </a:rPr>
+              <a:t>ĐỀ TÀI</a:t>
+            </a:r>
+            <a:endParaRPr dirty="0">
+              <a:sym typeface="Signika"/>
+            </a:endParaRPr>
+          </a:p>
+        </p:txBody>
+      </p:sp>
+      <p:sp>
+        <p:nvSpPr>
+          <p:cNvPr id="5" name="TextBox 4">
+            <a:extLst>
+              <a:ext uri="{FF2B5EF4-FFF2-40B4-BE49-F238E27FC236}">
+                <a16:creationId xmlns:a16="http://schemas.microsoft.com/office/drawing/2014/main" id="{4B30BC63-4948-CDD6-6BE2-5719EE6ED163}"/>
+              </a:ext>
+            </a:extLst>
+          </p:cNvPr>
+          <p:cNvSpPr txBox="1"/>
+          <p:nvPr/>
+        </p:nvSpPr>
+        <p:spPr>
+          <a:xfrm>
+            <a:off x="2937690" y="1877970"/>
+            <a:ext cx="3243196" cy="338554"/>
+          </a:xfrm>
+          <a:prstGeom prst="rect">
+            <a:avLst/>
+          </a:prstGeom>
+          <a:noFill/>
+        </p:spPr>
+        <p:txBody>
+          <a:bodyPr wrap="none" rtlCol="0">
+            <a:spAutoFit/>
+          </a:bodyPr>
+          <a:lstStyle/>
+          <a:p>
+            <a:r>
+              <a:rPr lang="vi-VN" sz="1600" b="1" dirty="0">
+                <a:solidFill>
+                  <a:schemeClr val="tx1"/>
+                </a:solidFill>
+                <a:latin typeface="Signika" panose="020B0604020202020204" charset="0"/>
+              </a:rPr>
+              <a:t>CÁC CÔNG VIỆC ĐÃ HOÀN THÀNH</a:t>
+            </a:r>
+          </a:p>
+        </p:txBody>
+      </p:sp>
+      <p:sp>
+        <p:nvSpPr>
+          <p:cNvPr id="6" name="TextBox 5">
+            <a:extLst>
+              <a:ext uri="{FF2B5EF4-FFF2-40B4-BE49-F238E27FC236}">
+                <a16:creationId xmlns:a16="http://schemas.microsoft.com/office/drawing/2014/main" id="{0434F2F0-2B6C-30C1-B284-5017372F3CDD}"/>
+              </a:ext>
+            </a:extLst>
+          </p:cNvPr>
+          <p:cNvSpPr txBox="1"/>
+          <p:nvPr/>
+        </p:nvSpPr>
+        <p:spPr>
+          <a:xfrm>
+            <a:off x="3297513" y="2216376"/>
+            <a:ext cx="5133137" cy="1323439"/>
+          </a:xfrm>
+          <a:prstGeom prst="rect">
+            <a:avLst/>
+          </a:prstGeom>
+          <a:noFill/>
+        </p:spPr>
+        <p:txBody>
+          <a:bodyPr wrap="square" rtlCol="0">
+            <a:spAutoFit/>
+          </a:bodyPr>
+          <a:lstStyle/>
+          <a:p>
+            <a:pPr marL="285750" indent="-285750">
+              <a:buFont typeface="Arial" panose="020B0604020202020204" pitchFamily="34" charset="0"/>
+              <a:buChar char="•"/>
+            </a:pPr>
+            <a:r>
+              <a:rPr lang="vi-VN" sz="1600" dirty="0">
+                <a:solidFill>
+                  <a:schemeClr val="tx1"/>
+                </a:solidFill>
+                <a:latin typeface="Signika" panose="020B0604020202020204" charset="0"/>
+              </a:rPr>
+              <a:t>Lập tài liệu SRS, phân tích yêu cầu đề tài</a:t>
+            </a:r>
+          </a:p>
+          <a:p>
+            <a:pPr marL="285750" indent="-285750">
+              <a:buFont typeface="Arial" panose="020B0604020202020204" pitchFamily="34" charset="0"/>
+              <a:buChar char="•"/>
+            </a:pPr>
+            <a:r>
+              <a:rPr lang="vi-VN" sz="1600" dirty="0">
+                <a:solidFill>
+                  <a:schemeClr val="tx1"/>
+                </a:solidFill>
+                <a:latin typeface="Signika" panose="020B0604020202020204" charset="0"/>
+              </a:rPr>
+              <a:t>Lên kế hoạch phát triển đề tài và phân </a:t>
+            </a:r>
+            <a:r>
+              <a:rPr lang="vi-VN" sz="1600" dirty="0" err="1">
+                <a:solidFill>
+                  <a:schemeClr val="tx1"/>
+                </a:solidFill>
+                <a:latin typeface="Signika" panose="020B0604020202020204" charset="0"/>
+              </a:rPr>
+              <a:t>bổ</a:t>
+            </a:r>
+            <a:r>
+              <a:rPr lang="vi-VN" sz="1600" dirty="0">
+                <a:solidFill>
+                  <a:schemeClr val="tx1"/>
+                </a:solidFill>
+                <a:latin typeface="Signika" panose="020B0604020202020204" charset="0"/>
+              </a:rPr>
+              <a:t> nhân sự</a:t>
+            </a:r>
+          </a:p>
+          <a:p>
+            <a:pPr marL="285750" indent="-285750">
+              <a:buFont typeface="Arial" panose="020B0604020202020204" pitchFamily="34" charset="0"/>
+              <a:buChar char="•"/>
+            </a:pPr>
+            <a:r>
+              <a:rPr lang="vi-VN" sz="1600" dirty="0">
+                <a:solidFill>
+                  <a:schemeClr val="tx1"/>
+                </a:solidFill>
+                <a:latin typeface="Signika" panose="020B0604020202020204" charset="0"/>
+              </a:rPr>
+              <a:t>Phân tích và thiết kế mô hình UML cho hệ thống</a:t>
+            </a:r>
+          </a:p>
+          <a:p>
+            <a:pPr marL="285750" indent="-285750">
+              <a:buFont typeface="Arial" panose="020B0604020202020204" pitchFamily="34" charset="0"/>
+              <a:buChar char="•"/>
+            </a:pPr>
+            <a:r>
+              <a:rPr lang="vi-VN" sz="1600" dirty="0">
+                <a:solidFill>
+                  <a:schemeClr val="tx1"/>
+                </a:solidFill>
+                <a:latin typeface="Signika" panose="020B0604020202020204" charset="0"/>
+              </a:rPr>
+              <a:t>Phát triển hệ thống và giao diện người dùng</a:t>
+            </a:r>
+          </a:p>
+          <a:p>
+            <a:pPr marL="285750" indent="-285750">
+              <a:buFont typeface="Arial" panose="020B0604020202020204" pitchFamily="34" charset="0"/>
+              <a:buChar char="•"/>
+            </a:pPr>
+            <a:r>
+              <a:rPr lang="vi-VN" sz="1600" dirty="0">
+                <a:solidFill>
+                  <a:schemeClr val="tx1"/>
+                </a:solidFill>
+                <a:latin typeface="Signika" panose="020B0604020202020204" charset="0"/>
+              </a:rPr>
+              <a:t>Lập báo cáo tổng kết</a:t>
+            </a:r>
+          </a:p>
+        </p:txBody>
+      </p:sp>
+    </p:spTree>
+    <p:extLst>
+      <p:ext uri="{BB962C8B-B14F-4D97-AF65-F5344CB8AC3E}">
+        <p14:creationId xmlns:p14="http://schemas.microsoft.com/office/powerpoint/2010/main" val="2142520508"/>
+      </p:ext>
+    </p:extLst>
+  </p:cSld>
+  <p:clrMapOvr>
+    <a:masterClrMapping/>
+  </p:clrMapOvr>
+</p:sld>
+</file>
+
+<file path=ppt/slides/slide31.xml><?xml version="1.0" encoding="utf-8"?>
+<p:sld xmlns:a="http://schemas.openxmlformats.org/drawingml/2006/main" xmlns:r="http://schemas.openxmlformats.org/officeDocument/2006/relationships" xmlns:p="http://schemas.openxmlformats.org/presentationml/2006/main">
+  <p:cSld>
+    <p:spTree>
+      <p:nvGrpSpPr>
+        <p:cNvPr id="1" name="Shape 698"/>
+        <p:cNvGrpSpPr/>
+        <p:nvPr/>
+      </p:nvGrpSpPr>
+      <p:grpSpPr>
+        <a:xfrm>
+          <a:off x="0" y="0"/>
+          <a:ext cx="0" cy="0"/>
+          <a:chOff x="0" y="0"/>
+          <a:chExt cx="0" cy="0"/>
+        </a:xfrm>
+      </p:grpSpPr>
+      <p:sp>
+        <p:nvSpPr>
+          <p:cNvPr id="699" name="Google Shape;699;p52"/>
+          <p:cNvSpPr txBox="1">
+            <a:spLocks noGrp="1"/>
+          </p:cNvSpPr>
+          <p:nvPr>
+            <p:ph type="title"/>
+          </p:nvPr>
+        </p:nvSpPr>
+        <p:spPr>
+          <a:xfrm>
+            <a:off x="713225" y="539500"/>
+            <a:ext cx="7717500" cy="572700"/>
+          </a:xfrm>
+          <a:prstGeom prst="rect">
+            <a:avLst/>
+          </a:prstGeom>
+        </p:spPr>
+        <p:txBody>
+          <a:bodyPr spcFirstLastPara="1" wrap="square" lIns="91425" tIns="91425" rIns="91425" bIns="91425" anchor="t" anchorCtr="0">
+            <a:noAutofit/>
+          </a:bodyPr>
+          <a:lstStyle/>
+          <a:p>
+            <a:pPr marL="0" lvl="0" indent="0" algn="l" rtl="0">
+              <a:spcBef>
+                <a:spcPts val="0"/>
+              </a:spcBef>
+              <a:spcAft>
+                <a:spcPts val="0"/>
+              </a:spcAft>
+              <a:buNone/>
+            </a:pPr>
+            <a:r>
+              <a:rPr lang="vi-VN" dirty="0"/>
+              <a:t>Kết luận</a:t>
+            </a:r>
+            <a:endParaRPr dirty="0"/>
+          </a:p>
+        </p:txBody>
+      </p:sp>
+      <p:sp>
+        <p:nvSpPr>
+          <p:cNvPr id="700" name="Google Shape;700;p52"/>
+          <p:cNvSpPr txBox="1"/>
+          <p:nvPr/>
+        </p:nvSpPr>
+        <p:spPr>
+          <a:xfrm>
+            <a:off x="713225" y="1112200"/>
+            <a:ext cx="7717500" cy="489600"/>
+          </a:xfrm>
+          <a:prstGeom prst="rect">
+            <a:avLst/>
+          </a:prstGeom>
+          <a:noFill/>
+          <a:ln>
+            <a:noFill/>
+          </a:ln>
+        </p:spPr>
+        <p:txBody>
+          <a:bodyPr spcFirstLastPara="1" wrap="square" lIns="114300" tIns="91425" rIns="91425" bIns="91425" anchor="ctr" anchorCtr="0">
+            <a:noAutofit/>
+          </a:bodyPr>
+          <a:lstStyle/>
+          <a:p>
+            <a:pPr marL="0" lvl="0" indent="0" algn="l" rtl="0">
+              <a:spcBef>
+                <a:spcPts val="0"/>
+              </a:spcBef>
+              <a:spcAft>
+                <a:spcPts val="0"/>
+              </a:spcAft>
+              <a:buNone/>
+            </a:pPr>
+            <a:r>
+              <a:rPr lang="vi-VN" sz="1600" dirty="0">
+                <a:solidFill>
+                  <a:schemeClr val="dk1"/>
+                </a:solidFill>
+                <a:latin typeface="Signika" panose="020B0604020202020204" charset="0"/>
+                <a:ea typeface="Palanquin"/>
+                <a:cs typeface="Palanquin"/>
+                <a:sym typeface="Palanquin"/>
+              </a:rPr>
+              <a:t>Tổng kết đề tài và kinh nghiệm đúc kết</a:t>
+            </a:r>
+            <a:endParaRPr sz="1600" dirty="0">
+              <a:solidFill>
+                <a:schemeClr val="dk1"/>
+              </a:solidFill>
+              <a:latin typeface="Signika" panose="020B0604020202020204" charset="0"/>
+              <a:ea typeface="Palanquin"/>
+              <a:cs typeface="Palanquin"/>
+              <a:sym typeface="Palanquin"/>
+            </a:endParaRPr>
+          </a:p>
+        </p:txBody>
+      </p:sp>
+      <p:sp>
+        <p:nvSpPr>
+          <p:cNvPr id="701" name="Google Shape;701;p52">
+            <a:hlinkClick r:id="" action="ppaction://hlinkshowjump?jump=previousslide"/>
+          </p:cNvPr>
+          <p:cNvSpPr txBox="1"/>
+          <p:nvPr/>
+        </p:nvSpPr>
+        <p:spPr>
+          <a:xfrm>
+            <a:off x="713225" y="4164550"/>
+            <a:ext cx="1197900" cy="433500"/>
+          </a:xfrm>
+          <a:prstGeom prst="rect">
+            <a:avLst/>
+          </a:prstGeom>
+          <a:solidFill>
+            <a:schemeClr val="dk1"/>
+          </a:solidFill>
+          <a:ln>
+            <a:noFill/>
+          </a:ln>
+        </p:spPr>
+        <p:txBody>
+          <a:bodyPr spcFirstLastPara="1" wrap="square" lIns="91425" tIns="91425" rIns="91425" bIns="91425" anchor="ctr" anchorCtr="0">
+            <a:noAutofit/>
+          </a:bodyPr>
+          <a:lstStyle/>
+          <a:p>
+            <a:pPr marL="0" lvl="0" indent="0" algn="ctr" rtl="0">
+              <a:spcBef>
+                <a:spcPts val="0"/>
+              </a:spcBef>
+              <a:spcAft>
+                <a:spcPts val="0"/>
+              </a:spcAft>
+              <a:buNone/>
+            </a:pPr>
+            <a:r>
+              <a:rPr lang="en" sz="1600" dirty="0">
+                <a:solidFill>
+                  <a:schemeClr val="accent1"/>
+                </a:solidFill>
+                <a:latin typeface="Signika"/>
+                <a:ea typeface="Signika"/>
+                <a:cs typeface="Signika"/>
+                <a:sym typeface="Signika"/>
+              </a:rPr>
+              <a:t>Back</a:t>
+            </a:r>
+            <a:endParaRPr sz="1600" dirty="0">
+              <a:solidFill>
+                <a:schemeClr val="accent1"/>
+              </a:solidFill>
+              <a:latin typeface="Signika"/>
+              <a:ea typeface="Signika"/>
+              <a:cs typeface="Signika"/>
+              <a:sym typeface="Signika"/>
+            </a:endParaRPr>
+          </a:p>
+        </p:txBody>
+      </p:sp>
+      <p:sp>
+        <p:nvSpPr>
+          <p:cNvPr id="702" name="Google Shape;702;p52">
+            <a:hlinkClick r:id="rId3" action="ppaction://hlinksldjump"/>
+          </p:cNvPr>
+          <p:cNvSpPr/>
+          <p:nvPr/>
+        </p:nvSpPr>
+        <p:spPr>
+          <a:xfrm>
+            <a:off x="4383776" y="4164550"/>
+            <a:ext cx="429900" cy="429900"/>
+          </a:xfrm>
+          <a:prstGeom prst="rect">
+            <a:avLst/>
+          </a:prstGeom>
+          <a:solidFill>
+            <a:schemeClr val="dk1"/>
+          </a:solidFill>
+          <a:ln>
+            <a:noFill/>
+          </a:ln>
+        </p:spPr>
+        <p:txBody>
+          <a:bodyPr spcFirstLastPara="1" wrap="square" lIns="91425" tIns="91425" rIns="91425" bIns="91425" anchor="ctr" anchorCtr="0">
+            <a:noAutofit/>
+          </a:bodyPr>
+          <a:lstStyle/>
+          <a:p>
+            <a:pPr marL="0" lvl="0" indent="0" algn="l" rtl="0">
+              <a:spcBef>
+                <a:spcPts val="0"/>
+              </a:spcBef>
+              <a:spcAft>
+                <a:spcPts val="0"/>
+              </a:spcAft>
+              <a:buNone/>
+            </a:pPr>
+            <a:endParaRPr/>
+          </a:p>
+        </p:txBody>
+      </p:sp>
+      <p:sp>
+        <p:nvSpPr>
+          <p:cNvPr id="703" name="Google Shape;703;p52"/>
+          <p:cNvSpPr/>
+          <p:nvPr/>
+        </p:nvSpPr>
+        <p:spPr>
+          <a:xfrm>
+            <a:off x="4420628" y="4215295"/>
+            <a:ext cx="356196" cy="328410"/>
+          </a:xfrm>
+          <a:custGeom>
+            <a:avLst/>
+            <a:gdLst/>
+            <a:ahLst/>
+            <a:cxnLst/>
+            <a:rect l="l" t="t" r="r" b="b"/>
+            <a:pathLst>
+              <a:path w="11217" h="10342" extrusionOk="0">
+                <a:moveTo>
+                  <a:pt x="3394" y="1186"/>
+                </a:moveTo>
+                <a:lnTo>
+                  <a:pt x="3394" y="1507"/>
+                </a:lnTo>
+                <a:lnTo>
+                  <a:pt x="1668" y="1507"/>
+                </a:lnTo>
+                <a:lnTo>
+                  <a:pt x="1668" y="1186"/>
+                </a:lnTo>
+                <a:close/>
+                <a:moveTo>
+                  <a:pt x="3096" y="1829"/>
+                </a:moveTo>
+                <a:lnTo>
+                  <a:pt x="3096" y="2090"/>
+                </a:lnTo>
+                <a:lnTo>
+                  <a:pt x="2013" y="3043"/>
+                </a:lnTo>
+                <a:lnTo>
+                  <a:pt x="2013" y="1829"/>
+                </a:lnTo>
+                <a:close/>
+                <a:moveTo>
+                  <a:pt x="6740" y="5948"/>
+                </a:moveTo>
+                <a:cubicBezTo>
+                  <a:pt x="6775" y="5948"/>
+                  <a:pt x="6799" y="5972"/>
+                  <a:pt x="6799" y="6008"/>
+                </a:cubicBezTo>
+                <a:lnTo>
+                  <a:pt x="6799" y="10020"/>
+                </a:lnTo>
+                <a:lnTo>
+                  <a:pt x="4644" y="10020"/>
+                </a:lnTo>
+                <a:lnTo>
+                  <a:pt x="4644" y="6008"/>
+                </a:lnTo>
+                <a:cubicBezTo>
+                  <a:pt x="4644" y="5972"/>
+                  <a:pt x="4668" y="5948"/>
+                  <a:pt x="4704" y="5948"/>
+                </a:cubicBezTo>
+                <a:close/>
+                <a:moveTo>
+                  <a:pt x="5601" y="1"/>
+                </a:moveTo>
+                <a:cubicBezTo>
+                  <a:pt x="5543" y="1"/>
+                  <a:pt x="5484" y="19"/>
+                  <a:pt x="5430" y="55"/>
+                </a:cubicBezTo>
+                <a:lnTo>
+                  <a:pt x="3692" y="1567"/>
+                </a:lnTo>
+                <a:lnTo>
+                  <a:pt x="3692" y="1126"/>
+                </a:lnTo>
+                <a:cubicBezTo>
+                  <a:pt x="3692" y="995"/>
+                  <a:pt x="3573" y="876"/>
+                  <a:pt x="3442" y="876"/>
+                </a:cubicBezTo>
+                <a:lnTo>
+                  <a:pt x="1596" y="876"/>
+                </a:lnTo>
+                <a:cubicBezTo>
+                  <a:pt x="1453" y="876"/>
+                  <a:pt x="1334" y="995"/>
+                  <a:pt x="1334" y="1126"/>
+                </a:cubicBezTo>
+                <a:lnTo>
+                  <a:pt x="1334" y="1590"/>
+                </a:lnTo>
+                <a:cubicBezTo>
+                  <a:pt x="1334" y="1721"/>
+                  <a:pt x="1453" y="1840"/>
+                  <a:pt x="1596" y="1840"/>
+                </a:cubicBezTo>
+                <a:lnTo>
+                  <a:pt x="1691" y="1840"/>
+                </a:lnTo>
+                <a:lnTo>
+                  <a:pt x="1691" y="3329"/>
+                </a:lnTo>
+                <a:lnTo>
+                  <a:pt x="108" y="4710"/>
+                </a:lnTo>
+                <a:cubicBezTo>
+                  <a:pt x="25" y="4781"/>
+                  <a:pt x="1" y="4888"/>
+                  <a:pt x="25" y="4984"/>
+                </a:cubicBezTo>
+                <a:cubicBezTo>
+                  <a:pt x="60" y="5079"/>
+                  <a:pt x="167" y="5138"/>
+                  <a:pt x="251" y="5138"/>
+                </a:cubicBezTo>
+                <a:lnTo>
+                  <a:pt x="1322" y="5138"/>
+                </a:lnTo>
+                <a:lnTo>
+                  <a:pt x="1322" y="7972"/>
+                </a:lnTo>
+                <a:cubicBezTo>
+                  <a:pt x="1322" y="8056"/>
+                  <a:pt x="1394" y="8139"/>
+                  <a:pt x="1489" y="8139"/>
+                </a:cubicBezTo>
+                <a:cubicBezTo>
+                  <a:pt x="1572" y="8139"/>
+                  <a:pt x="1656" y="8056"/>
+                  <a:pt x="1656" y="7972"/>
+                </a:cubicBezTo>
+                <a:lnTo>
+                  <a:pt x="1656" y="5055"/>
+                </a:lnTo>
+                <a:lnTo>
+                  <a:pt x="5609" y="1614"/>
+                </a:lnTo>
+                <a:lnTo>
+                  <a:pt x="9561" y="5055"/>
+                </a:lnTo>
+                <a:lnTo>
+                  <a:pt x="9561" y="9937"/>
+                </a:lnTo>
+                <a:cubicBezTo>
+                  <a:pt x="9561" y="9984"/>
+                  <a:pt x="9526" y="10020"/>
+                  <a:pt x="9478" y="10020"/>
+                </a:cubicBezTo>
+                <a:lnTo>
+                  <a:pt x="7109" y="10020"/>
+                </a:lnTo>
+                <a:lnTo>
+                  <a:pt x="7109" y="6008"/>
+                </a:lnTo>
+                <a:cubicBezTo>
+                  <a:pt x="7109" y="5793"/>
+                  <a:pt x="6930" y="5615"/>
+                  <a:pt x="6728" y="5615"/>
+                </a:cubicBezTo>
+                <a:lnTo>
+                  <a:pt x="4680" y="5615"/>
+                </a:lnTo>
+                <a:cubicBezTo>
+                  <a:pt x="4478" y="5615"/>
+                  <a:pt x="4299" y="5793"/>
+                  <a:pt x="4299" y="6008"/>
+                </a:cubicBezTo>
+                <a:lnTo>
+                  <a:pt x="4299" y="10020"/>
+                </a:lnTo>
+                <a:lnTo>
+                  <a:pt x="1739" y="10020"/>
+                </a:lnTo>
+                <a:cubicBezTo>
+                  <a:pt x="1691" y="10020"/>
+                  <a:pt x="1656" y="9984"/>
+                  <a:pt x="1656" y="9937"/>
+                </a:cubicBezTo>
+                <a:lnTo>
+                  <a:pt x="1656" y="8734"/>
+                </a:lnTo>
+                <a:cubicBezTo>
+                  <a:pt x="1656" y="8639"/>
+                  <a:pt x="1572" y="8567"/>
+                  <a:pt x="1489" y="8567"/>
+                </a:cubicBezTo>
+                <a:cubicBezTo>
+                  <a:pt x="1394" y="8567"/>
+                  <a:pt x="1322" y="8639"/>
+                  <a:pt x="1322" y="8734"/>
+                </a:cubicBezTo>
+                <a:lnTo>
+                  <a:pt x="1322" y="9937"/>
+                </a:lnTo>
+                <a:cubicBezTo>
+                  <a:pt x="1322" y="10163"/>
+                  <a:pt x="1501" y="10342"/>
+                  <a:pt x="1727" y="10342"/>
+                </a:cubicBezTo>
+                <a:lnTo>
+                  <a:pt x="9466" y="10342"/>
+                </a:lnTo>
+                <a:cubicBezTo>
+                  <a:pt x="9692" y="10342"/>
+                  <a:pt x="9871" y="10163"/>
+                  <a:pt x="9871" y="9937"/>
+                </a:cubicBezTo>
+                <a:lnTo>
+                  <a:pt x="9871" y="5127"/>
+                </a:lnTo>
+                <a:lnTo>
+                  <a:pt x="10943" y="5127"/>
+                </a:lnTo>
+                <a:cubicBezTo>
+                  <a:pt x="11038" y="5127"/>
+                  <a:pt x="11133" y="5067"/>
+                  <a:pt x="11157" y="4960"/>
+                </a:cubicBezTo>
+                <a:cubicBezTo>
+                  <a:pt x="11216" y="4877"/>
+                  <a:pt x="11205" y="4769"/>
+                  <a:pt x="11121" y="4698"/>
+                </a:cubicBezTo>
+                <a:lnTo>
+                  <a:pt x="8811" y="2686"/>
+                </a:lnTo>
+                <a:cubicBezTo>
+                  <a:pt x="8785" y="2659"/>
+                  <a:pt x="8748" y="2647"/>
+                  <a:pt x="8711" y="2647"/>
+                </a:cubicBezTo>
+                <a:cubicBezTo>
+                  <a:pt x="8665" y="2647"/>
+                  <a:pt x="8618" y="2665"/>
+                  <a:pt x="8585" y="2698"/>
+                </a:cubicBezTo>
+                <a:cubicBezTo>
+                  <a:pt x="8526" y="2757"/>
+                  <a:pt x="8538" y="2864"/>
+                  <a:pt x="8597" y="2924"/>
+                </a:cubicBezTo>
+                <a:lnTo>
+                  <a:pt x="10764" y="4805"/>
+                </a:lnTo>
+                <a:lnTo>
+                  <a:pt x="9776" y="4805"/>
+                </a:lnTo>
+                <a:lnTo>
+                  <a:pt x="5763" y="1305"/>
+                </a:lnTo>
+                <a:cubicBezTo>
+                  <a:pt x="5716" y="1269"/>
+                  <a:pt x="5659" y="1251"/>
+                  <a:pt x="5601" y="1251"/>
+                </a:cubicBezTo>
+                <a:cubicBezTo>
+                  <a:pt x="5543" y="1251"/>
+                  <a:pt x="5484" y="1269"/>
+                  <a:pt x="5430" y="1305"/>
+                </a:cubicBezTo>
+                <a:lnTo>
+                  <a:pt x="1418" y="4805"/>
+                </a:lnTo>
+                <a:lnTo>
+                  <a:pt x="429" y="4805"/>
+                </a:lnTo>
+                <a:lnTo>
+                  <a:pt x="1918" y="3507"/>
+                </a:lnTo>
+                <a:lnTo>
+                  <a:pt x="3335" y="2281"/>
+                </a:lnTo>
+                <a:lnTo>
+                  <a:pt x="5609" y="340"/>
+                </a:lnTo>
+                <a:lnTo>
+                  <a:pt x="8026" y="2436"/>
+                </a:lnTo>
+                <a:cubicBezTo>
+                  <a:pt x="8052" y="2463"/>
+                  <a:pt x="8086" y="2475"/>
+                  <a:pt x="8121" y="2475"/>
+                </a:cubicBezTo>
+                <a:cubicBezTo>
+                  <a:pt x="8164" y="2475"/>
+                  <a:pt x="8207" y="2457"/>
+                  <a:pt x="8240" y="2424"/>
+                </a:cubicBezTo>
+                <a:cubicBezTo>
+                  <a:pt x="8299" y="2364"/>
+                  <a:pt x="8288" y="2257"/>
+                  <a:pt x="8228" y="2198"/>
+                </a:cubicBezTo>
+                <a:lnTo>
+                  <a:pt x="5763" y="55"/>
+                </a:lnTo>
+                <a:cubicBezTo>
+                  <a:pt x="5716" y="19"/>
+                  <a:pt x="5659" y="1"/>
+                  <a:pt x="5601" y="1"/>
+                </a:cubicBezTo>
+                <a:close/>
+              </a:path>
+            </a:pathLst>
+          </a:custGeom>
+          <a:solidFill>
+            <a:schemeClr val="accent1"/>
+          </a:solidFill>
+          <a:ln>
+            <a:noFill/>
+          </a:ln>
+        </p:spPr>
+        <p:txBody>
+          <a:bodyPr spcFirstLastPara="1" wrap="square" lIns="91425" tIns="91425" rIns="91425" bIns="91425" anchor="ctr" anchorCtr="0">
+            <a:noAutofit/>
+          </a:bodyPr>
+          <a:lstStyle/>
+          <a:p>
+            <a:pPr marL="0" lvl="0" indent="0" algn="l" rtl="0">
+              <a:spcBef>
+                <a:spcPts val="0"/>
+              </a:spcBef>
+              <a:spcAft>
+                <a:spcPts val="0"/>
+              </a:spcAft>
+              <a:buNone/>
+            </a:pPr>
+            <a:endParaRPr/>
+          </a:p>
+        </p:txBody>
+      </p:sp>
+      <p:sp>
+        <p:nvSpPr>
+          <p:cNvPr id="704" name="Google Shape;704;p52">
+            <a:hlinkClick r:id="" action="ppaction://hlinkshowjump?jump=nextslide"/>
+          </p:cNvPr>
+          <p:cNvSpPr txBox="1"/>
+          <p:nvPr/>
+        </p:nvSpPr>
+        <p:spPr>
+          <a:xfrm>
+            <a:off x="7232750" y="4164550"/>
+            <a:ext cx="1197900" cy="433500"/>
+          </a:xfrm>
+          <a:prstGeom prst="rect">
+            <a:avLst/>
+          </a:prstGeom>
+          <a:solidFill>
+            <a:schemeClr val="dk1"/>
+          </a:solidFill>
+          <a:ln>
+            <a:noFill/>
+          </a:ln>
+        </p:spPr>
+        <p:txBody>
+          <a:bodyPr spcFirstLastPara="1" wrap="square" lIns="91425" tIns="91425" rIns="91425" bIns="91425" anchor="ctr" anchorCtr="0">
+            <a:noAutofit/>
+          </a:bodyPr>
+          <a:lstStyle/>
+          <a:p>
+            <a:pPr marL="0" lvl="0" indent="0" algn="ctr" rtl="0">
+              <a:spcBef>
+                <a:spcPts val="0"/>
+              </a:spcBef>
+              <a:spcAft>
+                <a:spcPts val="0"/>
+              </a:spcAft>
+              <a:buNone/>
+            </a:pPr>
+            <a:r>
+              <a:rPr lang="en" sz="1600">
+                <a:solidFill>
+                  <a:schemeClr val="accent1"/>
+                </a:solidFill>
+                <a:latin typeface="Signika"/>
+                <a:ea typeface="Signika"/>
+                <a:cs typeface="Signika"/>
+                <a:sym typeface="Signika"/>
+              </a:rPr>
+              <a:t>Next</a:t>
+            </a:r>
+            <a:endParaRPr sz="1600">
+              <a:solidFill>
+                <a:schemeClr val="accent1"/>
+              </a:solidFill>
+              <a:latin typeface="Signika"/>
+              <a:ea typeface="Signika"/>
+              <a:cs typeface="Signika"/>
+              <a:sym typeface="Signika"/>
+            </a:endParaRPr>
+          </a:p>
+        </p:txBody>
+      </p:sp>
+      <p:sp>
+        <p:nvSpPr>
+          <p:cNvPr id="2" name="Google Shape;705;p52">
+            <a:extLst>
+              <a:ext uri="{FF2B5EF4-FFF2-40B4-BE49-F238E27FC236}">
+                <a16:creationId xmlns:a16="http://schemas.microsoft.com/office/drawing/2014/main" id="{F89D4FC3-86A2-B46A-4311-8B85F625E0B5}"/>
+              </a:ext>
+            </a:extLst>
+          </p:cNvPr>
+          <p:cNvSpPr txBox="1"/>
+          <p:nvPr/>
+        </p:nvSpPr>
+        <p:spPr>
+          <a:xfrm>
+            <a:off x="713225" y="1877970"/>
+            <a:ext cx="2010487" cy="2010410"/>
+          </a:xfrm>
+          <a:prstGeom prst="rect">
+            <a:avLst/>
+          </a:prstGeom>
+          <a:noFill/>
+          <a:ln w="28575" cap="flat" cmpd="sng">
+            <a:solidFill>
+              <a:schemeClr val="accent1">
+                <a:lumMod val="10000"/>
+              </a:schemeClr>
+            </a:solidFill>
+            <a:prstDash val="solid"/>
+            <a:round/>
+            <a:headEnd type="none" w="sm" len="sm"/>
+            <a:tailEnd type="none" w="sm" len="sm"/>
+          </a:ln>
+        </p:spPr>
+        <p:txBody>
+          <a:bodyPr spcFirstLastPara="1" wrap="square" lIns="91425" tIns="91425" rIns="91425" bIns="91425" anchor="ctr" anchorCtr="0">
+            <a:noAutofit/>
+          </a:bodyPr>
+          <a:lstStyle>
+            <a:defPPr marR="0" lvl="0" algn="l" rtl="0">
+              <a:lnSpc>
+                <a:spcPct val="100000"/>
+              </a:lnSpc>
+              <a:spcBef>
+                <a:spcPts val="0"/>
+              </a:spcBef>
+              <a:spcAft>
+                <a:spcPts val="0"/>
+              </a:spcAft>
+            </a:defPPr>
+            <a:lvl1pPr marL="0" indent="0" algn="ctr">
+              <a:buNone/>
+              <a:defRPr sz="2000" b="1">
+                <a:solidFill>
+                  <a:schemeClr val="dk1"/>
+                </a:solidFill>
+                <a:latin typeface="Signika"/>
+                <a:ea typeface="Signika"/>
+                <a:cs typeface="Signika"/>
+              </a:defRPr>
+            </a:lvl1pPr>
+          </a:lstStyle>
+          <a:p>
+            <a:r>
+              <a:rPr lang="vi-VN" dirty="0">
+                <a:sym typeface="Signika"/>
+              </a:rPr>
+              <a:t>TỔNG KẾT</a:t>
+            </a:r>
+          </a:p>
+          <a:p>
+            <a:r>
+              <a:rPr lang="vi-VN" dirty="0">
+                <a:sym typeface="Signika"/>
+              </a:rPr>
+              <a:t>ĐỀ TÀI</a:t>
+            </a:r>
+            <a:endParaRPr dirty="0">
+              <a:sym typeface="Signika"/>
+            </a:endParaRPr>
+          </a:p>
+        </p:txBody>
+      </p:sp>
+      <p:sp>
+        <p:nvSpPr>
+          <p:cNvPr id="5" name="TextBox 4">
+            <a:extLst>
+              <a:ext uri="{FF2B5EF4-FFF2-40B4-BE49-F238E27FC236}">
+                <a16:creationId xmlns:a16="http://schemas.microsoft.com/office/drawing/2014/main" id="{4B30BC63-4948-CDD6-6BE2-5719EE6ED163}"/>
+              </a:ext>
+            </a:extLst>
+          </p:cNvPr>
+          <p:cNvSpPr txBox="1"/>
+          <p:nvPr/>
+        </p:nvSpPr>
+        <p:spPr>
+          <a:xfrm>
+            <a:off x="2937690" y="1877970"/>
+            <a:ext cx="4475905" cy="338554"/>
+          </a:xfrm>
+          <a:prstGeom prst="rect">
+            <a:avLst/>
+          </a:prstGeom>
+          <a:noFill/>
+        </p:spPr>
+        <p:txBody>
+          <a:bodyPr wrap="none" rtlCol="0">
+            <a:spAutoFit/>
+          </a:bodyPr>
+          <a:lstStyle/>
+          <a:p>
+            <a:r>
+              <a:rPr lang="vi-VN" sz="1600" b="1" dirty="0">
+                <a:solidFill>
+                  <a:schemeClr val="tx1"/>
+                </a:solidFill>
+                <a:latin typeface="Signika" panose="020B0604020202020204" charset="0"/>
+              </a:rPr>
+              <a:t>CÁC THÀNH PHẦN HỆ THỐNG ĐÃ HOÀN THÀNH</a:t>
+            </a:r>
+          </a:p>
+        </p:txBody>
+      </p:sp>
+      <p:sp>
+        <p:nvSpPr>
+          <p:cNvPr id="6" name="TextBox 5">
+            <a:extLst>
+              <a:ext uri="{FF2B5EF4-FFF2-40B4-BE49-F238E27FC236}">
+                <a16:creationId xmlns:a16="http://schemas.microsoft.com/office/drawing/2014/main" id="{0434F2F0-2B6C-30C1-B284-5017372F3CDD}"/>
+              </a:ext>
+            </a:extLst>
+          </p:cNvPr>
+          <p:cNvSpPr txBox="1"/>
+          <p:nvPr/>
+        </p:nvSpPr>
+        <p:spPr>
+          <a:xfrm>
+            <a:off x="3297513" y="2216376"/>
+            <a:ext cx="5133137" cy="1077218"/>
+          </a:xfrm>
+          <a:prstGeom prst="rect">
+            <a:avLst/>
+          </a:prstGeom>
+          <a:noFill/>
+        </p:spPr>
+        <p:txBody>
+          <a:bodyPr wrap="square" rtlCol="0">
+            <a:spAutoFit/>
+          </a:bodyPr>
+          <a:lstStyle/>
+          <a:p>
+            <a:pPr marL="285750" indent="-285750">
+              <a:buFont typeface="Wingdings" panose="05000000000000000000" pitchFamily="2" charset="2"/>
+              <a:buChar char="ü"/>
+            </a:pPr>
+            <a:r>
+              <a:rPr lang="vi-VN" sz="1600" dirty="0">
+                <a:solidFill>
+                  <a:schemeClr val="tx1"/>
+                </a:solidFill>
+                <a:latin typeface="Signika" panose="020B0604020202020204" charset="0"/>
+              </a:rPr>
+              <a:t>Kết nối với máy chủ MQTT và lấy được dữ liệu</a:t>
+            </a:r>
+          </a:p>
+          <a:p>
+            <a:pPr marL="285750" indent="-285750">
+              <a:buFont typeface="Wingdings" panose="05000000000000000000" pitchFamily="2" charset="2"/>
+              <a:buChar char="ü"/>
+            </a:pPr>
+            <a:r>
+              <a:rPr lang="vi-VN" sz="1600" dirty="0">
+                <a:solidFill>
+                  <a:schemeClr val="tx1"/>
+                </a:solidFill>
+                <a:latin typeface="Signika" panose="020B0604020202020204" charset="0"/>
+              </a:rPr>
+              <a:t>Kết nối với cơ sở dữ liệu và lưu trữ dữ liệu từ MQTT</a:t>
+            </a:r>
+          </a:p>
+          <a:p>
+            <a:pPr marL="285750" indent="-285750">
+              <a:buFont typeface="Wingdings" panose="05000000000000000000" pitchFamily="2" charset="2"/>
+              <a:buChar char="ü"/>
+            </a:pPr>
+            <a:r>
+              <a:rPr lang="vi-VN" sz="1600" dirty="0">
+                <a:solidFill>
+                  <a:schemeClr val="tx1"/>
+                </a:solidFill>
+                <a:latin typeface="Signika" panose="020B0604020202020204" charset="0"/>
+              </a:rPr>
+              <a:t>Lấy và xử lý được thông tin đã lưu ở cơ sở dữ liệu</a:t>
+            </a:r>
+          </a:p>
+          <a:p>
+            <a:pPr marL="285750" indent="-285750">
+              <a:buFont typeface="Wingdings" panose="05000000000000000000" pitchFamily="2" charset="2"/>
+              <a:buChar char="ü"/>
+            </a:pPr>
+            <a:r>
+              <a:rPr lang="vi-VN" sz="1600" dirty="0">
+                <a:solidFill>
+                  <a:schemeClr val="tx1"/>
+                </a:solidFill>
+                <a:latin typeface="Signika" panose="020B0604020202020204" charset="0"/>
+              </a:rPr>
+              <a:t>Thiết kế được giao diện người dùng hệ thống</a:t>
+            </a:r>
+          </a:p>
+        </p:txBody>
+      </p:sp>
+    </p:spTree>
+    <p:extLst>
+      <p:ext uri="{BB962C8B-B14F-4D97-AF65-F5344CB8AC3E}">
+        <p14:creationId xmlns:p14="http://schemas.microsoft.com/office/powerpoint/2010/main" val="3575710493"/>
+      </p:ext>
+    </p:extLst>
+  </p:cSld>
+  <p:clrMapOvr>
+    <a:masterClrMapping/>
+  </p:clrMapOvr>
+</p:sld>
+</file>
+
+<file path=ppt/slides/slide32.xml><?xml version="1.0" encoding="utf-8"?>
+<p:sld xmlns:a="http://schemas.openxmlformats.org/drawingml/2006/main" xmlns:r="http://schemas.openxmlformats.org/officeDocument/2006/relationships" xmlns:p="http://schemas.openxmlformats.org/presentationml/2006/main">
+  <p:cSld>
+    <p:spTree>
+      <p:nvGrpSpPr>
+        <p:cNvPr id="1" name="Shape 698"/>
+        <p:cNvGrpSpPr/>
+        <p:nvPr/>
+      </p:nvGrpSpPr>
+      <p:grpSpPr>
+        <a:xfrm>
+          <a:off x="0" y="0"/>
+          <a:ext cx="0" cy="0"/>
+          <a:chOff x="0" y="0"/>
+          <a:chExt cx="0" cy="0"/>
+        </a:xfrm>
+      </p:grpSpPr>
+      <p:sp>
+        <p:nvSpPr>
+          <p:cNvPr id="699" name="Google Shape;699;p52"/>
+          <p:cNvSpPr txBox="1">
+            <a:spLocks noGrp="1"/>
+          </p:cNvSpPr>
+          <p:nvPr>
+            <p:ph type="title"/>
+          </p:nvPr>
+        </p:nvSpPr>
+        <p:spPr>
+          <a:xfrm>
+            <a:off x="713225" y="539500"/>
+            <a:ext cx="7717500" cy="572700"/>
+          </a:xfrm>
+          <a:prstGeom prst="rect">
+            <a:avLst/>
+          </a:prstGeom>
+        </p:spPr>
+        <p:txBody>
+          <a:bodyPr spcFirstLastPara="1" wrap="square" lIns="91425" tIns="91425" rIns="91425" bIns="91425" anchor="t" anchorCtr="0">
+            <a:noAutofit/>
+          </a:bodyPr>
+          <a:lstStyle/>
+          <a:p>
+            <a:pPr marL="0" lvl="0" indent="0" algn="l" rtl="0">
+              <a:spcBef>
+                <a:spcPts val="0"/>
+              </a:spcBef>
+              <a:spcAft>
+                <a:spcPts val="0"/>
+              </a:spcAft>
+              <a:buNone/>
+            </a:pPr>
+            <a:r>
+              <a:rPr lang="vi-VN" dirty="0"/>
+              <a:t>Kết luận</a:t>
+            </a:r>
+            <a:endParaRPr dirty="0"/>
+          </a:p>
+        </p:txBody>
+      </p:sp>
+      <p:sp>
+        <p:nvSpPr>
+          <p:cNvPr id="700" name="Google Shape;700;p52"/>
+          <p:cNvSpPr txBox="1"/>
+          <p:nvPr/>
+        </p:nvSpPr>
+        <p:spPr>
+          <a:xfrm>
+            <a:off x="713225" y="1112200"/>
+            <a:ext cx="7717500" cy="489600"/>
+          </a:xfrm>
+          <a:prstGeom prst="rect">
+            <a:avLst/>
+          </a:prstGeom>
+          <a:noFill/>
+          <a:ln>
+            <a:noFill/>
+          </a:ln>
+        </p:spPr>
+        <p:txBody>
+          <a:bodyPr spcFirstLastPara="1" wrap="square" lIns="114300" tIns="91425" rIns="91425" bIns="91425" anchor="ctr" anchorCtr="0">
+            <a:noAutofit/>
+          </a:bodyPr>
+          <a:lstStyle/>
+          <a:p>
+            <a:pPr marL="0" lvl="0" indent="0" algn="l" rtl="0">
+              <a:spcBef>
+                <a:spcPts val="0"/>
+              </a:spcBef>
+              <a:spcAft>
+                <a:spcPts val="0"/>
+              </a:spcAft>
+              <a:buNone/>
+            </a:pPr>
+            <a:r>
+              <a:rPr lang="vi-VN" sz="1600" dirty="0">
+                <a:solidFill>
+                  <a:schemeClr val="dk1"/>
+                </a:solidFill>
+                <a:latin typeface="Signika" panose="020B0604020202020204" charset="0"/>
+                <a:ea typeface="Palanquin"/>
+                <a:cs typeface="Palanquin"/>
+                <a:sym typeface="Palanquin"/>
+              </a:rPr>
+              <a:t>Tổng kết đề tài và kinh nghiệm đúc kết</a:t>
+            </a:r>
+            <a:endParaRPr sz="1600" dirty="0">
+              <a:solidFill>
+                <a:schemeClr val="dk1"/>
+              </a:solidFill>
+              <a:latin typeface="Signika" panose="020B0604020202020204" charset="0"/>
+              <a:ea typeface="Palanquin"/>
+              <a:cs typeface="Palanquin"/>
+              <a:sym typeface="Palanquin"/>
+            </a:endParaRPr>
+          </a:p>
+        </p:txBody>
+      </p:sp>
+      <p:sp>
+        <p:nvSpPr>
+          <p:cNvPr id="701" name="Google Shape;701;p52">
+            <a:hlinkClick r:id="" action="ppaction://hlinkshowjump?jump=previousslide"/>
+          </p:cNvPr>
+          <p:cNvSpPr txBox="1"/>
+          <p:nvPr/>
+        </p:nvSpPr>
+        <p:spPr>
+          <a:xfrm>
+            <a:off x="713225" y="4164550"/>
+            <a:ext cx="1197900" cy="433500"/>
+          </a:xfrm>
+          <a:prstGeom prst="rect">
+            <a:avLst/>
+          </a:prstGeom>
+          <a:solidFill>
+            <a:schemeClr val="dk1"/>
+          </a:solidFill>
+          <a:ln>
+            <a:noFill/>
+          </a:ln>
+        </p:spPr>
+        <p:txBody>
+          <a:bodyPr spcFirstLastPara="1" wrap="square" lIns="91425" tIns="91425" rIns="91425" bIns="91425" anchor="ctr" anchorCtr="0">
+            <a:noAutofit/>
+          </a:bodyPr>
+          <a:lstStyle/>
+          <a:p>
+            <a:pPr marL="0" lvl="0" indent="0" algn="ctr" rtl="0">
+              <a:spcBef>
+                <a:spcPts val="0"/>
+              </a:spcBef>
+              <a:spcAft>
+                <a:spcPts val="0"/>
+              </a:spcAft>
+              <a:buNone/>
+            </a:pPr>
+            <a:r>
+              <a:rPr lang="en" sz="1600" dirty="0">
+                <a:solidFill>
+                  <a:schemeClr val="accent1"/>
+                </a:solidFill>
+                <a:latin typeface="Signika"/>
+                <a:ea typeface="Signika"/>
+                <a:cs typeface="Signika"/>
+                <a:sym typeface="Signika"/>
+              </a:rPr>
+              <a:t>Back</a:t>
+            </a:r>
+            <a:endParaRPr sz="1600" dirty="0">
+              <a:solidFill>
+                <a:schemeClr val="accent1"/>
+              </a:solidFill>
+              <a:latin typeface="Signika"/>
+              <a:ea typeface="Signika"/>
+              <a:cs typeface="Signika"/>
+              <a:sym typeface="Signika"/>
+            </a:endParaRPr>
+          </a:p>
+        </p:txBody>
+      </p:sp>
+      <p:sp>
+        <p:nvSpPr>
+          <p:cNvPr id="702" name="Google Shape;702;p52">
+            <a:hlinkClick r:id="rId3" action="ppaction://hlinksldjump"/>
+          </p:cNvPr>
+          <p:cNvSpPr/>
+          <p:nvPr/>
+        </p:nvSpPr>
+        <p:spPr>
+          <a:xfrm>
+            <a:off x="4383776" y="4164550"/>
+            <a:ext cx="429900" cy="429900"/>
+          </a:xfrm>
+          <a:prstGeom prst="rect">
+            <a:avLst/>
+          </a:prstGeom>
+          <a:solidFill>
+            <a:schemeClr val="dk1"/>
+          </a:solidFill>
+          <a:ln>
+            <a:noFill/>
+          </a:ln>
+        </p:spPr>
+        <p:txBody>
+          <a:bodyPr spcFirstLastPara="1" wrap="square" lIns="91425" tIns="91425" rIns="91425" bIns="91425" anchor="ctr" anchorCtr="0">
+            <a:noAutofit/>
+          </a:bodyPr>
+          <a:lstStyle/>
+          <a:p>
+            <a:pPr marL="0" lvl="0" indent="0" algn="l" rtl="0">
+              <a:spcBef>
+                <a:spcPts val="0"/>
+              </a:spcBef>
+              <a:spcAft>
+                <a:spcPts val="0"/>
+              </a:spcAft>
+              <a:buNone/>
+            </a:pPr>
+            <a:endParaRPr/>
+          </a:p>
+        </p:txBody>
+      </p:sp>
+      <p:sp>
+        <p:nvSpPr>
+          <p:cNvPr id="703" name="Google Shape;703;p52"/>
+          <p:cNvSpPr/>
+          <p:nvPr/>
+        </p:nvSpPr>
+        <p:spPr>
+          <a:xfrm>
+            <a:off x="4420628" y="4215295"/>
+            <a:ext cx="356196" cy="328410"/>
+          </a:xfrm>
+          <a:custGeom>
+            <a:avLst/>
+            <a:gdLst/>
+            <a:ahLst/>
+            <a:cxnLst/>
+            <a:rect l="l" t="t" r="r" b="b"/>
+            <a:pathLst>
+              <a:path w="11217" h="10342" extrusionOk="0">
+                <a:moveTo>
+                  <a:pt x="3394" y="1186"/>
+                </a:moveTo>
+                <a:lnTo>
+                  <a:pt x="3394" y="1507"/>
+                </a:lnTo>
+                <a:lnTo>
+                  <a:pt x="1668" y="1507"/>
+                </a:lnTo>
+                <a:lnTo>
+                  <a:pt x="1668" y="1186"/>
+                </a:lnTo>
+                <a:close/>
+                <a:moveTo>
+                  <a:pt x="3096" y="1829"/>
+                </a:moveTo>
+                <a:lnTo>
+                  <a:pt x="3096" y="2090"/>
+                </a:lnTo>
+                <a:lnTo>
+                  <a:pt x="2013" y="3043"/>
+                </a:lnTo>
+                <a:lnTo>
+                  <a:pt x="2013" y="1829"/>
+                </a:lnTo>
+                <a:close/>
+                <a:moveTo>
+                  <a:pt x="6740" y="5948"/>
+                </a:moveTo>
+                <a:cubicBezTo>
+                  <a:pt x="6775" y="5948"/>
+                  <a:pt x="6799" y="5972"/>
+                  <a:pt x="6799" y="6008"/>
+                </a:cubicBezTo>
+                <a:lnTo>
+                  <a:pt x="6799" y="10020"/>
+                </a:lnTo>
+                <a:lnTo>
+                  <a:pt x="4644" y="10020"/>
+                </a:lnTo>
+                <a:lnTo>
+                  <a:pt x="4644" y="6008"/>
+                </a:lnTo>
+                <a:cubicBezTo>
+                  <a:pt x="4644" y="5972"/>
+                  <a:pt x="4668" y="5948"/>
+                  <a:pt x="4704" y="5948"/>
+                </a:cubicBezTo>
+                <a:close/>
+                <a:moveTo>
+                  <a:pt x="5601" y="1"/>
+                </a:moveTo>
+                <a:cubicBezTo>
+                  <a:pt x="5543" y="1"/>
+                  <a:pt x="5484" y="19"/>
+                  <a:pt x="5430" y="55"/>
+                </a:cubicBezTo>
+                <a:lnTo>
+                  <a:pt x="3692" y="1567"/>
+                </a:lnTo>
+                <a:lnTo>
+                  <a:pt x="3692" y="1126"/>
+                </a:lnTo>
+                <a:cubicBezTo>
+                  <a:pt x="3692" y="995"/>
+                  <a:pt x="3573" y="876"/>
+                  <a:pt x="3442" y="876"/>
+                </a:cubicBezTo>
+                <a:lnTo>
+                  <a:pt x="1596" y="876"/>
+                </a:lnTo>
+                <a:cubicBezTo>
+                  <a:pt x="1453" y="876"/>
+                  <a:pt x="1334" y="995"/>
+                  <a:pt x="1334" y="1126"/>
+                </a:cubicBezTo>
+                <a:lnTo>
+                  <a:pt x="1334" y="1590"/>
+                </a:lnTo>
+                <a:cubicBezTo>
+                  <a:pt x="1334" y="1721"/>
+                  <a:pt x="1453" y="1840"/>
+                  <a:pt x="1596" y="1840"/>
+                </a:cubicBezTo>
+                <a:lnTo>
+                  <a:pt x="1691" y="1840"/>
+                </a:lnTo>
+                <a:lnTo>
+                  <a:pt x="1691" y="3329"/>
+                </a:lnTo>
+                <a:lnTo>
+                  <a:pt x="108" y="4710"/>
+                </a:lnTo>
+                <a:cubicBezTo>
+                  <a:pt x="25" y="4781"/>
+                  <a:pt x="1" y="4888"/>
+                  <a:pt x="25" y="4984"/>
+                </a:cubicBezTo>
+                <a:cubicBezTo>
+                  <a:pt x="60" y="5079"/>
+                  <a:pt x="167" y="5138"/>
+                  <a:pt x="251" y="5138"/>
+                </a:cubicBezTo>
+                <a:lnTo>
+                  <a:pt x="1322" y="5138"/>
+                </a:lnTo>
+                <a:lnTo>
+                  <a:pt x="1322" y="7972"/>
+                </a:lnTo>
+                <a:cubicBezTo>
+                  <a:pt x="1322" y="8056"/>
+                  <a:pt x="1394" y="8139"/>
+                  <a:pt x="1489" y="8139"/>
+                </a:cubicBezTo>
+                <a:cubicBezTo>
+                  <a:pt x="1572" y="8139"/>
+                  <a:pt x="1656" y="8056"/>
+                  <a:pt x="1656" y="7972"/>
+                </a:cubicBezTo>
+                <a:lnTo>
+                  <a:pt x="1656" y="5055"/>
+                </a:lnTo>
+                <a:lnTo>
+                  <a:pt x="5609" y="1614"/>
+                </a:lnTo>
+                <a:lnTo>
+                  <a:pt x="9561" y="5055"/>
+                </a:lnTo>
+                <a:lnTo>
+                  <a:pt x="9561" y="9937"/>
+                </a:lnTo>
+                <a:cubicBezTo>
+                  <a:pt x="9561" y="9984"/>
+                  <a:pt x="9526" y="10020"/>
+                  <a:pt x="9478" y="10020"/>
+                </a:cubicBezTo>
+                <a:lnTo>
+                  <a:pt x="7109" y="10020"/>
+                </a:lnTo>
+                <a:lnTo>
+                  <a:pt x="7109" y="6008"/>
+                </a:lnTo>
+                <a:cubicBezTo>
+                  <a:pt x="7109" y="5793"/>
+                  <a:pt x="6930" y="5615"/>
+                  <a:pt x="6728" y="5615"/>
+                </a:cubicBezTo>
+                <a:lnTo>
+                  <a:pt x="4680" y="5615"/>
+                </a:lnTo>
+                <a:cubicBezTo>
+                  <a:pt x="4478" y="5615"/>
+                  <a:pt x="4299" y="5793"/>
+                  <a:pt x="4299" y="6008"/>
+                </a:cubicBezTo>
+                <a:lnTo>
+                  <a:pt x="4299" y="10020"/>
+                </a:lnTo>
+                <a:lnTo>
+                  <a:pt x="1739" y="10020"/>
+                </a:lnTo>
+                <a:cubicBezTo>
+                  <a:pt x="1691" y="10020"/>
+                  <a:pt x="1656" y="9984"/>
+                  <a:pt x="1656" y="9937"/>
+                </a:cubicBezTo>
+                <a:lnTo>
+                  <a:pt x="1656" y="8734"/>
+                </a:lnTo>
+                <a:cubicBezTo>
+                  <a:pt x="1656" y="8639"/>
+                  <a:pt x="1572" y="8567"/>
+                  <a:pt x="1489" y="8567"/>
+                </a:cubicBezTo>
+                <a:cubicBezTo>
+                  <a:pt x="1394" y="8567"/>
+                  <a:pt x="1322" y="8639"/>
+                  <a:pt x="1322" y="8734"/>
+                </a:cubicBezTo>
+                <a:lnTo>
+                  <a:pt x="1322" y="9937"/>
+                </a:lnTo>
+                <a:cubicBezTo>
+                  <a:pt x="1322" y="10163"/>
+                  <a:pt x="1501" y="10342"/>
+                  <a:pt x="1727" y="10342"/>
+                </a:cubicBezTo>
+                <a:lnTo>
+                  <a:pt x="9466" y="10342"/>
+                </a:lnTo>
+                <a:cubicBezTo>
+                  <a:pt x="9692" y="10342"/>
+                  <a:pt x="9871" y="10163"/>
+                  <a:pt x="9871" y="9937"/>
+                </a:cubicBezTo>
+                <a:lnTo>
+                  <a:pt x="9871" y="5127"/>
+                </a:lnTo>
+                <a:lnTo>
+                  <a:pt x="10943" y="5127"/>
+                </a:lnTo>
+                <a:cubicBezTo>
+                  <a:pt x="11038" y="5127"/>
+                  <a:pt x="11133" y="5067"/>
+                  <a:pt x="11157" y="4960"/>
+                </a:cubicBezTo>
+                <a:cubicBezTo>
+                  <a:pt x="11216" y="4877"/>
+                  <a:pt x="11205" y="4769"/>
+                  <a:pt x="11121" y="4698"/>
+                </a:cubicBezTo>
+                <a:lnTo>
+                  <a:pt x="8811" y="2686"/>
+                </a:lnTo>
+                <a:cubicBezTo>
+                  <a:pt x="8785" y="2659"/>
+                  <a:pt x="8748" y="2647"/>
+                  <a:pt x="8711" y="2647"/>
+                </a:cubicBezTo>
+                <a:cubicBezTo>
+                  <a:pt x="8665" y="2647"/>
+                  <a:pt x="8618" y="2665"/>
+                  <a:pt x="8585" y="2698"/>
+                </a:cubicBezTo>
+                <a:cubicBezTo>
+                  <a:pt x="8526" y="2757"/>
+                  <a:pt x="8538" y="2864"/>
+                  <a:pt x="8597" y="2924"/>
+                </a:cubicBezTo>
+                <a:lnTo>
+                  <a:pt x="10764" y="4805"/>
+                </a:lnTo>
+                <a:lnTo>
+                  <a:pt x="9776" y="4805"/>
+                </a:lnTo>
+                <a:lnTo>
+                  <a:pt x="5763" y="1305"/>
+                </a:lnTo>
+                <a:cubicBezTo>
+                  <a:pt x="5716" y="1269"/>
+                  <a:pt x="5659" y="1251"/>
+                  <a:pt x="5601" y="1251"/>
+                </a:cubicBezTo>
+                <a:cubicBezTo>
+                  <a:pt x="5543" y="1251"/>
+                  <a:pt x="5484" y="1269"/>
+                  <a:pt x="5430" y="1305"/>
+                </a:cubicBezTo>
+                <a:lnTo>
+                  <a:pt x="1418" y="4805"/>
+                </a:lnTo>
+                <a:lnTo>
+                  <a:pt x="429" y="4805"/>
+                </a:lnTo>
+                <a:lnTo>
+                  <a:pt x="1918" y="3507"/>
+                </a:lnTo>
+                <a:lnTo>
+                  <a:pt x="3335" y="2281"/>
+                </a:lnTo>
+                <a:lnTo>
+                  <a:pt x="5609" y="340"/>
+                </a:lnTo>
+                <a:lnTo>
+                  <a:pt x="8026" y="2436"/>
+                </a:lnTo>
+                <a:cubicBezTo>
+                  <a:pt x="8052" y="2463"/>
+                  <a:pt x="8086" y="2475"/>
+                  <a:pt x="8121" y="2475"/>
+                </a:cubicBezTo>
+                <a:cubicBezTo>
+                  <a:pt x="8164" y="2475"/>
+                  <a:pt x="8207" y="2457"/>
+                  <a:pt x="8240" y="2424"/>
+                </a:cubicBezTo>
+                <a:cubicBezTo>
+                  <a:pt x="8299" y="2364"/>
+                  <a:pt x="8288" y="2257"/>
+                  <a:pt x="8228" y="2198"/>
+                </a:cubicBezTo>
+                <a:lnTo>
+                  <a:pt x="5763" y="55"/>
+                </a:lnTo>
+                <a:cubicBezTo>
+                  <a:pt x="5716" y="19"/>
+                  <a:pt x="5659" y="1"/>
+                  <a:pt x="5601" y="1"/>
+                </a:cubicBezTo>
+                <a:close/>
+              </a:path>
+            </a:pathLst>
+          </a:custGeom>
+          <a:solidFill>
+            <a:schemeClr val="accent1"/>
+          </a:solidFill>
+          <a:ln>
+            <a:noFill/>
+          </a:ln>
+        </p:spPr>
+        <p:txBody>
+          <a:bodyPr spcFirstLastPara="1" wrap="square" lIns="91425" tIns="91425" rIns="91425" bIns="91425" anchor="ctr" anchorCtr="0">
+            <a:noAutofit/>
+          </a:bodyPr>
+          <a:lstStyle/>
+          <a:p>
+            <a:pPr marL="0" lvl="0" indent="0" algn="l" rtl="0">
+              <a:spcBef>
+                <a:spcPts val="0"/>
+              </a:spcBef>
+              <a:spcAft>
+                <a:spcPts val="0"/>
+              </a:spcAft>
+              <a:buNone/>
+            </a:pPr>
+            <a:endParaRPr/>
+          </a:p>
+        </p:txBody>
+      </p:sp>
+      <p:sp>
+        <p:nvSpPr>
+          <p:cNvPr id="704" name="Google Shape;704;p52">
+            <a:hlinkClick r:id="" action="ppaction://hlinkshowjump?jump=nextslide"/>
+          </p:cNvPr>
+          <p:cNvSpPr txBox="1"/>
+          <p:nvPr/>
+        </p:nvSpPr>
+        <p:spPr>
+          <a:xfrm>
+            <a:off x="7232750" y="4164550"/>
+            <a:ext cx="1197900" cy="433500"/>
+          </a:xfrm>
+          <a:prstGeom prst="rect">
+            <a:avLst/>
+          </a:prstGeom>
+          <a:solidFill>
+            <a:schemeClr val="dk1"/>
+          </a:solidFill>
+          <a:ln>
+            <a:noFill/>
+          </a:ln>
+        </p:spPr>
+        <p:txBody>
+          <a:bodyPr spcFirstLastPara="1" wrap="square" lIns="91425" tIns="91425" rIns="91425" bIns="91425" anchor="ctr" anchorCtr="0">
+            <a:noAutofit/>
+          </a:bodyPr>
+          <a:lstStyle/>
+          <a:p>
+            <a:pPr marL="0" lvl="0" indent="0" algn="ctr" rtl="0">
+              <a:spcBef>
+                <a:spcPts val="0"/>
+              </a:spcBef>
+              <a:spcAft>
+                <a:spcPts val="0"/>
+              </a:spcAft>
+              <a:buNone/>
+            </a:pPr>
+            <a:r>
+              <a:rPr lang="en" sz="1600">
+                <a:solidFill>
+                  <a:schemeClr val="accent1"/>
+                </a:solidFill>
+                <a:latin typeface="Signika"/>
+                <a:ea typeface="Signika"/>
+                <a:cs typeface="Signika"/>
+                <a:sym typeface="Signika"/>
+              </a:rPr>
+              <a:t>Next</a:t>
+            </a:r>
+            <a:endParaRPr sz="1600">
+              <a:solidFill>
+                <a:schemeClr val="accent1"/>
+              </a:solidFill>
+              <a:latin typeface="Signika"/>
+              <a:ea typeface="Signika"/>
+              <a:cs typeface="Signika"/>
+              <a:sym typeface="Signika"/>
+            </a:endParaRPr>
+          </a:p>
+        </p:txBody>
+      </p:sp>
+      <p:sp>
+        <p:nvSpPr>
+          <p:cNvPr id="2" name="Google Shape;705;p52">
+            <a:extLst>
+              <a:ext uri="{FF2B5EF4-FFF2-40B4-BE49-F238E27FC236}">
+                <a16:creationId xmlns:a16="http://schemas.microsoft.com/office/drawing/2014/main" id="{F89D4FC3-86A2-B46A-4311-8B85F625E0B5}"/>
+              </a:ext>
+            </a:extLst>
+          </p:cNvPr>
+          <p:cNvSpPr txBox="1"/>
+          <p:nvPr/>
+        </p:nvSpPr>
+        <p:spPr>
+          <a:xfrm>
+            <a:off x="713225" y="1877970"/>
+            <a:ext cx="2010487" cy="2010410"/>
+          </a:xfrm>
+          <a:prstGeom prst="rect">
+            <a:avLst/>
+          </a:prstGeom>
+          <a:noFill/>
+          <a:ln w="28575" cap="flat" cmpd="sng">
+            <a:solidFill>
+              <a:schemeClr val="accent1">
+                <a:lumMod val="10000"/>
+              </a:schemeClr>
+            </a:solidFill>
+            <a:prstDash val="solid"/>
+            <a:round/>
+            <a:headEnd type="none" w="sm" len="sm"/>
+            <a:tailEnd type="none" w="sm" len="sm"/>
+          </a:ln>
+        </p:spPr>
+        <p:txBody>
+          <a:bodyPr spcFirstLastPara="1" wrap="square" lIns="91425" tIns="91425" rIns="91425" bIns="91425" anchor="ctr" anchorCtr="0">
+            <a:noAutofit/>
+          </a:bodyPr>
+          <a:lstStyle>
+            <a:defPPr marR="0" lvl="0" algn="l" rtl="0">
+              <a:lnSpc>
+                <a:spcPct val="100000"/>
+              </a:lnSpc>
+              <a:spcBef>
+                <a:spcPts val="0"/>
+              </a:spcBef>
+              <a:spcAft>
+                <a:spcPts val="0"/>
+              </a:spcAft>
+            </a:defPPr>
+            <a:lvl1pPr marL="0" indent="0" algn="ctr">
+              <a:buNone/>
+              <a:defRPr sz="2000" b="1">
+                <a:solidFill>
+                  <a:schemeClr val="dk1"/>
+                </a:solidFill>
+                <a:latin typeface="Signika"/>
+                <a:ea typeface="Signika"/>
+                <a:cs typeface="Signika"/>
+              </a:defRPr>
+            </a:lvl1pPr>
+          </a:lstStyle>
+          <a:p>
+            <a:r>
+              <a:rPr lang="vi-VN" dirty="0">
+                <a:sym typeface="Signika"/>
+              </a:rPr>
+              <a:t>TỔNG KẾT</a:t>
+            </a:r>
+          </a:p>
+          <a:p>
+            <a:r>
+              <a:rPr lang="vi-VN" dirty="0">
+                <a:sym typeface="Signika"/>
+              </a:rPr>
+              <a:t>ĐỀ TÀI</a:t>
+            </a:r>
+            <a:endParaRPr dirty="0">
+              <a:sym typeface="Signika"/>
+            </a:endParaRPr>
+          </a:p>
+        </p:txBody>
+      </p:sp>
+      <p:sp>
+        <p:nvSpPr>
+          <p:cNvPr id="5" name="TextBox 4">
+            <a:extLst>
+              <a:ext uri="{FF2B5EF4-FFF2-40B4-BE49-F238E27FC236}">
+                <a16:creationId xmlns:a16="http://schemas.microsoft.com/office/drawing/2014/main" id="{4B30BC63-4948-CDD6-6BE2-5719EE6ED163}"/>
+              </a:ext>
+            </a:extLst>
+          </p:cNvPr>
+          <p:cNvSpPr txBox="1"/>
+          <p:nvPr/>
+        </p:nvSpPr>
+        <p:spPr>
+          <a:xfrm>
+            <a:off x="2937690" y="1877970"/>
+            <a:ext cx="4745210" cy="338554"/>
+          </a:xfrm>
+          <a:prstGeom prst="rect">
+            <a:avLst/>
+          </a:prstGeom>
+          <a:noFill/>
+        </p:spPr>
+        <p:txBody>
+          <a:bodyPr wrap="none" rtlCol="0">
+            <a:spAutoFit/>
+          </a:bodyPr>
+          <a:lstStyle/>
+          <a:p>
+            <a:r>
+              <a:rPr lang="vi-VN" sz="1600" b="1" dirty="0">
+                <a:solidFill>
+                  <a:schemeClr val="tx1"/>
+                </a:solidFill>
+                <a:latin typeface="Signika" panose="020B0604020202020204" charset="0"/>
+              </a:rPr>
+              <a:t>CÁC THÀNH PHẦN HỆ THỐNG CHƯA HOÀN THÀNH</a:t>
+            </a:r>
+          </a:p>
+        </p:txBody>
+      </p:sp>
+      <p:sp>
+        <p:nvSpPr>
+          <p:cNvPr id="6" name="TextBox 5">
+            <a:extLst>
+              <a:ext uri="{FF2B5EF4-FFF2-40B4-BE49-F238E27FC236}">
+                <a16:creationId xmlns:a16="http://schemas.microsoft.com/office/drawing/2014/main" id="{0434F2F0-2B6C-30C1-B284-5017372F3CDD}"/>
+              </a:ext>
+            </a:extLst>
+          </p:cNvPr>
+          <p:cNvSpPr txBox="1"/>
+          <p:nvPr/>
+        </p:nvSpPr>
+        <p:spPr>
+          <a:xfrm>
+            <a:off x="3297513" y="2216376"/>
+            <a:ext cx="5133137" cy="1077218"/>
+          </a:xfrm>
+          <a:prstGeom prst="rect">
+            <a:avLst/>
+          </a:prstGeom>
+          <a:noFill/>
+        </p:spPr>
+        <p:txBody>
+          <a:bodyPr wrap="square" rtlCol="0">
+            <a:spAutoFit/>
+          </a:bodyPr>
+          <a:lstStyle/>
+          <a:p>
+            <a:pPr marL="285750" indent="-285750">
+              <a:buFont typeface="Signika" panose="020B0604020202020204" charset="0"/>
+              <a:buChar char="×"/>
+            </a:pPr>
+            <a:r>
+              <a:rPr lang="vi-VN" sz="1600" dirty="0">
+                <a:solidFill>
+                  <a:schemeClr val="tx1"/>
+                </a:solidFill>
+                <a:latin typeface="Signika" panose="020B0604020202020204" charset="0"/>
+              </a:rPr>
+              <a:t>Hiển thị thông tin từ cơ sở dữ liệu lên giao diện</a:t>
+            </a:r>
+          </a:p>
+          <a:p>
+            <a:pPr marL="285750" indent="-285750">
+              <a:buFont typeface="Signika" panose="020B0604020202020204" charset="0"/>
+              <a:buChar char="×"/>
+            </a:pPr>
+            <a:r>
+              <a:rPr lang="vi-VN" sz="1600" dirty="0">
+                <a:solidFill>
+                  <a:schemeClr val="tx1"/>
+                </a:solidFill>
+                <a:latin typeface="Signika" panose="020B0604020202020204" charset="0"/>
+              </a:rPr>
+              <a:t>Xử lý cảnh báo điện năng quá tải</a:t>
+            </a:r>
+          </a:p>
+          <a:p>
+            <a:pPr marL="285750" indent="-285750">
+              <a:buFont typeface="Signika" panose="020B0604020202020204" charset="0"/>
+              <a:buChar char="×"/>
+            </a:pPr>
+            <a:r>
+              <a:rPr lang="vi-VN" sz="1600" dirty="0">
+                <a:solidFill>
+                  <a:schemeClr val="tx1"/>
+                </a:solidFill>
+                <a:latin typeface="Signika" panose="020B0604020202020204" charset="0"/>
+              </a:rPr>
+              <a:t>Xử lý tính tiền điện</a:t>
+            </a:r>
+          </a:p>
+          <a:p>
+            <a:pPr marL="285750" indent="-285750">
+              <a:buFont typeface="Signika" panose="020B0604020202020204" charset="0"/>
+              <a:buChar char="×"/>
+            </a:pPr>
+            <a:r>
+              <a:rPr lang="vi-VN" sz="1600" dirty="0">
+                <a:solidFill>
+                  <a:schemeClr val="tx1"/>
+                </a:solidFill>
+                <a:latin typeface="Signika" panose="020B0604020202020204" charset="0"/>
+              </a:rPr>
+              <a:t>Xử lý đăng nhập</a:t>
+            </a:r>
+          </a:p>
+        </p:txBody>
+      </p:sp>
+    </p:spTree>
+    <p:extLst>
+      <p:ext uri="{BB962C8B-B14F-4D97-AF65-F5344CB8AC3E}">
+        <p14:creationId xmlns:p14="http://schemas.microsoft.com/office/powerpoint/2010/main" val="3816867941"/>
+      </p:ext>
+    </p:extLst>
+  </p:cSld>
+  <p:clrMapOvr>
+    <a:masterClrMapping/>
+  </p:clrMapOvr>
+</p:sld>
+</file>
+
+<file path=ppt/slides/slide33.xml><?xml version="1.0" encoding="utf-8"?>
+<p:sld xmlns:a="http://schemas.openxmlformats.org/drawingml/2006/main" xmlns:r="http://schemas.openxmlformats.org/officeDocument/2006/relationships" xmlns:p="http://schemas.openxmlformats.org/presentationml/2006/main">
+  <p:cSld>
+    <p:spTree>
+      <p:nvGrpSpPr>
+        <p:cNvPr id="1" name="Shape 698"/>
+        <p:cNvGrpSpPr/>
+        <p:nvPr/>
+      </p:nvGrpSpPr>
+      <p:grpSpPr>
+        <a:xfrm>
+          <a:off x="0" y="0"/>
+          <a:ext cx="0" cy="0"/>
+          <a:chOff x="0" y="0"/>
+          <a:chExt cx="0" cy="0"/>
+        </a:xfrm>
+      </p:grpSpPr>
+      <p:sp>
+        <p:nvSpPr>
+          <p:cNvPr id="699" name="Google Shape;699;p52"/>
+          <p:cNvSpPr txBox="1">
+            <a:spLocks noGrp="1"/>
+          </p:cNvSpPr>
+          <p:nvPr>
+            <p:ph type="title"/>
+          </p:nvPr>
+        </p:nvSpPr>
+        <p:spPr>
+          <a:xfrm>
+            <a:off x="713225" y="539500"/>
+            <a:ext cx="7717500" cy="572700"/>
+          </a:xfrm>
+          <a:prstGeom prst="rect">
+            <a:avLst/>
+          </a:prstGeom>
+        </p:spPr>
+        <p:txBody>
+          <a:bodyPr spcFirstLastPara="1" wrap="square" lIns="91425" tIns="91425" rIns="91425" bIns="91425" anchor="t" anchorCtr="0">
+            <a:noAutofit/>
+          </a:bodyPr>
+          <a:lstStyle/>
+          <a:p>
+            <a:pPr marL="0" lvl="0" indent="0" algn="l" rtl="0">
+              <a:spcBef>
+                <a:spcPts val="0"/>
+              </a:spcBef>
+              <a:spcAft>
+                <a:spcPts val="0"/>
+              </a:spcAft>
+              <a:buNone/>
+            </a:pPr>
+            <a:r>
+              <a:rPr lang="vi-VN" dirty="0"/>
+              <a:t>Kết luận</a:t>
+            </a:r>
+            <a:endParaRPr dirty="0"/>
+          </a:p>
+        </p:txBody>
+      </p:sp>
+      <p:sp>
+        <p:nvSpPr>
+          <p:cNvPr id="700" name="Google Shape;700;p52"/>
+          <p:cNvSpPr txBox="1"/>
+          <p:nvPr/>
+        </p:nvSpPr>
+        <p:spPr>
+          <a:xfrm>
+            <a:off x="713225" y="1112200"/>
+            <a:ext cx="7717500" cy="489600"/>
+          </a:xfrm>
+          <a:prstGeom prst="rect">
+            <a:avLst/>
+          </a:prstGeom>
+          <a:noFill/>
+          <a:ln>
+            <a:noFill/>
+          </a:ln>
+        </p:spPr>
+        <p:txBody>
+          <a:bodyPr spcFirstLastPara="1" wrap="square" lIns="114300" tIns="91425" rIns="91425" bIns="91425" anchor="ctr" anchorCtr="0">
+            <a:noAutofit/>
+          </a:bodyPr>
+          <a:lstStyle/>
+          <a:p>
+            <a:pPr marL="0" lvl="0" indent="0" algn="l" rtl="0">
+              <a:spcBef>
+                <a:spcPts val="0"/>
+              </a:spcBef>
+              <a:spcAft>
+                <a:spcPts val="0"/>
+              </a:spcAft>
+              <a:buNone/>
+            </a:pPr>
+            <a:r>
+              <a:rPr lang="vi-VN" sz="1600" dirty="0">
+                <a:solidFill>
+                  <a:schemeClr val="dk1"/>
+                </a:solidFill>
+                <a:latin typeface="Signika" panose="020B0604020202020204" charset="0"/>
+                <a:ea typeface="Palanquin"/>
+                <a:cs typeface="Palanquin"/>
+                <a:sym typeface="Palanquin"/>
+              </a:rPr>
+              <a:t>Tổng kết đề tài và kinh nghiệm đúc kết</a:t>
+            </a:r>
+            <a:endParaRPr sz="1600" dirty="0">
+              <a:solidFill>
+                <a:schemeClr val="dk1"/>
+              </a:solidFill>
+              <a:latin typeface="Signika" panose="020B0604020202020204" charset="0"/>
+              <a:ea typeface="Palanquin"/>
+              <a:cs typeface="Palanquin"/>
+              <a:sym typeface="Palanquin"/>
+            </a:endParaRPr>
+          </a:p>
+        </p:txBody>
+      </p:sp>
+      <p:sp>
+        <p:nvSpPr>
+          <p:cNvPr id="701" name="Google Shape;701;p52">
+            <a:hlinkClick r:id="" action="ppaction://hlinkshowjump?jump=previousslide"/>
+          </p:cNvPr>
+          <p:cNvSpPr txBox="1"/>
+          <p:nvPr/>
+        </p:nvSpPr>
+        <p:spPr>
+          <a:xfrm>
+            <a:off x="713225" y="4164550"/>
+            <a:ext cx="1197900" cy="433500"/>
+          </a:xfrm>
+          <a:prstGeom prst="rect">
+            <a:avLst/>
+          </a:prstGeom>
+          <a:solidFill>
+            <a:schemeClr val="dk1"/>
+          </a:solidFill>
+          <a:ln>
+            <a:noFill/>
+          </a:ln>
+        </p:spPr>
+        <p:txBody>
+          <a:bodyPr spcFirstLastPara="1" wrap="square" lIns="91425" tIns="91425" rIns="91425" bIns="91425" anchor="ctr" anchorCtr="0">
+            <a:noAutofit/>
+          </a:bodyPr>
+          <a:lstStyle/>
+          <a:p>
+            <a:pPr marL="0" lvl="0" indent="0" algn="ctr" rtl="0">
+              <a:spcBef>
+                <a:spcPts val="0"/>
+              </a:spcBef>
+              <a:spcAft>
+                <a:spcPts val="0"/>
+              </a:spcAft>
+              <a:buNone/>
+            </a:pPr>
+            <a:r>
+              <a:rPr lang="en" sz="1600" dirty="0">
+                <a:solidFill>
+                  <a:schemeClr val="accent1"/>
+                </a:solidFill>
+                <a:latin typeface="Signika"/>
+                <a:ea typeface="Signika"/>
+                <a:cs typeface="Signika"/>
+                <a:sym typeface="Signika"/>
+              </a:rPr>
+              <a:t>Back</a:t>
+            </a:r>
+            <a:endParaRPr sz="1600" dirty="0">
+              <a:solidFill>
+                <a:schemeClr val="accent1"/>
+              </a:solidFill>
+              <a:latin typeface="Signika"/>
+              <a:ea typeface="Signika"/>
+              <a:cs typeface="Signika"/>
+              <a:sym typeface="Signika"/>
+            </a:endParaRPr>
+          </a:p>
+        </p:txBody>
+      </p:sp>
+      <p:sp>
+        <p:nvSpPr>
+          <p:cNvPr id="702" name="Google Shape;702;p52">
+            <a:hlinkClick r:id="rId3" action="ppaction://hlinksldjump"/>
+          </p:cNvPr>
+          <p:cNvSpPr/>
+          <p:nvPr/>
+        </p:nvSpPr>
+        <p:spPr>
+          <a:xfrm>
+            <a:off x="4383776" y="4164550"/>
+            <a:ext cx="429900" cy="429900"/>
+          </a:xfrm>
+          <a:prstGeom prst="rect">
+            <a:avLst/>
+          </a:prstGeom>
+          <a:solidFill>
+            <a:schemeClr val="dk1"/>
+          </a:solidFill>
+          <a:ln>
+            <a:noFill/>
+          </a:ln>
+        </p:spPr>
+        <p:txBody>
+          <a:bodyPr spcFirstLastPara="1" wrap="square" lIns="91425" tIns="91425" rIns="91425" bIns="91425" anchor="ctr" anchorCtr="0">
+            <a:noAutofit/>
+          </a:bodyPr>
+          <a:lstStyle/>
+          <a:p>
+            <a:pPr marL="0" lvl="0" indent="0" algn="l" rtl="0">
+              <a:spcBef>
+                <a:spcPts val="0"/>
+              </a:spcBef>
+              <a:spcAft>
+                <a:spcPts val="0"/>
+              </a:spcAft>
+              <a:buNone/>
+            </a:pPr>
+            <a:endParaRPr/>
+          </a:p>
+        </p:txBody>
+      </p:sp>
+      <p:sp>
+        <p:nvSpPr>
+          <p:cNvPr id="703" name="Google Shape;703;p52"/>
+          <p:cNvSpPr/>
+          <p:nvPr/>
+        </p:nvSpPr>
+        <p:spPr>
+          <a:xfrm>
+            <a:off x="4420628" y="4215295"/>
+            <a:ext cx="356196" cy="328410"/>
+          </a:xfrm>
+          <a:custGeom>
+            <a:avLst/>
+            <a:gdLst/>
+            <a:ahLst/>
+            <a:cxnLst/>
+            <a:rect l="l" t="t" r="r" b="b"/>
+            <a:pathLst>
+              <a:path w="11217" h="10342" extrusionOk="0">
+                <a:moveTo>
+                  <a:pt x="3394" y="1186"/>
+                </a:moveTo>
+                <a:lnTo>
+                  <a:pt x="3394" y="1507"/>
+                </a:lnTo>
+                <a:lnTo>
+                  <a:pt x="1668" y="1507"/>
+                </a:lnTo>
+                <a:lnTo>
+                  <a:pt x="1668" y="1186"/>
+                </a:lnTo>
+                <a:close/>
+                <a:moveTo>
+                  <a:pt x="3096" y="1829"/>
+                </a:moveTo>
+                <a:lnTo>
+                  <a:pt x="3096" y="2090"/>
+                </a:lnTo>
+                <a:lnTo>
+                  <a:pt x="2013" y="3043"/>
+                </a:lnTo>
+                <a:lnTo>
+                  <a:pt x="2013" y="1829"/>
+                </a:lnTo>
+                <a:close/>
+                <a:moveTo>
+                  <a:pt x="6740" y="5948"/>
+                </a:moveTo>
+                <a:cubicBezTo>
+                  <a:pt x="6775" y="5948"/>
+                  <a:pt x="6799" y="5972"/>
+                  <a:pt x="6799" y="6008"/>
+                </a:cubicBezTo>
+                <a:lnTo>
+                  <a:pt x="6799" y="10020"/>
+                </a:lnTo>
+                <a:lnTo>
+                  <a:pt x="4644" y="10020"/>
+                </a:lnTo>
+                <a:lnTo>
+                  <a:pt x="4644" y="6008"/>
+                </a:lnTo>
+                <a:cubicBezTo>
+                  <a:pt x="4644" y="5972"/>
+                  <a:pt x="4668" y="5948"/>
+                  <a:pt x="4704" y="5948"/>
+                </a:cubicBezTo>
+                <a:close/>
+                <a:moveTo>
+                  <a:pt x="5601" y="1"/>
+                </a:moveTo>
+                <a:cubicBezTo>
+                  <a:pt x="5543" y="1"/>
+                  <a:pt x="5484" y="19"/>
+                  <a:pt x="5430" y="55"/>
+                </a:cubicBezTo>
+                <a:lnTo>
+                  <a:pt x="3692" y="1567"/>
+                </a:lnTo>
+                <a:lnTo>
+                  <a:pt x="3692" y="1126"/>
+                </a:lnTo>
+                <a:cubicBezTo>
+                  <a:pt x="3692" y="995"/>
+                  <a:pt x="3573" y="876"/>
+                  <a:pt x="3442" y="876"/>
+                </a:cubicBezTo>
+                <a:lnTo>
+                  <a:pt x="1596" y="876"/>
+                </a:lnTo>
+                <a:cubicBezTo>
+                  <a:pt x="1453" y="876"/>
+                  <a:pt x="1334" y="995"/>
+                  <a:pt x="1334" y="1126"/>
+                </a:cubicBezTo>
+                <a:lnTo>
+                  <a:pt x="1334" y="1590"/>
+                </a:lnTo>
+                <a:cubicBezTo>
+                  <a:pt x="1334" y="1721"/>
+                  <a:pt x="1453" y="1840"/>
+                  <a:pt x="1596" y="1840"/>
+                </a:cubicBezTo>
+                <a:lnTo>
+                  <a:pt x="1691" y="1840"/>
+                </a:lnTo>
+                <a:lnTo>
+                  <a:pt x="1691" y="3329"/>
+                </a:lnTo>
+                <a:lnTo>
+                  <a:pt x="108" y="4710"/>
+                </a:lnTo>
+                <a:cubicBezTo>
+                  <a:pt x="25" y="4781"/>
+                  <a:pt x="1" y="4888"/>
+                  <a:pt x="25" y="4984"/>
+                </a:cubicBezTo>
+                <a:cubicBezTo>
+                  <a:pt x="60" y="5079"/>
+                  <a:pt x="167" y="5138"/>
+                  <a:pt x="251" y="5138"/>
+                </a:cubicBezTo>
+                <a:lnTo>
+                  <a:pt x="1322" y="5138"/>
+                </a:lnTo>
+                <a:lnTo>
+                  <a:pt x="1322" y="7972"/>
+                </a:lnTo>
+                <a:cubicBezTo>
+                  <a:pt x="1322" y="8056"/>
+                  <a:pt x="1394" y="8139"/>
+                  <a:pt x="1489" y="8139"/>
+                </a:cubicBezTo>
+                <a:cubicBezTo>
+                  <a:pt x="1572" y="8139"/>
+                  <a:pt x="1656" y="8056"/>
+                  <a:pt x="1656" y="7972"/>
+                </a:cubicBezTo>
+                <a:lnTo>
+                  <a:pt x="1656" y="5055"/>
+                </a:lnTo>
+                <a:lnTo>
+                  <a:pt x="5609" y="1614"/>
+                </a:lnTo>
+                <a:lnTo>
+                  <a:pt x="9561" y="5055"/>
+                </a:lnTo>
+                <a:lnTo>
+                  <a:pt x="9561" y="9937"/>
+                </a:lnTo>
+                <a:cubicBezTo>
+                  <a:pt x="9561" y="9984"/>
+                  <a:pt x="9526" y="10020"/>
+                  <a:pt x="9478" y="10020"/>
+                </a:cubicBezTo>
+                <a:lnTo>
+                  <a:pt x="7109" y="10020"/>
+                </a:lnTo>
+                <a:lnTo>
+                  <a:pt x="7109" y="6008"/>
+                </a:lnTo>
+                <a:cubicBezTo>
+                  <a:pt x="7109" y="5793"/>
+                  <a:pt x="6930" y="5615"/>
+                  <a:pt x="6728" y="5615"/>
+                </a:cubicBezTo>
+                <a:lnTo>
+                  <a:pt x="4680" y="5615"/>
+                </a:lnTo>
+                <a:cubicBezTo>
+                  <a:pt x="4478" y="5615"/>
+                  <a:pt x="4299" y="5793"/>
+                  <a:pt x="4299" y="6008"/>
+                </a:cubicBezTo>
+                <a:lnTo>
+                  <a:pt x="4299" y="10020"/>
+                </a:lnTo>
+                <a:lnTo>
+                  <a:pt x="1739" y="10020"/>
+                </a:lnTo>
+                <a:cubicBezTo>
+                  <a:pt x="1691" y="10020"/>
+                  <a:pt x="1656" y="9984"/>
+                  <a:pt x="1656" y="9937"/>
+                </a:cubicBezTo>
+                <a:lnTo>
+                  <a:pt x="1656" y="8734"/>
+                </a:lnTo>
+                <a:cubicBezTo>
+                  <a:pt x="1656" y="8639"/>
+                  <a:pt x="1572" y="8567"/>
+                  <a:pt x="1489" y="8567"/>
+                </a:cubicBezTo>
+                <a:cubicBezTo>
+                  <a:pt x="1394" y="8567"/>
+                  <a:pt x="1322" y="8639"/>
+                  <a:pt x="1322" y="8734"/>
+                </a:cubicBezTo>
+                <a:lnTo>
+                  <a:pt x="1322" y="9937"/>
+                </a:lnTo>
+                <a:cubicBezTo>
+                  <a:pt x="1322" y="10163"/>
+                  <a:pt x="1501" y="10342"/>
+                  <a:pt x="1727" y="10342"/>
+                </a:cubicBezTo>
+                <a:lnTo>
+                  <a:pt x="9466" y="10342"/>
+                </a:lnTo>
+                <a:cubicBezTo>
+                  <a:pt x="9692" y="10342"/>
+                  <a:pt x="9871" y="10163"/>
+                  <a:pt x="9871" y="9937"/>
+                </a:cubicBezTo>
+                <a:lnTo>
+                  <a:pt x="9871" y="5127"/>
+                </a:lnTo>
+                <a:lnTo>
+                  <a:pt x="10943" y="5127"/>
+                </a:lnTo>
+                <a:cubicBezTo>
+                  <a:pt x="11038" y="5127"/>
+                  <a:pt x="11133" y="5067"/>
+                  <a:pt x="11157" y="4960"/>
+                </a:cubicBezTo>
+                <a:cubicBezTo>
+                  <a:pt x="11216" y="4877"/>
+                  <a:pt x="11205" y="4769"/>
+                  <a:pt x="11121" y="4698"/>
+                </a:cubicBezTo>
+                <a:lnTo>
+                  <a:pt x="8811" y="2686"/>
+                </a:lnTo>
+                <a:cubicBezTo>
+                  <a:pt x="8785" y="2659"/>
+                  <a:pt x="8748" y="2647"/>
+                  <a:pt x="8711" y="2647"/>
+                </a:cubicBezTo>
+                <a:cubicBezTo>
+                  <a:pt x="8665" y="2647"/>
+                  <a:pt x="8618" y="2665"/>
+                  <a:pt x="8585" y="2698"/>
+                </a:cubicBezTo>
+                <a:cubicBezTo>
+                  <a:pt x="8526" y="2757"/>
+                  <a:pt x="8538" y="2864"/>
+                  <a:pt x="8597" y="2924"/>
+                </a:cubicBezTo>
+                <a:lnTo>
+                  <a:pt x="10764" y="4805"/>
+                </a:lnTo>
+                <a:lnTo>
+                  <a:pt x="9776" y="4805"/>
+                </a:lnTo>
+                <a:lnTo>
+                  <a:pt x="5763" y="1305"/>
+                </a:lnTo>
+                <a:cubicBezTo>
+                  <a:pt x="5716" y="1269"/>
+                  <a:pt x="5659" y="1251"/>
+                  <a:pt x="5601" y="1251"/>
+                </a:cubicBezTo>
+                <a:cubicBezTo>
+                  <a:pt x="5543" y="1251"/>
+                  <a:pt x="5484" y="1269"/>
+                  <a:pt x="5430" y="1305"/>
+                </a:cubicBezTo>
+                <a:lnTo>
+                  <a:pt x="1418" y="4805"/>
+                </a:lnTo>
+                <a:lnTo>
+                  <a:pt x="429" y="4805"/>
+                </a:lnTo>
+                <a:lnTo>
+                  <a:pt x="1918" y="3507"/>
+                </a:lnTo>
+                <a:lnTo>
+                  <a:pt x="3335" y="2281"/>
+                </a:lnTo>
+                <a:lnTo>
+                  <a:pt x="5609" y="340"/>
+                </a:lnTo>
+                <a:lnTo>
+                  <a:pt x="8026" y="2436"/>
+                </a:lnTo>
+                <a:cubicBezTo>
+                  <a:pt x="8052" y="2463"/>
+                  <a:pt x="8086" y="2475"/>
+                  <a:pt x="8121" y="2475"/>
+                </a:cubicBezTo>
+                <a:cubicBezTo>
+                  <a:pt x="8164" y="2475"/>
+                  <a:pt x="8207" y="2457"/>
+                  <a:pt x="8240" y="2424"/>
+                </a:cubicBezTo>
+                <a:cubicBezTo>
+                  <a:pt x="8299" y="2364"/>
+                  <a:pt x="8288" y="2257"/>
+                  <a:pt x="8228" y="2198"/>
+                </a:cubicBezTo>
+                <a:lnTo>
+                  <a:pt x="5763" y="55"/>
+                </a:lnTo>
+                <a:cubicBezTo>
+                  <a:pt x="5716" y="19"/>
+                  <a:pt x="5659" y="1"/>
+                  <a:pt x="5601" y="1"/>
+                </a:cubicBezTo>
+                <a:close/>
+              </a:path>
+            </a:pathLst>
+          </a:custGeom>
+          <a:solidFill>
+            <a:schemeClr val="accent1"/>
+          </a:solidFill>
+          <a:ln>
+            <a:noFill/>
+          </a:ln>
+        </p:spPr>
+        <p:txBody>
+          <a:bodyPr spcFirstLastPara="1" wrap="square" lIns="91425" tIns="91425" rIns="91425" bIns="91425" anchor="ctr" anchorCtr="0">
+            <a:noAutofit/>
+          </a:bodyPr>
+          <a:lstStyle/>
+          <a:p>
+            <a:pPr marL="0" lvl="0" indent="0" algn="l" rtl="0">
+              <a:spcBef>
+                <a:spcPts val="0"/>
+              </a:spcBef>
+              <a:spcAft>
+                <a:spcPts val="0"/>
+              </a:spcAft>
+              <a:buNone/>
+            </a:pPr>
+            <a:endParaRPr/>
+          </a:p>
+        </p:txBody>
+      </p:sp>
+      <p:sp>
+        <p:nvSpPr>
+          <p:cNvPr id="704" name="Google Shape;704;p52">
+            <a:hlinkClick r:id="" action="ppaction://hlinkshowjump?jump=nextslide"/>
+          </p:cNvPr>
+          <p:cNvSpPr txBox="1"/>
+          <p:nvPr/>
+        </p:nvSpPr>
+        <p:spPr>
+          <a:xfrm>
+            <a:off x="7232750" y="4164550"/>
+            <a:ext cx="1197900" cy="433500"/>
+          </a:xfrm>
+          <a:prstGeom prst="rect">
+            <a:avLst/>
+          </a:prstGeom>
+          <a:solidFill>
+            <a:schemeClr val="dk1"/>
+          </a:solidFill>
+          <a:ln>
+            <a:noFill/>
+          </a:ln>
+        </p:spPr>
+        <p:txBody>
+          <a:bodyPr spcFirstLastPara="1" wrap="square" lIns="91425" tIns="91425" rIns="91425" bIns="91425" anchor="ctr" anchorCtr="0">
+            <a:noAutofit/>
+          </a:bodyPr>
+          <a:lstStyle/>
+          <a:p>
+            <a:pPr marL="0" lvl="0" indent="0" algn="ctr" rtl="0">
+              <a:spcBef>
+                <a:spcPts val="0"/>
+              </a:spcBef>
+              <a:spcAft>
+                <a:spcPts val="0"/>
+              </a:spcAft>
+              <a:buNone/>
+            </a:pPr>
+            <a:r>
+              <a:rPr lang="en" sz="1600">
+                <a:solidFill>
+                  <a:schemeClr val="accent1"/>
+                </a:solidFill>
+                <a:latin typeface="Signika"/>
+                <a:ea typeface="Signika"/>
+                <a:cs typeface="Signika"/>
+                <a:sym typeface="Signika"/>
+              </a:rPr>
+              <a:t>Next</a:t>
+            </a:r>
+            <a:endParaRPr sz="1600">
+              <a:solidFill>
+                <a:schemeClr val="accent1"/>
+              </a:solidFill>
+              <a:latin typeface="Signika"/>
+              <a:ea typeface="Signika"/>
+              <a:cs typeface="Signika"/>
+              <a:sym typeface="Signika"/>
+            </a:endParaRPr>
+          </a:p>
+        </p:txBody>
+      </p:sp>
+      <p:sp>
+        <p:nvSpPr>
+          <p:cNvPr id="2" name="Google Shape;705;p52">
+            <a:extLst>
+              <a:ext uri="{FF2B5EF4-FFF2-40B4-BE49-F238E27FC236}">
+                <a16:creationId xmlns:a16="http://schemas.microsoft.com/office/drawing/2014/main" id="{F89D4FC3-86A2-B46A-4311-8B85F625E0B5}"/>
+              </a:ext>
+            </a:extLst>
+          </p:cNvPr>
+          <p:cNvSpPr txBox="1"/>
+          <p:nvPr/>
+        </p:nvSpPr>
+        <p:spPr>
+          <a:xfrm>
+            <a:off x="713225" y="1877970"/>
+            <a:ext cx="2010487" cy="2010410"/>
+          </a:xfrm>
+          <a:prstGeom prst="rect">
+            <a:avLst/>
+          </a:prstGeom>
+          <a:noFill/>
+          <a:ln w="28575" cap="flat" cmpd="sng">
+            <a:solidFill>
+              <a:schemeClr val="accent1">
+                <a:lumMod val="10000"/>
+              </a:schemeClr>
+            </a:solidFill>
+            <a:prstDash val="solid"/>
+            <a:round/>
+            <a:headEnd type="none" w="sm" len="sm"/>
+            <a:tailEnd type="none" w="sm" len="sm"/>
+          </a:ln>
+        </p:spPr>
+        <p:txBody>
+          <a:bodyPr spcFirstLastPara="1" wrap="square" lIns="91425" tIns="91425" rIns="91425" bIns="91425" anchor="ctr" anchorCtr="0">
+            <a:noAutofit/>
+          </a:bodyPr>
+          <a:lstStyle>
+            <a:defPPr marR="0" lvl="0" algn="l" rtl="0">
+              <a:lnSpc>
+                <a:spcPct val="100000"/>
+              </a:lnSpc>
+              <a:spcBef>
+                <a:spcPts val="0"/>
+              </a:spcBef>
+              <a:spcAft>
+                <a:spcPts val="0"/>
+              </a:spcAft>
+            </a:defPPr>
+            <a:lvl1pPr marL="0" indent="0" algn="ctr">
+              <a:buNone/>
+              <a:defRPr sz="2000" b="1">
+                <a:solidFill>
+                  <a:schemeClr val="dk1"/>
+                </a:solidFill>
+                <a:latin typeface="Signika"/>
+                <a:ea typeface="Signika"/>
+                <a:cs typeface="Signika"/>
+              </a:defRPr>
+            </a:lvl1pPr>
+          </a:lstStyle>
+          <a:p>
+            <a:r>
+              <a:rPr lang="vi-VN" dirty="0">
+                <a:sym typeface="Signika"/>
+              </a:rPr>
+              <a:t>KINH NGHIỆM ĐÚC KẾT</a:t>
+            </a:r>
+            <a:endParaRPr dirty="0">
+              <a:sym typeface="Signika"/>
+            </a:endParaRPr>
+          </a:p>
+        </p:txBody>
+      </p:sp>
+      <p:sp>
+        <p:nvSpPr>
+          <p:cNvPr id="5" name="TextBox 4">
+            <a:extLst>
+              <a:ext uri="{FF2B5EF4-FFF2-40B4-BE49-F238E27FC236}">
+                <a16:creationId xmlns:a16="http://schemas.microsoft.com/office/drawing/2014/main" id="{4B30BC63-4948-CDD6-6BE2-5719EE6ED163}"/>
+              </a:ext>
+            </a:extLst>
+          </p:cNvPr>
+          <p:cNvSpPr txBox="1"/>
+          <p:nvPr/>
+        </p:nvSpPr>
+        <p:spPr>
+          <a:xfrm>
+            <a:off x="3063195" y="1610005"/>
+            <a:ext cx="5051765" cy="2554545"/>
+          </a:xfrm>
+          <a:prstGeom prst="rect">
+            <a:avLst/>
+          </a:prstGeom>
+          <a:noFill/>
+        </p:spPr>
+        <p:txBody>
+          <a:bodyPr wrap="square" rtlCol="0">
+            <a:spAutoFit/>
+          </a:bodyPr>
+          <a:lstStyle/>
+          <a:p>
+            <a:r>
+              <a:rPr lang="vi-VN" sz="1600" dirty="0">
+                <a:solidFill>
+                  <a:schemeClr val="tx1"/>
+                </a:solidFill>
+                <a:latin typeface="Signika" panose="020B0604020202020204" charset="0"/>
+              </a:rPr>
+              <a:t>     Qua việc tham gia trực tiếp vào phân tích và thiết kế đề tài, nhóm đã tích góp được thêm nhiều </a:t>
+            </a:r>
+            <a:r>
+              <a:rPr lang="vi-VN" sz="1600" b="1" dirty="0">
+                <a:solidFill>
+                  <a:schemeClr val="tx1"/>
+                </a:solidFill>
+                <a:latin typeface="Signika" panose="020B0604020202020204" charset="0"/>
+              </a:rPr>
+              <a:t>kinh nghiệm khi làm việc với dữ liệu giữa các thiết bị sử dụng MQTT </a:t>
+            </a:r>
+            <a:r>
+              <a:rPr lang="vi-VN" sz="1600" dirty="0">
+                <a:solidFill>
+                  <a:schemeClr val="tx1"/>
+                </a:solidFill>
+                <a:latin typeface="Signika" panose="020B0604020202020204" charset="0"/>
+              </a:rPr>
+              <a:t>nói riêng và các thiết bị </a:t>
+            </a:r>
+            <a:r>
+              <a:rPr lang="vi-VN" sz="1600" dirty="0" err="1">
+                <a:solidFill>
+                  <a:schemeClr val="tx1"/>
+                </a:solidFill>
+                <a:latin typeface="Signika" panose="020B0604020202020204" charset="0"/>
+              </a:rPr>
+              <a:t>IoT</a:t>
+            </a:r>
+            <a:r>
+              <a:rPr lang="vi-VN" sz="1600" dirty="0">
+                <a:solidFill>
+                  <a:schemeClr val="tx1"/>
+                </a:solidFill>
+                <a:latin typeface="Signika" panose="020B0604020202020204" charset="0"/>
+              </a:rPr>
+              <a:t> nói chung.</a:t>
+            </a:r>
+          </a:p>
+          <a:p>
+            <a:r>
+              <a:rPr lang="vi-VN" sz="1600" dirty="0">
+                <a:solidFill>
+                  <a:schemeClr val="tx1"/>
+                </a:solidFill>
+                <a:latin typeface="Signika" panose="020B0604020202020204" charset="0"/>
+              </a:rPr>
+              <a:t>    Bên cạnh đó, nhóm cũng được </a:t>
+            </a:r>
+            <a:r>
+              <a:rPr lang="vi-VN" sz="1600" b="1" dirty="0">
+                <a:solidFill>
+                  <a:schemeClr val="tx1"/>
+                </a:solidFill>
+                <a:latin typeface="Signika" panose="020B0604020202020204" charset="0"/>
+              </a:rPr>
+              <a:t>tiếp cận với các công nghệ mới</a:t>
+            </a:r>
+            <a:r>
+              <a:rPr lang="vi-VN" sz="1600" dirty="0">
+                <a:solidFill>
+                  <a:schemeClr val="tx1"/>
+                </a:solidFill>
+                <a:latin typeface="Signika" panose="020B0604020202020204" charset="0"/>
+              </a:rPr>
+              <a:t>. Đặc biệt là trải nghiệm mới khi </a:t>
+            </a:r>
+            <a:r>
+              <a:rPr lang="vi-VN" sz="1600" b="1" dirty="0">
+                <a:solidFill>
+                  <a:schemeClr val="tx1"/>
+                </a:solidFill>
+                <a:latin typeface="Signika" panose="020B0604020202020204" charset="0"/>
+              </a:rPr>
+              <a:t>lần đầu tiên được tham dự một dự án</a:t>
+            </a:r>
+            <a:r>
+              <a:rPr lang="vi-VN" sz="1600" dirty="0">
+                <a:solidFill>
+                  <a:schemeClr val="tx1"/>
+                </a:solidFill>
+                <a:latin typeface="Signika" panose="020B0604020202020204" charset="0"/>
+              </a:rPr>
+              <a:t> chuyên biệt.</a:t>
+            </a:r>
+          </a:p>
+          <a:p>
+            <a:endParaRPr lang="vi-VN" sz="1600" dirty="0">
+              <a:solidFill>
+                <a:schemeClr val="tx1"/>
+              </a:solidFill>
+              <a:latin typeface="Signika" panose="020B0604020202020204" charset="0"/>
+            </a:endParaRPr>
+          </a:p>
+          <a:p>
+            <a:r>
+              <a:rPr lang="vi-VN" sz="1600" b="1" dirty="0">
+                <a:solidFill>
+                  <a:schemeClr val="tx1"/>
+                </a:solidFill>
+                <a:latin typeface="Signika" panose="020B0604020202020204" charset="0"/>
+              </a:rPr>
+              <a:t>    Tất cả là những trải nghiệm vô cùng tuyệt vời đối với nhóm chúng em!</a:t>
+            </a:r>
+          </a:p>
+        </p:txBody>
+      </p:sp>
+    </p:spTree>
+    <p:extLst>
+      <p:ext uri="{BB962C8B-B14F-4D97-AF65-F5344CB8AC3E}">
+        <p14:creationId xmlns:p14="http://schemas.microsoft.com/office/powerpoint/2010/main" val="825594495"/>
+      </p:ext>
+    </p:extLst>
+  </p:cSld>
+  <p:clrMapOvr>
+    <a:masterClrMapping/>
+  </p:clrMapOvr>
+</p:sld>
+</file>
+
+<file path=ppt/slides/slide34.xml><?xml version="1.0" encoding="utf-8"?>
+<p:sld xmlns:a="http://schemas.openxmlformats.org/drawingml/2006/main" xmlns:r="http://schemas.openxmlformats.org/officeDocument/2006/relationships" xmlns:p="http://schemas.openxmlformats.org/presentationml/2006/main">
+  <p:cSld>
+    <p:spTree>
+      <p:nvGrpSpPr>
         <p:cNvPr id="1" name=""/>
         <p:cNvGrpSpPr/>
         <p:nvPr/>
